--- a/Trillo/presentation/Trillo project - what I learnt.pptx
+++ b/Trillo/presentation/Trillo project - what I learnt.pptx
@@ -6,6 +6,23 @@
   </p:sldMasterIdLst>
   <p:sldIdLst>
     <p:sldId id="256" r:id="rId2"/>
+    <p:sldId id="257" r:id="rId3"/>
+    <p:sldId id="258" r:id="rId4"/>
+    <p:sldId id="259" r:id="rId5"/>
+    <p:sldId id="260" r:id="rId6"/>
+    <p:sldId id="261" r:id="rId7"/>
+    <p:sldId id="262" r:id="rId8"/>
+    <p:sldId id="263" r:id="rId9"/>
+    <p:sldId id="264" r:id="rId10"/>
+    <p:sldId id="265" r:id="rId11"/>
+    <p:sldId id="266" r:id="rId12"/>
+    <p:sldId id="267" r:id="rId13"/>
+    <p:sldId id="268" r:id="rId14"/>
+    <p:sldId id="269" r:id="rId15"/>
+    <p:sldId id="270" r:id="rId16"/>
+    <p:sldId id="271" r:id="rId17"/>
+    <p:sldId id="272" r:id="rId18"/>
+    <p:sldId id="273" r:id="rId19"/>
   </p:sldIdLst>
   <p:sldSz cx="12192000" cy="6858000"/>
   <p:notesSz cx="6858000" cy="9144000"/>
@@ -104,6 +121,11 @@
       </a:defRPr>
     </a:lvl9pPr>
   </p:defaultTextStyle>
+  <p:extLst>
+    <p:ext uri="{EFAFB233-063F-42B5-8137-9DF3F51BA10A}">
+      <p15:sldGuideLst xmlns:p15="http://schemas.microsoft.com/office/powerpoint/2012/main"/>
+    </p:ext>
+  </p:extLst>
 </p:presentation>
 </file>
 
@@ -4003,6 +4025,7270 @@
 </p:sld>
 </file>
 
+<file path=ppt/slides/slide10.xml><?xml version="1.0" encoding="utf-8"?>
+<p:sld xmlns:a="http://schemas.openxmlformats.org/drawingml/2006/main" xmlns:r="http://schemas.openxmlformats.org/officeDocument/2006/relationships" xmlns:p="http://schemas.openxmlformats.org/presentationml/2006/main">
+  <p:cSld>
+    <p:spTree>
+      <p:nvGrpSpPr>
+        <p:cNvPr id="1" name=""/>
+        <p:cNvGrpSpPr/>
+        <p:nvPr/>
+      </p:nvGrpSpPr>
+      <p:grpSpPr>
+        <a:xfrm>
+          <a:off x="0" y="0"/>
+          <a:ext cx="0" cy="0"/>
+          <a:chOff x="0" y="0"/>
+          <a:chExt cx="0" cy="0"/>
+        </a:xfrm>
+      </p:grpSpPr>
+      <p:sp>
+        <p:nvSpPr>
+          <p:cNvPr id="2" name="Title 1">
+            <a:extLst>
+              <a:ext uri="{FF2B5EF4-FFF2-40B4-BE49-F238E27FC236}">
+                <a16:creationId xmlns:a16="http://schemas.microsoft.com/office/drawing/2014/main" id="{386AA8E3-444F-B144-AC31-9655556A864C}"/>
+              </a:ext>
+            </a:extLst>
+          </p:cNvPr>
+          <p:cNvSpPr>
+            <a:spLocks noGrp="1"/>
+          </p:cNvSpPr>
+          <p:nvPr>
+            <p:ph type="title"/>
+          </p:nvPr>
+        </p:nvSpPr>
+        <p:spPr/>
+        <p:txBody>
+          <a:bodyPr/>
+          <a:lstStyle/>
+          <a:p>
+            <a:r>
+              <a:rPr lang="en-US" dirty="0"/>
+              <a:t>Example code for playing with in </a:t>
+            </a:r>
+            <a:r>
+              <a:rPr lang="en-US" dirty="0" err="1"/>
+              <a:t>codepen</a:t>
+            </a:r>
+            <a:r>
+              <a:rPr lang="en-US" dirty="0"/>
+              <a:t> - </a:t>
+            </a:r>
+            <a:r>
+              <a:rPr lang="en-US" dirty="0" err="1"/>
+              <a:t>css</a:t>
+            </a:r>
+            <a:endParaRPr lang="en-US" dirty="0"/>
+          </a:p>
+        </p:txBody>
+      </p:sp>
+      <p:sp>
+        <p:nvSpPr>
+          <p:cNvPr id="3" name="Content Placeholder 2">
+            <a:extLst>
+              <a:ext uri="{FF2B5EF4-FFF2-40B4-BE49-F238E27FC236}">
+                <a16:creationId xmlns:a16="http://schemas.microsoft.com/office/drawing/2014/main" id="{68B408C5-344B-8E4B-AA6D-F77D632B3A1D}"/>
+              </a:ext>
+            </a:extLst>
+          </p:cNvPr>
+          <p:cNvSpPr>
+            <a:spLocks noGrp="1"/>
+          </p:cNvSpPr>
+          <p:nvPr>
+            <p:ph idx="1"/>
+          </p:nvPr>
+        </p:nvSpPr>
+        <p:spPr/>
+        <p:txBody>
+          <a:bodyPr>
+            <a:normAutofit fontScale="85000" lnSpcReduction="10000"/>
+          </a:bodyPr>
+          <a:lstStyle/>
+          <a:p>
+            <a:pPr marL="0" indent="0">
+              <a:buNone/>
+            </a:pPr>
+            <a:endParaRPr lang="en-GB" dirty="0">
+              <a:latin typeface="Courier New" panose="02070309020205020404" pitchFamily="49" charset="0"/>
+              <a:cs typeface="Courier New" panose="02070309020205020404" pitchFamily="49" charset="0"/>
+            </a:endParaRPr>
+          </a:p>
+          <a:p>
+            <a:pPr marL="0" indent="0">
+              <a:buNone/>
+            </a:pPr>
+            <a:r>
+              <a:rPr lang="en-GB" dirty="0">
+                <a:latin typeface="Courier New" panose="02070309020205020404" pitchFamily="49" charset="0"/>
+                <a:cs typeface="Courier New" panose="02070309020205020404" pitchFamily="49" charset="0"/>
+              </a:rPr>
+              <a:t>.item {</a:t>
+            </a:r>
+          </a:p>
+          <a:p>
+            <a:pPr marL="0" indent="0">
+              <a:buNone/>
+            </a:pPr>
+            <a:r>
+              <a:rPr lang="en-GB" dirty="0">
+                <a:latin typeface="Courier New" panose="02070309020205020404" pitchFamily="49" charset="0"/>
+                <a:cs typeface="Courier New" panose="02070309020205020404" pitchFamily="49" charset="0"/>
+              </a:rPr>
+              <a:t>  background-</a:t>
+            </a:r>
+            <a:r>
+              <a:rPr lang="en-GB" dirty="0" err="1">
+                <a:latin typeface="Courier New" panose="02070309020205020404" pitchFamily="49" charset="0"/>
+                <a:cs typeface="Courier New" panose="02070309020205020404" pitchFamily="49" charset="0"/>
+              </a:rPr>
+              <a:t>color</a:t>
+            </a:r>
+            <a:r>
+              <a:rPr lang="en-GB" dirty="0">
+                <a:latin typeface="Courier New" panose="02070309020205020404" pitchFamily="49" charset="0"/>
+                <a:cs typeface="Courier New" panose="02070309020205020404" pitchFamily="49" charset="0"/>
+              </a:rPr>
+              <a:t>: #f1425d;</a:t>
+            </a:r>
+          </a:p>
+          <a:p>
+            <a:pPr marL="0" indent="0">
+              <a:buNone/>
+            </a:pPr>
+            <a:r>
+              <a:rPr lang="en-GB" dirty="0">
+                <a:latin typeface="Courier New" panose="02070309020205020404" pitchFamily="49" charset="0"/>
+                <a:cs typeface="Courier New" panose="02070309020205020404" pitchFamily="49" charset="0"/>
+              </a:rPr>
+              <a:t>  padding: 30px;</a:t>
+            </a:r>
+          </a:p>
+          <a:p>
+            <a:pPr marL="0" indent="0">
+              <a:buNone/>
+            </a:pPr>
+            <a:r>
+              <a:rPr lang="en-GB" dirty="0">
+                <a:latin typeface="Courier New" panose="02070309020205020404" pitchFamily="49" charset="0"/>
+                <a:cs typeface="Courier New" panose="02070309020205020404" pitchFamily="49" charset="0"/>
+              </a:rPr>
+              <a:t>  margin: 30px;</a:t>
+            </a:r>
+          </a:p>
+          <a:p>
+            <a:pPr marL="0" indent="0">
+              <a:buNone/>
+            </a:pPr>
+            <a:r>
+              <a:rPr lang="en-GB" dirty="0">
+                <a:latin typeface="Courier New" panose="02070309020205020404" pitchFamily="49" charset="0"/>
+                <a:cs typeface="Courier New" panose="02070309020205020404" pitchFamily="49" charset="0"/>
+              </a:rPr>
+              <a:t>  </a:t>
+            </a:r>
+            <a:r>
+              <a:rPr lang="en-GB" dirty="0" err="1">
+                <a:latin typeface="Courier New" panose="02070309020205020404" pitchFamily="49" charset="0"/>
+                <a:cs typeface="Courier New" panose="02070309020205020404" pitchFamily="49" charset="0"/>
+              </a:rPr>
+              <a:t>color</a:t>
+            </a:r>
+            <a:r>
+              <a:rPr lang="en-GB" dirty="0">
+                <a:latin typeface="Courier New" panose="02070309020205020404" pitchFamily="49" charset="0"/>
+                <a:cs typeface="Courier New" panose="02070309020205020404" pitchFamily="49" charset="0"/>
+              </a:rPr>
+              <a:t>: #</a:t>
+            </a:r>
+            <a:r>
+              <a:rPr lang="en-GB" dirty="0" err="1">
+                <a:latin typeface="Courier New" panose="02070309020205020404" pitchFamily="49" charset="0"/>
+                <a:cs typeface="Courier New" panose="02070309020205020404" pitchFamily="49" charset="0"/>
+              </a:rPr>
+              <a:t>fff</a:t>
+            </a:r>
+            <a:r>
+              <a:rPr lang="en-GB" dirty="0">
+                <a:latin typeface="Courier New" panose="02070309020205020404" pitchFamily="49" charset="0"/>
+                <a:cs typeface="Courier New" panose="02070309020205020404" pitchFamily="49" charset="0"/>
+              </a:rPr>
+              <a:t>;</a:t>
+            </a:r>
+          </a:p>
+          <a:p>
+            <a:pPr marL="0" indent="0">
+              <a:buNone/>
+            </a:pPr>
+            <a:r>
+              <a:rPr lang="en-GB" dirty="0">
+                <a:latin typeface="Courier New" panose="02070309020205020404" pitchFamily="49" charset="0"/>
+                <a:cs typeface="Courier New" panose="02070309020205020404" pitchFamily="49" charset="0"/>
+              </a:rPr>
+              <a:t>  font-size: 40px;</a:t>
+            </a:r>
+          </a:p>
+          <a:p>
+            <a:pPr marL="0" indent="0">
+              <a:buNone/>
+            </a:pPr>
+            <a:r>
+              <a:rPr lang="en-GB" dirty="0">
+                <a:latin typeface="Courier New" panose="02070309020205020404" pitchFamily="49" charset="0"/>
+                <a:cs typeface="Courier New" panose="02070309020205020404" pitchFamily="49" charset="0"/>
+              </a:rPr>
+              <a:t>  </a:t>
+            </a:r>
+          </a:p>
+          <a:p>
+            <a:pPr marL="0" indent="0">
+              <a:buNone/>
+            </a:pPr>
+            <a:r>
+              <a:rPr lang="en-GB" dirty="0">
+                <a:latin typeface="Courier New" panose="02070309020205020404" pitchFamily="49" charset="0"/>
+                <a:cs typeface="Courier New" panose="02070309020205020404" pitchFamily="49" charset="0"/>
+              </a:rPr>
+              <a:t>/*   flex-grow: 1; */</a:t>
+            </a:r>
+          </a:p>
+          <a:p>
+            <a:pPr marL="0" indent="0">
+              <a:buNone/>
+            </a:pPr>
+            <a:r>
+              <a:rPr lang="en-GB" dirty="0">
+                <a:latin typeface="Courier New" panose="02070309020205020404" pitchFamily="49" charset="0"/>
+                <a:cs typeface="Courier New" panose="02070309020205020404" pitchFamily="49" charset="0"/>
+              </a:rPr>
+              <a:t>/*   flex: 1; */</a:t>
+            </a:r>
+          </a:p>
+          <a:p>
+            <a:pPr marL="0" indent="0">
+              <a:buNone/>
+            </a:pPr>
+            <a:r>
+              <a:rPr lang="en-GB" dirty="0">
+                <a:latin typeface="Courier New" panose="02070309020205020404" pitchFamily="49" charset="0"/>
+                <a:cs typeface="Courier New" panose="02070309020205020404" pitchFamily="49" charset="0"/>
+              </a:rPr>
+              <a:t>}</a:t>
+            </a:r>
+          </a:p>
+          <a:p>
+            <a:pPr marL="0" indent="0">
+              <a:buNone/>
+            </a:pPr>
+            <a:endParaRPr lang="en-GB" dirty="0">
+              <a:latin typeface="Courier New" panose="02070309020205020404" pitchFamily="49" charset="0"/>
+              <a:cs typeface="Courier New" panose="02070309020205020404" pitchFamily="49" charset="0"/>
+            </a:endParaRPr>
+          </a:p>
+        </p:txBody>
+      </p:sp>
+    </p:spTree>
+    <p:extLst>
+      <p:ext uri="{BB962C8B-B14F-4D97-AF65-F5344CB8AC3E}">
+        <p14:creationId xmlns:p14="http://schemas.microsoft.com/office/powerpoint/2010/main" val="128289492"/>
+      </p:ext>
+    </p:extLst>
+  </p:cSld>
+  <p:clrMapOvr>
+    <a:masterClrMapping/>
+  </p:clrMapOvr>
+</p:sld>
+</file>
+
+<file path=ppt/slides/slide11.xml><?xml version="1.0" encoding="utf-8"?>
+<p:sld xmlns:a="http://schemas.openxmlformats.org/drawingml/2006/main" xmlns:r="http://schemas.openxmlformats.org/officeDocument/2006/relationships" xmlns:p="http://schemas.openxmlformats.org/presentationml/2006/main">
+  <p:cSld>
+    <p:spTree>
+      <p:nvGrpSpPr>
+        <p:cNvPr id="1" name=""/>
+        <p:cNvGrpSpPr/>
+        <p:nvPr/>
+      </p:nvGrpSpPr>
+      <p:grpSpPr>
+        <a:xfrm>
+          <a:off x="0" y="0"/>
+          <a:ext cx="0" cy="0"/>
+          <a:chOff x="0" y="0"/>
+          <a:chExt cx="0" cy="0"/>
+        </a:xfrm>
+      </p:grpSpPr>
+      <p:sp>
+        <p:nvSpPr>
+          <p:cNvPr id="2" name="Title 1">
+            <a:extLst>
+              <a:ext uri="{FF2B5EF4-FFF2-40B4-BE49-F238E27FC236}">
+                <a16:creationId xmlns:a16="http://schemas.microsoft.com/office/drawing/2014/main" id="{386AA8E3-444F-B144-AC31-9655556A864C}"/>
+              </a:ext>
+            </a:extLst>
+          </p:cNvPr>
+          <p:cNvSpPr>
+            <a:spLocks noGrp="1"/>
+          </p:cNvSpPr>
+          <p:nvPr>
+            <p:ph type="title"/>
+          </p:nvPr>
+        </p:nvSpPr>
+        <p:spPr/>
+        <p:txBody>
+          <a:bodyPr/>
+          <a:lstStyle/>
+          <a:p>
+            <a:r>
+              <a:rPr lang="en-US" dirty="0"/>
+              <a:t>Example code for playing with in </a:t>
+            </a:r>
+            <a:r>
+              <a:rPr lang="en-US" dirty="0" err="1"/>
+              <a:t>codepen</a:t>
+            </a:r>
+            <a:r>
+              <a:rPr lang="en-US" dirty="0"/>
+              <a:t> - </a:t>
+            </a:r>
+            <a:r>
+              <a:rPr lang="en-US" dirty="0" err="1"/>
+              <a:t>css</a:t>
+            </a:r>
+            <a:endParaRPr lang="en-US" dirty="0"/>
+          </a:p>
+        </p:txBody>
+      </p:sp>
+      <p:sp>
+        <p:nvSpPr>
+          <p:cNvPr id="3" name="Content Placeholder 2">
+            <a:extLst>
+              <a:ext uri="{FF2B5EF4-FFF2-40B4-BE49-F238E27FC236}">
+                <a16:creationId xmlns:a16="http://schemas.microsoft.com/office/drawing/2014/main" id="{68B408C5-344B-8E4B-AA6D-F77D632B3A1D}"/>
+              </a:ext>
+            </a:extLst>
+          </p:cNvPr>
+          <p:cNvSpPr>
+            <a:spLocks noGrp="1"/>
+          </p:cNvSpPr>
+          <p:nvPr>
+            <p:ph idx="1"/>
+          </p:nvPr>
+        </p:nvSpPr>
+        <p:spPr/>
+        <p:txBody>
+          <a:bodyPr>
+            <a:normAutofit fontScale="92500" lnSpcReduction="20000"/>
+          </a:bodyPr>
+          <a:lstStyle/>
+          <a:p>
+            <a:pPr marL="0" indent="0">
+              <a:buNone/>
+            </a:pPr>
+            <a:r>
+              <a:rPr lang="en-GB" dirty="0">
+                <a:latin typeface="Courier New" panose="02070309020205020404" pitchFamily="49" charset="0"/>
+                <a:cs typeface="Courier New" panose="02070309020205020404" pitchFamily="49" charset="0"/>
+              </a:rPr>
+              <a:t>.i2 {</a:t>
+            </a:r>
+          </a:p>
+          <a:p>
+            <a:pPr marL="0" indent="0">
+              <a:buNone/>
+            </a:pPr>
+            <a:r>
+              <a:rPr lang="en-GB" dirty="0">
+                <a:latin typeface="Courier New" panose="02070309020205020404" pitchFamily="49" charset="0"/>
+                <a:cs typeface="Courier New" panose="02070309020205020404" pitchFamily="49" charset="0"/>
+              </a:rPr>
+              <a:t>  height: 200px;</a:t>
+            </a:r>
+          </a:p>
+          <a:p>
+            <a:pPr marL="0" indent="0">
+              <a:buNone/>
+            </a:pPr>
+            <a:r>
+              <a:rPr lang="en-GB" dirty="0">
+                <a:latin typeface="Courier New" panose="02070309020205020404" pitchFamily="49" charset="0"/>
+                <a:cs typeface="Courier New" panose="02070309020205020404" pitchFamily="49" charset="0"/>
+              </a:rPr>
+              <a:t>/*   order: 2; */</a:t>
+            </a:r>
+          </a:p>
+          <a:p>
+            <a:pPr marL="0" indent="0">
+              <a:buNone/>
+            </a:pPr>
+            <a:r>
+              <a:rPr lang="en-GB" dirty="0">
+                <a:latin typeface="Courier New" panose="02070309020205020404" pitchFamily="49" charset="0"/>
+                <a:cs typeface="Courier New" panose="02070309020205020404" pitchFamily="49" charset="0"/>
+              </a:rPr>
+              <a:t>/*   flex: 2; */</a:t>
+            </a:r>
+          </a:p>
+          <a:p>
+            <a:pPr marL="0" indent="0">
+              <a:buNone/>
+            </a:pPr>
+            <a:r>
+              <a:rPr lang="en-GB" dirty="0">
+                <a:latin typeface="Courier New" panose="02070309020205020404" pitchFamily="49" charset="0"/>
+                <a:cs typeface="Courier New" panose="02070309020205020404" pitchFamily="49" charset="0"/>
+              </a:rPr>
+              <a:t>/*   flex: 3; */</a:t>
+            </a:r>
+          </a:p>
+          <a:p>
+            <a:pPr marL="0" indent="0">
+              <a:buNone/>
+            </a:pPr>
+            <a:r>
+              <a:rPr lang="en-GB" dirty="0">
+                <a:latin typeface="Courier New" panose="02070309020205020404" pitchFamily="49" charset="0"/>
+                <a:cs typeface="Courier New" panose="02070309020205020404" pitchFamily="49" charset="0"/>
+              </a:rPr>
+              <a:t>/*     flex-basis: 20%; */</a:t>
+            </a:r>
+          </a:p>
+          <a:p>
+            <a:pPr marL="0" indent="0">
+              <a:buNone/>
+            </a:pPr>
+            <a:r>
+              <a:rPr lang="en-GB" dirty="0">
+                <a:latin typeface="Courier New" panose="02070309020205020404" pitchFamily="49" charset="0"/>
+                <a:cs typeface="Courier New" panose="02070309020205020404" pitchFamily="49" charset="0"/>
+              </a:rPr>
+              <a:t>/*   flex-basis: 300px; */</a:t>
+            </a:r>
+          </a:p>
+          <a:p>
+            <a:pPr marL="0" indent="0">
+              <a:buNone/>
+            </a:pPr>
+            <a:r>
+              <a:rPr lang="en-GB" dirty="0">
+                <a:latin typeface="Courier New" panose="02070309020205020404" pitchFamily="49" charset="0"/>
+                <a:cs typeface="Courier New" panose="02070309020205020404" pitchFamily="49" charset="0"/>
+              </a:rPr>
+              <a:t>/*   flex-shrink: 1; */</a:t>
+            </a:r>
+          </a:p>
+          <a:p>
+            <a:pPr marL="0" indent="0">
+              <a:buNone/>
+            </a:pPr>
+            <a:r>
+              <a:rPr lang="en-GB" dirty="0">
+                <a:latin typeface="Courier New" panose="02070309020205020404" pitchFamily="49" charset="0"/>
+                <a:cs typeface="Courier New" panose="02070309020205020404" pitchFamily="49" charset="0"/>
+              </a:rPr>
+              <a:t>/*   flex-shrink: 0; */</a:t>
+            </a:r>
+          </a:p>
+          <a:p>
+            <a:pPr marL="0" indent="0">
+              <a:buNone/>
+            </a:pPr>
+            <a:r>
+              <a:rPr lang="en-GB" dirty="0">
+                <a:latin typeface="Courier New" panose="02070309020205020404" pitchFamily="49" charset="0"/>
+                <a:cs typeface="Courier New" panose="02070309020205020404" pitchFamily="49" charset="0"/>
+              </a:rPr>
+              <a:t>  flex: 0 0 300px;</a:t>
+            </a:r>
+          </a:p>
+          <a:p>
+            <a:pPr marL="0" indent="0">
+              <a:buNone/>
+            </a:pPr>
+            <a:r>
+              <a:rPr lang="en-GB" dirty="0">
+                <a:latin typeface="Courier New" panose="02070309020205020404" pitchFamily="49" charset="0"/>
+                <a:cs typeface="Courier New" panose="02070309020205020404" pitchFamily="49" charset="0"/>
+              </a:rPr>
+              <a:t>}</a:t>
+            </a:r>
+          </a:p>
+        </p:txBody>
+      </p:sp>
+    </p:spTree>
+    <p:extLst>
+      <p:ext uri="{BB962C8B-B14F-4D97-AF65-F5344CB8AC3E}">
+        <p14:creationId xmlns:p14="http://schemas.microsoft.com/office/powerpoint/2010/main" val="478965271"/>
+      </p:ext>
+    </p:extLst>
+  </p:cSld>
+  <p:clrMapOvr>
+    <a:masterClrMapping/>
+  </p:clrMapOvr>
+</p:sld>
+</file>
+
+<file path=ppt/slides/slide12.xml><?xml version="1.0" encoding="utf-8"?>
+<p:sld xmlns:a="http://schemas.openxmlformats.org/drawingml/2006/main" xmlns:r="http://schemas.openxmlformats.org/officeDocument/2006/relationships" xmlns:p="http://schemas.openxmlformats.org/presentationml/2006/main">
+  <p:cSld>
+    <p:spTree>
+      <p:nvGrpSpPr>
+        <p:cNvPr id="1" name=""/>
+        <p:cNvGrpSpPr/>
+        <p:nvPr/>
+      </p:nvGrpSpPr>
+      <p:grpSpPr>
+        <a:xfrm>
+          <a:off x="0" y="0"/>
+          <a:ext cx="0" cy="0"/>
+          <a:chOff x="0" y="0"/>
+          <a:chExt cx="0" cy="0"/>
+        </a:xfrm>
+      </p:grpSpPr>
+      <p:sp>
+        <p:nvSpPr>
+          <p:cNvPr id="2" name="Title 1">
+            <a:extLst>
+              <a:ext uri="{FF2B5EF4-FFF2-40B4-BE49-F238E27FC236}">
+                <a16:creationId xmlns:a16="http://schemas.microsoft.com/office/drawing/2014/main" id="{386AA8E3-444F-B144-AC31-9655556A864C}"/>
+              </a:ext>
+            </a:extLst>
+          </p:cNvPr>
+          <p:cNvSpPr>
+            <a:spLocks noGrp="1"/>
+          </p:cNvSpPr>
+          <p:nvPr>
+            <p:ph type="title"/>
+          </p:nvPr>
+        </p:nvSpPr>
+        <p:spPr/>
+        <p:txBody>
+          <a:bodyPr/>
+          <a:lstStyle/>
+          <a:p>
+            <a:r>
+              <a:rPr lang="en-US" dirty="0"/>
+              <a:t>Example code for playing with in </a:t>
+            </a:r>
+            <a:r>
+              <a:rPr lang="en-US" dirty="0" err="1"/>
+              <a:t>codepen</a:t>
+            </a:r>
+            <a:r>
+              <a:rPr lang="en-US" dirty="0"/>
+              <a:t> - </a:t>
+            </a:r>
+            <a:r>
+              <a:rPr lang="en-US" dirty="0" err="1"/>
+              <a:t>css</a:t>
+            </a:r>
+            <a:endParaRPr lang="en-US" dirty="0"/>
+          </a:p>
+        </p:txBody>
+      </p:sp>
+      <p:sp>
+        <p:nvSpPr>
+          <p:cNvPr id="3" name="Content Placeholder 2">
+            <a:extLst>
+              <a:ext uri="{FF2B5EF4-FFF2-40B4-BE49-F238E27FC236}">
+                <a16:creationId xmlns:a16="http://schemas.microsoft.com/office/drawing/2014/main" id="{68B408C5-344B-8E4B-AA6D-F77D632B3A1D}"/>
+              </a:ext>
+            </a:extLst>
+          </p:cNvPr>
+          <p:cNvSpPr>
+            <a:spLocks noGrp="1"/>
+          </p:cNvSpPr>
+          <p:nvPr>
+            <p:ph idx="1"/>
+          </p:nvPr>
+        </p:nvSpPr>
+        <p:spPr/>
+        <p:txBody>
+          <a:bodyPr>
+            <a:normAutofit fontScale="62500" lnSpcReduction="20000"/>
+          </a:bodyPr>
+          <a:lstStyle/>
+          <a:p>
+            <a:pPr marL="0" indent="0">
+              <a:buNone/>
+            </a:pPr>
+            <a:r>
+              <a:rPr lang="en-GB" dirty="0">
+                <a:latin typeface="Courier New" panose="02070309020205020404" pitchFamily="49" charset="0"/>
+                <a:cs typeface="Courier New" panose="02070309020205020404" pitchFamily="49" charset="0"/>
+              </a:rPr>
+              <a:t>.i3 {</a:t>
+            </a:r>
+          </a:p>
+          <a:p>
+            <a:pPr marL="0" indent="0">
+              <a:buNone/>
+            </a:pPr>
+            <a:r>
+              <a:rPr lang="en-GB" dirty="0">
+                <a:latin typeface="Courier New" panose="02070309020205020404" pitchFamily="49" charset="0"/>
+                <a:cs typeface="Courier New" panose="02070309020205020404" pitchFamily="49" charset="0"/>
+              </a:rPr>
+              <a:t>/*   order: -2; */</a:t>
+            </a:r>
+          </a:p>
+          <a:p>
+            <a:pPr marL="0" indent="0">
+              <a:buNone/>
+            </a:pPr>
+            <a:r>
+              <a:rPr lang="en-GB" dirty="0">
+                <a:latin typeface="Courier New" panose="02070309020205020404" pitchFamily="49" charset="0"/>
+                <a:cs typeface="Courier New" panose="02070309020205020404" pitchFamily="49" charset="0"/>
+              </a:rPr>
+              <a:t>/*   order: 1; */</a:t>
+            </a:r>
+          </a:p>
+          <a:p>
+            <a:pPr marL="0" indent="0">
+              <a:buNone/>
+            </a:pPr>
+            <a:r>
+              <a:rPr lang="en-GB" dirty="0">
+                <a:latin typeface="Courier New" panose="02070309020205020404" pitchFamily="49" charset="0"/>
+                <a:cs typeface="Courier New" panose="02070309020205020404" pitchFamily="49" charset="0"/>
+              </a:rPr>
+              <a:t>/*   flex: 1; */</a:t>
+            </a:r>
+          </a:p>
+          <a:p>
+            <a:pPr marL="0" indent="0">
+              <a:buNone/>
+            </a:pPr>
+            <a:r>
+              <a:rPr lang="en-GB" dirty="0">
+                <a:latin typeface="Courier New" panose="02070309020205020404" pitchFamily="49" charset="0"/>
+                <a:cs typeface="Courier New" panose="02070309020205020404" pitchFamily="49" charset="0"/>
+              </a:rPr>
+              <a:t>}</a:t>
+            </a:r>
+          </a:p>
+          <a:p>
+            <a:pPr marL="0" indent="0">
+              <a:buNone/>
+            </a:pPr>
+            <a:endParaRPr lang="en-GB" dirty="0">
+              <a:latin typeface="Courier New" panose="02070309020205020404" pitchFamily="49" charset="0"/>
+              <a:cs typeface="Courier New" panose="02070309020205020404" pitchFamily="49" charset="0"/>
+            </a:endParaRPr>
+          </a:p>
+          <a:p>
+            <a:pPr marL="0" indent="0">
+              <a:buNone/>
+            </a:pPr>
+            <a:r>
+              <a:rPr lang="en-GB" dirty="0">
+                <a:latin typeface="Courier New" panose="02070309020205020404" pitchFamily="49" charset="0"/>
+                <a:cs typeface="Courier New" panose="02070309020205020404" pitchFamily="49" charset="0"/>
+              </a:rPr>
+              <a:t>.i4 {</a:t>
+            </a:r>
+          </a:p>
+          <a:p>
+            <a:pPr marL="0" indent="0">
+              <a:buNone/>
+            </a:pPr>
+            <a:r>
+              <a:rPr lang="en-GB" dirty="0">
+                <a:latin typeface="Courier New" panose="02070309020205020404" pitchFamily="49" charset="0"/>
+                <a:cs typeface="Courier New" panose="02070309020205020404" pitchFamily="49" charset="0"/>
+              </a:rPr>
+              <a:t>  font-size: 70px;</a:t>
+            </a:r>
+          </a:p>
+          <a:p>
+            <a:pPr marL="0" indent="0">
+              <a:buNone/>
+            </a:pPr>
+            <a:r>
+              <a:rPr lang="en-GB" dirty="0">
+                <a:latin typeface="Courier New" panose="02070309020205020404" pitchFamily="49" charset="0"/>
+                <a:cs typeface="Courier New" panose="02070309020205020404" pitchFamily="49" charset="0"/>
+              </a:rPr>
+              <a:t>/*   align-self: stretch; */</a:t>
+            </a:r>
+          </a:p>
+          <a:p>
+            <a:pPr marL="0" indent="0">
+              <a:buNone/>
+            </a:pPr>
+            <a:r>
+              <a:rPr lang="en-GB" dirty="0">
+                <a:latin typeface="Courier New" panose="02070309020205020404" pitchFamily="49" charset="0"/>
+                <a:cs typeface="Courier New" panose="02070309020205020404" pitchFamily="49" charset="0"/>
+              </a:rPr>
+              <a:t>/*   align-self: flex-start; */</a:t>
+            </a:r>
+          </a:p>
+          <a:p>
+            <a:pPr marL="0" indent="0">
+              <a:buNone/>
+            </a:pPr>
+            <a:r>
+              <a:rPr lang="en-GB" dirty="0">
+                <a:latin typeface="Courier New" panose="02070309020205020404" pitchFamily="49" charset="0"/>
+                <a:cs typeface="Courier New" panose="02070309020205020404" pitchFamily="49" charset="0"/>
+              </a:rPr>
+              <a:t>/*   align-self: flex-end; */</a:t>
+            </a:r>
+          </a:p>
+          <a:p>
+            <a:pPr marL="0" indent="0">
+              <a:buNone/>
+            </a:pPr>
+            <a:r>
+              <a:rPr lang="en-GB" dirty="0">
+                <a:latin typeface="Courier New" panose="02070309020205020404" pitchFamily="49" charset="0"/>
+                <a:cs typeface="Courier New" panose="02070309020205020404" pitchFamily="49" charset="0"/>
+              </a:rPr>
+              <a:t>/*   align-self: </a:t>
+            </a:r>
+            <a:r>
+              <a:rPr lang="en-GB" dirty="0" err="1">
+                <a:latin typeface="Courier New" panose="02070309020205020404" pitchFamily="49" charset="0"/>
+                <a:cs typeface="Courier New" panose="02070309020205020404" pitchFamily="49" charset="0"/>
+              </a:rPr>
+              <a:t>center</a:t>
+            </a:r>
+            <a:r>
+              <a:rPr lang="en-GB" dirty="0">
+                <a:latin typeface="Courier New" panose="02070309020205020404" pitchFamily="49" charset="0"/>
+                <a:cs typeface="Courier New" panose="02070309020205020404" pitchFamily="49" charset="0"/>
+              </a:rPr>
+              <a:t>;   */</a:t>
+            </a:r>
+          </a:p>
+          <a:p>
+            <a:pPr marL="0" indent="0">
+              <a:buNone/>
+            </a:pPr>
+            <a:r>
+              <a:rPr lang="en-GB" dirty="0">
+                <a:latin typeface="Courier New" panose="02070309020205020404" pitchFamily="49" charset="0"/>
+                <a:cs typeface="Courier New" panose="02070309020205020404" pitchFamily="49" charset="0"/>
+              </a:rPr>
+              <a:t>/*   align-self: baseline; */</a:t>
+            </a:r>
+          </a:p>
+          <a:p>
+            <a:pPr marL="0" indent="0">
+              <a:buNone/>
+            </a:pPr>
+            <a:r>
+              <a:rPr lang="en-GB" dirty="0">
+                <a:latin typeface="Courier New" panose="02070309020205020404" pitchFamily="49" charset="0"/>
+                <a:cs typeface="Courier New" panose="02070309020205020404" pitchFamily="49" charset="0"/>
+              </a:rPr>
+              <a:t>/*   order: -1; */</a:t>
+            </a:r>
+          </a:p>
+          <a:p>
+            <a:pPr marL="0" indent="0">
+              <a:buNone/>
+            </a:pPr>
+            <a:r>
+              <a:rPr lang="en-GB" dirty="0">
+                <a:latin typeface="Courier New" panose="02070309020205020404" pitchFamily="49" charset="0"/>
+                <a:cs typeface="Courier New" panose="02070309020205020404" pitchFamily="49" charset="0"/>
+              </a:rPr>
+              <a:t>}</a:t>
+            </a:r>
+            <a:endParaRPr lang="en-US" dirty="0">
+              <a:latin typeface="Courier New" panose="02070309020205020404" pitchFamily="49" charset="0"/>
+              <a:cs typeface="Courier New" panose="02070309020205020404" pitchFamily="49" charset="0"/>
+            </a:endParaRPr>
+          </a:p>
+        </p:txBody>
+      </p:sp>
+    </p:spTree>
+    <p:extLst>
+      <p:ext uri="{BB962C8B-B14F-4D97-AF65-F5344CB8AC3E}">
+        <p14:creationId xmlns:p14="http://schemas.microsoft.com/office/powerpoint/2010/main" val="2855848655"/>
+      </p:ext>
+    </p:extLst>
+  </p:cSld>
+  <p:clrMapOvr>
+    <a:masterClrMapping/>
+  </p:clrMapOvr>
+</p:sld>
+</file>
+
+<file path=ppt/slides/slide13.xml><?xml version="1.0" encoding="utf-8"?>
+<p:sld xmlns:a="http://schemas.openxmlformats.org/drawingml/2006/main" xmlns:r="http://schemas.openxmlformats.org/officeDocument/2006/relationships" xmlns:p="http://schemas.openxmlformats.org/presentationml/2006/main">
+  <p:cSld>
+    <p:spTree>
+      <p:nvGrpSpPr>
+        <p:cNvPr id="1" name=""/>
+        <p:cNvGrpSpPr/>
+        <p:nvPr/>
+      </p:nvGrpSpPr>
+      <p:grpSpPr>
+        <a:xfrm>
+          <a:off x="0" y="0"/>
+          <a:ext cx="0" cy="0"/>
+          <a:chOff x="0" y="0"/>
+          <a:chExt cx="0" cy="0"/>
+        </a:xfrm>
+      </p:grpSpPr>
+      <p:sp>
+        <p:nvSpPr>
+          <p:cNvPr id="2" name="Title 1">
+            <a:extLst>
+              <a:ext uri="{FF2B5EF4-FFF2-40B4-BE49-F238E27FC236}">
+                <a16:creationId xmlns:a16="http://schemas.microsoft.com/office/drawing/2014/main" id="{168BA0B5-875A-0943-AC75-EFC188B0DFD1}"/>
+              </a:ext>
+            </a:extLst>
+          </p:cNvPr>
+          <p:cNvSpPr>
+            <a:spLocks noGrp="1"/>
+          </p:cNvSpPr>
+          <p:nvPr>
+            <p:ph type="title"/>
+          </p:nvPr>
+        </p:nvSpPr>
+        <p:spPr/>
+        <p:txBody>
+          <a:bodyPr/>
+          <a:lstStyle/>
+          <a:p>
+            <a:r>
+              <a:rPr lang="en-US" dirty="0" err="1"/>
+              <a:t>Trillo</a:t>
+            </a:r>
+            <a:r>
+              <a:rPr lang="en-US" dirty="0"/>
+              <a:t> application - header</a:t>
+            </a:r>
+          </a:p>
+        </p:txBody>
+      </p:sp>
+      <p:sp>
+        <p:nvSpPr>
+          <p:cNvPr id="6" name="TextBox 5">
+            <a:extLst>
+              <a:ext uri="{FF2B5EF4-FFF2-40B4-BE49-F238E27FC236}">
+                <a16:creationId xmlns:a16="http://schemas.microsoft.com/office/drawing/2014/main" id="{1ACBBDA1-6673-EB46-AD0F-FF4C4FAF856A}"/>
+              </a:ext>
+            </a:extLst>
+          </p:cNvPr>
+          <p:cNvSpPr txBox="1"/>
+          <p:nvPr/>
+        </p:nvSpPr>
+        <p:spPr>
+          <a:xfrm>
+            <a:off x="581192" y="3429000"/>
+            <a:ext cx="10950270" cy="3139321"/>
+          </a:xfrm>
+          <a:prstGeom prst="rect">
+            <a:avLst/>
+          </a:prstGeom>
+          <a:noFill/>
+        </p:spPr>
+        <p:txBody>
+          <a:bodyPr wrap="square" rtlCol="0">
+            <a:spAutoFit/>
+          </a:bodyPr>
+          <a:lstStyle/>
+          <a:p>
+            <a:r>
+              <a:rPr lang="en-GB" dirty="0">
+                <a:latin typeface="Courier New" panose="02070309020205020404" pitchFamily="49" charset="0"/>
+                <a:cs typeface="Courier New" panose="02070309020205020404" pitchFamily="49" charset="0"/>
+              </a:rPr>
+              <a:t>.header {</a:t>
+            </a:r>
+          </a:p>
+          <a:p>
+            <a:r>
+              <a:rPr lang="en-GB" dirty="0">
+                <a:latin typeface="Courier New" panose="02070309020205020404" pitchFamily="49" charset="0"/>
+                <a:cs typeface="Courier New" panose="02070309020205020404" pitchFamily="49" charset="0"/>
+              </a:rPr>
+              <a:t>	font-size: 1.4rem;</a:t>
+            </a:r>
+          </a:p>
+          <a:p>
+            <a:r>
+              <a:rPr lang="en-GB" dirty="0">
+                <a:latin typeface="Courier New" panose="02070309020205020404" pitchFamily="49" charset="0"/>
+                <a:cs typeface="Courier New" panose="02070309020205020404" pitchFamily="49" charset="0"/>
+              </a:rPr>
+              <a:t>	height: 7rem;</a:t>
+            </a:r>
+          </a:p>
+          <a:p>
+            <a:r>
+              <a:rPr lang="en-GB" dirty="0">
+                <a:latin typeface="Courier New" panose="02070309020205020404" pitchFamily="49" charset="0"/>
+                <a:cs typeface="Courier New" panose="02070309020205020404" pitchFamily="49" charset="0"/>
+              </a:rPr>
+              <a:t>	background-</a:t>
+            </a:r>
+            <a:r>
+              <a:rPr lang="en-GB" dirty="0" err="1">
+                <a:latin typeface="Courier New" panose="02070309020205020404" pitchFamily="49" charset="0"/>
+                <a:cs typeface="Courier New" panose="02070309020205020404" pitchFamily="49" charset="0"/>
+              </a:rPr>
+              <a:t>color</a:t>
+            </a:r>
+            <a:r>
+              <a:rPr lang="en-GB" dirty="0">
+                <a:latin typeface="Courier New" panose="02070309020205020404" pitchFamily="49" charset="0"/>
+                <a:cs typeface="Courier New" panose="02070309020205020404" pitchFamily="49" charset="0"/>
+              </a:rPr>
+              <a:t>: </a:t>
+            </a:r>
+            <a:r>
+              <a:rPr lang="en-GB" dirty="0" err="1">
+                <a:latin typeface="Courier New" panose="02070309020205020404" pitchFamily="49" charset="0"/>
+                <a:cs typeface="Courier New" panose="02070309020205020404" pitchFamily="49" charset="0"/>
+              </a:rPr>
+              <a:t>var</a:t>
+            </a:r>
+            <a:r>
+              <a:rPr lang="en-GB" dirty="0">
+                <a:latin typeface="Courier New" panose="02070309020205020404" pitchFamily="49" charset="0"/>
+                <a:cs typeface="Courier New" panose="02070309020205020404" pitchFamily="49" charset="0"/>
+              </a:rPr>
+              <a:t>(--</a:t>
+            </a:r>
+            <a:r>
+              <a:rPr lang="en-GB" dirty="0" err="1">
+                <a:latin typeface="Courier New" panose="02070309020205020404" pitchFamily="49" charset="0"/>
+                <a:cs typeface="Courier New" panose="02070309020205020404" pitchFamily="49" charset="0"/>
+              </a:rPr>
+              <a:t>color</a:t>
+            </a:r>
+            <a:r>
+              <a:rPr lang="en-GB" dirty="0">
+                <a:latin typeface="Courier New" panose="02070309020205020404" pitchFamily="49" charset="0"/>
+                <a:cs typeface="Courier New" panose="02070309020205020404" pitchFamily="49" charset="0"/>
+              </a:rPr>
+              <a:t>-white);</a:t>
+            </a:r>
+          </a:p>
+          <a:p>
+            <a:r>
+              <a:rPr lang="en-GB" dirty="0">
+                <a:latin typeface="Courier New" panose="02070309020205020404" pitchFamily="49" charset="0"/>
+                <a:cs typeface="Courier New" panose="02070309020205020404" pitchFamily="49" charset="0"/>
+              </a:rPr>
+              <a:t>	border-bottom: </a:t>
+            </a:r>
+            <a:r>
+              <a:rPr lang="en-GB" dirty="0" err="1">
+                <a:latin typeface="Courier New" panose="02070309020205020404" pitchFamily="49" charset="0"/>
+                <a:cs typeface="Courier New" panose="02070309020205020404" pitchFamily="49" charset="0"/>
+              </a:rPr>
+              <a:t>var</a:t>
+            </a:r>
+            <a:r>
+              <a:rPr lang="en-GB" dirty="0">
+                <a:latin typeface="Courier New" panose="02070309020205020404" pitchFamily="49" charset="0"/>
+                <a:cs typeface="Courier New" panose="02070309020205020404" pitchFamily="49" charset="0"/>
+              </a:rPr>
+              <a:t>(--line);</a:t>
+            </a:r>
+          </a:p>
+          <a:p>
+            <a:br>
+              <a:rPr lang="en-GB" dirty="0">
+                <a:latin typeface="Courier New" panose="02070309020205020404" pitchFamily="49" charset="0"/>
+                <a:cs typeface="Courier New" panose="02070309020205020404" pitchFamily="49" charset="0"/>
+              </a:rPr>
+            </a:br>
+            <a:r>
+              <a:rPr lang="en-GB" dirty="0">
+                <a:latin typeface="Courier New" panose="02070309020205020404" pitchFamily="49" charset="0"/>
+                <a:cs typeface="Courier New" panose="02070309020205020404" pitchFamily="49" charset="0"/>
+              </a:rPr>
+              <a:t>	display: flex;</a:t>
+            </a:r>
+          </a:p>
+          <a:p>
+            <a:r>
+              <a:rPr lang="en-GB" dirty="0">
+                <a:latin typeface="Courier New" panose="02070309020205020404" pitchFamily="49" charset="0"/>
+                <a:cs typeface="Courier New" panose="02070309020205020404" pitchFamily="49" charset="0"/>
+              </a:rPr>
+              <a:t>	justify-content: space-between;</a:t>
+            </a:r>
+          </a:p>
+          <a:p>
+            <a:r>
+              <a:rPr lang="en-GB" dirty="0">
+                <a:latin typeface="Courier New" panose="02070309020205020404" pitchFamily="49" charset="0"/>
+                <a:cs typeface="Courier New" panose="02070309020205020404" pitchFamily="49" charset="0"/>
+              </a:rPr>
+              <a:t>	align-items: </a:t>
+            </a:r>
+            <a:r>
+              <a:rPr lang="en-GB" dirty="0" err="1">
+                <a:latin typeface="Courier New" panose="02070309020205020404" pitchFamily="49" charset="0"/>
+                <a:cs typeface="Courier New" panose="02070309020205020404" pitchFamily="49" charset="0"/>
+              </a:rPr>
+              <a:t>center</a:t>
+            </a:r>
+            <a:r>
+              <a:rPr lang="en-GB" dirty="0">
+                <a:latin typeface="Courier New" panose="02070309020205020404" pitchFamily="49" charset="0"/>
+                <a:cs typeface="Courier New" panose="02070309020205020404" pitchFamily="49" charset="0"/>
+              </a:rPr>
+              <a:t>;</a:t>
+            </a:r>
+            <a:br>
+              <a:rPr lang="en-GB" dirty="0">
+                <a:latin typeface="Courier New" panose="02070309020205020404" pitchFamily="49" charset="0"/>
+                <a:cs typeface="Courier New" panose="02070309020205020404" pitchFamily="49" charset="0"/>
+              </a:rPr>
+            </a:br>
+            <a:r>
+              <a:rPr lang="en-GB" dirty="0">
+                <a:latin typeface="Courier New" panose="02070309020205020404" pitchFamily="49" charset="0"/>
+                <a:cs typeface="Courier New" panose="02070309020205020404" pitchFamily="49" charset="0"/>
+              </a:rPr>
+              <a:t>}</a:t>
+            </a:r>
+          </a:p>
+          <a:p>
+            <a:endParaRPr lang="en-US" dirty="0"/>
+          </a:p>
+        </p:txBody>
+      </p:sp>
+      <p:sp>
+        <p:nvSpPr>
+          <p:cNvPr id="7" name="TextBox 6">
+            <a:extLst>
+              <a:ext uri="{FF2B5EF4-FFF2-40B4-BE49-F238E27FC236}">
+                <a16:creationId xmlns:a16="http://schemas.microsoft.com/office/drawing/2014/main" id="{1923C0ED-98BB-5A42-AF13-3E14E43ACBA7}"/>
+              </a:ext>
+            </a:extLst>
+          </p:cNvPr>
+          <p:cNvSpPr txBox="1"/>
+          <p:nvPr/>
+        </p:nvSpPr>
+        <p:spPr>
+          <a:xfrm>
+            <a:off x="7287452" y="3213556"/>
+            <a:ext cx="4669321" cy="3570208"/>
+          </a:xfrm>
+          <a:prstGeom prst="rect">
+            <a:avLst/>
+          </a:prstGeom>
+          <a:noFill/>
+        </p:spPr>
+        <p:txBody>
+          <a:bodyPr wrap="square" rtlCol="0">
+            <a:spAutoFit/>
+          </a:bodyPr>
+          <a:lstStyle/>
+          <a:p>
+            <a:r>
+              <a:rPr lang="en-GB" dirty="0">
+                <a:latin typeface="Courier New" panose="02070309020205020404" pitchFamily="49" charset="0"/>
+                <a:cs typeface="Courier New" panose="02070309020205020404" pitchFamily="49" charset="0"/>
+              </a:rPr>
+              <a:t>.user-</a:t>
+            </a:r>
+            <a:r>
+              <a:rPr lang="en-GB" dirty="0" err="1">
+                <a:latin typeface="Courier New" panose="02070309020205020404" pitchFamily="49" charset="0"/>
+                <a:cs typeface="Courier New" panose="02070309020205020404" pitchFamily="49" charset="0"/>
+              </a:rPr>
+              <a:t>nav</a:t>
+            </a:r>
+            <a:r>
+              <a:rPr lang="en-GB" dirty="0">
+                <a:latin typeface="Courier New" panose="02070309020205020404" pitchFamily="49" charset="0"/>
+                <a:cs typeface="Courier New" panose="02070309020205020404" pitchFamily="49" charset="0"/>
+              </a:rPr>
+              <a:t> {</a:t>
+            </a:r>
+            <a:br>
+              <a:rPr lang="en-GB" dirty="0">
+                <a:latin typeface="Courier New" panose="02070309020205020404" pitchFamily="49" charset="0"/>
+                <a:cs typeface="Courier New" panose="02070309020205020404" pitchFamily="49" charset="0"/>
+              </a:rPr>
+            </a:br>
+            <a:r>
+              <a:rPr lang="en-GB" dirty="0">
+                <a:latin typeface="Courier New" panose="02070309020205020404" pitchFamily="49" charset="0"/>
+                <a:cs typeface="Courier New" panose="02070309020205020404" pitchFamily="49" charset="0"/>
+              </a:rPr>
+              <a:t>	display: flex;</a:t>
+            </a:r>
+          </a:p>
+          <a:p>
+            <a:r>
+              <a:rPr lang="en-GB" dirty="0">
+                <a:latin typeface="Courier New" panose="02070309020205020404" pitchFamily="49" charset="0"/>
+                <a:cs typeface="Courier New" panose="02070309020205020404" pitchFamily="49" charset="0"/>
+              </a:rPr>
+              <a:t>	align-items: </a:t>
+            </a:r>
+            <a:r>
+              <a:rPr lang="en-GB" dirty="0" err="1">
+                <a:latin typeface="Courier New" panose="02070309020205020404" pitchFamily="49" charset="0"/>
+                <a:cs typeface="Courier New" panose="02070309020205020404" pitchFamily="49" charset="0"/>
+              </a:rPr>
+              <a:t>center</a:t>
+            </a:r>
+            <a:r>
+              <a:rPr lang="en-GB" dirty="0">
+                <a:latin typeface="Courier New" panose="02070309020205020404" pitchFamily="49" charset="0"/>
+                <a:cs typeface="Courier New" panose="02070309020205020404" pitchFamily="49" charset="0"/>
+              </a:rPr>
+              <a:t>;</a:t>
+            </a:r>
+          </a:p>
+          <a:p>
+            <a:r>
+              <a:rPr lang="en-GB" dirty="0">
+                <a:latin typeface="Courier New" panose="02070309020205020404" pitchFamily="49" charset="0"/>
+                <a:cs typeface="Courier New" panose="02070309020205020404" pitchFamily="49" charset="0"/>
+              </a:rPr>
+              <a:t>	align-self: stretch;</a:t>
+            </a:r>
+          </a:p>
+          <a:p>
+            <a:r>
+              <a:rPr lang="en-US" dirty="0">
+                <a:latin typeface="Courier New" panose="02070309020205020404" pitchFamily="49" charset="0"/>
+                <a:cs typeface="Courier New" panose="02070309020205020404" pitchFamily="49" charset="0"/>
+              </a:rPr>
+              <a:t>}</a:t>
+            </a:r>
+          </a:p>
+          <a:p>
+            <a:endParaRPr lang="en-US" dirty="0">
+              <a:latin typeface="Courier New" panose="02070309020205020404" pitchFamily="49" charset="0"/>
+              <a:cs typeface="Courier New" panose="02070309020205020404" pitchFamily="49" charset="0"/>
+            </a:endParaRPr>
+          </a:p>
+          <a:p>
+            <a:r>
+              <a:rPr lang="en-GB" dirty="0">
+                <a:latin typeface="Courier New" panose="02070309020205020404" pitchFamily="49" charset="0"/>
+                <a:cs typeface="Courier New" panose="02070309020205020404" pitchFamily="49" charset="0"/>
+              </a:rPr>
+              <a:t>.search {</a:t>
+            </a:r>
+            <a:br>
+              <a:rPr lang="en-GB" dirty="0">
+                <a:latin typeface="Courier New" panose="02070309020205020404" pitchFamily="49" charset="0"/>
+                <a:cs typeface="Courier New" panose="02070309020205020404" pitchFamily="49" charset="0"/>
+              </a:rPr>
+            </a:br>
+            <a:r>
+              <a:rPr lang="en-GB" dirty="0">
+                <a:latin typeface="Courier New" panose="02070309020205020404" pitchFamily="49" charset="0"/>
+                <a:cs typeface="Courier New" panose="02070309020205020404" pitchFamily="49" charset="0"/>
+              </a:rPr>
+              <a:t>	flex: 0 0 40%;</a:t>
+            </a:r>
+          </a:p>
+          <a:p>
+            <a:r>
+              <a:rPr lang="en-GB" dirty="0">
+                <a:latin typeface="Courier New" panose="02070309020205020404" pitchFamily="49" charset="0"/>
+                <a:cs typeface="Courier New" panose="02070309020205020404" pitchFamily="49" charset="0"/>
+              </a:rPr>
+              <a:t>	display: flex; </a:t>
+            </a:r>
+            <a:r>
+              <a:rPr lang="en-GB" sz="1000" dirty="0">
+                <a:latin typeface="Courier New" panose="02070309020205020404" pitchFamily="49" charset="0"/>
+                <a:cs typeface="Courier New" panose="02070309020205020404" pitchFamily="49" charset="0"/>
+              </a:rPr>
+              <a:t>//flex item is becoming a 	flex container for it’s children</a:t>
+            </a:r>
+          </a:p>
+          <a:p>
+            <a:r>
+              <a:rPr lang="en-GB" dirty="0">
+                <a:latin typeface="Courier New" panose="02070309020205020404" pitchFamily="49" charset="0"/>
+                <a:cs typeface="Courier New" panose="02070309020205020404" pitchFamily="49" charset="0"/>
+              </a:rPr>
+              <a:t>	align-items: </a:t>
+            </a:r>
+            <a:r>
+              <a:rPr lang="en-GB" dirty="0" err="1">
+                <a:latin typeface="Courier New" panose="02070309020205020404" pitchFamily="49" charset="0"/>
+                <a:cs typeface="Courier New" panose="02070309020205020404" pitchFamily="49" charset="0"/>
+              </a:rPr>
+              <a:t>center</a:t>
+            </a:r>
+            <a:r>
+              <a:rPr lang="en-GB" dirty="0">
+                <a:latin typeface="Courier New" panose="02070309020205020404" pitchFamily="49" charset="0"/>
+                <a:cs typeface="Courier New" panose="02070309020205020404" pitchFamily="49" charset="0"/>
+              </a:rPr>
+              <a:t>;</a:t>
+            </a:r>
+          </a:p>
+          <a:p>
+            <a:r>
+              <a:rPr lang="en-GB" dirty="0">
+                <a:latin typeface="Courier New" panose="02070309020205020404" pitchFamily="49" charset="0"/>
+                <a:cs typeface="Courier New" panose="02070309020205020404" pitchFamily="49" charset="0"/>
+              </a:rPr>
+              <a:t>	justify-content: </a:t>
+            </a:r>
+            <a:r>
+              <a:rPr lang="en-GB" dirty="0" err="1">
+                <a:latin typeface="Courier New" panose="02070309020205020404" pitchFamily="49" charset="0"/>
+                <a:cs typeface="Courier New" panose="02070309020205020404" pitchFamily="49" charset="0"/>
+              </a:rPr>
+              <a:t>center</a:t>
+            </a:r>
+            <a:r>
+              <a:rPr lang="en-GB" dirty="0">
+                <a:latin typeface="Courier New" panose="02070309020205020404" pitchFamily="49" charset="0"/>
+                <a:cs typeface="Courier New" panose="02070309020205020404" pitchFamily="49" charset="0"/>
+              </a:rPr>
+              <a:t>;</a:t>
+            </a:r>
+          </a:p>
+          <a:p>
+            <a:r>
+              <a:rPr lang="en-US" dirty="0">
+                <a:latin typeface="Courier New" panose="02070309020205020404" pitchFamily="49" charset="0"/>
+                <a:cs typeface="Courier New" panose="02070309020205020404" pitchFamily="49" charset="0"/>
+              </a:rPr>
+              <a:t>}</a:t>
+            </a:r>
+          </a:p>
+        </p:txBody>
+      </p:sp>
+      <p:pic>
+        <p:nvPicPr>
+          <p:cNvPr id="11" name="Content Placeholder 10">
+            <a:extLst>
+              <a:ext uri="{FF2B5EF4-FFF2-40B4-BE49-F238E27FC236}">
+                <a16:creationId xmlns:a16="http://schemas.microsoft.com/office/drawing/2014/main" id="{178C4E8D-1A4F-994B-B4CC-A37446512BAE}"/>
+              </a:ext>
+            </a:extLst>
+          </p:cNvPr>
+          <p:cNvPicPr>
+            <a:picLocks noGrp="1" noChangeAspect="1"/>
+          </p:cNvPicPr>
+          <p:nvPr>
+            <p:ph idx="1"/>
+          </p:nvPr>
+        </p:nvPicPr>
+        <p:blipFill>
+          <a:blip r:embed="rId2"/>
+          <a:stretch>
+            <a:fillRect/>
+          </a:stretch>
+        </p:blipFill>
+        <p:spPr>
+          <a:xfrm>
+            <a:off x="580858" y="2204680"/>
+            <a:ext cx="11029950" cy="592212"/>
+          </a:xfrm>
+        </p:spPr>
+      </p:pic>
+      <p:cxnSp>
+        <p:nvCxnSpPr>
+          <p:cNvPr id="13" name="Straight Arrow Connector 12">
+            <a:extLst>
+              <a:ext uri="{FF2B5EF4-FFF2-40B4-BE49-F238E27FC236}">
+                <a16:creationId xmlns:a16="http://schemas.microsoft.com/office/drawing/2014/main" id="{8367F99F-AED0-524F-B1DD-0404101FD187}"/>
+              </a:ext>
+            </a:extLst>
+          </p:cNvPr>
+          <p:cNvCxnSpPr/>
+          <p:nvPr/>
+        </p:nvCxnSpPr>
+        <p:spPr>
+          <a:xfrm flipV="1">
+            <a:off x="1480930" y="2663687"/>
+            <a:ext cx="318053" cy="765313"/>
+          </a:xfrm>
+          <a:prstGeom prst="straightConnector1">
+            <a:avLst/>
+          </a:prstGeom>
+          <a:ln>
+            <a:solidFill>
+              <a:srgbClr val="FFC000"/>
+            </a:solidFill>
+            <a:tailEnd type="triangle"/>
+          </a:ln>
+        </p:spPr>
+        <p:style>
+          <a:lnRef idx="1">
+            <a:schemeClr val="accent1"/>
+          </a:lnRef>
+          <a:fillRef idx="0">
+            <a:schemeClr val="accent1"/>
+          </a:fillRef>
+          <a:effectRef idx="0">
+            <a:schemeClr val="accent1"/>
+          </a:effectRef>
+          <a:fontRef idx="minor">
+            <a:schemeClr val="tx1"/>
+          </a:fontRef>
+        </p:style>
+      </p:cxnSp>
+      <p:cxnSp>
+        <p:nvCxnSpPr>
+          <p:cNvPr id="15" name="Straight Arrow Connector 14">
+            <a:extLst>
+              <a:ext uri="{FF2B5EF4-FFF2-40B4-BE49-F238E27FC236}">
+                <a16:creationId xmlns:a16="http://schemas.microsoft.com/office/drawing/2014/main" id="{9AE422A0-9A1D-2046-ABFF-6EEA2AF50DC2}"/>
+              </a:ext>
+            </a:extLst>
+          </p:cNvPr>
+          <p:cNvCxnSpPr/>
+          <p:nvPr/>
+        </p:nvCxnSpPr>
+        <p:spPr>
+          <a:xfrm flipV="1">
+            <a:off x="8388626" y="2796892"/>
+            <a:ext cx="954157" cy="488724"/>
+          </a:xfrm>
+          <a:prstGeom prst="straightConnector1">
+            <a:avLst/>
+          </a:prstGeom>
+          <a:ln>
+            <a:solidFill>
+              <a:srgbClr val="FFC000"/>
+            </a:solidFill>
+            <a:tailEnd type="triangle"/>
+          </a:ln>
+        </p:spPr>
+        <p:style>
+          <a:lnRef idx="1">
+            <a:schemeClr val="accent1"/>
+          </a:lnRef>
+          <a:fillRef idx="0">
+            <a:schemeClr val="accent1"/>
+          </a:fillRef>
+          <a:effectRef idx="0">
+            <a:schemeClr val="accent1"/>
+          </a:effectRef>
+          <a:fontRef idx="minor">
+            <a:schemeClr val="tx1"/>
+          </a:fontRef>
+        </p:style>
+      </p:cxnSp>
+      <p:cxnSp>
+        <p:nvCxnSpPr>
+          <p:cNvPr id="17" name="Straight Arrow Connector 16">
+            <a:extLst>
+              <a:ext uri="{FF2B5EF4-FFF2-40B4-BE49-F238E27FC236}">
+                <a16:creationId xmlns:a16="http://schemas.microsoft.com/office/drawing/2014/main" id="{B4435D43-FDD7-2B44-9697-3709FE6120D3}"/>
+              </a:ext>
+            </a:extLst>
+          </p:cNvPr>
+          <p:cNvCxnSpPr>
+            <a:stCxn id="7" idx="1"/>
+          </p:cNvCxnSpPr>
+          <p:nvPr/>
+        </p:nvCxnSpPr>
+        <p:spPr>
+          <a:xfrm flipH="1" flipV="1">
+            <a:off x="5764696" y="2663687"/>
+            <a:ext cx="1522756" cy="2334973"/>
+          </a:xfrm>
+          <a:prstGeom prst="straightConnector1">
+            <a:avLst/>
+          </a:prstGeom>
+          <a:ln>
+            <a:solidFill>
+              <a:srgbClr val="FFC000"/>
+            </a:solidFill>
+            <a:tailEnd type="triangle"/>
+          </a:ln>
+        </p:spPr>
+        <p:style>
+          <a:lnRef idx="1">
+            <a:schemeClr val="accent1"/>
+          </a:lnRef>
+          <a:fillRef idx="0">
+            <a:schemeClr val="accent1"/>
+          </a:fillRef>
+          <a:effectRef idx="0">
+            <a:schemeClr val="accent1"/>
+          </a:effectRef>
+          <a:fontRef idx="minor">
+            <a:schemeClr val="tx1"/>
+          </a:fontRef>
+        </p:style>
+      </p:cxnSp>
+    </p:spTree>
+    <p:extLst>
+      <p:ext uri="{BB962C8B-B14F-4D97-AF65-F5344CB8AC3E}">
+        <p14:creationId xmlns:p14="http://schemas.microsoft.com/office/powerpoint/2010/main" val="3886172744"/>
+      </p:ext>
+    </p:extLst>
+  </p:cSld>
+  <p:clrMapOvr>
+    <a:masterClrMapping/>
+  </p:clrMapOvr>
+</p:sld>
+</file>
+
+<file path=ppt/slides/slide14.xml><?xml version="1.0" encoding="utf-8"?>
+<p:sld xmlns:a="http://schemas.openxmlformats.org/drawingml/2006/main" xmlns:r="http://schemas.openxmlformats.org/officeDocument/2006/relationships" xmlns:p="http://schemas.openxmlformats.org/presentationml/2006/main">
+  <p:cSld>
+    <p:spTree>
+      <p:nvGrpSpPr>
+        <p:cNvPr id="1" name=""/>
+        <p:cNvGrpSpPr/>
+        <p:nvPr/>
+      </p:nvGrpSpPr>
+      <p:grpSpPr>
+        <a:xfrm>
+          <a:off x="0" y="0"/>
+          <a:ext cx="0" cy="0"/>
+          <a:chOff x="0" y="0"/>
+          <a:chExt cx="0" cy="0"/>
+        </a:xfrm>
+      </p:grpSpPr>
+      <p:sp>
+        <p:nvSpPr>
+          <p:cNvPr id="2" name="Title 1">
+            <a:extLst>
+              <a:ext uri="{FF2B5EF4-FFF2-40B4-BE49-F238E27FC236}">
+                <a16:creationId xmlns:a16="http://schemas.microsoft.com/office/drawing/2014/main" id="{9D1D5B2D-42A0-564B-A56B-BEE7BDCCCE16}"/>
+              </a:ext>
+            </a:extLst>
+          </p:cNvPr>
+          <p:cNvSpPr>
+            <a:spLocks noGrp="1"/>
+          </p:cNvSpPr>
+          <p:nvPr>
+            <p:ph type="title"/>
+          </p:nvPr>
+        </p:nvSpPr>
+        <p:spPr/>
+        <p:txBody>
+          <a:bodyPr/>
+          <a:lstStyle/>
+          <a:p>
+            <a:r>
+              <a:rPr lang="en-US" dirty="0" err="1"/>
+              <a:t>Trillo</a:t>
+            </a:r>
+            <a:r>
+              <a:rPr lang="en-US" dirty="0"/>
+              <a:t> application – side bar</a:t>
+            </a:r>
+          </a:p>
+        </p:txBody>
+      </p:sp>
+      <p:pic>
+        <p:nvPicPr>
+          <p:cNvPr id="5" name="Content Placeholder 4">
+            <a:extLst>
+              <a:ext uri="{FF2B5EF4-FFF2-40B4-BE49-F238E27FC236}">
+                <a16:creationId xmlns:a16="http://schemas.microsoft.com/office/drawing/2014/main" id="{7541ACC0-2DEC-7845-B9DC-20CEB59886DF}"/>
+              </a:ext>
+            </a:extLst>
+          </p:cNvPr>
+          <p:cNvPicPr>
+            <a:picLocks noGrp="1" noChangeAspect="1"/>
+          </p:cNvPicPr>
+          <p:nvPr>
+            <p:ph idx="1"/>
+          </p:nvPr>
+        </p:nvPicPr>
+        <p:blipFill>
+          <a:blip r:embed="rId2"/>
+          <a:stretch>
+            <a:fillRect/>
+          </a:stretch>
+        </p:blipFill>
+        <p:spPr>
+          <a:xfrm>
+            <a:off x="761610" y="2298321"/>
+            <a:ext cx="1445266" cy="3678238"/>
+          </a:xfrm>
+        </p:spPr>
+      </p:pic>
+      <p:pic>
+        <p:nvPicPr>
+          <p:cNvPr id="7" name="Picture 6">
+            <a:extLst>
+              <a:ext uri="{FF2B5EF4-FFF2-40B4-BE49-F238E27FC236}">
+                <a16:creationId xmlns:a16="http://schemas.microsoft.com/office/drawing/2014/main" id="{935AA73E-23D8-084B-9B8B-D5EF8206E227}"/>
+              </a:ext>
+            </a:extLst>
+          </p:cNvPr>
+          <p:cNvPicPr>
+            <a:picLocks noChangeAspect="1"/>
+          </p:cNvPicPr>
+          <p:nvPr/>
+        </p:nvPicPr>
+        <p:blipFill>
+          <a:blip r:embed="rId3"/>
+          <a:stretch>
+            <a:fillRect/>
+          </a:stretch>
+        </p:blipFill>
+        <p:spPr>
+          <a:xfrm>
+            <a:off x="761610" y="4137440"/>
+            <a:ext cx="1420187" cy="1766403"/>
+          </a:xfrm>
+          <a:prstGeom prst="rect">
+            <a:avLst/>
+          </a:prstGeom>
+        </p:spPr>
+      </p:pic>
+      <p:sp>
+        <p:nvSpPr>
+          <p:cNvPr id="8" name="TextBox 7">
+            <a:extLst>
+              <a:ext uri="{FF2B5EF4-FFF2-40B4-BE49-F238E27FC236}">
+                <a16:creationId xmlns:a16="http://schemas.microsoft.com/office/drawing/2014/main" id="{32B1456D-EFFF-4F46-A9C8-989E0F0FD1E4}"/>
+              </a:ext>
+            </a:extLst>
+          </p:cNvPr>
+          <p:cNvSpPr txBox="1"/>
+          <p:nvPr/>
+        </p:nvSpPr>
+        <p:spPr>
+          <a:xfrm>
+            <a:off x="2440613" y="2844778"/>
+            <a:ext cx="9751387" cy="2585323"/>
+          </a:xfrm>
+          <a:prstGeom prst="rect">
+            <a:avLst/>
+          </a:prstGeom>
+          <a:noFill/>
+        </p:spPr>
+        <p:txBody>
+          <a:bodyPr wrap="none" rtlCol="0">
+            <a:spAutoFit/>
+          </a:bodyPr>
+          <a:lstStyle/>
+          <a:p>
+            <a:r>
+              <a:rPr lang="en-GB" dirty="0">
+                <a:latin typeface="Courier New" panose="02070309020205020404" pitchFamily="49" charset="0"/>
+                <a:cs typeface="Courier New" panose="02070309020205020404" pitchFamily="49" charset="0"/>
+              </a:rPr>
+              <a:t>.sidebar {</a:t>
+            </a:r>
+          </a:p>
+          <a:p>
+            <a:r>
+              <a:rPr lang="en-GB" dirty="0">
+                <a:latin typeface="Courier New" panose="02070309020205020404" pitchFamily="49" charset="0"/>
+                <a:cs typeface="Courier New" panose="02070309020205020404" pitchFamily="49" charset="0"/>
+              </a:rPr>
+              <a:t>	background-</a:t>
+            </a:r>
+            <a:r>
+              <a:rPr lang="en-GB" dirty="0" err="1">
+                <a:latin typeface="Courier New" panose="02070309020205020404" pitchFamily="49" charset="0"/>
+                <a:cs typeface="Courier New" panose="02070309020205020404" pitchFamily="49" charset="0"/>
+              </a:rPr>
+              <a:t>color</a:t>
+            </a:r>
+            <a:r>
+              <a:rPr lang="en-GB" dirty="0">
+                <a:latin typeface="Courier New" panose="02070309020205020404" pitchFamily="49" charset="0"/>
+                <a:cs typeface="Courier New" panose="02070309020205020404" pitchFamily="49" charset="0"/>
+              </a:rPr>
+              <a:t>: </a:t>
+            </a:r>
+            <a:r>
+              <a:rPr lang="en-GB" dirty="0" err="1">
+                <a:latin typeface="Courier New" panose="02070309020205020404" pitchFamily="49" charset="0"/>
+                <a:cs typeface="Courier New" panose="02070309020205020404" pitchFamily="49" charset="0"/>
+              </a:rPr>
+              <a:t>var</a:t>
+            </a:r>
+            <a:r>
+              <a:rPr lang="en-GB" dirty="0">
+                <a:latin typeface="Courier New" panose="02070309020205020404" pitchFamily="49" charset="0"/>
+                <a:cs typeface="Courier New" panose="02070309020205020404" pitchFamily="49" charset="0"/>
+              </a:rPr>
+              <a:t>(--color-grey-dark-1);</a:t>
+            </a:r>
+          </a:p>
+          <a:p>
+            <a:br>
+              <a:rPr lang="en-GB" dirty="0">
+                <a:latin typeface="Courier New" panose="02070309020205020404" pitchFamily="49" charset="0"/>
+                <a:cs typeface="Courier New" panose="02070309020205020404" pitchFamily="49" charset="0"/>
+              </a:rPr>
+            </a:br>
+            <a:r>
+              <a:rPr lang="en-GB" dirty="0">
+                <a:latin typeface="Courier New" panose="02070309020205020404" pitchFamily="49" charset="0"/>
+                <a:cs typeface="Courier New" panose="02070309020205020404" pitchFamily="49" charset="0"/>
+              </a:rPr>
+              <a:t>	flex: 0 0 18%; </a:t>
+            </a:r>
+            <a:r>
+              <a:rPr lang="en-GB" sz="1000" dirty="0">
+                <a:latin typeface="Courier New" panose="02070309020205020404" pitchFamily="49" charset="0"/>
+                <a:cs typeface="Courier New" panose="02070309020205020404" pitchFamily="49" charset="0"/>
+              </a:rPr>
+              <a:t>//don't grow or shrink and width is 18%</a:t>
+            </a:r>
+          </a:p>
+          <a:p>
+            <a:r>
+              <a:rPr lang="en-GB" dirty="0">
+                <a:latin typeface="Courier New" panose="02070309020205020404" pitchFamily="49" charset="0"/>
+                <a:cs typeface="Courier New" panose="02070309020205020404" pitchFamily="49" charset="0"/>
+              </a:rPr>
+              <a:t>	display: flex;</a:t>
+            </a:r>
+          </a:p>
+          <a:p>
+            <a:r>
+              <a:rPr lang="en-GB" dirty="0">
+                <a:latin typeface="Courier New" panose="02070309020205020404" pitchFamily="49" charset="0"/>
+                <a:cs typeface="Courier New" panose="02070309020205020404" pitchFamily="49" charset="0"/>
+              </a:rPr>
+              <a:t>	flex-direction: column;</a:t>
+            </a:r>
+          </a:p>
+          <a:p>
+            <a:r>
+              <a:rPr lang="en-GB" dirty="0">
+                <a:latin typeface="Courier New" panose="02070309020205020404" pitchFamily="49" charset="0"/>
+                <a:cs typeface="Courier New" panose="02070309020205020404" pitchFamily="49" charset="0"/>
+              </a:rPr>
+              <a:t>	justify-content: space-between; </a:t>
+            </a:r>
+            <a:r>
+              <a:rPr lang="en-GB" sz="1000" dirty="0">
+                <a:latin typeface="Courier New" panose="02070309020205020404" pitchFamily="49" charset="0"/>
+                <a:cs typeface="Courier New" panose="02070309020205020404" pitchFamily="49" charset="0"/>
+              </a:rPr>
+              <a:t>//This has the effect of pushing the legal text to the bottom</a:t>
+            </a:r>
+          </a:p>
+          <a:p>
+            <a:r>
+              <a:rPr lang="en-GB" dirty="0">
+                <a:latin typeface="Courier New" panose="02070309020205020404" pitchFamily="49" charset="0"/>
+                <a:cs typeface="Courier New" panose="02070309020205020404" pitchFamily="49" charset="0"/>
+              </a:rPr>
+              <a:t>}</a:t>
+            </a:r>
+          </a:p>
+          <a:p>
+            <a:endParaRPr lang="en-US" dirty="0"/>
+          </a:p>
+        </p:txBody>
+      </p:sp>
+    </p:spTree>
+    <p:extLst>
+      <p:ext uri="{BB962C8B-B14F-4D97-AF65-F5344CB8AC3E}">
+        <p14:creationId xmlns:p14="http://schemas.microsoft.com/office/powerpoint/2010/main" val="623066704"/>
+      </p:ext>
+    </p:extLst>
+  </p:cSld>
+  <p:clrMapOvr>
+    <a:masterClrMapping/>
+  </p:clrMapOvr>
+</p:sld>
+</file>
+
+<file path=ppt/slides/slide15.xml><?xml version="1.0" encoding="utf-8"?>
+<p:sld xmlns:a="http://schemas.openxmlformats.org/drawingml/2006/main" xmlns:r="http://schemas.openxmlformats.org/officeDocument/2006/relationships" xmlns:p="http://schemas.openxmlformats.org/presentationml/2006/main">
+  <p:cSld>
+    <p:spTree>
+      <p:nvGrpSpPr>
+        <p:cNvPr id="1" name=""/>
+        <p:cNvGrpSpPr/>
+        <p:nvPr/>
+      </p:nvGrpSpPr>
+      <p:grpSpPr>
+        <a:xfrm>
+          <a:off x="0" y="0"/>
+          <a:ext cx="0" cy="0"/>
+          <a:chOff x="0" y="0"/>
+          <a:chExt cx="0" cy="0"/>
+        </a:xfrm>
+      </p:grpSpPr>
+      <p:sp>
+        <p:nvSpPr>
+          <p:cNvPr id="2" name="Title 1">
+            <a:extLst>
+              <a:ext uri="{FF2B5EF4-FFF2-40B4-BE49-F238E27FC236}">
+                <a16:creationId xmlns:a16="http://schemas.microsoft.com/office/drawing/2014/main" id="{3ECF1D15-804C-BA4D-A9E2-8EFE22911A29}"/>
+              </a:ext>
+            </a:extLst>
+          </p:cNvPr>
+          <p:cNvSpPr>
+            <a:spLocks noGrp="1"/>
+          </p:cNvSpPr>
+          <p:nvPr>
+            <p:ph type="title"/>
+          </p:nvPr>
+        </p:nvSpPr>
+        <p:spPr/>
+        <p:txBody>
+          <a:bodyPr/>
+          <a:lstStyle/>
+          <a:p>
+            <a:r>
+              <a:rPr lang="en-US" dirty="0" err="1"/>
+              <a:t>Trillo</a:t>
+            </a:r>
+            <a:r>
+              <a:rPr lang="en-US" dirty="0"/>
+              <a:t> application – hotel view</a:t>
+            </a:r>
+          </a:p>
+        </p:txBody>
+      </p:sp>
+      <p:pic>
+        <p:nvPicPr>
+          <p:cNvPr id="5" name="Content Placeholder 4">
+            <a:extLst>
+              <a:ext uri="{FF2B5EF4-FFF2-40B4-BE49-F238E27FC236}">
+                <a16:creationId xmlns:a16="http://schemas.microsoft.com/office/drawing/2014/main" id="{3F8049D6-FB27-314A-8657-402E56A29021}"/>
+              </a:ext>
+            </a:extLst>
+          </p:cNvPr>
+          <p:cNvPicPr>
+            <a:picLocks noGrp="1" noChangeAspect="1"/>
+          </p:cNvPicPr>
+          <p:nvPr>
+            <p:ph idx="1"/>
+          </p:nvPr>
+        </p:nvPicPr>
+        <p:blipFill>
+          <a:blip r:embed="rId2"/>
+          <a:stretch>
+            <a:fillRect/>
+          </a:stretch>
+        </p:blipFill>
+        <p:spPr>
+          <a:xfrm>
+            <a:off x="3930905" y="2636632"/>
+            <a:ext cx="4330189" cy="3678238"/>
+          </a:xfrm>
+        </p:spPr>
+      </p:pic>
+      <p:sp>
+        <p:nvSpPr>
+          <p:cNvPr id="6" name="TextBox 5">
+            <a:extLst>
+              <a:ext uri="{FF2B5EF4-FFF2-40B4-BE49-F238E27FC236}">
+                <a16:creationId xmlns:a16="http://schemas.microsoft.com/office/drawing/2014/main" id="{5F507087-471A-214C-9BA9-0AD4A90EC2DF}"/>
+              </a:ext>
+            </a:extLst>
+          </p:cNvPr>
+          <p:cNvSpPr txBox="1"/>
+          <p:nvPr/>
+        </p:nvSpPr>
+        <p:spPr>
+          <a:xfrm>
+            <a:off x="89452" y="1862053"/>
+            <a:ext cx="4620176" cy="1231106"/>
+          </a:xfrm>
+          <a:prstGeom prst="rect">
+            <a:avLst/>
+          </a:prstGeom>
+          <a:noFill/>
+        </p:spPr>
+        <p:txBody>
+          <a:bodyPr wrap="none" rtlCol="0">
+            <a:spAutoFit/>
+          </a:bodyPr>
+          <a:lstStyle/>
+          <a:p>
+            <a:r>
+              <a:rPr lang="en-GB" sz="1400" dirty="0">
+                <a:latin typeface="Courier New" panose="02070309020205020404" pitchFamily="49" charset="0"/>
+                <a:cs typeface="Courier New" panose="02070309020205020404" pitchFamily="49" charset="0"/>
+              </a:rPr>
+              <a:t>.hotel-view {</a:t>
+            </a:r>
+          </a:p>
+          <a:p>
+            <a:r>
+              <a:rPr lang="en-GB" sz="1400" dirty="0">
+                <a:latin typeface="Courier New" panose="02070309020205020404" pitchFamily="49" charset="0"/>
+                <a:cs typeface="Courier New" panose="02070309020205020404" pitchFamily="49" charset="0"/>
+              </a:rPr>
+              <a:t>	background-</a:t>
+            </a:r>
+            <a:r>
+              <a:rPr lang="en-GB" sz="1400" dirty="0" err="1">
+                <a:latin typeface="Courier New" panose="02070309020205020404" pitchFamily="49" charset="0"/>
+                <a:cs typeface="Courier New" panose="02070309020205020404" pitchFamily="49" charset="0"/>
+              </a:rPr>
+              <a:t>color</a:t>
+            </a:r>
+            <a:r>
+              <a:rPr lang="en-GB" sz="1400" dirty="0">
+                <a:latin typeface="Courier New" panose="02070309020205020404" pitchFamily="49" charset="0"/>
+                <a:cs typeface="Courier New" panose="02070309020205020404" pitchFamily="49" charset="0"/>
+              </a:rPr>
+              <a:t>: </a:t>
+            </a:r>
+            <a:r>
+              <a:rPr lang="en-GB" sz="1400" dirty="0" err="1">
+                <a:latin typeface="Courier New" panose="02070309020205020404" pitchFamily="49" charset="0"/>
+                <a:cs typeface="Courier New" panose="02070309020205020404" pitchFamily="49" charset="0"/>
+              </a:rPr>
+              <a:t>var</a:t>
+            </a:r>
+            <a:r>
+              <a:rPr lang="en-GB" sz="1400" dirty="0">
+                <a:latin typeface="Courier New" panose="02070309020205020404" pitchFamily="49" charset="0"/>
+                <a:cs typeface="Courier New" panose="02070309020205020404" pitchFamily="49" charset="0"/>
+              </a:rPr>
+              <a:t>(--</a:t>
+            </a:r>
+            <a:r>
+              <a:rPr lang="en-GB" sz="1400" dirty="0" err="1">
+                <a:latin typeface="Courier New" panose="02070309020205020404" pitchFamily="49" charset="0"/>
+                <a:cs typeface="Courier New" panose="02070309020205020404" pitchFamily="49" charset="0"/>
+              </a:rPr>
+              <a:t>color</a:t>
+            </a:r>
+            <a:r>
+              <a:rPr lang="en-GB" sz="1400" dirty="0">
+                <a:latin typeface="Courier New" panose="02070309020205020404" pitchFamily="49" charset="0"/>
+                <a:cs typeface="Courier New" panose="02070309020205020404" pitchFamily="49" charset="0"/>
+              </a:rPr>
+              <a:t>-white);</a:t>
+            </a:r>
+          </a:p>
+          <a:p>
+            <a:r>
+              <a:rPr lang="en-GB" sz="1400" dirty="0">
+                <a:latin typeface="Courier New" panose="02070309020205020404" pitchFamily="49" charset="0"/>
+                <a:cs typeface="Courier New" panose="02070309020205020404" pitchFamily="49" charset="0"/>
+              </a:rPr>
+              <a:t>	flex: 1; </a:t>
+            </a:r>
+            <a:r>
+              <a:rPr lang="en-GB" sz="1200" dirty="0">
+                <a:latin typeface="Courier New" panose="02070309020205020404" pitchFamily="49" charset="0"/>
+                <a:cs typeface="Courier New" panose="02070309020205020404" pitchFamily="49" charset="0"/>
+              </a:rPr>
+              <a:t>//grow as much as it can</a:t>
+            </a:r>
+          </a:p>
+          <a:p>
+            <a:r>
+              <a:rPr lang="en-GB" sz="1400" dirty="0">
+                <a:latin typeface="Courier New" panose="02070309020205020404" pitchFamily="49" charset="0"/>
+                <a:cs typeface="Courier New" panose="02070309020205020404" pitchFamily="49" charset="0"/>
+              </a:rPr>
+              <a:t>}</a:t>
+            </a:r>
+          </a:p>
+          <a:p>
+            <a:endParaRPr lang="en-US" dirty="0"/>
+          </a:p>
+        </p:txBody>
+      </p:sp>
+      <p:sp>
+        <p:nvSpPr>
+          <p:cNvPr id="7" name="TextBox 6">
+            <a:extLst>
+              <a:ext uri="{FF2B5EF4-FFF2-40B4-BE49-F238E27FC236}">
+                <a16:creationId xmlns:a16="http://schemas.microsoft.com/office/drawing/2014/main" id="{88236E5F-A380-4345-88E2-6E91416DEA1C}"/>
+              </a:ext>
+            </a:extLst>
+          </p:cNvPr>
+          <p:cNvSpPr txBox="1"/>
+          <p:nvPr/>
+        </p:nvSpPr>
+        <p:spPr>
+          <a:xfrm>
+            <a:off x="89452" y="3498406"/>
+            <a:ext cx="4767652" cy="738664"/>
+          </a:xfrm>
+          <a:prstGeom prst="rect">
+            <a:avLst/>
+          </a:prstGeom>
+          <a:noFill/>
+        </p:spPr>
+        <p:txBody>
+          <a:bodyPr wrap="none" rtlCol="0">
+            <a:spAutoFit/>
+          </a:bodyPr>
+          <a:lstStyle/>
+          <a:p>
+            <a:r>
+              <a:rPr lang="en-GB" sz="1400" dirty="0">
+                <a:latin typeface="Courier New" panose="02070309020205020404" pitchFamily="49" charset="0"/>
+                <a:cs typeface="Courier New" panose="02070309020205020404" pitchFamily="49" charset="0"/>
+              </a:rPr>
+              <a:t>.description {</a:t>
+            </a:r>
+          </a:p>
+          <a:p>
+            <a:r>
+              <a:rPr lang="en-GB" sz="1400" dirty="0">
+                <a:latin typeface="Courier New" panose="02070309020205020404" pitchFamily="49" charset="0"/>
+                <a:cs typeface="Courier New" panose="02070309020205020404" pitchFamily="49" charset="0"/>
+              </a:rPr>
+              <a:t>	flex: 0 0 60%; </a:t>
+            </a:r>
+            <a:r>
+              <a:rPr lang="en-GB" sz="1200" dirty="0">
+                <a:latin typeface="Courier New" panose="02070309020205020404" pitchFamily="49" charset="0"/>
+                <a:cs typeface="Courier New" panose="02070309020205020404" pitchFamily="49" charset="0"/>
+              </a:rPr>
+              <a:t>//takes up 60% of the width</a:t>
+            </a:r>
+          </a:p>
+          <a:p>
+            <a:r>
+              <a:rPr lang="en-US" sz="1400" dirty="0">
+                <a:latin typeface="Courier New" panose="02070309020205020404" pitchFamily="49" charset="0"/>
+                <a:cs typeface="Courier New" panose="02070309020205020404" pitchFamily="49" charset="0"/>
+              </a:rPr>
+              <a:t>}</a:t>
+            </a:r>
+          </a:p>
+        </p:txBody>
+      </p:sp>
+      <p:sp>
+        <p:nvSpPr>
+          <p:cNvPr id="8" name="TextBox 7">
+            <a:extLst>
+              <a:ext uri="{FF2B5EF4-FFF2-40B4-BE49-F238E27FC236}">
+                <a16:creationId xmlns:a16="http://schemas.microsoft.com/office/drawing/2014/main" id="{9E78E08D-2B86-D64F-AA6E-D49C82442B22}"/>
+              </a:ext>
+            </a:extLst>
+          </p:cNvPr>
+          <p:cNvSpPr txBox="1"/>
+          <p:nvPr/>
+        </p:nvSpPr>
+        <p:spPr>
+          <a:xfrm>
+            <a:off x="237253" y="4516251"/>
+            <a:ext cx="3116559" cy="2277547"/>
+          </a:xfrm>
+          <a:prstGeom prst="rect">
+            <a:avLst/>
+          </a:prstGeom>
+          <a:noFill/>
+        </p:spPr>
+        <p:txBody>
+          <a:bodyPr wrap="none" rtlCol="0">
+            <a:spAutoFit/>
+          </a:bodyPr>
+          <a:lstStyle/>
+          <a:p>
+            <a:r>
+              <a:rPr lang="en-GB" sz="1400" dirty="0">
+                <a:latin typeface="Courier New" panose="02070309020205020404" pitchFamily="49" charset="0"/>
+                <a:cs typeface="Courier New" panose="02070309020205020404" pitchFamily="49" charset="0"/>
+              </a:rPr>
+              <a:t>.user-reviews {</a:t>
+            </a:r>
+          </a:p>
+          <a:p>
+            <a:r>
+              <a:rPr lang="en-GB" sz="1400" dirty="0">
+                <a:latin typeface="Courier New" panose="02070309020205020404" pitchFamily="49" charset="0"/>
+                <a:cs typeface="Courier New" panose="02070309020205020404" pitchFamily="49" charset="0"/>
+              </a:rPr>
+              <a:t>	flex: 1; </a:t>
+            </a:r>
+          </a:p>
+          <a:p>
+            <a:r>
+              <a:rPr lang="en-GB" sz="1400" dirty="0">
+                <a:latin typeface="Courier New" panose="02070309020205020404" pitchFamily="49" charset="0"/>
+                <a:cs typeface="Courier New" panose="02070309020205020404" pitchFamily="49" charset="0"/>
+              </a:rPr>
+              <a:t>	</a:t>
+            </a:r>
+            <a:r>
+              <a:rPr lang="en-GB" sz="1200" dirty="0">
+                <a:latin typeface="Courier New" panose="02070309020205020404" pitchFamily="49" charset="0"/>
+                <a:cs typeface="Courier New" panose="02070309020205020404" pitchFamily="49" charset="0"/>
+              </a:rPr>
+              <a:t>//grows to occupy the </a:t>
+            </a:r>
+          </a:p>
+          <a:p>
+            <a:r>
+              <a:rPr lang="en-GB" sz="1200" dirty="0">
+                <a:latin typeface="Courier New" panose="02070309020205020404" pitchFamily="49" charset="0"/>
+                <a:cs typeface="Courier New" panose="02070309020205020404" pitchFamily="49" charset="0"/>
+              </a:rPr>
+              <a:t>	remaining space</a:t>
+            </a:r>
+          </a:p>
+          <a:p>
+            <a:br>
+              <a:rPr lang="en-GB" sz="1400" dirty="0">
+                <a:latin typeface="Courier New" panose="02070309020205020404" pitchFamily="49" charset="0"/>
+                <a:cs typeface="Courier New" panose="02070309020205020404" pitchFamily="49" charset="0"/>
+              </a:rPr>
+            </a:br>
+            <a:r>
+              <a:rPr lang="en-GB" sz="1400" dirty="0">
+                <a:latin typeface="Courier New" panose="02070309020205020404" pitchFamily="49" charset="0"/>
+                <a:cs typeface="Courier New" panose="02070309020205020404" pitchFamily="49" charset="0"/>
+              </a:rPr>
+              <a:t>	display: flex;</a:t>
+            </a:r>
+          </a:p>
+          <a:p>
+            <a:r>
+              <a:rPr lang="en-GB" sz="1400" dirty="0">
+                <a:latin typeface="Courier New" panose="02070309020205020404" pitchFamily="49" charset="0"/>
+                <a:cs typeface="Courier New" panose="02070309020205020404" pitchFamily="49" charset="0"/>
+              </a:rPr>
+              <a:t>	flex-direction: column;</a:t>
+            </a:r>
+          </a:p>
+          <a:p>
+            <a:r>
+              <a:rPr lang="en-GB" sz="1400" dirty="0">
+                <a:latin typeface="Courier New" panose="02070309020205020404" pitchFamily="49" charset="0"/>
+                <a:cs typeface="Courier New" panose="02070309020205020404" pitchFamily="49" charset="0"/>
+              </a:rPr>
+              <a:t>	align-items: </a:t>
+            </a:r>
+            <a:r>
+              <a:rPr lang="en-GB" sz="1400" dirty="0" err="1">
+                <a:latin typeface="Courier New" panose="02070309020205020404" pitchFamily="49" charset="0"/>
+                <a:cs typeface="Courier New" panose="02070309020205020404" pitchFamily="49" charset="0"/>
+              </a:rPr>
+              <a:t>center</a:t>
+            </a:r>
+            <a:r>
+              <a:rPr lang="en-GB" sz="1400" dirty="0">
+                <a:latin typeface="Courier New" panose="02070309020205020404" pitchFamily="49" charset="0"/>
+                <a:cs typeface="Courier New" panose="02070309020205020404" pitchFamily="49" charset="0"/>
+              </a:rPr>
+              <a:t>;</a:t>
+            </a:r>
+          </a:p>
+          <a:p>
+            <a:r>
+              <a:rPr lang="en-GB" sz="1400" dirty="0">
+                <a:latin typeface="Courier New" panose="02070309020205020404" pitchFamily="49" charset="0"/>
+                <a:cs typeface="Courier New" panose="02070309020205020404" pitchFamily="49" charset="0"/>
+              </a:rPr>
+              <a:t>}</a:t>
+            </a:r>
+          </a:p>
+          <a:p>
+            <a:endParaRPr lang="en-US" dirty="0"/>
+          </a:p>
+        </p:txBody>
+      </p:sp>
+      <p:sp>
+        <p:nvSpPr>
+          <p:cNvPr id="9" name="TextBox 8">
+            <a:extLst>
+              <a:ext uri="{FF2B5EF4-FFF2-40B4-BE49-F238E27FC236}">
+                <a16:creationId xmlns:a16="http://schemas.microsoft.com/office/drawing/2014/main" id="{576FEA63-1D22-5F41-B6D2-97C2D809F89B}"/>
+              </a:ext>
+            </a:extLst>
+          </p:cNvPr>
+          <p:cNvSpPr txBox="1"/>
+          <p:nvPr/>
+        </p:nvSpPr>
+        <p:spPr>
+          <a:xfrm>
+            <a:off x="8269123" y="2719077"/>
+            <a:ext cx="3685624" cy="4185761"/>
+          </a:xfrm>
+          <a:prstGeom prst="rect">
+            <a:avLst/>
+          </a:prstGeom>
+          <a:noFill/>
+        </p:spPr>
+        <p:txBody>
+          <a:bodyPr wrap="none" rtlCol="0">
+            <a:spAutoFit/>
+          </a:bodyPr>
+          <a:lstStyle/>
+          <a:p>
+            <a:r>
+              <a:rPr lang="en-GB" sz="1400" dirty="0">
+                <a:latin typeface="Courier New" panose="02070309020205020404" pitchFamily="49" charset="0"/>
+                <a:cs typeface="Courier New" panose="02070309020205020404" pitchFamily="49" charset="0"/>
+              </a:rPr>
+              <a:t>.overview {</a:t>
+            </a:r>
+          </a:p>
+          <a:p>
+            <a:r>
+              <a:rPr lang="en-GB" sz="1400" dirty="0">
+                <a:latin typeface="Courier New" panose="02070309020205020404" pitchFamily="49" charset="0"/>
+                <a:cs typeface="Courier New" panose="02070309020205020404" pitchFamily="49" charset="0"/>
+              </a:rPr>
+              <a:t>	display: flex;</a:t>
+            </a:r>
+          </a:p>
+          <a:p>
+            <a:r>
+              <a:rPr lang="en-GB" sz="1400" dirty="0">
+                <a:latin typeface="Courier New" panose="02070309020205020404" pitchFamily="49" charset="0"/>
+                <a:cs typeface="Courier New" panose="02070309020205020404" pitchFamily="49" charset="0"/>
+              </a:rPr>
+              <a:t>	align-items: </a:t>
+            </a:r>
+            <a:r>
+              <a:rPr lang="en-GB" sz="1400" dirty="0" err="1">
+                <a:latin typeface="Courier New" panose="02070309020205020404" pitchFamily="49" charset="0"/>
+                <a:cs typeface="Courier New" panose="02070309020205020404" pitchFamily="49" charset="0"/>
+              </a:rPr>
+              <a:t>center</a:t>
+            </a:r>
+            <a:r>
+              <a:rPr lang="en-GB" sz="1400" dirty="0">
+                <a:latin typeface="Courier New" panose="02070309020205020404" pitchFamily="49" charset="0"/>
+                <a:cs typeface="Courier New" panose="02070309020205020404" pitchFamily="49" charset="0"/>
+              </a:rPr>
+              <a:t>;</a:t>
+            </a:r>
+          </a:p>
+          <a:p>
+            <a:endParaRPr lang="en-GB" sz="1400" dirty="0">
+              <a:latin typeface="Courier New" panose="02070309020205020404" pitchFamily="49" charset="0"/>
+              <a:cs typeface="Courier New" panose="02070309020205020404" pitchFamily="49" charset="0"/>
+            </a:endParaRPr>
+          </a:p>
+          <a:p>
+            <a:pPr lvl="1"/>
+            <a:r>
+              <a:rPr lang="en-GB" sz="1400" dirty="0">
+                <a:latin typeface="Courier New" panose="02070309020205020404" pitchFamily="49" charset="0"/>
+                <a:cs typeface="Courier New" panose="02070309020205020404" pitchFamily="49" charset="0"/>
+              </a:rPr>
+              <a:t>&amp;__location {</a:t>
+            </a:r>
+          </a:p>
+          <a:p>
+            <a:pPr lvl="1"/>
+            <a:r>
+              <a:rPr lang="en-GB" sz="1400" dirty="0">
+                <a:latin typeface="Courier New" panose="02070309020205020404" pitchFamily="49" charset="0"/>
+                <a:cs typeface="Courier New" panose="02070309020205020404" pitchFamily="49" charset="0"/>
+              </a:rPr>
+              <a:t>	display: flex;</a:t>
+            </a:r>
+          </a:p>
+          <a:p>
+            <a:pPr lvl="1"/>
+            <a:r>
+              <a:rPr lang="en-GB" sz="1400" dirty="0">
+                <a:latin typeface="Courier New" panose="02070309020205020404" pitchFamily="49" charset="0"/>
+                <a:cs typeface="Courier New" panose="02070309020205020404" pitchFamily="49" charset="0"/>
+              </a:rPr>
+              <a:t>	align-items: </a:t>
+            </a:r>
+            <a:r>
+              <a:rPr lang="en-GB" sz="1400" dirty="0" err="1">
+                <a:latin typeface="Courier New" panose="02070309020205020404" pitchFamily="49" charset="0"/>
+                <a:cs typeface="Courier New" panose="02070309020205020404" pitchFamily="49" charset="0"/>
+              </a:rPr>
+              <a:t>center</a:t>
+            </a:r>
+            <a:r>
+              <a:rPr lang="en-GB" sz="1400" dirty="0">
+                <a:latin typeface="Courier New" panose="02070309020205020404" pitchFamily="49" charset="0"/>
+                <a:cs typeface="Courier New" panose="02070309020205020404" pitchFamily="49" charset="0"/>
+              </a:rPr>
+              <a:t>;</a:t>
+            </a:r>
+          </a:p>
+          <a:p>
+            <a:pPr lvl="1"/>
+            <a:r>
+              <a:rPr lang="en-GB" sz="1400" dirty="0">
+                <a:latin typeface="Courier New" panose="02070309020205020404" pitchFamily="49" charset="0"/>
+                <a:cs typeface="Courier New" panose="02070309020205020404" pitchFamily="49" charset="0"/>
+              </a:rPr>
+              <a:t>}</a:t>
+            </a:r>
+          </a:p>
+          <a:p>
+            <a:pPr lvl="1"/>
+            <a:endParaRPr lang="en-GB" sz="1400" dirty="0">
+              <a:latin typeface="Courier New" panose="02070309020205020404" pitchFamily="49" charset="0"/>
+              <a:cs typeface="Courier New" panose="02070309020205020404" pitchFamily="49" charset="0"/>
+            </a:endParaRPr>
+          </a:p>
+          <a:p>
+            <a:r>
+              <a:rPr lang="en-GB" sz="1400" dirty="0">
+                <a:latin typeface="Courier New" panose="02070309020205020404" pitchFamily="49" charset="0"/>
+                <a:cs typeface="Courier New" panose="02070309020205020404" pitchFamily="49" charset="0"/>
+              </a:rPr>
+              <a:t>	&amp;__rating {</a:t>
+            </a:r>
+          </a:p>
+          <a:p>
+            <a:r>
+              <a:rPr lang="en-GB" sz="1400" dirty="0">
+                <a:latin typeface="Courier New" panose="02070309020205020404" pitchFamily="49" charset="0"/>
+                <a:cs typeface="Courier New" panose="02070309020205020404" pitchFamily="49" charset="0"/>
+              </a:rPr>
+              <a:t>		align-self: stretch;</a:t>
+            </a:r>
+          </a:p>
+          <a:p>
+            <a:br>
+              <a:rPr lang="en-GB" sz="1400" dirty="0">
+                <a:latin typeface="Courier New" panose="02070309020205020404" pitchFamily="49" charset="0"/>
+                <a:cs typeface="Courier New" panose="02070309020205020404" pitchFamily="49" charset="0"/>
+              </a:rPr>
+            </a:br>
+            <a:r>
+              <a:rPr lang="en-GB" sz="1400" dirty="0">
+                <a:latin typeface="Courier New" panose="02070309020205020404" pitchFamily="49" charset="0"/>
+                <a:cs typeface="Courier New" panose="02070309020205020404" pitchFamily="49" charset="0"/>
+              </a:rPr>
+              <a:t>		display: flex;</a:t>
+            </a:r>
+          </a:p>
+          <a:p>
+            <a:r>
+              <a:rPr lang="en-GB" sz="1400" dirty="0">
+                <a:latin typeface="Courier New" panose="02070309020205020404" pitchFamily="49" charset="0"/>
+                <a:cs typeface="Courier New" panose="02070309020205020404" pitchFamily="49" charset="0"/>
+              </a:rPr>
+              <a:t>		flex-direction: column;</a:t>
+            </a:r>
+          </a:p>
+          <a:p>
+            <a:r>
+              <a:rPr lang="en-GB" sz="1400" dirty="0">
+                <a:latin typeface="Courier New" panose="02070309020205020404" pitchFamily="49" charset="0"/>
+                <a:cs typeface="Courier New" panose="02070309020205020404" pitchFamily="49" charset="0"/>
+              </a:rPr>
+              <a:t>		align-items: </a:t>
+            </a:r>
+            <a:r>
+              <a:rPr lang="en-GB" sz="1400" dirty="0" err="1">
+                <a:latin typeface="Courier New" panose="02070309020205020404" pitchFamily="49" charset="0"/>
+                <a:cs typeface="Courier New" panose="02070309020205020404" pitchFamily="49" charset="0"/>
+              </a:rPr>
+              <a:t>center</a:t>
+            </a:r>
+            <a:r>
+              <a:rPr lang="en-GB" sz="1400" dirty="0">
+                <a:latin typeface="Courier New" panose="02070309020205020404" pitchFamily="49" charset="0"/>
+                <a:cs typeface="Courier New" panose="02070309020205020404" pitchFamily="49" charset="0"/>
+              </a:rPr>
+              <a:t>;</a:t>
+            </a:r>
+          </a:p>
+          <a:p>
+            <a:r>
+              <a:rPr lang="en-GB" sz="1400" dirty="0">
+                <a:latin typeface="Courier New" panose="02070309020205020404" pitchFamily="49" charset="0"/>
+                <a:cs typeface="Courier New" panose="02070309020205020404" pitchFamily="49" charset="0"/>
+              </a:rPr>
+              <a:t>		justify-content: </a:t>
+            </a:r>
+            <a:r>
+              <a:rPr lang="en-GB" sz="1400" dirty="0" err="1">
+                <a:latin typeface="Courier New" panose="02070309020205020404" pitchFamily="49" charset="0"/>
+                <a:cs typeface="Courier New" panose="02070309020205020404" pitchFamily="49" charset="0"/>
+              </a:rPr>
+              <a:t>center</a:t>
+            </a:r>
+            <a:r>
+              <a:rPr lang="en-GB" sz="1400" dirty="0">
+                <a:latin typeface="Courier New" panose="02070309020205020404" pitchFamily="49" charset="0"/>
+                <a:cs typeface="Courier New" panose="02070309020205020404" pitchFamily="49" charset="0"/>
+              </a:rPr>
+              <a:t>;</a:t>
+            </a:r>
+          </a:p>
+          <a:p>
+            <a:r>
+              <a:rPr lang="en-GB" sz="1400" dirty="0">
+                <a:latin typeface="Courier New" panose="02070309020205020404" pitchFamily="49" charset="0"/>
+                <a:cs typeface="Courier New" panose="02070309020205020404" pitchFamily="49" charset="0"/>
+              </a:rPr>
+              <a:t>	}</a:t>
+            </a:r>
+          </a:p>
+          <a:p>
+            <a:endParaRPr lang="en-GB" sz="1400" dirty="0">
+              <a:latin typeface="Courier New" panose="02070309020205020404" pitchFamily="49" charset="0"/>
+              <a:cs typeface="Courier New" panose="02070309020205020404" pitchFamily="49" charset="0"/>
+            </a:endParaRPr>
+          </a:p>
+          <a:p>
+            <a:r>
+              <a:rPr lang="en-US" sz="1400" dirty="0">
+                <a:latin typeface="Courier New" panose="02070309020205020404" pitchFamily="49" charset="0"/>
+                <a:cs typeface="Courier New" panose="02070309020205020404" pitchFamily="49" charset="0"/>
+              </a:rPr>
+              <a:t>}</a:t>
+            </a:r>
+          </a:p>
+        </p:txBody>
+      </p:sp>
+      <p:sp>
+        <p:nvSpPr>
+          <p:cNvPr id="10" name="TextBox 9">
+            <a:extLst>
+              <a:ext uri="{FF2B5EF4-FFF2-40B4-BE49-F238E27FC236}">
+                <a16:creationId xmlns:a16="http://schemas.microsoft.com/office/drawing/2014/main" id="{714BAE38-70AC-4443-B6FE-246CCFADF443}"/>
+              </a:ext>
+            </a:extLst>
+          </p:cNvPr>
+          <p:cNvSpPr txBox="1"/>
+          <p:nvPr/>
+        </p:nvSpPr>
+        <p:spPr>
+          <a:xfrm>
+            <a:off x="6544300" y="678755"/>
+            <a:ext cx="5647700" cy="2554545"/>
+          </a:xfrm>
+          <a:prstGeom prst="rect">
+            <a:avLst/>
+          </a:prstGeom>
+          <a:noFill/>
+        </p:spPr>
+        <p:txBody>
+          <a:bodyPr wrap="none" rtlCol="0">
+            <a:spAutoFit/>
+          </a:bodyPr>
+          <a:lstStyle/>
+          <a:p>
+            <a:r>
+              <a:rPr lang="en-GB" sz="1400" dirty="0">
+                <a:solidFill>
+                  <a:srgbClr val="FFC000"/>
+                </a:solidFill>
+                <a:latin typeface="Courier New" panose="02070309020205020404" pitchFamily="49" charset="0"/>
+                <a:cs typeface="Courier New" panose="02070309020205020404" pitchFamily="49" charset="0"/>
+              </a:rPr>
+              <a:t>.gallery {</a:t>
+            </a:r>
+          </a:p>
+          <a:p>
+            <a:r>
+              <a:rPr lang="en-GB" sz="1400" dirty="0">
+                <a:solidFill>
+                  <a:srgbClr val="FFC000"/>
+                </a:solidFill>
+                <a:latin typeface="Courier New" panose="02070309020205020404" pitchFamily="49" charset="0"/>
+                <a:cs typeface="Courier New" panose="02070309020205020404" pitchFamily="49" charset="0"/>
+              </a:rPr>
+              <a:t>	display: flex;</a:t>
+            </a:r>
+          </a:p>
+          <a:p>
+            <a:br>
+              <a:rPr lang="en-GB" sz="1400" dirty="0">
+                <a:solidFill>
+                  <a:srgbClr val="FFC000"/>
+                </a:solidFill>
+                <a:latin typeface="Courier New" panose="02070309020205020404" pitchFamily="49" charset="0"/>
+                <a:cs typeface="Courier New" panose="02070309020205020404" pitchFamily="49" charset="0"/>
+              </a:rPr>
+            </a:br>
+            <a:r>
+              <a:rPr lang="en-GB" sz="1400" dirty="0">
+                <a:solidFill>
+                  <a:srgbClr val="FFC000"/>
+                </a:solidFill>
+                <a:latin typeface="Courier New" panose="02070309020205020404" pitchFamily="49" charset="0"/>
+                <a:cs typeface="Courier New" panose="02070309020205020404" pitchFamily="49" charset="0"/>
+              </a:rPr>
+              <a:t>	&amp;__photo {</a:t>
+            </a:r>
+          </a:p>
+          <a:p>
+            <a:r>
+              <a:rPr lang="en-GB" sz="1400" dirty="0">
+                <a:solidFill>
+                  <a:srgbClr val="FFC000"/>
+                </a:solidFill>
+                <a:latin typeface="Courier New" panose="02070309020205020404" pitchFamily="49" charset="0"/>
+                <a:cs typeface="Courier New" panose="02070309020205020404" pitchFamily="49" charset="0"/>
+              </a:rPr>
+              <a:t>		width: 100%; </a:t>
+            </a:r>
+          </a:p>
+          <a:p>
+            <a:r>
+              <a:rPr lang="en-GB" sz="1000" dirty="0">
+                <a:latin typeface="Courier New" panose="02070309020205020404" pitchFamily="49" charset="0"/>
+                <a:cs typeface="Courier New" panose="02070309020205020404" pitchFamily="49" charset="0"/>
+              </a:rPr>
+              <a:t>//for responsive images should always set width &amp; height in percentages</a:t>
+            </a:r>
+          </a:p>
+          <a:p>
+            <a:r>
+              <a:rPr lang="en-GB" sz="1400" dirty="0">
+                <a:latin typeface="Courier New" panose="02070309020205020404" pitchFamily="49" charset="0"/>
+                <a:cs typeface="Courier New" panose="02070309020205020404" pitchFamily="49" charset="0"/>
+              </a:rPr>
+              <a:t>		display: block; </a:t>
+            </a:r>
+          </a:p>
+          <a:p>
+            <a:r>
+              <a:rPr lang="en-GB" sz="1000" dirty="0">
+                <a:latin typeface="Courier New" panose="02070309020205020404" pitchFamily="49" charset="0"/>
+                <a:cs typeface="Courier New" panose="02070309020205020404" pitchFamily="49" charset="0"/>
+              </a:rPr>
+              <a:t>//stops it having a space underneath the image which it would get if </a:t>
+            </a:r>
+          </a:p>
+          <a:p>
+            <a:r>
+              <a:rPr lang="en-GB" sz="1000" dirty="0">
+                <a:latin typeface="Courier New" panose="02070309020205020404" pitchFamily="49" charset="0"/>
+                <a:cs typeface="Courier New" panose="02070309020205020404" pitchFamily="49" charset="0"/>
+              </a:rPr>
+              <a:t>it was an inline element</a:t>
+            </a:r>
+          </a:p>
+          <a:p>
+            <a:r>
+              <a:rPr lang="en-GB" sz="1400" dirty="0">
+                <a:latin typeface="Courier New" panose="02070309020205020404" pitchFamily="49" charset="0"/>
+                <a:cs typeface="Courier New" panose="02070309020205020404" pitchFamily="49" charset="0"/>
+              </a:rPr>
+              <a:t>	}</a:t>
+            </a:r>
+          </a:p>
+          <a:p>
+            <a:r>
+              <a:rPr lang="en-GB" sz="1400" dirty="0">
+                <a:latin typeface="Courier New" panose="02070309020205020404" pitchFamily="49" charset="0"/>
+                <a:cs typeface="Courier New" panose="02070309020205020404" pitchFamily="49" charset="0"/>
+              </a:rPr>
+              <a:t>}</a:t>
+            </a:r>
+          </a:p>
+          <a:p>
+            <a:endParaRPr lang="en-US" dirty="0"/>
+          </a:p>
+        </p:txBody>
+      </p:sp>
+      <p:cxnSp>
+        <p:nvCxnSpPr>
+          <p:cNvPr id="12" name="Straight Arrow Connector 11">
+            <a:extLst>
+              <a:ext uri="{FF2B5EF4-FFF2-40B4-BE49-F238E27FC236}">
+                <a16:creationId xmlns:a16="http://schemas.microsoft.com/office/drawing/2014/main" id="{0936FE4B-3995-5D40-9F72-A20FDB2667B2}"/>
+              </a:ext>
+            </a:extLst>
+          </p:cNvPr>
+          <p:cNvCxnSpPr/>
+          <p:nvPr/>
+        </p:nvCxnSpPr>
+        <p:spPr>
+          <a:xfrm>
+            <a:off x="2544417" y="2636632"/>
+            <a:ext cx="1192696" cy="702916"/>
+          </a:xfrm>
+          <a:prstGeom prst="straightConnector1">
+            <a:avLst/>
+          </a:prstGeom>
+          <a:ln>
+            <a:solidFill>
+              <a:srgbClr val="FFC000"/>
+            </a:solidFill>
+            <a:tailEnd type="triangle"/>
+          </a:ln>
+        </p:spPr>
+        <p:style>
+          <a:lnRef idx="1">
+            <a:schemeClr val="accent1"/>
+          </a:lnRef>
+          <a:fillRef idx="0">
+            <a:schemeClr val="accent1"/>
+          </a:fillRef>
+          <a:effectRef idx="0">
+            <a:schemeClr val="accent1"/>
+          </a:effectRef>
+          <a:fontRef idx="minor">
+            <a:schemeClr val="tx1"/>
+          </a:fontRef>
+        </p:style>
+      </p:cxnSp>
+      <p:cxnSp>
+        <p:nvCxnSpPr>
+          <p:cNvPr id="14" name="Straight Arrow Connector 13">
+            <a:extLst>
+              <a:ext uri="{FF2B5EF4-FFF2-40B4-BE49-F238E27FC236}">
+                <a16:creationId xmlns:a16="http://schemas.microsoft.com/office/drawing/2014/main" id="{F9AA0A58-3F41-234F-94F1-9D6E1028BDF3}"/>
+              </a:ext>
+            </a:extLst>
+          </p:cNvPr>
+          <p:cNvCxnSpPr/>
+          <p:nvPr/>
+        </p:nvCxnSpPr>
+        <p:spPr>
+          <a:xfrm>
+            <a:off x="2027860" y="4114800"/>
+            <a:ext cx="2089435" cy="527517"/>
+          </a:xfrm>
+          <a:prstGeom prst="straightConnector1">
+            <a:avLst/>
+          </a:prstGeom>
+          <a:ln>
+            <a:solidFill>
+              <a:srgbClr val="FFC000"/>
+            </a:solidFill>
+            <a:tailEnd type="triangle"/>
+          </a:ln>
+        </p:spPr>
+        <p:style>
+          <a:lnRef idx="1">
+            <a:schemeClr val="accent1"/>
+          </a:lnRef>
+          <a:fillRef idx="0">
+            <a:schemeClr val="accent1"/>
+          </a:fillRef>
+          <a:effectRef idx="0">
+            <a:schemeClr val="accent1"/>
+          </a:effectRef>
+          <a:fontRef idx="minor">
+            <a:schemeClr val="tx1"/>
+          </a:fontRef>
+        </p:style>
+      </p:cxnSp>
+      <p:cxnSp>
+        <p:nvCxnSpPr>
+          <p:cNvPr id="16" name="Elbow Connector 15">
+            <a:extLst>
+              <a:ext uri="{FF2B5EF4-FFF2-40B4-BE49-F238E27FC236}">
+                <a16:creationId xmlns:a16="http://schemas.microsoft.com/office/drawing/2014/main" id="{C1A0097B-ADFB-8942-8E27-555A086EFB60}"/>
+              </a:ext>
+            </a:extLst>
+          </p:cNvPr>
+          <p:cNvCxnSpPr>
+            <a:cxnSpLocks/>
+          </p:cNvCxnSpPr>
+          <p:nvPr/>
+        </p:nvCxnSpPr>
+        <p:spPr>
+          <a:xfrm>
+            <a:off x="2623930" y="5655024"/>
+            <a:ext cx="4082899" cy="341"/>
+          </a:xfrm>
+          <a:prstGeom prst="bentConnector3">
+            <a:avLst/>
+          </a:prstGeom>
+          <a:ln>
+            <a:solidFill>
+              <a:srgbClr val="FFC000"/>
+            </a:solidFill>
+            <a:tailEnd type="triangle"/>
+          </a:ln>
+        </p:spPr>
+        <p:style>
+          <a:lnRef idx="1">
+            <a:schemeClr val="accent1"/>
+          </a:lnRef>
+          <a:fillRef idx="0">
+            <a:schemeClr val="accent1"/>
+          </a:fillRef>
+          <a:effectRef idx="0">
+            <a:schemeClr val="accent1"/>
+          </a:effectRef>
+          <a:fontRef idx="minor">
+            <a:schemeClr val="tx1"/>
+          </a:fontRef>
+        </p:style>
+      </p:cxnSp>
+      <p:cxnSp>
+        <p:nvCxnSpPr>
+          <p:cNvPr id="18" name="Straight Arrow Connector 17">
+            <a:extLst>
+              <a:ext uri="{FF2B5EF4-FFF2-40B4-BE49-F238E27FC236}">
+                <a16:creationId xmlns:a16="http://schemas.microsoft.com/office/drawing/2014/main" id="{26BB2905-6468-DE44-BF6D-E78E98DD9307}"/>
+              </a:ext>
+            </a:extLst>
+          </p:cNvPr>
+          <p:cNvCxnSpPr/>
+          <p:nvPr/>
+        </p:nvCxnSpPr>
+        <p:spPr>
+          <a:xfrm flipV="1">
+            <a:off x="6095999" y="4475751"/>
+            <a:ext cx="607213" cy="1179273"/>
+          </a:xfrm>
+          <a:prstGeom prst="straightConnector1">
+            <a:avLst/>
+          </a:prstGeom>
+          <a:ln>
+            <a:solidFill>
+              <a:srgbClr val="FFC000"/>
+            </a:solidFill>
+            <a:tailEnd type="triangle"/>
+          </a:ln>
+        </p:spPr>
+        <p:style>
+          <a:lnRef idx="1">
+            <a:schemeClr val="accent1"/>
+          </a:lnRef>
+          <a:fillRef idx="0">
+            <a:schemeClr val="accent1"/>
+          </a:fillRef>
+          <a:effectRef idx="0">
+            <a:schemeClr val="accent1"/>
+          </a:effectRef>
+          <a:fontRef idx="minor">
+            <a:schemeClr val="tx1"/>
+          </a:fontRef>
+        </p:style>
+      </p:cxnSp>
+      <p:cxnSp>
+        <p:nvCxnSpPr>
+          <p:cNvPr id="21" name="Straight Arrow Connector 20">
+            <a:extLst>
+              <a:ext uri="{FF2B5EF4-FFF2-40B4-BE49-F238E27FC236}">
+                <a16:creationId xmlns:a16="http://schemas.microsoft.com/office/drawing/2014/main" id="{A82A4079-9EBD-CF4F-A59A-E9378BAD8C3C}"/>
+              </a:ext>
+            </a:extLst>
+          </p:cNvPr>
+          <p:cNvCxnSpPr>
+            <a:stCxn id="10" idx="1"/>
+          </p:cNvCxnSpPr>
+          <p:nvPr/>
+        </p:nvCxnSpPr>
+        <p:spPr>
+          <a:xfrm flipH="1">
+            <a:off x="5883965" y="1956028"/>
+            <a:ext cx="660335" cy="680604"/>
+          </a:xfrm>
+          <a:prstGeom prst="straightConnector1">
+            <a:avLst/>
+          </a:prstGeom>
+          <a:ln>
+            <a:solidFill>
+              <a:srgbClr val="FFC000"/>
+            </a:solidFill>
+            <a:tailEnd type="triangle"/>
+          </a:ln>
+        </p:spPr>
+        <p:style>
+          <a:lnRef idx="1">
+            <a:schemeClr val="accent1"/>
+          </a:lnRef>
+          <a:fillRef idx="0">
+            <a:schemeClr val="accent1"/>
+          </a:fillRef>
+          <a:effectRef idx="0">
+            <a:schemeClr val="accent1"/>
+          </a:effectRef>
+          <a:fontRef idx="minor">
+            <a:schemeClr val="tx1"/>
+          </a:fontRef>
+        </p:style>
+      </p:cxnSp>
+      <p:cxnSp>
+        <p:nvCxnSpPr>
+          <p:cNvPr id="23" name="Straight Arrow Connector 22">
+            <a:extLst>
+              <a:ext uri="{FF2B5EF4-FFF2-40B4-BE49-F238E27FC236}">
+                <a16:creationId xmlns:a16="http://schemas.microsoft.com/office/drawing/2014/main" id="{A13DCB72-B5D9-4744-8DAF-8EE5C7E39F3A}"/>
+              </a:ext>
+            </a:extLst>
+          </p:cNvPr>
+          <p:cNvCxnSpPr/>
+          <p:nvPr/>
+        </p:nvCxnSpPr>
+        <p:spPr>
+          <a:xfrm flipH="1" flipV="1">
+            <a:off x="8189843" y="3786809"/>
+            <a:ext cx="596348" cy="1025148"/>
+          </a:xfrm>
+          <a:prstGeom prst="straightConnector1">
+            <a:avLst/>
+          </a:prstGeom>
+          <a:ln>
+            <a:solidFill>
+              <a:srgbClr val="FFC000"/>
+            </a:solidFill>
+            <a:tailEnd type="triangle"/>
+          </a:ln>
+        </p:spPr>
+        <p:style>
+          <a:lnRef idx="1">
+            <a:schemeClr val="accent1"/>
+          </a:lnRef>
+          <a:fillRef idx="0">
+            <a:schemeClr val="accent1"/>
+          </a:fillRef>
+          <a:effectRef idx="0">
+            <a:schemeClr val="accent1"/>
+          </a:effectRef>
+          <a:fontRef idx="minor">
+            <a:schemeClr val="tx1"/>
+          </a:fontRef>
+        </p:style>
+      </p:cxnSp>
+      <p:cxnSp>
+        <p:nvCxnSpPr>
+          <p:cNvPr id="27" name="Elbow Connector 26">
+            <a:extLst>
+              <a:ext uri="{FF2B5EF4-FFF2-40B4-BE49-F238E27FC236}">
+                <a16:creationId xmlns:a16="http://schemas.microsoft.com/office/drawing/2014/main" id="{0F86A6E4-E6C8-F34C-B0EA-BD64B9DC6EF8}"/>
+              </a:ext>
+            </a:extLst>
+          </p:cNvPr>
+          <p:cNvCxnSpPr>
+            <a:cxnSpLocks/>
+          </p:cNvCxnSpPr>
+          <p:nvPr/>
+        </p:nvCxnSpPr>
+        <p:spPr>
+          <a:xfrm rot="10800000">
+            <a:off x="7809663" y="3624704"/>
+            <a:ext cx="976528" cy="194517"/>
+          </a:xfrm>
+          <a:prstGeom prst="bentConnector3">
+            <a:avLst>
+              <a:gd name="adj1" fmla="val 50000"/>
+            </a:avLst>
+          </a:prstGeom>
+          <a:ln>
+            <a:solidFill>
+              <a:srgbClr val="FFC000"/>
+            </a:solidFill>
+            <a:tailEnd type="triangle"/>
+          </a:ln>
+        </p:spPr>
+        <p:style>
+          <a:lnRef idx="1">
+            <a:schemeClr val="accent1"/>
+          </a:lnRef>
+          <a:fillRef idx="0">
+            <a:schemeClr val="accent1"/>
+          </a:fillRef>
+          <a:effectRef idx="0">
+            <a:schemeClr val="accent1"/>
+          </a:effectRef>
+          <a:fontRef idx="minor">
+            <a:schemeClr val="tx1"/>
+          </a:fontRef>
+        </p:style>
+      </p:cxnSp>
+      <p:cxnSp>
+        <p:nvCxnSpPr>
+          <p:cNvPr id="31" name="Elbow Connector 30">
+            <a:extLst>
+              <a:ext uri="{FF2B5EF4-FFF2-40B4-BE49-F238E27FC236}">
+                <a16:creationId xmlns:a16="http://schemas.microsoft.com/office/drawing/2014/main" id="{C19DDCBE-A1F7-4744-90C3-7225085E2BB9}"/>
+              </a:ext>
+            </a:extLst>
+          </p:cNvPr>
+          <p:cNvCxnSpPr/>
+          <p:nvPr/>
+        </p:nvCxnSpPr>
+        <p:spPr>
+          <a:xfrm rot="10800000" flipV="1">
+            <a:off x="6055703" y="3093159"/>
+            <a:ext cx="2432314" cy="531542"/>
+          </a:xfrm>
+          <a:prstGeom prst="bentConnector3">
+            <a:avLst/>
+          </a:prstGeom>
+          <a:ln>
+            <a:solidFill>
+              <a:srgbClr val="FFC000"/>
+            </a:solidFill>
+            <a:tailEnd type="triangle"/>
+          </a:ln>
+        </p:spPr>
+        <p:style>
+          <a:lnRef idx="1">
+            <a:schemeClr val="accent1"/>
+          </a:lnRef>
+          <a:fillRef idx="0">
+            <a:schemeClr val="accent1"/>
+          </a:fillRef>
+          <a:effectRef idx="0">
+            <a:schemeClr val="accent1"/>
+          </a:effectRef>
+          <a:fontRef idx="minor">
+            <a:schemeClr val="tx1"/>
+          </a:fontRef>
+        </p:style>
+      </p:cxnSp>
+    </p:spTree>
+    <p:extLst>
+      <p:ext uri="{BB962C8B-B14F-4D97-AF65-F5344CB8AC3E}">
+        <p14:creationId xmlns:p14="http://schemas.microsoft.com/office/powerpoint/2010/main" val="765969685"/>
+      </p:ext>
+    </p:extLst>
+  </p:cSld>
+  <p:clrMapOvr>
+    <a:masterClrMapping/>
+  </p:clrMapOvr>
+</p:sld>
+</file>
+
+<file path=ppt/slides/slide16.xml><?xml version="1.0" encoding="utf-8"?>
+<p:sld xmlns:a="http://schemas.openxmlformats.org/drawingml/2006/main" xmlns:r="http://schemas.openxmlformats.org/officeDocument/2006/relationships" xmlns:p="http://schemas.openxmlformats.org/presentationml/2006/main">
+  <p:cSld>
+    <p:spTree>
+      <p:nvGrpSpPr>
+        <p:cNvPr id="1" name=""/>
+        <p:cNvGrpSpPr/>
+        <p:nvPr/>
+      </p:nvGrpSpPr>
+      <p:grpSpPr>
+        <a:xfrm>
+          <a:off x="0" y="0"/>
+          <a:ext cx="0" cy="0"/>
+          <a:chOff x="0" y="0"/>
+          <a:chExt cx="0" cy="0"/>
+        </a:xfrm>
+      </p:grpSpPr>
+      <p:sp>
+        <p:nvSpPr>
+          <p:cNvPr id="2" name="Title 1">
+            <a:extLst>
+              <a:ext uri="{FF2B5EF4-FFF2-40B4-BE49-F238E27FC236}">
+                <a16:creationId xmlns:a16="http://schemas.microsoft.com/office/drawing/2014/main" id="{1A3D8B9C-2BE6-5E4C-A31E-C68497B89FBB}"/>
+              </a:ext>
+            </a:extLst>
+          </p:cNvPr>
+          <p:cNvSpPr>
+            <a:spLocks noGrp="1"/>
+          </p:cNvSpPr>
+          <p:nvPr>
+            <p:ph type="title"/>
+          </p:nvPr>
+        </p:nvSpPr>
+        <p:spPr/>
+        <p:txBody>
+          <a:bodyPr/>
+          <a:lstStyle/>
+          <a:p>
+            <a:r>
+              <a:rPr lang="en-US" dirty="0"/>
+              <a:t>Custom properties / </a:t>
+            </a:r>
+            <a:r>
+              <a:rPr lang="en-US" dirty="0" err="1"/>
+              <a:t>css</a:t>
+            </a:r>
+            <a:r>
+              <a:rPr lang="en-US" dirty="0"/>
+              <a:t> variables</a:t>
+            </a:r>
+          </a:p>
+        </p:txBody>
+      </p:sp>
+      <p:sp>
+        <p:nvSpPr>
+          <p:cNvPr id="3" name="Content Placeholder 2">
+            <a:extLst>
+              <a:ext uri="{FF2B5EF4-FFF2-40B4-BE49-F238E27FC236}">
+                <a16:creationId xmlns:a16="http://schemas.microsoft.com/office/drawing/2014/main" id="{A737F5A0-A157-C045-AF13-50AA191991AE}"/>
+              </a:ext>
+            </a:extLst>
+          </p:cNvPr>
+          <p:cNvSpPr>
+            <a:spLocks noGrp="1"/>
+          </p:cNvSpPr>
+          <p:nvPr>
+            <p:ph idx="1"/>
+          </p:nvPr>
+        </p:nvSpPr>
+        <p:spPr>
+          <a:xfrm>
+            <a:off x="581192" y="2180496"/>
+            <a:ext cx="11385521" cy="3678303"/>
+          </a:xfrm>
+        </p:spPr>
+        <p:txBody>
+          <a:bodyPr>
+            <a:normAutofit lnSpcReduction="10000"/>
+          </a:bodyPr>
+          <a:lstStyle/>
+          <a:p>
+            <a:r>
+              <a:rPr lang="en-US" dirty="0"/>
+              <a:t>Use variables in CSS rather than in SCSS</a:t>
+            </a:r>
+          </a:p>
+          <a:p>
+            <a:r>
+              <a:rPr lang="en-US" dirty="0"/>
+              <a:t>Can manipulate in JavaScript and edit them in dev tools</a:t>
+            </a:r>
+          </a:p>
+          <a:p>
+            <a:r>
+              <a:rPr lang="en-US" dirty="0"/>
+              <a:t>CSS variables cascade and are inherited</a:t>
+            </a:r>
+          </a:p>
+          <a:p>
+            <a:r>
+              <a:rPr lang="en-US" dirty="0"/>
+              <a:t>Have to be defined in a declaration block (best to put in root pseudo class – like html selector but higher specificity):</a:t>
+            </a:r>
+            <a:br>
+              <a:rPr lang="en-US" dirty="0"/>
+            </a:br>
+            <a:endParaRPr lang="en-US" dirty="0"/>
+          </a:p>
+          <a:p>
+            <a:pPr marL="0" indent="0">
+              <a:buNone/>
+            </a:pPr>
+            <a:r>
+              <a:rPr lang="en-US" dirty="0">
+                <a:latin typeface="Courier New" panose="02070309020205020404" pitchFamily="49" charset="0"/>
+                <a:cs typeface="Courier New" panose="02070309020205020404" pitchFamily="49" charset="0"/>
+              </a:rPr>
+              <a:t>:root {</a:t>
+            </a:r>
+          </a:p>
+          <a:p>
+            <a:pPr marL="0" indent="0">
+              <a:buNone/>
+            </a:pPr>
+            <a:r>
+              <a:rPr lang="en-US" dirty="0">
+                <a:latin typeface="Courier New" panose="02070309020205020404" pitchFamily="49" charset="0"/>
+                <a:cs typeface="Courier New" panose="02070309020205020404" pitchFamily="49" charset="0"/>
+              </a:rPr>
+              <a:t>	--color-primary: #eb2f64;</a:t>
+            </a:r>
+          </a:p>
+          <a:p>
+            <a:pPr marL="0" indent="0">
+              <a:buNone/>
+            </a:pPr>
+            <a:r>
+              <a:rPr lang="en-US" dirty="0">
+                <a:latin typeface="Courier New" panose="02070309020205020404" pitchFamily="49" charset="0"/>
+                <a:cs typeface="Courier New" panose="02070309020205020404" pitchFamily="49" charset="0"/>
+              </a:rPr>
+              <a:t>}</a:t>
+            </a:r>
+          </a:p>
+          <a:p>
+            <a:pPr marL="0" indent="0">
+              <a:buNone/>
+            </a:pPr>
+            <a:endParaRPr lang="en-US" dirty="0">
+              <a:latin typeface="Courier New" panose="02070309020205020404" pitchFamily="49" charset="0"/>
+              <a:cs typeface="Courier New" panose="02070309020205020404" pitchFamily="49" charset="0"/>
+            </a:endParaRPr>
+          </a:p>
+          <a:p>
+            <a:pPr marL="0" indent="0">
+              <a:buNone/>
+            </a:pPr>
+            <a:r>
+              <a:rPr lang="en-US" dirty="0">
+                <a:latin typeface="Courier New" panose="02070309020205020404" pitchFamily="49" charset="0"/>
+                <a:cs typeface="Courier New" panose="02070309020205020404" pitchFamily="49" charset="0"/>
+              </a:rPr>
+              <a:t>color: </a:t>
+            </a:r>
+            <a:r>
+              <a:rPr lang="en-US" dirty="0" err="1">
+                <a:latin typeface="Courier New" panose="02070309020205020404" pitchFamily="49" charset="0"/>
+                <a:cs typeface="Courier New" panose="02070309020205020404" pitchFamily="49" charset="0"/>
+              </a:rPr>
+              <a:t>var</a:t>
+            </a:r>
+            <a:r>
+              <a:rPr lang="en-US" dirty="0">
+                <a:latin typeface="Courier New" panose="02070309020205020404" pitchFamily="49" charset="0"/>
+                <a:cs typeface="Courier New" panose="02070309020205020404" pitchFamily="49" charset="0"/>
+              </a:rPr>
+              <a:t>(--color-primary);</a:t>
+            </a:r>
+          </a:p>
+        </p:txBody>
+      </p:sp>
+      <p:sp>
+        <p:nvSpPr>
+          <p:cNvPr id="4" name="TextBox 3">
+            <a:extLst>
+              <a:ext uri="{FF2B5EF4-FFF2-40B4-BE49-F238E27FC236}">
+                <a16:creationId xmlns:a16="http://schemas.microsoft.com/office/drawing/2014/main" id="{CA702C93-9CE9-F342-AE10-0E00FEB2BD65}"/>
+              </a:ext>
+            </a:extLst>
+          </p:cNvPr>
+          <p:cNvSpPr txBox="1"/>
+          <p:nvPr/>
+        </p:nvSpPr>
+        <p:spPr>
+          <a:xfrm>
+            <a:off x="7066721" y="4283765"/>
+            <a:ext cx="2978251" cy="369332"/>
+          </a:xfrm>
+          <a:prstGeom prst="rect">
+            <a:avLst/>
+          </a:prstGeom>
+          <a:noFill/>
+        </p:spPr>
+        <p:txBody>
+          <a:bodyPr wrap="none" rtlCol="0">
+            <a:spAutoFit/>
+          </a:bodyPr>
+          <a:lstStyle/>
+          <a:p>
+            <a:r>
+              <a:rPr lang="en-US" dirty="0">
+                <a:solidFill>
+                  <a:schemeClr val="accent2"/>
+                </a:solidFill>
+              </a:rPr>
+              <a:t>specify variable with ‘--’ prefix</a:t>
+            </a:r>
+          </a:p>
+        </p:txBody>
+      </p:sp>
+      <p:sp>
+        <p:nvSpPr>
+          <p:cNvPr id="5" name="TextBox 4">
+            <a:extLst>
+              <a:ext uri="{FF2B5EF4-FFF2-40B4-BE49-F238E27FC236}">
+                <a16:creationId xmlns:a16="http://schemas.microsoft.com/office/drawing/2014/main" id="{4999E3B8-869C-C841-85A1-7376B7DE885D}"/>
+              </a:ext>
+            </a:extLst>
+          </p:cNvPr>
+          <p:cNvSpPr txBox="1"/>
+          <p:nvPr/>
+        </p:nvSpPr>
+        <p:spPr>
+          <a:xfrm>
+            <a:off x="7066721" y="5489467"/>
+            <a:ext cx="1602683" cy="369332"/>
+          </a:xfrm>
+          <a:prstGeom prst="rect">
+            <a:avLst/>
+          </a:prstGeom>
+          <a:noFill/>
+        </p:spPr>
+        <p:txBody>
+          <a:bodyPr wrap="none" rtlCol="0">
+            <a:spAutoFit/>
+          </a:bodyPr>
+          <a:lstStyle/>
+          <a:p>
+            <a:r>
+              <a:rPr lang="en-US" dirty="0">
+                <a:solidFill>
+                  <a:schemeClr val="accent2"/>
+                </a:solidFill>
+              </a:rPr>
+              <a:t>call using ‘</a:t>
+            </a:r>
+            <a:r>
+              <a:rPr lang="en-US" dirty="0" err="1">
+                <a:solidFill>
+                  <a:schemeClr val="accent2"/>
+                </a:solidFill>
+              </a:rPr>
+              <a:t>var</a:t>
+            </a:r>
+            <a:r>
+              <a:rPr lang="en-US" dirty="0">
+                <a:solidFill>
+                  <a:schemeClr val="accent2"/>
+                </a:solidFill>
+              </a:rPr>
+              <a:t>()’</a:t>
+            </a:r>
+          </a:p>
+        </p:txBody>
+      </p:sp>
+    </p:spTree>
+    <p:extLst>
+      <p:ext uri="{BB962C8B-B14F-4D97-AF65-F5344CB8AC3E}">
+        <p14:creationId xmlns:p14="http://schemas.microsoft.com/office/powerpoint/2010/main" val="3636846905"/>
+      </p:ext>
+    </p:extLst>
+  </p:cSld>
+  <p:clrMapOvr>
+    <a:masterClrMapping/>
+  </p:clrMapOvr>
+</p:sld>
+</file>
+
+<file path=ppt/slides/slide17.xml><?xml version="1.0" encoding="utf-8"?>
+<p:sld xmlns:a="http://schemas.openxmlformats.org/drawingml/2006/main" xmlns:r="http://schemas.openxmlformats.org/officeDocument/2006/relationships" xmlns:p="http://schemas.openxmlformats.org/presentationml/2006/main">
+  <p:cSld>
+    <p:spTree>
+      <p:nvGrpSpPr>
+        <p:cNvPr id="1" name=""/>
+        <p:cNvGrpSpPr/>
+        <p:nvPr/>
+      </p:nvGrpSpPr>
+      <p:grpSpPr>
+        <a:xfrm>
+          <a:off x="0" y="0"/>
+          <a:ext cx="0" cy="0"/>
+          <a:chOff x="0" y="0"/>
+          <a:chExt cx="0" cy="0"/>
+        </a:xfrm>
+      </p:grpSpPr>
+      <p:sp>
+        <p:nvSpPr>
+          <p:cNvPr id="2" name="Title 1">
+            <a:extLst>
+              <a:ext uri="{FF2B5EF4-FFF2-40B4-BE49-F238E27FC236}">
+                <a16:creationId xmlns:a16="http://schemas.microsoft.com/office/drawing/2014/main" id="{B51DF75F-BCC3-2F4D-9446-F1B5FEADD9E8}"/>
+              </a:ext>
+            </a:extLst>
+          </p:cNvPr>
+          <p:cNvSpPr>
+            <a:spLocks noGrp="1"/>
+          </p:cNvSpPr>
+          <p:nvPr>
+            <p:ph type="title"/>
+          </p:nvPr>
+        </p:nvSpPr>
+        <p:spPr/>
+        <p:txBody>
+          <a:bodyPr/>
+          <a:lstStyle/>
+          <a:p>
+            <a:r>
+              <a:rPr lang="en-US" dirty="0" err="1"/>
+              <a:t>currentcolor</a:t>
+            </a:r>
+            <a:endParaRPr lang="en-US" dirty="0"/>
+          </a:p>
+        </p:txBody>
+      </p:sp>
+      <p:pic>
+        <p:nvPicPr>
+          <p:cNvPr id="5" name="Content Placeholder 4">
+            <a:extLst>
+              <a:ext uri="{FF2B5EF4-FFF2-40B4-BE49-F238E27FC236}">
+                <a16:creationId xmlns:a16="http://schemas.microsoft.com/office/drawing/2014/main" id="{632D9FA6-38F9-B447-90ED-368D59C99BDB}"/>
+              </a:ext>
+            </a:extLst>
+          </p:cNvPr>
+          <p:cNvPicPr>
+            <a:picLocks noGrp="1" noChangeAspect="1"/>
+          </p:cNvPicPr>
+          <p:nvPr>
+            <p:ph idx="1"/>
+          </p:nvPr>
+        </p:nvPicPr>
+        <p:blipFill>
+          <a:blip r:embed="rId2"/>
+          <a:stretch>
+            <a:fillRect/>
+          </a:stretch>
+        </p:blipFill>
+        <p:spPr>
+          <a:xfrm>
+            <a:off x="842065" y="2660340"/>
+            <a:ext cx="1701800" cy="533400"/>
+          </a:xfrm>
+        </p:spPr>
+      </p:pic>
+      <p:pic>
+        <p:nvPicPr>
+          <p:cNvPr id="7" name="Picture 6">
+            <a:extLst>
+              <a:ext uri="{FF2B5EF4-FFF2-40B4-BE49-F238E27FC236}">
+                <a16:creationId xmlns:a16="http://schemas.microsoft.com/office/drawing/2014/main" id="{CE3823B5-424B-CD4A-9047-A90E41C8835A}"/>
+              </a:ext>
+            </a:extLst>
+          </p:cNvPr>
+          <p:cNvPicPr>
+            <a:picLocks noChangeAspect="1"/>
+          </p:cNvPicPr>
+          <p:nvPr/>
+        </p:nvPicPr>
+        <p:blipFill>
+          <a:blip r:embed="rId3"/>
+          <a:stretch>
+            <a:fillRect/>
+          </a:stretch>
+        </p:blipFill>
+        <p:spPr>
+          <a:xfrm>
+            <a:off x="842065" y="4647263"/>
+            <a:ext cx="1562100" cy="508000"/>
+          </a:xfrm>
+          <a:prstGeom prst="rect">
+            <a:avLst/>
+          </a:prstGeom>
+        </p:spPr>
+      </p:pic>
+      <p:sp>
+        <p:nvSpPr>
+          <p:cNvPr id="8" name="TextBox 7">
+            <a:extLst>
+              <a:ext uri="{FF2B5EF4-FFF2-40B4-BE49-F238E27FC236}">
+                <a16:creationId xmlns:a16="http://schemas.microsoft.com/office/drawing/2014/main" id="{BD9BFEEE-2288-D447-BB64-D5402F809CB3}"/>
+              </a:ext>
+            </a:extLst>
+          </p:cNvPr>
+          <p:cNvSpPr txBox="1"/>
+          <p:nvPr/>
+        </p:nvSpPr>
+        <p:spPr>
+          <a:xfrm>
+            <a:off x="3061253" y="3172275"/>
+            <a:ext cx="7340471" cy="1969770"/>
+          </a:xfrm>
+          <a:prstGeom prst="rect">
+            <a:avLst/>
+          </a:prstGeom>
+          <a:noFill/>
+        </p:spPr>
+        <p:txBody>
+          <a:bodyPr wrap="none" rtlCol="0">
+            <a:spAutoFit/>
+          </a:bodyPr>
+          <a:lstStyle/>
+          <a:p>
+            <a:r>
+              <a:rPr lang="en-GB" sz="1400" dirty="0">
+                <a:latin typeface="Courier New" panose="02070309020205020404" pitchFamily="49" charset="0"/>
+                <a:cs typeface="Courier New" panose="02070309020205020404" pitchFamily="49" charset="0"/>
+              </a:rPr>
+              <a:t>.</a:t>
+            </a:r>
+            <a:r>
+              <a:rPr lang="en-GB" sz="1400" dirty="0" err="1">
+                <a:latin typeface="Courier New" panose="02070309020205020404" pitchFamily="49" charset="0"/>
+                <a:cs typeface="Courier New" panose="02070309020205020404" pitchFamily="49" charset="0"/>
+              </a:rPr>
+              <a:t>btn</a:t>
+            </a:r>
+            <a:r>
+              <a:rPr lang="en-GB" sz="1400" dirty="0">
+                <a:latin typeface="Courier New" panose="02070309020205020404" pitchFamily="49" charset="0"/>
+                <a:cs typeface="Courier New" panose="02070309020205020404" pitchFamily="49" charset="0"/>
+              </a:rPr>
+              <a:t>-inline {</a:t>
+            </a:r>
+          </a:p>
+          <a:p>
+            <a:r>
+              <a:rPr lang="en-GB" sz="1400" dirty="0">
+                <a:latin typeface="Courier New" panose="02070309020205020404" pitchFamily="49" charset="0"/>
+                <a:cs typeface="Courier New" panose="02070309020205020404" pitchFamily="49" charset="0"/>
+              </a:rPr>
+              <a:t>	border: none;</a:t>
+            </a:r>
+          </a:p>
+          <a:p>
+            <a:r>
+              <a:rPr lang="en-GB" sz="1400" dirty="0">
+                <a:latin typeface="Courier New" panose="02070309020205020404" pitchFamily="49" charset="0"/>
+                <a:cs typeface="Courier New" panose="02070309020205020404" pitchFamily="49" charset="0"/>
+              </a:rPr>
+              <a:t>	</a:t>
+            </a:r>
+            <a:r>
+              <a:rPr lang="en-GB" sz="1400" dirty="0" err="1">
+                <a:latin typeface="Courier New" panose="02070309020205020404" pitchFamily="49" charset="0"/>
+                <a:cs typeface="Courier New" panose="02070309020205020404" pitchFamily="49" charset="0"/>
+              </a:rPr>
+              <a:t>color</a:t>
+            </a:r>
+            <a:r>
+              <a:rPr lang="en-GB" sz="1400" dirty="0">
+                <a:latin typeface="Courier New" panose="02070309020205020404" pitchFamily="49" charset="0"/>
+                <a:cs typeface="Courier New" panose="02070309020205020404" pitchFamily="49" charset="0"/>
+              </a:rPr>
+              <a:t>: </a:t>
+            </a:r>
+            <a:r>
+              <a:rPr lang="en-GB" sz="1400" dirty="0" err="1">
+                <a:latin typeface="Courier New" panose="02070309020205020404" pitchFamily="49" charset="0"/>
+                <a:cs typeface="Courier New" panose="02070309020205020404" pitchFamily="49" charset="0"/>
+              </a:rPr>
+              <a:t>var</a:t>
+            </a:r>
+            <a:r>
+              <a:rPr lang="en-GB" sz="1400" dirty="0">
+                <a:latin typeface="Courier New" panose="02070309020205020404" pitchFamily="49" charset="0"/>
+                <a:cs typeface="Courier New" panose="02070309020205020404" pitchFamily="49" charset="0"/>
+              </a:rPr>
+              <a:t>(--</a:t>
+            </a:r>
+            <a:r>
+              <a:rPr lang="en-GB" sz="1400" dirty="0" err="1">
+                <a:latin typeface="Courier New" panose="02070309020205020404" pitchFamily="49" charset="0"/>
+                <a:cs typeface="Courier New" panose="02070309020205020404" pitchFamily="49" charset="0"/>
+              </a:rPr>
+              <a:t>color</a:t>
+            </a:r>
+            <a:r>
+              <a:rPr lang="en-GB" sz="1400" dirty="0">
+                <a:latin typeface="Courier New" panose="02070309020205020404" pitchFamily="49" charset="0"/>
+                <a:cs typeface="Courier New" panose="02070309020205020404" pitchFamily="49" charset="0"/>
+              </a:rPr>
+              <a:t>-primary);</a:t>
+            </a:r>
+          </a:p>
+          <a:p>
+            <a:r>
+              <a:rPr lang="en-GB" sz="1400" dirty="0">
+                <a:latin typeface="Courier New" panose="02070309020205020404" pitchFamily="49" charset="0"/>
+                <a:cs typeface="Courier New" panose="02070309020205020404" pitchFamily="49" charset="0"/>
+              </a:rPr>
+              <a:t>	border-bottom: 1px solid </a:t>
+            </a:r>
+            <a:r>
+              <a:rPr lang="en-GB" sz="1400" b="1" dirty="0" err="1">
+                <a:solidFill>
+                  <a:schemeClr val="accent2"/>
+                </a:solidFill>
+                <a:latin typeface="Courier New" panose="02070309020205020404" pitchFamily="49" charset="0"/>
+                <a:cs typeface="Courier New" panose="02070309020205020404" pitchFamily="49" charset="0"/>
+              </a:rPr>
+              <a:t>currentColor</a:t>
+            </a:r>
+            <a:r>
+              <a:rPr lang="en-GB" sz="1400" dirty="0">
+                <a:latin typeface="Courier New" panose="02070309020205020404" pitchFamily="49" charset="0"/>
+                <a:cs typeface="Courier New" panose="02070309020205020404" pitchFamily="49" charset="0"/>
+              </a:rPr>
+              <a:t>; </a:t>
+            </a:r>
+          </a:p>
+          <a:p>
+            <a:r>
+              <a:rPr lang="en-GB" sz="1400" dirty="0">
+                <a:latin typeface="Courier New" panose="02070309020205020404" pitchFamily="49" charset="0"/>
+                <a:cs typeface="Courier New" panose="02070309020205020404" pitchFamily="49" charset="0"/>
+              </a:rPr>
+              <a:t>	</a:t>
+            </a:r>
+            <a:r>
+              <a:rPr lang="en-GB" sz="1000" dirty="0">
+                <a:latin typeface="Courier New" panose="02070309020205020404" pitchFamily="49" charset="0"/>
+                <a:cs typeface="Courier New" panose="02070309020205020404" pitchFamily="49" charset="0"/>
+              </a:rPr>
+              <a:t>//border gets the same colour as the text, then when add hover it changes automatically</a:t>
+            </a:r>
+            <a:br>
+              <a:rPr lang="en-GB" sz="1000" dirty="0">
+                <a:latin typeface="Courier New" panose="02070309020205020404" pitchFamily="49" charset="0"/>
+                <a:cs typeface="Courier New" panose="02070309020205020404" pitchFamily="49" charset="0"/>
+              </a:rPr>
+            </a:br>
+            <a:endParaRPr lang="en-GB" sz="1000" dirty="0">
+              <a:latin typeface="Courier New" panose="02070309020205020404" pitchFamily="49" charset="0"/>
+              <a:cs typeface="Courier New" panose="02070309020205020404" pitchFamily="49" charset="0"/>
+            </a:endParaRPr>
+          </a:p>
+          <a:p>
+            <a:r>
+              <a:rPr lang="en-GB" sz="1400" dirty="0">
+                <a:latin typeface="Courier New" panose="02070309020205020404" pitchFamily="49" charset="0"/>
+                <a:cs typeface="Courier New" panose="02070309020205020404" pitchFamily="49" charset="0"/>
+              </a:rPr>
+              <a:t>	&amp;:hover {</a:t>
+            </a:r>
+          </a:p>
+          <a:p>
+            <a:r>
+              <a:rPr lang="en-GB" sz="1400" dirty="0">
+                <a:latin typeface="Courier New" panose="02070309020205020404" pitchFamily="49" charset="0"/>
+                <a:cs typeface="Courier New" panose="02070309020205020404" pitchFamily="49" charset="0"/>
+              </a:rPr>
+              <a:t>		</a:t>
+            </a:r>
+            <a:r>
+              <a:rPr lang="en-GB" sz="1400" dirty="0" err="1">
+                <a:latin typeface="Courier New" panose="02070309020205020404" pitchFamily="49" charset="0"/>
+                <a:cs typeface="Courier New" panose="02070309020205020404" pitchFamily="49" charset="0"/>
+              </a:rPr>
+              <a:t>color</a:t>
+            </a:r>
+            <a:r>
+              <a:rPr lang="en-GB" sz="1400" dirty="0">
+                <a:latin typeface="Courier New" panose="02070309020205020404" pitchFamily="49" charset="0"/>
+                <a:cs typeface="Courier New" panose="02070309020205020404" pitchFamily="49" charset="0"/>
+              </a:rPr>
+              <a:t>: </a:t>
+            </a:r>
+            <a:r>
+              <a:rPr lang="en-GB" sz="1400" dirty="0" err="1">
+                <a:latin typeface="Courier New" panose="02070309020205020404" pitchFamily="49" charset="0"/>
+                <a:cs typeface="Courier New" panose="02070309020205020404" pitchFamily="49" charset="0"/>
+              </a:rPr>
+              <a:t>var</a:t>
+            </a:r>
+            <a:r>
+              <a:rPr lang="en-GB" sz="1400" dirty="0">
+                <a:latin typeface="Courier New" panose="02070309020205020404" pitchFamily="49" charset="0"/>
+                <a:cs typeface="Courier New" panose="02070309020205020404" pitchFamily="49" charset="0"/>
+              </a:rPr>
+              <a:t>(--color-grey-dark-1);</a:t>
+            </a:r>
+            <a:br>
+              <a:rPr lang="en-GB" sz="1400" dirty="0">
+                <a:latin typeface="Courier New" panose="02070309020205020404" pitchFamily="49" charset="0"/>
+                <a:cs typeface="Courier New" panose="02070309020205020404" pitchFamily="49" charset="0"/>
+              </a:rPr>
+            </a:br>
+            <a:r>
+              <a:rPr lang="en-GB" sz="1400" dirty="0">
+                <a:latin typeface="Courier New" panose="02070309020205020404" pitchFamily="49" charset="0"/>
+                <a:cs typeface="Courier New" panose="02070309020205020404" pitchFamily="49" charset="0"/>
+              </a:rPr>
+              <a:t>}</a:t>
+            </a:r>
+          </a:p>
+        </p:txBody>
+      </p:sp>
+    </p:spTree>
+    <p:extLst>
+      <p:ext uri="{BB962C8B-B14F-4D97-AF65-F5344CB8AC3E}">
+        <p14:creationId xmlns:p14="http://schemas.microsoft.com/office/powerpoint/2010/main" val="4054949213"/>
+      </p:ext>
+    </p:extLst>
+  </p:cSld>
+  <p:clrMapOvr>
+    <a:masterClrMapping/>
+  </p:clrMapOvr>
+</p:sld>
+</file>
+
+<file path=ppt/slides/slide18.xml><?xml version="1.0" encoding="utf-8"?>
+<p:sld xmlns:a="http://schemas.openxmlformats.org/drawingml/2006/main" xmlns:r="http://schemas.openxmlformats.org/officeDocument/2006/relationships" xmlns:p="http://schemas.openxmlformats.org/presentationml/2006/main">
+  <p:cSld>
+    <p:spTree>
+      <p:nvGrpSpPr>
+        <p:cNvPr id="1" name=""/>
+        <p:cNvGrpSpPr/>
+        <p:nvPr/>
+      </p:nvGrpSpPr>
+      <p:grpSpPr>
+        <a:xfrm>
+          <a:off x="0" y="0"/>
+          <a:ext cx="0" cy="0"/>
+          <a:chOff x="0" y="0"/>
+          <a:chExt cx="0" cy="0"/>
+        </a:xfrm>
+      </p:grpSpPr>
+      <p:sp>
+        <p:nvSpPr>
+          <p:cNvPr id="2" name="Title 1">
+            <a:extLst>
+              <a:ext uri="{FF2B5EF4-FFF2-40B4-BE49-F238E27FC236}">
+                <a16:creationId xmlns:a16="http://schemas.microsoft.com/office/drawing/2014/main" id="{06E957B4-552E-B24B-94F3-DA641F08EE27}"/>
+              </a:ext>
+            </a:extLst>
+          </p:cNvPr>
+          <p:cNvSpPr>
+            <a:spLocks noGrp="1"/>
+          </p:cNvSpPr>
+          <p:nvPr>
+            <p:ph type="title"/>
+          </p:nvPr>
+        </p:nvSpPr>
+        <p:spPr/>
+        <p:txBody>
+          <a:bodyPr/>
+          <a:lstStyle/>
+          <a:p>
+            <a:r>
+              <a:rPr lang="en-US" dirty="0"/>
+              <a:t>mask</a:t>
+            </a:r>
+          </a:p>
+        </p:txBody>
+      </p:sp>
+      <p:pic>
+        <p:nvPicPr>
+          <p:cNvPr id="5" name="Content Placeholder 4">
+            <a:extLst>
+              <a:ext uri="{FF2B5EF4-FFF2-40B4-BE49-F238E27FC236}">
+                <a16:creationId xmlns:a16="http://schemas.microsoft.com/office/drawing/2014/main" id="{6A45ACEB-E6F6-914A-9863-0D869A13D6D4}"/>
+              </a:ext>
+            </a:extLst>
+          </p:cNvPr>
+          <p:cNvPicPr>
+            <a:picLocks noGrp="1" noChangeAspect="1"/>
+          </p:cNvPicPr>
+          <p:nvPr>
+            <p:ph idx="1"/>
+          </p:nvPr>
+        </p:nvPicPr>
+        <p:blipFill>
+          <a:blip r:embed="rId2"/>
+          <a:stretch>
+            <a:fillRect/>
+          </a:stretch>
+        </p:blipFill>
+        <p:spPr>
+          <a:xfrm>
+            <a:off x="5626100" y="1796464"/>
+            <a:ext cx="6565900" cy="1943100"/>
+          </a:xfrm>
+        </p:spPr>
+      </p:pic>
+      <p:sp>
+        <p:nvSpPr>
+          <p:cNvPr id="6" name="TextBox 5">
+            <a:extLst>
+              <a:ext uri="{FF2B5EF4-FFF2-40B4-BE49-F238E27FC236}">
+                <a16:creationId xmlns:a16="http://schemas.microsoft.com/office/drawing/2014/main" id="{2A15ACA3-AEA0-D84E-B30B-1BCC6FE589D5}"/>
+              </a:ext>
+            </a:extLst>
+          </p:cNvPr>
+          <p:cNvSpPr txBox="1"/>
+          <p:nvPr/>
+        </p:nvSpPr>
+        <p:spPr>
+          <a:xfrm>
+            <a:off x="488703" y="2068313"/>
+            <a:ext cx="5372347" cy="3662541"/>
+          </a:xfrm>
+          <a:prstGeom prst="rect">
+            <a:avLst/>
+          </a:prstGeom>
+          <a:noFill/>
+        </p:spPr>
+        <p:txBody>
+          <a:bodyPr wrap="square" rtlCol="0">
+            <a:spAutoFit/>
+          </a:bodyPr>
+          <a:lstStyle/>
+          <a:p>
+            <a:r>
+              <a:rPr lang="en-GB" dirty="0"/>
+              <a:t>.list {</a:t>
+            </a:r>
+          </a:p>
+          <a:p>
+            <a:r>
+              <a:rPr lang="en-GB" dirty="0"/>
+              <a:t>	&amp;__item::before {</a:t>
+            </a:r>
+          </a:p>
+          <a:p>
+            <a:r>
+              <a:rPr lang="en-GB" dirty="0"/>
+              <a:t>		content: ""; </a:t>
+            </a:r>
+            <a:r>
+              <a:rPr lang="en-GB" sz="1000" dirty="0"/>
+              <a:t>//have to specify a content property to get image to appear</a:t>
+            </a:r>
+          </a:p>
+          <a:p>
+            <a:r>
+              <a:rPr lang="en-GB" dirty="0"/>
+              <a:t>		display: inline-block;</a:t>
+            </a:r>
+          </a:p>
+          <a:p>
+            <a:r>
+              <a:rPr lang="en-GB" dirty="0"/>
+              <a:t>		height: 1rem;</a:t>
+            </a:r>
+          </a:p>
+          <a:p>
+            <a:r>
+              <a:rPr lang="en-GB" dirty="0"/>
+              <a:t>		width: 1rem;</a:t>
+            </a:r>
+          </a:p>
+          <a:p>
+            <a:r>
+              <a:rPr lang="en-GB" dirty="0"/>
+              <a:t>		margin-right: .7rem;</a:t>
+            </a:r>
+          </a:p>
+          <a:p>
+            <a:br>
+              <a:rPr lang="en-GB" dirty="0"/>
+            </a:br>
+            <a:r>
+              <a:rPr lang="en-GB" sz="1000" dirty="0"/>
+              <a:t>//for older browsers as mask only supported by newer ones - can't change the </a:t>
+            </a:r>
+            <a:r>
+              <a:rPr lang="en-GB" sz="1000" dirty="0" err="1"/>
+              <a:t>color</a:t>
+            </a:r>
+            <a:r>
+              <a:rPr lang="en-GB" sz="1000" dirty="0"/>
+              <a:t> of the image when using background-image</a:t>
+            </a:r>
+          </a:p>
+          <a:p>
+            <a:r>
+              <a:rPr lang="en-GB" dirty="0"/>
+              <a:t>		background-image: </a:t>
+            </a:r>
+            <a:r>
+              <a:rPr lang="en-GB" dirty="0" err="1"/>
+              <a:t>url</a:t>
+            </a:r>
+            <a:r>
+              <a:rPr lang="en-GB" dirty="0"/>
+              <a:t>(../</a:t>
+            </a:r>
+            <a:r>
+              <a:rPr lang="en-GB" dirty="0" err="1"/>
+              <a:t>img</a:t>
+            </a:r>
+            <a:r>
+              <a:rPr lang="en-GB" dirty="0"/>
+              <a:t>/chevron-thin-			</a:t>
+            </a:r>
+            <a:r>
+              <a:rPr lang="en-GB" dirty="0" err="1"/>
+              <a:t>right.svg</a:t>
+            </a:r>
+            <a:r>
+              <a:rPr lang="en-GB" dirty="0"/>
+              <a:t>);</a:t>
+            </a:r>
+          </a:p>
+          <a:p>
+            <a:r>
+              <a:rPr lang="en-GB" dirty="0"/>
+              <a:t>		background-size: cover;</a:t>
+            </a:r>
+          </a:p>
+          <a:p>
+            <a:endParaRPr lang="en-US" sz="1400" dirty="0">
+              <a:latin typeface="Courier New" panose="02070309020205020404" pitchFamily="49" charset="0"/>
+              <a:cs typeface="Courier New" panose="02070309020205020404" pitchFamily="49" charset="0"/>
+            </a:endParaRPr>
+          </a:p>
+        </p:txBody>
+      </p:sp>
+      <p:sp>
+        <p:nvSpPr>
+          <p:cNvPr id="7" name="TextBox 6">
+            <a:extLst>
+              <a:ext uri="{FF2B5EF4-FFF2-40B4-BE49-F238E27FC236}">
+                <a16:creationId xmlns:a16="http://schemas.microsoft.com/office/drawing/2014/main" id="{7E724D31-0AA7-2B42-B8C7-F445C655A6D6}"/>
+              </a:ext>
+            </a:extLst>
+          </p:cNvPr>
+          <p:cNvSpPr txBox="1"/>
+          <p:nvPr/>
+        </p:nvSpPr>
+        <p:spPr>
+          <a:xfrm>
+            <a:off x="5986670" y="3257014"/>
+            <a:ext cx="5372347" cy="3600986"/>
+          </a:xfrm>
+          <a:prstGeom prst="rect">
+            <a:avLst/>
+          </a:prstGeom>
+          <a:noFill/>
+        </p:spPr>
+        <p:txBody>
+          <a:bodyPr wrap="square" rtlCol="0">
+            <a:spAutoFit/>
+          </a:bodyPr>
+          <a:lstStyle/>
+          <a:p>
+            <a:br>
+              <a:rPr lang="en-GB" dirty="0"/>
+            </a:br>
+            <a:r>
+              <a:rPr lang="en-GB" sz="1000" dirty="0"/>
+              <a:t>//newer browsers - mask (background </a:t>
+            </a:r>
+            <a:r>
+              <a:rPr lang="en-GB" sz="1000" dirty="0" err="1"/>
+              <a:t>color</a:t>
+            </a:r>
+            <a:r>
+              <a:rPr lang="en-GB" sz="1000" dirty="0"/>
+              <a:t> only shows through the mask (in this case the chevron image)</a:t>
+            </a:r>
+          </a:p>
+          <a:p>
+            <a:r>
+              <a:rPr lang="en-GB" dirty="0"/>
+              <a:t>@supports (-</a:t>
+            </a:r>
+            <a:r>
+              <a:rPr lang="en-GB" dirty="0" err="1"/>
+              <a:t>webkit</a:t>
+            </a:r>
+            <a:r>
+              <a:rPr lang="en-GB" dirty="0"/>
+              <a:t>-mask-image: </a:t>
+            </a:r>
+            <a:r>
+              <a:rPr lang="en-GB" dirty="0" err="1"/>
+              <a:t>url</a:t>
+            </a:r>
+            <a:r>
+              <a:rPr lang="en-GB" dirty="0"/>
+              <a:t>()) or (mask-image: </a:t>
+            </a:r>
+            <a:r>
+              <a:rPr lang="en-GB" dirty="0" err="1"/>
+              <a:t>url</a:t>
+            </a:r>
+            <a:r>
+              <a:rPr lang="en-GB" dirty="0"/>
+              <a:t>()) {</a:t>
+            </a:r>
+          </a:p>
+          <a:p>
+            <a:r>
+              <a:rPr lang="en-GB" dirty="0"/>
+              <a:t>	background-</a:t>
+            </a:r>
+            <a:r>
+              <a:rPr lang="en-GB" dirty="0" err="1"/>
+              <a:t>color</a:t>
+            </a:r>
+            <a:r>
+              <a:rPr lang="en-GB" dirty="0"/>
+              <a:t>: </a:t>
+            </a:r>
+            <a:r>
+              <a:rPr lang="en-GB" dirty="0" err="1"/>
+              <a:t>var</a:t>
+            </a:r>
+            <a:r>
+              <a:rPr lang="en-GB" dirty="0"/>
+              <a:t>(--</a:t>
+            </a:r>
+            <a:r>
+              <a:rPr lang="en-GB" dirty="0" err="1"/>
+              <a:t>color</a:t>
+            </a:r>
+            <a:r>
+              <a:rPr lang="en-GB" dirty="0"/>
+              <a:t>-primary);</a:t>
+            </a:r>
+          </a:p>
+          <a:p>
+            <a:r>
+              <a:rPr lang="en-GB" dirty="0"/>
+              <a:t>	-</a:t>
+            </a:r>
+            <a:r>
+              <a:rPr lang="en-GB" dirty="0" err="1"/>
+              <a:t>webkit</a:t>
+            </a:r>
+            <a:r>
+              <a:rPr lang="en-GB" dirty="0"/>
+              <a:t>-mask-image: </a:t>
+            </a:r>
+            <a:r>
+              <a:rPr lang="en-GB" dirty="0" err="1"/>
+              <a:t>url</a:t>
+            </a:r>
+            <a:r>
+              <a:rPr lang="en-GB" dirty="0"/>
+              <a:t>(../</a:t>
+            </a:r>
+            <a:r>
+              <a:rPr lang="en-GB" dirty="0" err="1"/>
+              <a:t>img</a:t>
+            </a:r>
+            <a:r>
+              <a:rPr lang="en-GB" dirty="0"/>
+              <a:t>/chevron-thin-	</a:t>
+            </a:r>
+            <a:r>
+              <a:rPr lang="en-GB" dirty="0" err="1"/>
+              <a:t>right.svg</a:t>
+            </a:r>
+            <a:r>
+              <a:rPr lang="en-GB" dirty="0"/>
+              <a:t>);</a:t>
+            </a:r>
+          </a:p>
+          <a:p>
+            <a:r>
+              <a:rPr lang="en-GB" dirty="0"/>
+              <a:t>	-</a:t>
+            </a:r>
+            <a:r>
+              <a:rPr lang="en-GB" dirty="0" err="1"/>
+              <a:t>webkit</a:t>
+            </a:r>
+            <a:r>
+              <a:rPr lang="en-GB" dirty="0"/>
+              <a:t>-mask-size: cover;</a:t>
+            </a:r>
+          </a:p>
+          <a:p>
+            <a:r>
+              <a:rPr lang="en-GB" dirty="0"/>
+              <a:t>	mask-image: </a:t>
+            </a:r>
+            <a:r>
+              <a:rPr lang="en-GB" dirty="0" err="1"/>
+              <a:t>url</a:t>
+            </a:r>
+            <a:r>
+              <a:rPr lang="en-GB" dirty="0"/>
+              <a:t>(../</a:t>
+            </a:r>
+            <a:r>
+              <a:rPr lang="en-GB" dirty="0" err="1"/>
+              <a:t>img</a:t>
+            </a:r>
+            <a:r>
+              <a:rPr lang="en-GB" dirty="0"/>
+              <a:t>/chevron-thin-</a:t>
+            </a:r>
+            <a:r>
+              <a:rPr lang="en-GB" dirty="0" err="1"/>
+              <a:t>right.svg</a:t>
+            </a:r>
+            <a:r>
+              <a:rPr lang="en-GB" dirty="0"/>
+              <a:t>);</a:t>
+            </a:r>
+          </a:p>
+          <a:p>
+            <a:r>
+              <a:rPr lang="en-GB" dirty="0"/>
+              <a:t>	mask-size: cover;</a:t>
+            </a:r>
+          </a:p>
+          <a:p>
+            <a:r>
+              <a:rPr lang="en-GB" dirty="0"/>
+              <a:t>	background-image: none; </a:t>
+            </a:r>
+            <a:r>
+              <a:rPr lang="en-GB" sz="1000" dirty="0"/>
+              <a:t>//have to remove background image to stop it appearing instead of the mask</a:t>
+            </a:r>
+          </a:p>
+          <a:p>
+            <a:r>
+              <a:rPr lang="en-GB" dirty="0"/>
+              <a:t>}</a:t>
+            </a:r>
+            <a:endParaRPr lang="en-US" sz="1400" dirty="0">
+              <a:latin typeface="Courier New" panose="02070309020205020404" pitchFamily="49" charset="0"/>
+              <a:cs typeface="Courier New" panose="02070309020205020404" pitchFamily="49" charset="0"/>
+            </a:endParaRPr>
+          </a:p>
+        </p:txBody>
+      </p:sp>
+      <p:cxnSp>
+        <p:nvCxnSpPr>
+          <p:cNvPr id="9" name="Straight Arrow Connector 8">
+            <a:extLst>
+              <a:ext uri="{FF2B5EF4-FFF2-40B4-BE49-F238E27FC236}">
+                <a16:creationId xmlns:a16="http://schemas.microsoft.com/office/drawing/2014/main" id="{F0C5A953-D1C9-274E-B0E3-7BF4C0275723}"/>
+              </a:ext>
+            </a:extLst>
+          </p:cNvPr>
+          <p:cNvCxnSpPr/>
+          <p:nvPr/>
+        </p:nvCxnSpPr>
+        <p:spPr>
+          <a:xfrm flipV="1">
+            <a:off x="4422913" y="2156791"/>
+            <a:ext cx="1438137" cy="218661"/>
+          </a:xfrm>
+          <a:prstGeom prst="straightConnector1">
+            <a:avLst/>
+          </a:prstGeom>
+          <a:ln>
+            <a:solidFill>
+              <a:srgbClr val="FFC000"/>
+            </a:solidFill>
+            <a:tailEnd type="triangle"/>
+          </a:ln>
+        </p:spPr>
+        <p:style>
+          <a:lnRef idx="1">
+            <a:schemeClr val="accent1"/>
+          </a:lnRef>
+          <a:fillRef idx="0">
+            <a:schemeClr val="accent1"/>
+          </a:fillRef>
+          <a:effectRef idx="0">
+            <a:schemeClr val="accent1"/>
+          </a:effectRef>
+          <a:fontRef idx="minor">
+            <a:schemeClr val="tx1"/>
+          </a:fontRef>
+        </p:style>
+      </p:cxnSp>
+    </p:spTree>
+    <p:extLst>
+      <p:ext uri="{BB962C8B-B14F-4D97-AF65-F5344CB8AC3E}">
+        <p14:creationId xmlns:p14="http://schemas.microsoft.com/office/powerpoint/2010/main" val="4020021488"/>
+      </p:ext>
+    </p:extLst>
+  </p:cSld>
+  <p:clrMapOvr>
+    <a:masterClrMapping/>
+  </p:clrMapOvr>
+</p:sld>
+</file>
+
+<file path=ppt/slides/slide2.xml><?xml version="1.0" encoding="utf-8"?>
+<p:sld xmlns:a="http://schemas.openxmlformats.org/drawingml/2006/main" xmlns:r="http://schemas.openxmlformats.org/officeDocument/2006/relationships" xmlns:p="http://schemas.openxmlformats.org/presentationml/2006/main">
+  <p:cSld>
+    <p:spTree>
+      <p:nvGrpSpPr>
+        <p:cNvPr id="1" name=""/>
+        <p:cNvGrpSpPr/>
+        <p:nvPr/>
+      </p:nvGrpSpPr>
+      <p:grpSpPr>
+        <a:xfrm>
+          <a:off x="0" y="0"/>
+          <a:ext cx="0" cy="0"/>
+          <a:chOff x="0" y="0"/>
+          <a:chExt cx="0" cy="0"/>
+        </a:xfrm>
+      </p:grpSpPr>
+      <p:sp>
+        <p:nvSpPr>
+          <p:cNvPr id="2" name="Title 1">
+            <a:extLst>
+              <a:ext uri="{FF2B5EF4-FFF2-40B4-BE49-F238E27FC236}">
+                <a16:creationId xmlns:a16="http://schemas.microsoft.com/office/drawing/2014/main" id="{BF2C21B5-5E13-BB4A-A3AC-6768218A66E4}"/>
+              </a:ext>
+            </a:extLst>
+          </p:cNvPr>
+          <p:cNvSpPr>
+            <a:spLocks noGrp="1"/>
+          </p:cNvSpPr>
+          <p:nvPr>
+            <p:ph type="title"/>
+          </p:nvPr>
+        </p:nvSpPr>
+        <p:spPr/>
+        <p:txBody>
+          <a:bodyPr/>
+          <a:lstStyle/>
+          <a:p>
+            <a:r>
+              <a:rPr lang="en-US" dirty="0"/>
+              <a:t>flexbox</a:t>
+            </a:r>
+          </a:p>
+        </p:txBody>
+      </p:sp>
+      <p:sp>
+        <p:nvSpPr>
+          <p:cNvPr id="3" name="Content Placeholder 2">
+            <a:extLst>
+              <a:ext uri="{FF2B5EF4-FFF2-40B4-BE49-F238E27FC236}">
+                <a16:creationId xmlns:a16="http://schemas.microsoft.com/office/drawing/2014/main" id="{385736C2-DB6C-154B-B3EE-4A0B2551E3D9}"/>
+              </a:ext>
+            </a:extLst>
+          </p:cNvPr>
+          <p:cNvSpPr>
+            <a:spLocks noGrp="1"/>
+          </p:cNvSpPr>
+          <p:nvPr>
+            <p:ph idx="1"/>
+          </p:nvPr>
+        </p:nvSpPr>
+        <p:spPr/>
+        <p:txBody>
+          <a:bodyPr/>
+          <a:lstStyle/>
+          <a:p>
+            <a:r>
+              <a:rPr lang="en-US" dirty="0"/>
+              <a:t>Used to align elements to one another, in different directions and orders</a:t>
+            </a:r>
+          </a:p>
+          <a:p>
+            <a:r>
+              <a:rPr lang="en-US" dirty="0"/>
+              <a:t>Gives the container the ability to expand and shrink elements to best use the available space</a:t>
+            </a:r>
+          </a:p>
+          <a:p>
+            <a:r>
+              <a:rPr lang="en-US" dirty="0"/>
+              <a:t>Replaces float layouts, using less, more readable and more logical code</a:t>
+            </a:r>
+          </a:p>
+          <a:p>
+            <a:r>
+              <a:rPr lang="en-US" dirty="0"/>
+              <a:t>Used for ONE dimensional layouts</a:t>
+            </a:r>
+            <a:br>
+              <a:rPr lang="en-US" dirty="0"/>
+            </a:br>
+            <a:endParaRPr lang="en-US" dirty="0"/>
+          </a:p>
+          <a:p>
+            <a:r>
+              <a:rPr lang="en-US" dirty="0"/>
+              <a:t>N.B. Not fully supported in IE11 </a:t>
+            </a:r>
+            <a:r>
+              <a:rPr lang="en-US" dirty="0">
+                <a:sym typeface="Wingdings" pitchFamily="2" charset="2"/>
+              </a:rPr>
+              <a:t></a:t>
+            </a:r>
+            <a:endParaRPr lang="en-US" dirty="0"/>
+          </a:p>
+        </p:txBody>
+      </p:sp>
+    </p:spTree>
+    <p:extLst>
+      <p:ext uri="{BB962C8B-B14F-4D97-AF65-F5344CB8AC3E}">
+        <p14:creationId xmlns:p14="http://schemas.microsoft.com/office/powerpoint/2010/main" val="1593761532"/>
+      </p:ext>
+    </p:extLst>
+  </p:cSld>
+  <p:clrMapOvr>
+    <a:masterClrMapping/>
+  </p:clrMapOvr>
+</p:sld>
+</file>
+
+<file path=ppt/slides/slide3.xml><?xml version="1.0" encoding="utf-8"?>
+<p:sld xmlns:a="http://schemas.openxmlformats.org/drawingml/2006/main" xmlns:r="http://schemas.openxmlformats.org/officeDocument/2006/relationships" xmlns:p="http://schemas.openxmlformats.org/presentationml/2006/main">
+  <p:cSld>
+    <p:spTree>
+      <p:nvGrpSpPr>
+        <p:cNvPr id="1" name=""/>
+        <p:cNvGrpSpPr/>
+        <p:nvPr/>
+      </p:nvGrpSpPr>
+      <p:grpSpPr>
+        <a:xfrm>
+          <a:off x="0" y="0"/>
+          <a:ext cx="0" cy="0"/>
+          <a:chOff x="0" y="0"/>
+          <a:chExt cx="0" cy="0"/>
+        </a:xfrm>
+      </p:grpSpPr>
+      <p:sp>
+        <p:nvSpPr>
+          <p:cNvPr id="2" name="Title 1">
+            <a:extLst>
+              <a:ext uri="{FF2B5EF4-FFF2-40B4-BE49-F238E27FC236}">
+                <a16:creationId xmlns:a16="http://schemas.microsoft.com/office/drawing/2014/main" id="{8B57DE7D-36E3-A641-9612-FBBFB3695803}"/>
+              </a:ext>
+            </a:extLst>
+          </p:cNvPr>
+          <p:cNvSpPr>
+            <a:spLocks noGrp="1"/>
+          </p:cNvSpPr>
+          <p:nvPr>
+            <p:ph type="title"/>
+          </p:nvPr>
+        </p:nvSpPr>
+        <p:spPr/>
+        <p:txBody>
+          <a:bodyPr/>
+          <a:lstStyle/>
+          <a:p>
+            <a:r>
+              <a:rPr lang="en-US" dirty="0"/>
+              <a:t>Flexbox (with default direction of row)</a:t>
+            </a:r>
+          </a:p>
+        </p:txBody>
+      </p:sp>
+      <p:sp>
+        <p:nvSpPr>
+          <p:cNvPr id="4" name="Rectangle 3">
+            <a:extLst>
+              <a:ext uri="{FF2B5EF4-FFF2-40B4-BE49-F238E27FC236}">
+                <a16:creationId xmlns:a16="http://schemas.microsoft.com/office/drawing/2014/main" id="{AC922E10-B56F-0246-A968-3752B0813168}"/>
+              </a:ext>
+            </a:extLst>
+          </p:cNvPr>
+          <p:cNvSpPr/>
+          <p:nvPr/>
+        </p:nvSpPr>
+        <p:spPr>
+          <a:xfrm>
+            <a:off x="1470990" y="3687418"/>
+            <a:ext cx="8466437" cy="1311966"/>
+          </a:xfrm>
+          <a:prstGeom prst="rect">
+            <a:avLst/>
+          </a:prstGeom>
+          <a:solidFill>
+            <a:schemeClr val="bg1"/>
+          </a:solidFill>
+        </p:spPr>
+        <p:style>
+          <a:lnRef idx="2">
+            <a:schemeClr val="accent1">
+              <a:shade val="50000"/>
+            </a:schemeClr>
+          </a:lnRef>
+          <a:fillRef idx="1">
+            <a:schemeClr val="accent1"/>
+          </a:fillRef>
+          <a:effectRef idx="0">
+            <a:schemeClr val="accent1"/>
+          </a:effectRef>
+          <a:fontRef idx="minor">
+            <a:schemeClr val="lt1"/>
+          </a:fontRef>
+        </p:style>
+        <p:txBody>
+          <a:bodyPr rtlCol="0" anchor="ctr"/>
+          <a:lstStyle/>
+          <a:p>
+            <a:pPr algn="ctr"/>
+            <a:endParaRPr lang="en-US" dirty="0"/>
+          </a:p>
+        </p:txBody>
+      </p:sp>
+      <p:sp>
+        <p:nvSpPr>
+          <p:cNvPr id="5" name="Rectangle 4">
+            <a:extLst>
+              <a:ext uri="{FF2B5EF4-FFF2-40B4-BE49-F238E27FC236}">
+                <a16:creationId xmlns:a16="http://schemas.microsoft.com/office/drawing/2014/main" id="{E9A7518B-BD7F-A546-87DE-E13669582455}"/>
+              </a:ext>
+            </a:extLst>
+          </p:cNvPr>
+          <p:cNvSpPr/>
+          <p:nvPr/>
+        </p:nvSpPr>
+        <p:spPr>
+          <a:xfrm>
+            <a:off x="1938130" y="3945836"/>
+            <a:ext cx="1113183" cy="795130"/>
+          </a:xfrm>
+          <a:prstGeom prst="rect">
+            <a:avLst/>
+          </a:prstGeom>
+        </p:spPr>
+        <p:style>
+          <a:lnRef idx="2">
+            <a:schemeClr val="accent1">
+              <a:shade val="50000"/>
+            </a:schemeClr>
+          </a:lnRef>
+          <a:fillRef idx="1">
+            <a:schemeClr val="accent1"/>
+          </a:fillRef>
+          <a:effectRef idx="0">
+            <a:schemeClr val="accent1"/>
+          </a:effectRef>
+          <a:fontRef idx="minor">
+            <a:schemeClr val="lt1"/>
+          </a:fontRef>
+        </p:style>
+        <p:txBody>
+          <a:bodyPr rtlCol="0" anchor="ctr"/>
+          <a:lstStyle/>
+          <a:p>
+            <a:pPr algn="ctr"/>
+            <a:endParaRPr lang="en-US"/>
+          </a:p>
+        </p:txBody>
+      </p:sp>
+      <p:sp>
+        <p:nvSpPr>
+          <p:cNvPr id="6" name="Rectangle 5">
+            <a:extLst>
+              <a:ext uri="{FF2B5EF4-FFF2-40B4-BE49-F238E27FC236}">
+                <a16:creationId xmlns:a16="http://schemas.microsoft.com/office/drawing/2014/main" id="{7C2F410F-CA8B-254F-9F6B-214672F29E4D}"/>
+              </a:ext>
+            </a:extLst>
+          </p:cNvPr>
+          <p:cNvSpPr/>
+          <p:nvPr/>
+        </p:nvSpPr>
+        <p:spPr>
+          <a:xfrm>
+            <a:off x="3541643" y="3959090"/>
+            <a:ext cx="1113183" cy="795130"/>
+          </a:xfrm>
+          <a:prstGeom prst="rect">
+            <a:avLst/>
+          </a:prstGeom>
+        </p:spPr>
+        <p:style>
+          <a:lnRef idx="2">
+            <a:schemeClr val="accent1">
+              <a:shade val="50000"/>
+            </a:schemeClr>
+          </a:lnRef>
+          <a:fillRef idx="1">
+            <a:schemeClr val="accent1"/>
+          </a:fillRef>
+          <a:effectRef idx="0">
+            <a:schemeClr val="accent1"/>
+          </a:effectRef>
+          <a:fontRef idx="minor">
+            <a:schemeClr val="lt1"/>
+          </a:fontRef>
+        </p:style>
+        <p:txBody>
+          <a:bodyPr rtlCol="0" anchor="ctr"/>
+          <a:lstStyle/>
+          <a:p>
+            <a:pPr algn="ctr"/>
+            <a:endParaRPr lang="en-US"/>
+          </a:p>
+        </p:txBody>
+      </p:sp>
+      <p:sp>
+        <p:nvSpPr>
+          <p:cNvPr id="7" name="Rectangle 6">
+            <a:extLst>
+              <a:ext uri="{FF2B5EF4-FFF2-40B4-BE49-F238E27FC236}">
+                <a16:creationId xmlns:a16="http://schemas.microsoft.com/office/drawing/2014/main" id="{3E2C9D39-DEF9-0B45-A514-BE717A0AF46C}"/>
+              </a:ext>
+            </a:extLst>
+          </p:cNvPr>
+          <p:cNvSpPr/>
+          <p:nvPr/>
+        </p:nvSpPr>
+        <p:spPr>
+          <a:xfrm>
+            <a:off x="5112019" y="3959090"/>
+            <a:ext cx="1113183" cy="795130"/>
+          </a:xfrm>
+          <a:prstGeom prst="rect">
+            <a:avLst/>
+          </a:prstGeom>
+        </p:spPr>
+        <p:style>
+          <a:lnRef idx="2">
+            <a:schemeClr val="accent1">
+              <a:shade val="50000"/>
+            </a:schemeClr>
+          </a:lnRef>
+          <a:fillRef idx="1">
+            <a:schemeClr val="accent1"/>
+          </a:fillRef>
+          <a:effectRef idx="0">
+            <a:schemeClr val="accent1"/>
+          </a:effectRef>
+          <a:fontRef idx="minor">
+            <a:schemeClr val="lt1"/>
+          </a:fontRef>
+        </p:style>
+        <p:txBody>
+          <a:bodyPr rtlCol="0" anchor="ctr"/>
+          <a:lstStyle/>
+          <a:p>
+            <a:pPr algn="ctr"/>
+            <a:endParaRPr lang="en-US"/>
+          </a:p>
+        </p:txBody>
+      </p:sp>
+      <p:sp>
+        <p:nvSpPr>
+          <p:cNvPr id="8" name="Rectangle 7">
+            <a:extLst>
+              <a:ext uri="{FF2B5EF4-FFF2-40B4-BE49-F238E27FC236}">
+                <a16:creationId xmlns:a16="http://schemas.microsoft.com/office/drawing/2014/main" id="{A77EA53C-FC22-8D4D-9633-4BEA41C9B173}"/>
+              </a:ext>
+            </a:extLst>
+          </p:cNvPr>
+          <p:cNvSpPr/>
+          <p:nvPr/>
+        </p:nvSpPr>
+        <p:spPr>
+          <a:xfrm>
+            <a:off x="6742033" y="3969029"/>
+            <a:ext cx="1113183" cy="795130"/>
+          </a:xfrm>
+          <a:prstGeom prst="rect">
+            <a:avLst/>
+          </a:prstGeom>
+        </p:spPr>
+        <p:style>
+          <a:lnRef idx="2">
+            <a:schemeClr val="accent1">
+              <a:shade val="50000"/>
+            </a:schemeClr>
+          </a:lnRef>
+          <a:fillRef idx="1">
+            <a:schemeClr val="accent1"/>
+          </a:fillRef>
+          <a:effectRef idx="0">
+            <a:schemeClr val="accent1"/>
+          </a:effectRef>
+          <a:fontRef idx="minor">
+            <a:schemeClr val="lt1"/>
+          </a:fontRef>
+        </p:style>
+        <p:txBody>
+          <a:bodyPr rtlCol="0" anchor="ctr"/>
+          <a:lstStyle/>
+          <a:p>
+            <a:pPr algn="ctr"/>
+            <a:endParaRPr lang="en-US"/>
+          </a:p>
+        </p:txBody>
+      </p:sp>
+      <p:sp>
+        <p:nvSpPr>
+          <p:cNvPr id="9" name="Rectangle 8">
+            <a:extLst>
+              <a:ext uri="{FF2B5EF4-FFF2-40B4-BE49-F238E27FC236}">
+                <a16:creationId xmlns:a16="http://schemas.microsoft.com/office/drawing/2014/main" id="{9464A418-AF49-EE49-ACBE-5B7F4B8D45A1}"/>
+              </a:ext>
+            </a:extLst>
+          </p:cNvPr>
+          <p:cNvSpPr/>
+          <p:nvPr/>
+        </p:nvSpPr>
+        <p:spPr>
+          <a:xfrm>
+            <a:off x="8345546" y="3972344"/>
+            <a:ext cx="1113183" cy="795130"/>
+          </a:xfrm>
+          <a:prstGeom prst="rect">
+            <a:avLst/>
+          </a:prstGeom>
+        </p:spPr>
+        <p:style>
+          <a:lnRef idx="2">
+            <a:schemeClr val="accent1">
+              <a:shade val="50000"/>
+            </a:schemeClr>
+          </a:lnRef>
+          <a:fillRef idx="1">
+            <a:schemeClr val="accent1"/>
+          </a:fillRef>
+          <a:effectRef idx="0">
+            <a:schemeClr val="accent1"/>
+          </a:effectRef>
+          <a:fontRef idx="minor">
+            <a:schemeClr val="lt1"/>
+          </a:fontRef>
+        </p:style>
+        <p:txBody>
+          <a:bodyPr rtlCol="0" anchor="ctr"/>
+          <a:lstStyle/>
+          <a:p>
+            <a:pPr algn="ctr"/>
+            <a:endParaRPr lang="en-US"/>
+          </a:p>
+        </p:txBody>
+      </p:sp>
+      <p:sp>
+        <p:nvSpPr>
+          <p:cNvPr id="10" name="TextBox 9">
+            <a:extLst>
+              <a:ext uri="{FF2B5EF4-FFF2-40B4-BE49-F238E27FC236}">
+                <a16:creationId xmlns:a16="http://schemas.microsoft.com/office/drawing/2014/main" id="{A986ABD9-C44D-A646-9FDD-B1093890B199}"/>
+              </a:ext>
+            </a:extLst>
+          </p:cNvPr>
+          <p:cNvSpPr txBox="1"/>
+          <p:nvPr/>
+        </p:nvSpPr>
+        <p:spPr>
+          <a:xfrm>
+            <a:off x="9183757" y="2596534"/>
+            <a:ext cx="1521570" cy="369332"/>
+          </a:xfrm>
+          <a:prstGeom prst="rect">
+            <a:avLst/>
+          </a:prstGeom>
+          <a:noFill/>
+        </p:spPr>
+        <p:txBody>
+          <a:bodyPr wrap="none" rtlCol="0">
+            <a:spAutoFit/>
+          </a:bodyPr>
+          <a:lstStyle/>
+          <a:p>
+            <a:r>
+              <a:rPr lang="en-US" dirty="0"/>
+              <a:t>Flex container</a:t>
+            </a:r>
+          </a:p>
+        </p:txBody>
+      </p:sp>
+      <p:sp>
+        <p:nvSpPr>
+          <p:cNvPr id="11" name="TextBox 10">
+            <a:extLst>
+              <a:ext uri="{FF2B5EF4-FFF2-40B4-BE49-F238E27FC236}">
+                <a16:creationId xmlns:a16="http://schemas.microsoft.com/office/drawing/2014/main" id="{D04744E5-ABC8-664D-A2AA-433F8A0AC9B1}"/>
+              </a:ext>
+            </a:extLst>
+          </p:cNvPr>
+          <p:cNvSpPr txBox="1"/>
+          <p:nvPr/>
+        </p:nvSpPr>
+        <p:spPr>
+          <a:xfrm>
+            <a:off x="1679713" y="3021497"/>
+            <a:ext cx="1140056" cy="369332"/>
+          </a:xfrm>
+          <a:prstGeom prst="rect">
+            <a:avLst/>
+          </a:prstGeom>
+          <a:noFill/>
+        </p:spPr>
+        <p:txBody>
+          <a:bodyPr wrap="none" rtlCol="0">
+            <a:spAutoFit/>
+          </a:bodyPr>
+          <a:lstStyle/>
+          <a:p>
+            <a:r>
+              <a:rPr lang="en-US" dirty="0"/>
+              <a:t>Flex items</a:t>
+            </a:r>
+          </a:p>
+        </p:txBody>
+      </p:sp>
+      <p:cxnSp>
+        <p:nvCxnSpPr>
+          <p:cNvPr id="13" name="Straight Arrow Connector 12">
+            <a:extLst>
+              <a:ext uri="{FF2B5EF4-FFF2-40B4-BE49-F238E27FC236}">
+                <a16:creationId xmlns:a16="http://schemas.microsoft.com/office/drawing/2014/main" id="{82883048-2D53-7742-BDE7-59107839C49E}"/>
+              </a:ext>
+            </a:extLst>
+          </p:cNvPr>
+          <p:cNvCxnSpPr>
+            <a:cxnSpLocks/>
+            <a:stCxn id="11" idx="2"/>
+            <a:endCxn id="5" idx="0"/>
+          </p:cNvCxnSpPr>
+          <p:nvPr/>
+        </p:nvCxnSpPr>
+        <p:spPr>
+          <a:xfrm>
+            <a:off x="2249741" y="3390829"/>
+            <a:ext cx="244981" cy="555007"/>
+          </a:xfrm>
+          <a:prstGeom prst="straightConnector1">
+            <a:avLst/>
+          </a:prstGeom>
+          <a:ln>
+            <a:tailEnd type="triangle"/>
+          </a:ln>
+        </p:spPr>
+        <p:style>
+          <a:lnRef idx="1">
+            <a:schemeClr val="accent1"/>
+          </a:lnRef>
+          <a:fillRef idx="0">
+            <a:schemeClr val="accent1"/>
+          </a:fillRef>
+          <a:effectRef idx="0">
+            <a:schemeClr val="accent1"/>
+          </a:effectRef>
+          <a:fontRef idx="minor">
+            <a:schemeClr val="tx1"/>
+          </a:fontRef>
+        </p:style>
+      </p:cxnSp>
+      <p:cxnSp>
+        <p:nvCxnSpPr>
+          <p:cNvPr id="16" name="Straight Arrow Connector 15">
+            <a:extLst>
+              <a:ext uri="{FF2B5EF4-FFF2-40B4-BE49-F238E27FC236}">
+                <a16:creationId xmlns:a16="http://schemas.microsoft.com/office/drawing/2014/main" id="{9E5E2ADC-A82B-8B44-A354-A3778DFBDF41}"/>
+              </a:ext>
+            </a:extLst>
+          </p:cNvPr>
+          <p:cNvCxnSpPr>
+            <a:cxnSpLocks/>
+            <a:stCxn id="11" idx="2"/>
+          </p:cNvCxnSpPr>
+          <p:nvPr/>
+        </p:nvCxnSpPr>
+        <p:spPr>
+          <a:xfrm>
+            <a:off x="2249741" y="3390829"/>
+            <a:ext cx="1401690" cy="568261"/>
+          </a:xfrm>
+          <a:prstGeom prst="straightConnector1">
+            <a:avLst/>
+          </a:prstGeom>
+          <a:ln>
+            <a:tailEnd type="triangle"/>
+          </a:ln>
+        </p:spPr>
+        <p:style>
+          <a:lnRef idx="1">
+            <a:schemeClr val="accent1"/>
+          </a:lnRef>
+          <a:fillRef idx="0">
+            <a:schemeClr val="accent1"/>
+          </a:fillRef>
+          <a:effectRef idx="0">
+            <a:schemeClr val="accent1"/>
+          </a:effectRef>
+          <a:fontRef idx="minor">
+            <a:schemeClr val="tx1"/>
+          </a:fontRef>
+        </p:style>
+      </p:cxnSp>
+      <p:cxnSp>
+        <p:nvCxnSpPr>
+          <p:cNvPr id="19" name="Straight Arrow Connector 18">
+            <a:extLst>
+              <a:ext uri="{FF2B5EF4-FFF2-40B4-BE49-F238E27FC236}">
+                <a16:creationId xmlns:a16="http://schemas.microsoft.com/office/drawing/2014/main" id="{171AFB63-C9E8-C94C-A905-A0724C711CF4}"/>
+              </a:ext>
+            </a:extLst>
+          </p:cNvPr>
+          <p:cNvCxnSpPr>
+            <a:cxnSpLocks/>
+          </p:cNvCxnSpPr>
+          <p:nvPr/>
+        </p:nvCxnSpPr>
+        <p:spPr>
+          <a:xfrm>
+            <a:off x="2254573" y="3389890"/>
+            <a:ext cx="2890583" cy="555946"/>
+          </a:xfrm>
+          <a:prstGeom prst="straightConnector1">
+            <a:avLst/>
+          </a:prstGeom>
+          <a:ln>
+            <a:tailEnd type="triangle"/>
+          </a:ln>
+        </p:spPr>
+        <p:style>
+          <a:lnRef idx="1">
+            <a:schemeClr val="accent1"/>
+          </a:lnRef>
+          <a:fillRef idx="0">
+            <a:schemeClr val="accent1"/>
+          </a:fillRef>
+          <a:effectRef idx="0">
+            <a:schemeClr val="accent1"/>
+          </a:effectRef>
+          <a:fontRef idx="minor">
+            <a:schemeClr val="tx1"/>
+          </a:fontRef>
+        </p:style>
+      </p:cxnSp>
+      <p:cxnSp>
+        <p:nvCxnSpPr>
+          <p:cNvPr id="22" name="Straight Arrow Connector 21">
+            <a:extLst>
+              <a:ext uri="{FF2B5EF4-FFF2-40B4-BE49-F238E27FC236}">
+                <a16:creationId xmlns:a16="http://schemas.microsoft.com/office/drawing/2014/main" id="{255D6B98-835B-734F-BCCD-467F08F8974C}"/>
+              </a:ext>
+            </a:extLst>
+          </p:cNvPr>
+          <p:cNvCxnSpPr>
+            <a:stCxn id="10" idx="2"/>
+          </p:cNvCxnSpPr>
+          <p:nvPr/>
+        </p:nvCxnSpPr>
+        <p:spPr>
+          <a:xfrm flipH="1">
+            <a:off x="9740348" y="2965866"/>
+            <a:ext cx="204194" cy="701997"/>
+          </a:xfrm>
+          <a:prstGeom prst="straightConnector1">
+            <a:avLst/>
+          </a:prstGeom>
+          <a:ln>
+            <a:tailEnd type="triangle"/>
+          </a:ln>
+        </p:spPr>
+        <p:style>
+          <a:lnRef idx="1">
+            <a:schemeClr val="accent1"/>
+          </a:lnRef>
+          <a:fillRef idx="0">
+            <a:schemeClr val="accent1"/>
+          </a:fillRef>
+          <a:effectRef idx="0">
+            <a:schemeClr val="accent1"/>
+          </a:effectRef>
+          <a:fontRef idx="minor">
+            <a:schemeClr val="tx1"/>
+          </a:fontRef>
+        </p:style>
+      </p:cxnSp>
+      <p:sp>
+        <p:nvSpPr>
+          <p:cNvPr id="23" name="TextBox 22">
+            <a:extLst>
+              <a:ext uri="{FF2B5EF4-FFF2-40B4-BE49-F238E27FC236}">
+                <a16:creationId xmlns:a16="http://schemas.microsoft.com/office/drawing/2014/main" id="{E9CD962E-8354-1E47-BB4A-EFDC279C6DE8}"/>
+              </a:ext>
+            </a:extLst>
+          </p:cNvPr>
+          <p:cNvSpPr txBox="1"/>
+          <p:nvPr/>
+        </p:nvSpPr>
+        <p:spPr>
+          <a:xfrm>
+            <a:off x="10516266" y="4158735"/>
+            <a:ext cx="1277273" cy="369332"/>
+          </a:xfrm>
+          <a:prstGeom prst="rect">
+            <a:avLst/>
+          </a:prstGeom>
+          <a:noFill/>
+          <a:ln>
+            <a:solidFill>
+              <a:srgbClr val="FFC000"/>
+            </a:solidFill>
+          </a:ln>
+        </p:spPr>
+        <p:txBody>
+          <a:bodyPr wrap="none" rtlCol="0">
+            <a:spAutoFit/>
+          </a:bodyPr>
+          <a:lstStyle/>
+          <a:p>
+            <a:r>
+              <a:rPr lang="en-US" dirty="0"/>
+              <a:t>MAIN AXIS</a:t>
+            </a:r>
+          </a:p>
+        </p:txBody>
+      </p:sp>
+      <p:cxnSp>
+        <p:nvCxnSpPr>
+          <p:cNvPr id="25" name="Straight Arrow Connector 24">
+            <a:extLst>
+              <a:ext uri="{FF2B5EF4-FFF2-40B4-BE49-F238E27FC236}">
+                <a16:creationId xmlns:a16="http://schemas.microsoft.com/office/drawing/2014/main" id="{E2783088-67AF-CA47-B80D-F130A3150C55}"/>
+              </a:ext>
+            </a:extLst>
+          </p:cNvPr>
+          <p:cNvCxnSpPr/>
+          <p:nvPr/>
+        </p:nvCxnSpPr>
+        <p:spPr>
+          <a:xfrm flipV="1">
+            <a:off x="795130" y="4343401"/>
+            <a:ext cx="9632627" cy="13254"/>
+          </a:xfrm>
+          <a:prstGeom prst="straightConnector1">
+            <a:avLst/>
+          </a:prstGeom>
+          <a:ln>
+            <a:solidFill>
+              <a:srgbClr val="FFC000"/>
+            </a:solidFill>
+            <a:tailEnd type="triangle"/>
+          </a:ln>
+        </p:spPr>
+        <p:style>
+          <a:lnRef idx="1">
+            <a:schemeClr val="accent1"/>
+          </a:lnRef>
+          <a:fillRef idx="0">
+            <a:schemeClr val="accent1"/>
+          </a:fillRef>
+          <a:effectRef idx="0">
+            <a:schemeClr val="accent1"/>
+          </a:effectRef>
+          <a:fontRef idx="minor">
+            <a:schemeClr val="tx1"/>
+          </a:fontRef>
+        </p:style>
+      </p:cxnSp>
+      <p:sp>
+        <p:nvSpPr>
+          <p:cNvPr id="26" name="TextBox 25">
+            <a:extLst>
+              <a:ext uri="{FF2B5EF4-FFF2-40B4-BE49-F238E27FC236}">
+                <a16:creationId xmlns:a16="http://schemas.microsoft.com/office/drawing/2014/main" id="{7ACD4459-9D8E-8444-A737-5060AC817B56}"/>
+              </a:ext>
+            </a:extLst>
+          </p:cNvPr>
+          <p:cNvSpPr txBox="1"/>
+          <p:nvPr/>
+        </p:nvSpPr>
+        <p:spPr>
+          <a:xfrm>
+            <a:off x="5088834" y="5852564"/>
+            <a:ext cx="1398075" cy="369332"/>
+          </a:xfrm>
+          <a:prstGeom prst="rect">
+            <a:avLst/>
+          </a:prstGeom>
+          <a:noFill/>
+          <a:ln>
+            <a:solidFill>
+              <a:srgbClr val="FFC000"/>
+            </a:solidFill>
+          </a:ln>
+        </p:spPr>
+        <p:txBody>
+          <a:bodyPr wrap="none" rtlCol="0">
+            <a:spAutoFit/>
+          </a:bodyPr>
+          <a:lstStyle/>
+          <a:p>
+            <a:r>
+              <a:rPr lang="en-US" dirty="0"/>
+              <a:t>CROSS AXIS</a:t>
+            </a:r>
+          </a:p>
+        </p:txBody>
+      </p:sp>
+      <p:cxnSp>
+        <p:nvCxnSpPr>
+          <p:cNvPr id="28" name="Straight Arrow Connector 27">
+            <a:extLst>
+              <a:ext uri="{FF2B5EF4-FFF2-40B4-BE49-F238E27FC236}">
+                <a16:creationId xmlns:a16="http://schemas.microsoft.com/office/drawing/2014/main" id="{E054FB7F-57FE-F64B-B5C8-E73D012671C0}"/>
+              </a:ext>
+            </a:extLst>
+          </p:cNvPr>
+          <p:cNvCxnSpPr/>
+          <p:nvPr/>
+        </p:nvCxnSpPr>
+        <p:spPr>
+          <a:xfrm>
+            <a:off x="5704208" y="2550521"/>
+            <a:ext cx="80366" cy="3263871"/>
+          </a:xfrm>
+          <a:prstGeom prst="straightConnector1">
+            <a:avLst/>
+          </a:prstGeom>
+          <a:ln>
+            <a:solidFill>
+              <a:srgbClr val="FFC000"/>
+            </a:solidFill>
+            <a:tailEnd type="triangle"/>
+          </a:ln>
+        </p:spPr>
+        <p:style>
+          <a:lnRef idx="1">
+            <a:schemeClr val="accent1"/>
+          </a:lnRef>
+          <a:fillRef idx="0">
+            <a:schemeClr val="accent1"/>
+          </a:fillRef>
+          <a:effectRef idx="0">
+            <a:schemeClr val="accent1"/>
+          </a:effectRef>
+          <a:fontRef idx="minor">
+            <a:schemeClr val="tx1"/>
+          </a:fontRef>
+        </p:style>
+      </p:cxnSp>
+    </p:spTree>
+    <p:extLst>
+      <p:ext uri="{BB962C8B-B14F-4D97-AF65-F5344CB8AC3E}">
+        <p14:creationId xmlns:p14="http://schemas.microsoft.com/office/powerpoint/2010/main" val="2823742909"/>
+      </p:ext>
+    </p:extLst>
+  </p:cSld>
+  <p:clrMapOvr>
+    <a:masterClrMapping/>
+  </p:clrMapOvr>
+</p:sld>
+</file>
+
+<file path=ppt/slides/slide4.xml><?xml version="1.0" encoding="utf-8"?>
+<p:sld xmlns:a="http://schemas.openxmlformats.org/drawingml/2006/main" xmlns:r="http://schemas.openxmlformats.org/officeDocument/2006/relationships" xmlns:p="http://schemas.openxmlformats.org/presentationml/2006/main">
+  <p:cSld>
+    <p:spTree>
+      <p:nvGrpSpPr>
+        <p:cNvPr id="1" name=""/>
+        <p:cNvGrpSpPr/>
+        <p:nvPr/>
+      </p:nvGrpSpPr>
+      <p:grpSpPr>
+        <a:xfrm>
+          <a:off x="0" y="0"/>
+          <a:ext cx="0" cy="0"/>
+          <a:chOff x="0" y="0"/>
+          <a:chExt cx="0" cy="0"/>
+        </a:xfrm>
+      </p:grpSpPr>
+      <p:sp>
+        <p:nvSpPr>
+          <p:cNvPr id="2" name="Title 1">
+            <a:extLst>
+              <a:ext uri="{FF2B5EF4-FFF2-40B4-BE49-F238E27FC236}">
+                <a16:creationId xmlns:a16="http://schemas.microsoft.com/office/drawing/2014/main" id="{8B57DE7D-36E3-A641-9612-FBBFB3695803}"/>
+              </a:ext>
+            </a:extLst>
+          </p:cNvPr>
+          <p:cNvSpPr>
+            <a:spLocks noGrp="1"/>
+          </p:cNvSpPr>
+          <p:nvPr>
+            <p:ph type="title"/>
+          </p:nvPr>
+        </p:nvSpPr>
+        <p:spPr/>
+        <p:txBody>
+          <a:bodyPr/>
+          <a:lstStyle/>
+          <a:p>
+            <a:r>
+              <a:rPr lang="en-US" dirty="0"/>
+              <a:t>Flexbox (with FLEX-direction: column)</a:t>
+            </a:r>
+          </a:p>
+        </p:txBody>
+      </p:sp>
+      <p:sp>
+        <p:nvSpPr>
+          <p:cNvPr id="4" name="Rectangle 3">
+            <a:extLst>
+              <a:ext uri="{FF2B5EF4-FFF2-40B4-BE49-F238E27FC236}">
+                <a16:creationId xmlns:a16="http://schemas.microsoft.com/office/drawing/2014/main" id="{AC922E10-B56F-0246-A968-3752B0813168}"/>
+              </a:ext>
+            </a:extLst>
+          </p:cNvPr>
+          <p:cNvSpPr/>
+          <p:nvPr/>
+        </p:nvSpPr>
+        <p:spPr>
+          <a:xfrm>
+            <a:off x="1470990" y="3687418"/>
+            <a:ext cx="8466437" cy="1311966"/>
+          </a:xfrm>
+          <a:prstGeom prst="rect">
+            <a:avLst/>
+          </a:prstGeom>
+          <a:solidFill>
+            <a:schemeClr val="bg1"/>
+          </a:solidFill>
+        </p:spPr>
+        <p:style>
+          <a:lnRef idx="2">
+            <a:schemeClr val="accent1">
+              <a:shade val="50000"/>
+            </a:schemeClr>
+          </a:lnRef>
+          <a:fillRef idx="1">
+            <a:schemeClr val="accent1"/>
+          </a:fillRef>
+          <a:effectRef idx="0">
+            <a:schemeClr val="accent1"/>
+          </a:effectRef>
+          <a:fontRef idx="minor">
+            <a:schemeClr val="lt1"/>
+          </a:fontRef>
+        </p:style>
+        <p:txBody>
+          <a:bodyPr rtlCol="0" anchor="ctr"/>
+          <a:lstStyle/>
+          <a:p>
+            <a:pPr algn="ctr"/>
+            <a:endParaRPr lang="en-US" dirty="0"/>
+          </a:p>
+        </p:txBody>
+      </p:sp>
+      <p:sp>
+        <p:nvSpPr>
+          <p:cNvPr id="5" name="Rectangle 4">
+            <a:extLst>
+              <a:ext uri="{FF2B5EF4-FFF2-40B4-BE49-F238E27FC236}">
+                <a16:creationId xmlns:a16="http://schemas.microsoft.com/office/drawing/2014/main" id="{E9A7518B-BD7F-A546-87DE-E13669582455}"/>
+              </a:ext>
+            </a:extLst>
+          </p:cNvPr>
+          <p:cNvSpPr/>
+          <p:nvPr/>
+        </p:nvSpPr>
+        <p:spPr>
+          <a:xfrm>
+            <a:off x="1938130" y="3945836"/>
+            <a:ext cx="1113183" cy="795130"/>
+          </a:xfrm>
+          <a:prstGeom prst="rect">
+            <a:avLst/>
+          </a:prstGeom>
+        </p:spPr>
+        <p:style>
+          <a:lnRef idx="2">
+            <a:schemeClr val="accent1">
+              <a:shade val="50000"/>
+            </a:schemeClr>
+          </a:lnRef>
+          <a:fillRef idx="1">
+            <a:schemeClr val="accent1"/>
+          </a:fillRef>
+          <a:effectRef idx="0">
+            <a:schemeClr val="accent1"/>
+          </a:effectRef>
+          <a:fontRef idx="minor">
+            <a:schemeClr val="lt1"/>
+          </a:fontRef>
+        </p:style>
+        <p:txBody>
+          <a:bodyPr rtlCol="0" anchor="ctr"/>
+          <a:lstStyle/>
+          <a:p>
+            <a:pPr algn="ctr"/>
+            <a:endParaRPr lang="en-US"/>
+          </a:p>
+        </p:txBody>
+      </p:sp>
+      <p:sp>
+        <p:nvSpPr>
+          <p:cNvPr id="6" name="Rectangle 5">
+            <a:extLst>
+              <a:ext uri="{FF2B5EF4-FFF2-40B4-BE49-F238E27FC236}">
+                <a16:creationId xmlns:a16="http://schemas.microsoft.com/office/drawing/2014/main" id="{7C2F410F-CA8B-254F-9F6B-214672F29E4D}"/>
+              </a:ext>
+            </a:extLst>
+          </p:cNvPr>
+          <p:cNvSpPr/>
+          <p:nvPr/>
+        </p:nvSpPr>
+        <p:spPr>
+          <a:xfrm>
+            <a:off x="3541643" y="3959090"/>
+            <a:ext cx="1113183" cy="795130"/>
+          </a:xfrm>
+          <a:prstGeom prst="rect">
+            <a:avLst/>
+          </a:prstGeom>
+        </p:spPr>
+        <p:style>
+          <a:lnRef idx="2">
+            <a:schemeClr val="accent1">
+              <a:shade val="50000"/>
+            </a:schemeClr>
+          </a:lnRef>
+          <a:fillRef idx="1">
+            <a:schemeClr val="accent1"/>
+          </a:fillRef>
+          <a:effectRef idx="0">
+            <a:schemeClr val="accent1"/>
+          </a:effectRef>
+          <a:fontRef idx="minor">
+            <a:schemeClr val="lt1"/>
+          </a:fontRef>
+        </p:style>
+        <p:txBody>
+          <a:bodyPr rtlCol="0" anchor="ctr"/>
+          <a:lstStyle/>
+          <a:p>
+            <a:pPr algn="ctr"/>
+            <a:endParaRPr lang="en-US"/>
+          </a:p>
+        </p:txBody>
+      </p:sp>
+      <p:sp>
+        <p:nvSpPr>
+          <p:cNvPr id="7" name="Rectangle 6">
+            <a:extLst>
+              <a:ext uri="{FF2B5EF4-FFF2-40B4-BE49-F238E27FC236}">
+                <a16:creationId xmlns:a16="http://schemas.microsoft.com/office/drawing/2014/main" id="{3E2C9D39-DEF9-0B45-A514-BE717A0AF46C}"/>
+              </a:ext>
+            </a:extLst>
+          </p:cNvPr>
+          <p:cNvSpPr/>
+          <p:nvPr/>
+        </p:nvSpPr>
+        <p:spPr>
+          <a:xfrm>
+            <a:off x="5112019" y="3959090"/>
+            <a:ext cx="1113183" cy="795130"/>
+          </a:xfrm>
+          <a:prstGeom prst="rect">
+            <a:avLst/>
+          </a:prstGeom>
+        </p:spPr>
+        <p:style>
+          <a:lnRef idx="2">
+            <a:schemeClr val="accent1">
+              <a:shade val="50000"/>
+            </a:schemeClr>
+          </a:lnRef>
+          <a:fillRef idx="1">
+            <a:schemeClr val="accent1"/>
+          </a:fillRef>
+          <a:effectRef idx="0">
+            <a:schemeClr val="accent1"/>
+          </a:effectRef>
+          <a:fontRef idx="minor">
+            <a:schemeClr val="lt1"/>
+          </a:fontRef>
+        </p:style>
+        <p:txBody>
+          <a:bodyPr rtlCol="0" anchor="ctr"/>
+          <a:lstStyle/>
+          <a:p>
+            <a:pPr algn="ctr"/>
+            <a:endParaRPr lang="en-US"/>
+          </a:p>
+        </p:txBody>
+      </p:sp>
+      <p:sp>
+        <p:nvSpPr>
+          <p:cNvPr id="8" name="Rectangle 7">
+            <a:extLst>
+              <a:ext uri="{FF2B5EF4-FFF2-40B4-BE49-F238E27FC236}">
+                <a16:creationId xmlns:a16="http://schemas.microsoft.com/office/drawing/2014/main" id="{A77EA53C-FC22-8D4D-9633-4BEA41C9B173}"/>
+              </a:ext>
+            </a:extLst>
+          </p:cNvPr>
+          <p:cNvSpPr/>
+          <p:nvPr/>
+        </p:nvSpPr>
+        <p:spPr>
+          <a:xfrm>
+            <a:off x="6742033" y="3969029"/>
+            <a:ext cx="1113183" cy="795130"/>
+          </a:xfrm>
+          <a:prstGeom prst="rect">
+            <a:avLst/>
+          </a:prstGeom>
+        </p:spPr>
+        <p:style>
+          <a:lnRef idx="2">
+            <a:schemeClr val="accent1">
+              <a:shade val="50000"/>
+            </a:schemeClr>
+          </a:lnRef>
+          <a:fillRef idx="1">
+            <a:schemeClr val="accent1"/>
+          </a:fillRef>
+          <a:effectRef idx="0">
+            <a:schemeClr val="accent1"/>
+          </a:effectRef>
+          <a:fontRef idx="minor">
+            <a:schemeClr val="lt1"/>
+          </a:fontRef>
+        </p:style>
+        <p:txBody>
+          <a:bodyPr rtlCol="0" anchor="ctr"/>
+          <a:lstStyle/>
+          <a:p>
+            <a:pPr algn="ctr"/>
+            <a:endParaRPr lang="en-US"/>
+          </a:p>
+        </p:txBody>
+      </p:sp>
+      <p:sp>
+        <p:nvSpPr>
+          <p:cNvPr id="9" name="Rectangle 8">
+            <a:extLst>
+              <a:ext uri="{FF2B5EF4-FFF2-40B4-BE49-F238E27FC236}">
+                <a16:creationId xmlns:a16="http://schemas.microsoft.com/office/drawing/2014/main" id="{9464A418-AF49-EE49-ACBE-5B7F4B8D45A1}"/>
+              </a:ext>
+            </a:extLst>
+          </p:cNvPr>
+          <p:cNvSpPr/>
+          <p:nvPr/>
+        </p:nvSpPr>
+        <p:spPr>
+          <a:xfrm>
+            <a:off x="8345546" y="3972344"/>
+            <a:ext cx="1113183" cy="795130"/>
+          </a:xfrm>
+          <a:prstGeom prst="rect">
+            <a:avLst/>
+          </a:prstGeom>
+        </p:spPr>
+        <p:style>
+          <a:lnRef idx="2">
+            <a:schemeClr val="accent1">
+              <a:shade val="50000"/>
+            </a:schemeClr>
+          </a:lnRef>
+          <a:fillRef idx="1">
+            <a:schemeClr val="accent1"/>
+          </a:fillRef>
+          <a:effectRef idx="0">
+            <a:schemeClr val="accent1"/>
+          </a:effectRef>
+          <a:fontRef idx="minor">
+            <a:schemeClr val="lt1"/>
+          </a:fontRef>
+        </p:style>
+        <p:txBody>
+          <a:bodyPr rtlCol="0" anchor="ctr"/>
+          <a:lstStyle/>
+          <a:p>
+            <a:pPr algn="ctr"/>
+            <a:endParaRPr lang="en-US"/>
+          </a:p>
+        </p:txBody>
+      </p:sp>
+      <p:sp>
+        <p:nvSpPr>
+          <p:cNvPr id="10" name="TextBox 9">
+            <a:extLst>
+              <a:ext uri="{FF2B5EF4-FFF2-40B4-BE49-F238E27FC236}">
+                <a16:creationId xmlns:a16="http://schemas.microsoft.com/office/drawing/2014/main" id="{A986ABD9-C44D-A646-9FDD-B1093890B199}"/>
+              </a:ext>
+            </a:extLst>
+          </p:cNvPr>
+          <p:cNvSpPr txBox="1"/>
+          <p:nvPr/>
+        </p:nvSpPr>
+        <p:spPr>
+          <a:xfrm>
+            <a:off x="9183757" y="2596534"/>
+            <a:ext cx="1521570" cy="369332"/>
+          </a:xfrm>
+          <a:prstGeom prst="rect">
+            <a:avLst/>
+          </a:prstGeom>
+          <a:noFill/>
+        </p:spPr>
+        <p:txBody>
+          <a:bodyPr wrap="none" rtlCol="0">
+            <a:spAutoFit/>
+          </a:bodyPr>
+          <a:lstStyle/>
+          <a:p>
+            <a:r>
+              <a:rPr lang="en-US" dirty="0"/>
+              <a:t>Flex container</a:t>
+            </a:r>
+          </a:p>
+        </p:txBody>
+      </p:sp>
+      <p:sp>
+        <p:nvSpPr>
+          <p:cNvPr id="11" name="TextBox 10">
+            <a:extLst>
+              <a:ext uri="{FF2B5EF4-FFF2-40B4-BE49-F238E27FC236}">
+                <a16:creationId xmlns:a16="http://schemas.microsoft.com/office/drawing/2014/main" id="{D04744E5-ABC8-664D-A2AA-433F8A0AC9B1}"/>
+              </a:ext>
+            </a:extLst>
+          </p:cNvPr>
+          <p:cNvSpPr txBox="1"/>
+          <p:nvPr/>
+        </p:nvSpPr>
+        <p:spPr>
+          <a:xfrm>
+            <a:off x="1679713" y="3021497"/>
+            <a:ext cx="1140056" cy="369332"/>
+          </a:xfrm>
+          <a:prstGeom prst="rect">
+            <a:avLst/>
+          </a:prstGeom>
+          <a:noFill/>
+        </p:spPr>
+        <p:txBody>
+          <a:bodyPr wrap="none" rtlCol="0">
+            <a:spAutoFit/>
+          </a:bodyPr>
+          <a:lstStyle/>
+          <a:p>
+            <a:r>
+              <a:rPr lang="en-US" dirty="0"/>
+              <a:t>Flex items</a:t>
+            </a:r>
+          </a:p>
+        </p:txBody>
+      </p:sp>
+      <p:cxnSp>
+        <p:nvCxnSpPr>
+          <p:cNvPr id="13" name="Straight Arrow Connector 12">
+            <a:extLst>
+              <a:ext uri="{FF2B5EF4-FFF2-40B4-BE49-F238E27FC236}">
+                <a16:creationId xmlns:a16="http://schemas.microsoft.com/office/drawing/2014/main" id="{82883048-2D53-7742-BDE7-59107839C49E}"/>
+              </a:ext>
+            </a:extLst>
+          </p:cNvPr>
+          <p:cNvCxnSpPr>
+            <a:cxnSpLocks/>
+            <a:stCxn id="11" idx="2"/>
+            <a:endCxn id="5" idx="0"/>
+          </p:cNvCxnSpPr>
+          <p:nvPr/>
+        </p:nvCxnSpPr>
+        <p:spPr>
+          <a:xfrm>
+            <a:off x="2249741" y="3390829"/>
+            <a:ext cx="244981" cy="555007"/>
+          </a:xfrm>
+          <a:prstGeom prst="straightConnector1">
+            <a:avLst/>
+          </a:prstGeom>
+          <a:ln>
+            <a:tailEnd type="triangle"/>
+          </a:ln>
+        </p:spPr>
+        <p:style>
+          <a:lnRef idx="1">
+            <a:schemeClr val="accent1"/>
+          </a:lnRef>
+          <a:fillRef idx="0">
+            <a:schemeClr val="accent1"/>
+          </a:fillRef>
+          <a:effectRef idx="0">
+            <a:schemeClr val="accent1"/>
+          </a:effectRef>
+          <a:fontRef idx="minor">
+            <a:schemeClr val="tx1"/>
+          </a:fontRef>
+        </p:style>
+      </p:cxnSp>
+      <p:cxnSp>
+        <p:nvCxnSpPr>
+          <p:cNvPr id="16" name="Straight Arrow Connector 15">
+            <a:extLst>
+              <a:ext uri="{FF2B5EF4-FFF2-40B4-BE49-F238E27FC236}">
+                <a16:creationId xmlns:a16="http://schemas.microsoft.com/office/drawing/2014/main" id="{9E5E2ADC-A82B-8B44-A354-A3778DFBDF41}"/>
+              </a:ext>
+            </a:extLst>
+          </p:cNvPr>
+          <p:cNvCxnSpPr>
+            <a:cxnSpLocks/>
+            <a:stCxn id="11" idx="2"/>
+          </p:cNvCxnSpPr>
+          <p:nvPr/>
+        </p:nvCxnSpPr>
+        <p:spPr>
+          <a:xfrm>
+            <a:off x="2249741" y="3390829"/>
+            <a:ext cx="1401690" cy="568261"/>
+          </a:xfrm>
+          <a:prstGeom prst="straightConnector1">
+            <a:avLst/>
+          </a:prstGeom>
+          <a:ln>
+            <a:tailEnd type="triangle"/>
+          </a:ln>
+        </p:spPr>
+        <p:style>
+          <a:lnRef idx="1">
+            <a:schemeClr val="accent1"/>
+          </a:lnRef>
+          <a:fillRef idx="0">
+            <a:schemeClr val="accent1"/>
+          </a:fillRef>
+          <a:effectRef idx="0">
+            <a:schemeClr val="accent1"/>
+          </a:effectRef>
+          <a:fontRef idx="minor">
+            <a:schemeClr val="tx1"/>
+          </a:fontRef>
+        </p:style>
+      </p:cxnSp>
+      <p:cxnSp>
+        <p:nvCxnSpPr>
+          <p:cNvPr id="19" name="Straight Arrow Connector 18">
+            <a:extLst>
+              <a:ext uri="{FF2B5EF4-FFF2-40B4-BE49-F238E27FC236}">
+                <a16:creationId xmlns:a16="http://schemas.microsoft.com/office/drawing/2014/main" id="{171AFB63-C9E8-C94C-A905-A0724C711CF4}"/>
+              </a:ext>
+            </a:extLst>
+          </p:cNvPr>
+          <p:cNvCxnSpPr>
+            <a:cxnSpLocks/>
+          </p:cNvCxnSpPr>
+          <p:nvPr/>
+        </p:nvCxnSpPr>
+        <p:spPr>
+          <a:xfrm>
+            <a:off x="2254573" y="3389890"/>
+            <a:ext cx="2890583" cy="555946"/>
+          </a:xfrm>
+          <a:prstGeom prst="straightConnector1">
+            <a:avLst/>
+          </a:prstGeom>
+          <a:ln>
+            <a:tailEnd type="triangle"/>
+          </a:ln>
+        </p:spPr>
+        <p:style>
+          <a:lnRef idx="1">
+            <a:schemeClr val="accent1"/>
+          </a:lnRef>
+          <a:fillRef idx="0">
+            <a:schemeClr val="accent1"/>
+          </a:fillRef>
+          <a:effectRef idx="0">
+            <a:schemeClr val="accent1"/>
+          </a:effectRef>
+          <a:fontRef idx="minor">
+            <a:schemeClr val="tx1"/>
+          </a:fontRef>
+        </p:style>
+      </p:cxnSp>
+      <p:cxnSp>
+        <p:nvCxnSpPr>
+          <p:cNvPr id="22" name="Straight Arrow Connector 21">
+            <a:extLst>
+              <a:ext uri="{FF2B5EF4-FFF2-40B4-BE49-F238E27FC236}">
+                <a16:creationId xmlns:a16="http://schemas.microsoft.com/office/drawing/2014/main" id="{255D6B98-835B-734F-BCCD-467F08F8974C}"/>
+              </a:ext>
+            </a:extLst>
+          </p:cNvPr>
+          <p:cNvCxnSpPr>
+            <a:stCxn id="10" idx="2"/>
+          </p:cNvCxnSpPr>
+          <p:nvPr/>
+        </p:nvCxnSpPr>
+        <p:spPr>
+          <a:xfrm flipH="1">
+            <a:off x="9740348" y="2965866"/>
+            <a:ext cx="204194" cy="701997"/>
+          </a:xfrm>
+          <a:prstGeom prst="straightConnector1">
+            <a:avLst/>
+          </a:prstGeom>
+          <a:ln>
+            <a:tailEnd type="triangle"/>
+          </a:ln>
+        </p:spPr>
+        <p:style>
+          <a:lnRef idx="1">
+            <a:schemeClr val="accent1"/>
+          </a:lnRef>
+          <a:fillRef idx="0">
+            <a:schemeClr val="accent1"/>
+          </a:fillRef>
+          <a:effectRef idx="0">
+            <a:schemeClr val="accent1"/>
+          </a:effectRef>
+          <a:fontRef idx="minor">
+            <a:schemeClr val="tx1"/>
+          </a:fontRef>
+        </p:style>
+      </p:cxnSp>
+      <p:sp>
+        <p:nvSpPr>
+          <p:cNvPr id="23" name="TextBox 22">
+            <a:extLst>
+              <a:ext uri="{FF2B5EF4-FFF2-40B4-BE49-F238E27FC236}">
+                <a16:creationId xmlns:a16="http://schemas.microsoft.com/office/drawing/2014/main" id="{E9CD962E-8354-1E47-BB4A-EFDC279C6DE8}"/>
+              </a:ext>
+            </a:extLst>
+          </p:cNvPr>
+          <p:cNvSpPr txBox="1"/>
+          <p:nvPr/>
+        </p:nvSpPr>
+        <p:spPr>
+          <a:xfrm>
+            <a:off x="10516266" y="4158735"/>
+            <a:ext cx="1398075" cy="369332"/>
+          </a:xfrm>
+          <a:prstGeom prst="rect">
+            <a:avLst/>
+          </a:prstGeom>
+          <a:noFill/>
+          <a:ln>
+            <a:solidFill>
+              <a:srgbClr val="FFC000"/>
+            </a:solidFill>
+          </a:ln>
+        </p:spPr>
+        <p:txBody>
+          <a:bodyPr wrap="none" rtlCol="0">
+            <a:spAutoFit/>
+          </a:bodyPr>
+          <a:lstStyle/>
+          <a:p>
+            <a:r>
+              <a:rPr lang="en-US" dirty="0"/>
+              <a:t>CROSS AXIS</a:t>
+            </a:r>
+          </a:p>
+        </p:txBody>
+      </p:sp>
+      <p:cxnSp>
+        <p:nvCxnSpPr>
+          <p:cNvPr id="25" name="Straight Arrow Connector 24">
+            <a:extLst>
+              <a:ext uri="{FF2B5EF4-FFF2-40B4-BE49-F238E27FC236}">
+                <a16:creationId xmlns:a16="http://schemas.microsoft.com/office/drawing/2014/main" id="{E2783088-67AF-CA47-B80D-F130A3150C55}"/>
+              </a:ext>
+            </a:extLst>
+          </p:cNvPr>
+          <p:cNvCxnSpPr/>
+          <p:nvPr/>
+        </p:nvCxnSpPr>
+        <p:spPr>
+          <a:xfrm flipV="1">
+            <a:off x="795130" y="4343401"/>
+            <a:ext cx="9632627" cy="13254"/>
+          </a:xfrm>
+          <a:prstGeom prst="straightConnector1">
+            <a:avLst/>
+          </a:prstGeom>
+          <a:ln>
+            <a:solidFill>
+              <a:srgbClr val="FFC000"/>
+            </a:solidFill>
+            <a:tailEnd type="triangle"/>
+          </a:ln>
+        </p:spPr>
+        <p:style>
+          <a:lnRef idx="1">
+            <a:schemeClr val="accent1"/>
+          </a:lnRef>
+          <a:fillRef idx="0">
+            <a:schemeClr val="accent1"/>
+          </a:fillRef>
+          <a:effectRef idx="0">
+            <a:schemeClr val="accent1"/>
+          </a:effectRef>
+          <a:fontRef idx="minor">
+            <a:schemeClr val="tx1"/>
+          </a:fontRef>
+        </p:style>
+      </p:cxnSp>
+      <p:sp>
+        <p:nvSpPr>
+          <p:cNvPr id="26" name="TextBox 25">
+            <a:extLst>
+              <a:ext uri="{FF2B5EF4-FFF2-40B4-BE49-F238E27FC236}">
+                <a16:creationId xmlns:a16="http://schemas.microsoft.com/office/drawing/2014/main" id="{7ACD4459-9D8E-8444-A737-5060AC817B56}"/>
+              </a:ext>
+            </a:extLst>
+          </p:cNvPr>
+          <p:cNvSpPr txBox="1"/>
+          <p:nvPr/>
+        </p:nvSpPr>
+        <p:spPr>
+          <a:xfrm>
+            <a:off x="5227982" y="5852564"/>
+            <a:ext cx="1277273" cy="369332"/>
+          </a:xfrm>
+          <a:prstGeom prst="rect">
+            <a:avLst/>
+          </a:prstGeom>
+          <a:noFill/>
+          <a:ln>
+            <a:solidFill>
+              <a:srgbClr val="FFC000"/>
+            </a:solidFill>
+          </a:ln>
+        </p:spPr>
+        <p:txBody>
+          <a:bodyPr wrap="none" rtlCol="0">
+            <a:spAutoFit/>
+          </a:bodyPr>
+          <a:lstStyle/>
+          <a:p>
+            <a:r>
+              <a:rPr lang="en-US" dirty="0"/>
+              <a:t>MAIN AXIS</a:t>
+            </a:r>
+          </a:p>
+        </p:txBody>
+      </p:sp>
+      <p:cxnSp>
+        <p:nvCxnSpPr>
+          <p:cNvPr id="28" name="Straight Arrow Connector 27">
+            <a:extLst>
+              <a:ext uri="{FF2B5EF4-FFF2-40B4-BE49-F238E27FC236}">
+                <a16:creationId xmlns:a16="http://schemas.microsoft.com/office/drawing/2014/main" id="{E054FB7F-57FE-F64B-B5C8-E73D012671C0}"/>
+              </a:ext>
+            </a:extLst>
+          </p:cNvPr>
+          <p:cNvCxnSpPr/>
+          <p:nvPr/>
+        </p:nvCxnSpPr>
+        <p:spPr>
+          <a:xfrm>
+            <a:off x="5704208" y="2550521"/>
+            <a:ext cx="80366" cy="3263871"/>
+          </a:xfrm>
+          <a:prstGeom prst="straightConnector1">
+            <a:avLst/>
+          </a:prstGeom>
+          <a:ln>
+            <a:solidFill>
+              <a:srgbClr val="FFC000"/>
+            </a:solidFill>
+            <a:tailEnd type="triangle"/>
+          </a:ln>
+        </p:spPr>
+        <p:style>
+          <a:lnRef idx="1">
+            <a:schemeClr val="accent1"/>
+          </a:lnRef>
+          <a:fillRef idx="0">
+            <a:schemeClr val="accent1"/>
+          </a:fillRef>
+          <a:effectRef idx="0">
+            <a:schemeClr val="accent1"/>
+          </a:effectRef>
+          <a:fontRef idx="minor">
+            <a:schemeClr val="tx1"/>
+          </a:fontRef>
+        </p:style>
+      </p:cxnSp>
+    </p:spTree>
+    <p:extLst>
+      <p:ext uri="{BB962C8B-B14F-4D97-AF65-F5344CB8AC3E}">
+        <p14:creationId xmlns:p14="http://schemas.microsoft.com/office/powerpoint/2010/main" val="2075769054"/>
+      </p:ext>
+    </p:extLst>
+  </p:cSld>
+  <p:clrMapOvr>
+    <a:masterClrMapping/>
+  </p:clrMapOvr>
+</p:sld>
+</file>
+
+<file path=ppt/slides/slide5.xml><?xml version="1.0" encoding="utf-8"?>
+<p:sld xmlns:a="http://schemas.openxmlformats.org/drawingml/2006/main" xmlns:r="http://schemas.openxmlformats.org/officeDocument/2006/relationships" xmlns:p="http://schemas.openxmlformats.org/presentationml/2006/main">
+  <p:cSld>
+    <p:spTree>
+      <p:nvGrpSpPr>
+        <p:cNvPr id="1" name=""/>
+        <p:cNvGrpSpPr/>
+        <p:nvPr/>
+      </p:nvGrpSpPr>
+      <p:grpSpPr>
+        <a:xfrm>
+          <a:off x="0" y="0"/>
+          <a:ext cx="0" cy="0"/>
+          <a:chOff x="0" y="0"/>
+          <a:chExt cx="0" cy="0"/>
+        </a:xfrm>
+      </p:grpSpPr>
+      <p:sp>
+        <p:nvSpPr>
+          <p:cNvPr id="2" name="Title 1">
+            <a:extLst>
+              <a:ext uri="{FF2B5EF4-FFF2-40B4-BE49-F238E27FC236}">
+                <a16:creationId xmlns:a16="http://schemas.microsoft.com/office/drawing/2014/main" id="{DC439171-862D-1D4C-9068-192CDE506442}"/>
+              </a:ext>
+            </a:extLst>
+          </p:cNvPr>
+          <p:cNvSpPr>
+            <a:spLocks noGrp="1"/>
+          </p:cNvSpPr>
+          <p:nvPr>
+            <p:ph type="title"/>
+          </p:nvPr>
+        </p:nvSpPr>
+        <p:spPr/>
+        <p:txBody>
+          <a:bodyPr/>
+          <a:lstStyle/>
+          <a:p>
+            <a:r>
+              <a:rPr lang="en-US" dirty="0"/>
+              <a:t>Flexbox properties – container properties</a:t>
+            </a:r>
+          </a:p>
+        </p:txBody>
+      </p:sp>
+      <p:sp>
+        <p:nvSpPr>
+          <p:cNvPr id="3" name="Content Placeholder 2">
+            <a:extLst>
+              <a:ext uri="{FF2B5EF4-FFF2-40B4-BE49-F238E27FC236}">
+                <a16:creationId xmlns:a16="http://schemas.microsoft.com/office/drawing/2014/main" id="{05657ABC-DA12-9346-AD00-D3C68C9F5482}"/>
+              </a:ext>
+            </a:extLst>
+          </p:cNvPr>
+          <p:cNvSpPr>
+            <a:spLocks noGrp="1"/>
+          </p:cNvSpPr>
+          <p:nvPr>
+            <p:ph idx="1"/>
+          </p:nvPr>
+        </p:nvSpPr>
+        <p:spPr/>
+        <p:txBody>
+          <a:bodyPr>
+            <a:normAutofit fontScale="85000" lnSpcReduction="10000"/>
+          </a:bodyPr>
+          <a:lstStyle/>
+          <a:p>
+            <a:r>
+              <a:rPr lang="en-US" dirty="0">
+                <a:solidFill>
+                  <a:schemeClr val="accent2"/>
+                </a:solidFill>
+              </a:rPr>
+              <a:t>flex-direction</a:t>
+            </a:r>
+            <a:r>
+              <a:rPr lang="en-US" dirty="0"/>
+              <a:t>: row </a:t>
+            </a:r>
+            <a:r>
+              <a:rPr lang="en-US" dirty="0">
+                <a:solidFill>
+                  <a:schemeClr val="bg1">
+                    <a:lumMod val="50000"/>
+                  </a:schemeClr>
+                </a:solidFill>
+              </a:rPr>
+              <a:t>| row-reverse | column | column-reverse</a:t>
+            </a:r>
+            <a:br>
+              <a:rPr lang="en-US" dirty="0"/>
+            </a:br>
+            <a:r>
+              <a:rPr lang="en-US" dirty="0"/>
+              <a:t>specifies in which direction the main axis goes</a:t>
+            </a:r>
+            <a:br>
+              <a:rPr lang="en-US" dirty="0"/>
+            </a:br>
+            <a:endParaRPr lang="en-US" dirty="0"/>
+          </a:p>
+          <a:p>
+            <a:r>
+              <a:rPr lang="en-US" dirty="0">
+                <a:solidFill>
+                  <a:schemeClr val="accent2"/>
+                </a:solidFill>
+              </a:rPr>
+              <a:t>flex-wrap</a:t>
+            </a:r>
+            <a:r>
+              <a:rPr lang="en-US" dirty="0"/>
+              <a:t>: </a:t>
+            </a:r>
+            <a:r>
+              <a:rPr lang="en-US" dirty="0" err="1"/>
+              <a:t>nowrap</a:t>
+            </a:r>
+            <a:r>
+              <a:rPr lang="en-US" dirty="0"/>
+              <a:t> </a:t>
+            </a:r>
+            <a:r>
+              <a:rPr lang="en-US" dirty="0">
+                <a:solidFill>
+                  <a:schemeClr val="bg1">
+                    <a:lumMod val="50000"/>
+                  </a:schemeClr>
+                </a:solidFill>
+              </a:rPr>
+              <a:t>| wrap | wrap-reverse</a:t>
+            </a:r>
+            <a:br>
+              <a:rPr lang="en-US" dirty="0"/>
+            </a:br>
+            <a:r>
+              <a:rPr lang="en-US" dirty="0"/>
+              <a:t>defines if the flex items should wrap into a new line if there’s not enough space in the flex container</a:t>
+            </a:r>
+            <a:br>
+              <a:rPr lang="en-US" dirty="0"/>
+            </a:br>
+            <a:endParaRPr lang="en-US" dirty="0"/>
+          </a:p>
+          <a:p>
+            <a:r>
+              <a:rPr lang="en-US" dirty="0">
+                <a:solidFill>
+                  <a:schemeClr val="accent2"/>
+                </a:solidFill>
+              </a:rPr>
+              <a:t>justify-content</a:t>
+            </a:r>
+            <a:r>
+              <a:rPr lang="en-US" dirty="0"/>
+              <a:t>: flex-start </a:t>
+            </a:r>
+            <a:r>
+              <a:rPr lang="en-US" dirty="0">
+                <a:solidFill>
+                  <a:schemeClr val="bg1">
+                    <a:lumMod val="50000"/>
+                  </a:schemeClr>
+                </a:solidFill>
+              </a:rPr>
+              <a:t>| flex-end | center | space-between | space-around | space-evenly</a:t>
+            </a:r>
+            <a:br>
+              <a:rPr lang="en-US" dirty="0">
+                <a:solidFill>
+                  <a:schemeClr val="bg1">
+                    <a:lumMod val="50000"/>
+                  </a:schemeClr>
+                </a:solidFill>
+              </a:rPr>
+            </a:br>
+            <a:r>
+              <a:rPr lang="en-US" dirty="0"/>
+              <a:t>defines how the flex items will be aligned along the MAIN axis</a:t>
+            </a:r>
+            <a:br>
+              <a:rPr lang="en-US" dirty="0"/>
+            </a:br>
+            <a:endParaRPr lang="en-US" dirty="0"/>
+          </a:p>
+          <a:p>
+            <a:r>
+              <a:rPr lang="en-US" dirty="0">
+                <a:solidFill>
+                  <a:schemeClr val="accent2"/>
+                </a:solidFill>
+              </a:rPr>
+              <a:t>align-items</a:t>
+            </a:r>
+            <a:r>
+              <a:rPr lang="en-US" dirty="0"/>
+              <a:t>: stretch </a:t>
+            </a:r>
+            <a:r>
+              <a:rPr lang="en-US" dirty="0">
+                <a:solidFill>
+                  <a:schemeClr val="bg1">
+                    <a:lumMod val="50000"/>
+                  </a:schemeClr>
+                </a:solidFill>
+              </a:rPr>
+              <a:t>| flex-start | flex-end | center | baseline</a:t>
+            </a:r>
+            <a:br>
+              <a:rPr lang="en-US" dirty="0">
+                <a:solidFill>
+                  <a:schemeClr val="bg1">
+                    <a:lumMod val="50000"/>
+                  </a:schemeClr>
+                </a:solidFill>
+              </a:rPr>
+            </a:br>
+            <a:r>
+              <a:rPr lang="en-US" dirty="0"/>
+              <a:t>defines how the flex items will be aligned along the CROSS axis</a:t>
+            </a:r>
+            <a:br>
+              <a:rPr lang="en-US" dirty="0"/>
+            </a:br>
+            <a:endParaRPr lang="en-US" dirty="0"/>
+          </a:p>
+          <a:p>
+            <a:r>
+              <a:rPr lang="en-US" dirty="0">
+                <a:solidFill>
+                  <a:schemeClr val="accent2"/>
+                </a:solidFill>
+              </a:rPr>
+              <a:t>align-content</a:t>
+            </a:r>
+            <a:r>
+              <a:rPr lang="en-US" dirty="0"/>
+              <a:t>: stretch </a:t>
+            </a:r>
+            <a:r>
+              <a:rPr lang="en-US" dirty="0">
+                <a:solidFill>
+                  <a:schemeClr val="bg1">
+                    <a:lumMod val="50000"/>
+                  </a:schemeClr>
+                </a:solidFill>
+              </a:rPr>
+              <a:t>| flex-start | flex-end | center | space-around | space-between</a:t>
+            </a:r>
+            <a:br>
+              <a:rPr lang="en-US" dirty="0"/>
+            </a:br>
+            <a:r>
+              <a:rPr lang="en-US" dirty="0"/>
+              <a:t>only applies when there is more than one row (or if flex-direction=column, columns) of flex items; controls how the rows/columns are aligned along the CROSS axis</a:t>
+            </a:r>
+          </a:p>
+        </p:txBody>
+      </p:sp>
+      <p:sp>
+        <p:nvSpPr>
+          <p:cNvPr id="4" name="TextBox 3">
+            <a:extLst>
+              <a:ext uri="{FF2B5EF4-FFF2-40B4-BE49-F238E27FC236}">
+                <a16:creationId xmlns:a16="http://schemas.microsoft.com/office/drawing/2014/main" id="{23E8E033-8197-9145-B4A4-9A60EC9A7E0F}"/>
+              </a:ext>
+            </a:extLst>
+          </p:cNvPr>
+          <p:cNvSpPr txBox="1"/>
+          <p:nvPr/>
+        </p:nvSpPr>
+        <p:spPr>
+          <a:xfrm>
+            <a:off x="9538023" y="2649311"/>
+            <a:ext cx="2097156" cy="923330"/>
+          </a:xfrm>
+          <a:prstGeom prst="rect">
+            <a:avLst/>
+          </a:prstGeom>
+          <a:noFill/>
+        </p:spPr>
+        <p:txBody>
+          <a:bodyPr wrap="square" rtlCol="0">
+            <a:spAutoFit/>
+          </a:bodyPr>
+          <a:lstStyle/>
+          <a:p>
+            <a:r>
+              <a:rPr lang="en-US" dirty="0"/>
+              <a:t>space is evenly distributed between flex items</a:t>
+            </a:r>
+          </a:p>
+        </p:txBody>
+      </p:sp>
+      <p:cxnSp>
+        <p:nvCxnSpPr>
+          <p:cNvPr id="6" name="Straight Arrow Connector 5">
+            <a:extLst>
+              <a:ext uri="{FF2B5EF4-FFF2-40B4-BE49-F238E27FC236}">
+                <a16:creationId xmlns:a16="http://schemas.microsoft.com/office/drawing/2014/main" id="{11DC654C-58CB-F340-8D01-60173A5403EA}"/>
+              </a:ext>
+            </a:extLst>
+          </p:cNvPr>
+          <p:cNvCxnSpPr>
+            <a:cxnSpLocks/>
+          </p:cNvCxnSpPr>
+          <p:nvPr/>
+        </p:nvCxnSpPr>
+        <p:spPr>
+          <a:xfrm flipH="1">
+            <a:off x="5396949" y="3250096"/>
+            <a:ext cx="4177870" cy="467139"/>
+          </a:xfrm>
+          <a:prstGeom prst="straightConnector1">
+            <a:avLst/>
+          </a:prstGeom>
+          <a:ln>
+            <a:solidFill>
+              <a:srgbClr val="FFC000"/>
+            </a:solidFill>
+            <a:tailEnd type="triangle"/>
+          </a:ln>
+        </p:spPr>
+        <p:style>
+          <a:lnRef idx="1">
+            <a:schemeClr val="accent1"/>
+          </a:lnRef>
+          <a:fillRef idx="0">
+            <a:schemeClr val="accent1"/>
+          </a:fillRef>
+          <a:effectRef idx="0">
+            <a:schemeClr val="accent1"/>
+          </a:effectRef>
+          <a:fontRef idx="minor">
+            <a:schemeClr val="tx1"/>
+          </a:fontRef>
+        </p:style>
+      </p:cxnSp>
+      <p:sp>
+        <p:nvSpPr>
+          <p:cNvPr id="8" name="TextBox 7">
+            <a:extLst>
+              <a:ext uri="{FF2B5EF4-FFF2-40B4-BE49-F238E27FC236}">
+                <a16:creationId xmlns:a16="http://schemas.microsoft.com/office/drawing/2014/main" id="{6DA3DB7E-4FE9-B840-9740-B3315ABE750C}"/>
+              </a:ext>
+            </a:extLst>
+          </p:cNvPr>
+          <p:cNvSpPr txBox="1"/>
+          <p:nvPr/>
+        </p:nvSpPr>
+        <p:spPr>
+          <a:xfrm>
+            <a:off x="9538023" y="3776928"/>
+            <a:ext cx="2186609" cy="646331"/>
+          </a:xfrm>
+          <a:prstGeom prst="rect">
+            <a:avLst/>
+          </a:prstGeom>
+          <a:noFill/>
+        </p:spPr>
+        <p:txBody>
+          <a:bodyPr wrap="square" rtlCol="0">
+            <a:spAutoFit/>
+          </a:bodyPr>
+          <a:lstStyle/>
+          <a:p>
+            <a:r>
+              <a:rPr lang="en-US" dirty="0"/>
+              <a:t>space on both left and right of items</a:t>
+            </a:r>
+          </a:p>
+        </p:txBody>
+      </p:sp>
+      <p:cxnSp>
+        <p:nvCxnSpPr>
+          <p:cNvPr id="10" name="Straight Arrow Connector 9">
+            <a:extLst>
+              <a:ext uri="{FF2B5EF4-FFF2-40B4-BE49-F238E27FC236}">
+                <a16:creationId xmlns:a16="http://schemas.microsoft.com/office/drawing/2014/main" id="{8F7E6099-E0B1-FC4A-BAFF-6E16A087D17C}"/>
+              </a:ext>
+            </a:extLst>
+          </p:cNvPr>
+          <p:cNvCxnSpPr>
+            <a:cxnSpLocks/>
+          </p:cNvCxnSpPr>
+          <p:nvPr/>
+        </p:nvCxnSpPr>
+        <p:spPr>
+          <a:xfrm flipH="1" flipV="1">
+            <a:off x="6361044" y="3906079"/>
+            <a:ext cx="3152607" cy="245733"/>
+          </a:xfrm>
+          <a:prstGeom prst="straightConnector1">
+            <a:avLst/>
+          </a:prstGeom>
+          <a:ln>
+            <a:solidFill>
+              <a:srgbClr val="FFC000"/>
+            </a:solidFill>
+            <a:tailEnd type="triangle"/>
+          </a:ln>
+        </p:spPr>
+        <p:style>
+          <a:lnRef idx="1">
+            <a:schemeClr val="accent1"/>
+          </a:lnRef>
+          <a:fillRef idx="0">
+            <a:schemeClr val="accent1"/>
+          </a:fillRef>
+          <a:effectRef idx="0">
+            <a:schemeClr val="accent1"/>
+          </a:effectRef>
+          <a:fontRef idx="minor">
+            <a:schemeClr val="tx1"/>
+          </a:fontRef>
+        </p:style>
+      </p:cxnSp>
+      <p:sp>
+        <p:nvSpPr>
+          <p:cNvPr id="11" name="TextBox 10">
+            <a:extLst>
+              <a:ext uri="{FF2B5EF4-FFF2-40B4-BE49-F238E27FC236}">
+                <a16:creationId xmlns:a16="http://schemas.microsoft.com/office/drawing/2014/main" id="{D9A6C7A3-1E67-A944-B517-52D21B8E27F4}"/>
+              </a:ext>
+            </a:extLst>
+          </p:cNvPr>
+          <p:cNvSpPr txBox="1"/>
+          <p:nvPr/>
+        </p:nvSpPr>
+        <p:spPr>
+          <a:xfrm>
+            <a:off x="9517668" y="4682140"/>
+            <a:ext cx="2285048" cy="646331"/>
+          </a:xfrm>
+          <a:prstGeom prst="rect">
+            <a:avLst/>
+          </a:prstGeom>
+          <a:noFill/>
+        </p:spPr>
+        <p:txBody>
+          <a:bodyPr wrap="square" rtlCol="0">
+            <a:spAutoFit/>
+          </a:bodyPr>
+          <a:lstStyle/>
+          <a:p>
+            <a:r>
+              <a:rPr lang="en-US" dirty="0"/>
+              <a:t>aligns the text of all items vertically</a:t>
+            </a:r>
+          </a:p>
+        </p:txBody>
+      </p:sp>
+      <p:cxnSp>
+        <p:nvCxnSpPr>
+          <p:cNvPr id="16" name="Straight Arrow Connector 15">
+            <a:extLst>
+              <a:ext uri="{FF2B5EF4-FFF2-40B4-BE49-F238E27FC236}">
+                <a16:creationId xmlns:a16="http://schemas.microsoft.com/office/drawing/2014/main" id="{6562634B-CEAA-4E46-82C6-AA6EDE2D82D7}"/>
+              </a:ext>
+            </a:extLst>
+          </p:cNvPr>
+          <p:cNvCxnSpPr/>
+          <p:nvPr/>
+        </p:nvCxnSpPr>
+        <p:spPr>
+          <a:xfrm flipH="1" flipV="1">
+            <a:off x="5492667" y="4572000"/>
+            <a:ext cx="4116702" cy="433305"/>
+          </a:xfrm>
+          <a:prstGeom prst="straightConnector1">
+            <a:avLst/>
+          </a:prstGeom>
+          <a:ln>
+            <a:solidFill>
+              <a:srgbClr val="FFC000"/>
+            </a:solidFill>
+            <a:tailEnd type="triangle"/>
+          </a:ln>
+        </p:spPr>
+        <p:style>
+          <a:lnRef idx="1">
+            <a:schemeClr val="accent1"/>
+          </a:lnRef>
+          <a:fillRef idx="0">
+            <a:schemeClr val="accent1"/>
+          </a:fillRef>
+          <a:effectRef idx="0">
+            <a:schemeClr val="accent1"/>
+          </a:effectRef>
+          <a:fontRef idx="minor">
+            <a:schemeClr val="tx1"/>
+          </a:fontRef>
+        </p:style>
+      </p:cxnSp>
+    </p:spTree>
+    <p:extLst>
+      <p:ext uri="{BB962C8B-B14F-4D97-AF65-F5344CB8AC3E}">
+        <p14:creationId xmlns:p14="http://schemas.microsoft.com/office/powerpoint/2010/main" val="4154496707"/>
+      </p:ext>
+    </p:extLst>
+  </p:cSld>
+  <p:clrMapOvr>
+    <a:masterClrMapping/>
+  </p:clrMapOvr>
+</p:sld>
+</file>
+
+<file path=ppt/slides/slide6.xml><?xml version="1.0" encoding="utf-8"?>
+<p:sld xmlns:a="http://schemas.openxmlformats.org/drawingml/2006/main" xmlns:r="http://schemas.openxmlformats.org/officeDocument/2006/relationships" xmlns:p="http://schemas.openxmlformats.org/presentationml/2006/main">
+  <p:cSld>
+    <p:spTree>
+      <p:nvGrpSpPr>
+        <p:cNvPr id="1" name=""/>
+        <p:cNvGrpSpPr/>
+        <p:nvPr/>
+      </p:nvGrpSpPr>
+      <p:grpSpPr>
+        <a:xfrm>
+          <a:off x="0" y="0"/>
+          <a:ext cx="0" cy="0"/>
+          <a:chOff x="0" y="0"/>
+          <a:chExt cx="0" cy="0"/>
+        </a:xfrm>
+      </p:grpSpPr>
+      <p:sp>
+        <p:nvSpPr>
+          <p:cNvPr id="2" name="Title 1">
+            <a:extLst>
+              <a:ext uri="{FF2B5EF4-FFF2-40B4-BE49-F238E27FC236}">
+                <a16:creationId xmlns:a16="http://schemas.microsoft.com/office/drawing/2014/main" id="{21870C7D-760E-7543-857B-D1EBAE790979}"/>
+              </a:ext>
+            </a:extLst>
+          </p:cNvPr>
+          <p:cNvSpPr>
+            <a:spLocks noGrp="1"/>
+          </p:cNvSpPr>
+          <p:nvPr>
+            <p:ph type="title"/>
+          </p:nvPr>
+        </p:nvSpPr>
+        <p:spPr/>
+        <p:txBody>
+          <a:bodyPr/>
+          <a:lstStyle/>
+          <a:p>
+            <a:r>
+              <a:rPr lang="en-US" dirty="0"/>
+              <a:t>Flexbox properties – item properties</a:t>
+            </a:r>
+          </a:p>
+        </p:txBody>
+      </p:sp>
+      <p:sp>
+        <p:nvSpPr>
+          <p:cNvPr id="3" name="Content Placeholder 2">
+            <a:extLst>
+              <a:ext uri="{FF2B5EF4-FFF2-40B4-BE49-F238E27FC236}">
+                <a16:creationId xmlns:a16="http://schemas.microsoft.com/office/drawing/2014/main" id="{A3576A3E-1103-F748-A280-D8220603B5E4}"/>
+              </a:ext>
+            </a:extLst>
+          </p:cNvPr>
+          <p:cNvSpPr>
+            <a:spLocks noGrp="1"/>
+          </p:cNvSpPr>
+          <p:nvPr>
+            <p:ph idx="1"/>
+          </p:nvPr>
+        </p:nvSpPr>
+        <p:spPr/>
+        <p:txBody>
+          <a:bodyPr>
+            <a:normAutofit fontScale="85000" lnSpcReduction="10000"/>
+          </a:bodyPr>
+          <a:lstStyle/>
+          <a:p>
+            <a:r>
+              <a:rPr lang="en-US" dirty="0">
+                <a:solidFill>
+                  <a:schemeClr val="accent2"/>
+                </a:solidFill>
+              </a:rPr>
+              <a:t>align-self</a:t>
+            </a:r>
+            <a:r>
+              <a:rPr lang="en-US" dirty="0"/>
+              <a:t>: auto | stretch | flex-start | flex-end | center | baseline</a:t>
+            </a:r>
+            <a:br>
+              <a:rPr lang="en-US" dirty="0"/>
+            </a:br>
+            <a:r>
+              <a:rPr lang="en-US" dirty="0"/>
+              <a:t>similar to align-items but for one individual flex item</a:t>
+            </a:r>
+            <a:br>
+              <a:rPr lang="en-US" dirty="0"/>
+            </a:br>
+            <a:endParaRPr lang="en-US" dirty="0"/>
+          </a:p>
+          <a:p>
+            <a:r>
+              <a:rPr lang="en-US" dirty="0">
+                <a:solidFill>
+                  <a:schemeClr val="accent2"/>
+                </a:solidFill>
+              </a:rPr>
+              <a:t>order</a:t>
+            </a:r>
+            <a:r>
+              <a:rPr lang="en-US" dirty="0"/>
+              <a:t>: 0 </a:t>
+            </a:r>
+            <a:r>
+              <a:rPr lang="en-US" dirty="0">
+                <a:solidFill>
+                  <a:schemeClr val="bg1">
+                    <a:lumMod val="50000"/>
+                  </a:schemeClr>
+                </a:solidFill>
+              </a:rPr>
+              <a:t>| &lt;integer&gt;</a:t>
+            </a:r>
+            <a:br>
+              <a:rPr lang="en-US" dirty="0">
+                <a:solidFill>
+                  <a:schemeClr val="bg1">
+                    <a:lumMod val="50000"/>
+                  </a:schemeClr>
+                </a:solidFill>
+              </a:rPr>
+            </a:br>
+            <a:r>
+              <a:rPr lang="en-US" dirty="0"/>
+              <a:t>defines the order in which one specific flex item should appear inside the container =&gt; helpful to re-order items e.g. for smaller screens</a:t>
+            </a:r>
+            <a:br>
+              <a:rPr lang="en-US" dirty="0"/>
+            </a:br>
+            <a:endParaRPr lang="en-US" dirty="0"/>
+          </a:p>
+          <a:p>
+            <a:r>
+              <a:rPr lang="en-US" dirty="0">
+                <a:solidFill>
+                  <a:schemeClr val="accent2"/>
+                </a:solidFill>
+              </a:rPr>
+              <a:t>flex-grow</a:t>
+            </a:r>
+            <a:r>
+              <a:rPr lang="en-US" dirty="0"/>
+              <a:t>: 0 </a:t>
+            </a:r>
+            <a:r>
+              <a:rPr lang="en-US" dirty="0">
+                <a:solidFill>
+                  <a:schemeClr val="bg1">
+                    <a:lumMod val="50000"/>
+                  </a:schemeClr>
+                </a:solidFill>
+              </a:rPr>
+              <a:t>| &lt;integer&gt;</a:t>
+            </a:r>
+            <a:br>
+              <a:rPr lang="en-US" dirty="0"/>
+            </a:br>
+            <a:r>
+              <a:rPr lang="en-US" dirty="0"/>
+              <a:t>defines how much an item can grow</a:t>
+            </a:r>
+            <a:br>
+              <a:rPr lang="en-US" dirty="0"/>
+            </a:br>
+            <a:endParaRPr lang="en-US" dirty="0"/>
+          </a:p>
+          <a:p>
+            <a:r>
+              <a:rPr lang="en-US" dirty="0">
+                <a:solidFill>
+                  <a:schemeClr val="accent2"/>
+                </a:solidFill>
+              </a:rPr>
+              <a:t>flex-shrink</a:t>
+            </a:r>
+            <a:r>
+              <a:rPr lang="en-US" dirty="0"/>
+              <a:t>: 1 </a:t>
+            </a:r>
+            <a:r>
+              <a:rPr lang="en-US" dirty="0">
+                <a:solidFill>
+                  <a:schemeClr val="bg1">
+                    <a:lumMod val="50000"/>
+                  </a:schemeClr>
+                </a:solidFill>
+              </a:rPr>
+              <a:t>| &lt;integer&gt;</a:t>
+            </a:r>
+            <a:br>
+              <a:rPr lang="en-US" dirty="0">
+                <a:solidFill>
+                  <a:schemeClr val="bg1">
+                    <a:lumMod val="50000"/>
+                  </a:schemeClr>
+                </a:solidFill>
+              </a:rPr>
+            </a:br>
+            <a:r>
+              <a:rPr lang="en-US" dirty="0"/>
+              <a:t>defines how much an item can shrink (0 = can’t shrink)</a:t>
+            </a:r>
+            <a:br>
+              <a:rPr lang="en-US" dirty="0"/>
+            </a:br>
+            <a:endParaRPr lang="en-US" dirty="0"/>
+          </a:p>
+          <a:p>
+            <a:r>
+              <a:rPr lang="en-US" dirty="0">
+                <a:solidFill>
+                  <a:schemeClr val="accent2"/>
+                </a:solidFill>
+              </a:rPr>
+              <a:t>flex-basis</a:t>
+            </a:r>
+            <a:r>
+              <a:rPr lang="en-US" dirty="0"/>
+              <a:t>: auto </a:t>
+            </a:r>
+            <a:r>
+              <a:rPr lang="en-US" dirty="0">
+                <a:solidFill>
+                  <a:schemeClr val="bg1">
+                    <a:lumMod val="50000"/>
+                  </a:schemeClr>
+                </a:solidFill>
+              </a:rPr>
+              <a:t>| &lt;length&gt;</a:t>
+            </a:r>
+            <a:br>
+              <a:rPr lang="en-US" dirty="0">
+                <a:solidFill>
+                  <a:schemeClr val="bg1">
+                    <a:lumMod val="50000"/>
+                  </a:schemeClr>
+                </a:solidFill>
+              </a:rPr>
+            </a:br>
+            <a:r>
+              <a:rPr lang="en-US" dirty="0"/>
+              <a:t>defines an item’s base width</a:t>
+            </a:r>
+          </a:p>
+        </p:txBody>
+      </p:sp>
+      <p:sp>
+        <p:nvSpPr>
+          <p:cNvPr id="4" name="Right Brace 3">
+            <a:extLst>
+              <a:ext uri="{FF2B5EF4-FFF2-40B4-BE49-F238E27FC236}">
+                <a16:creationId xmlns:a16="http://schemas.microsoft.com/office/drawing/2014/main" id="{3974BCD5-160B-7F4C-B5CD-E1E0CE5D8354}"/>
+              </a:ext>
+            </a:extLst>
+          </p:cNvPr>
+          <p:cNvSpPr/>
+          <p:nvPr/>
+        </p:nvSpPr>
+        <p:spPr>
+          <a:xfrm>
+            <a:off x="5098774" y="3796748"/>
+            <a:ext cx="874643" cy="1928191"/>
+          </a:xfrm>
+          <a:prstGeom prst="rightBrace">
+            <a:avLst/>
+          </a:prstGeom>
+          <a:ln>
+            <a:solidFill>
+              <a:schemeClr val="accent2"/>
+            </a:solidFill>
+          </a:ln>
+        </p:spPr>
+        <p:style>
+          <a:lnRef idx="1">
+            <a:schemeClr val="accent1"/>
+          </a:lnRef>
+          <a:fillRef idx="0">
+            <a:schemeClr val="accent1"/>
+          </a:fillRef>
+          <a:effectRef idx="0">
+            <a:schemeClr val="accent1"/>
+          </a:effectRef>
+          <a:fontRef idx="minor">
+            <a:schemeClr val="tx1"/>
+          </a:fontRef>
+        </p:style>
+        <p:txBody>
+          <a:bodyPr rtlCol="0" anchor="ctr"/>
+          <a:lstStyle/>
+          <a:p>
+            <a:pPr algn="ctr"/>
+            <a:endParaRPr lang="en-US"/>
+          </a:p>
+        </p:txBody>
+      </p:sp>
+      <p:sp>
+        <p:nvSpPr>
+          <p:cNvPr id="5" name="TextBox 4">
+            <a:extLst>
+              <a:ext uri="{FF2B5EF4-FFF2-40B4-BE49-F238E27FC236}">
+                <a16:creationId xmlns:a16="http://schemas.microsoft.com/office/drawing/2014/main" id="{52F4BBB4-17AA-614A-9E3E-9C7FB6B3EC7B}"/>
+              </a:ext>
+            </a:extLst>
+          </p:cNvPr>
+          <p:cNvSpPr txBox="1"/>
+          <p:nvPr/>
+        </p:nvSpPr>
+        <p:spPr>
+          <a:xfrm>
+            <a:off x="7822096" y="4437677"/>
+            <a:ext cx="3458817" cy="646331"/>
+          </a:xfrm>
+          <a:prstGeom prst="rect">
+            <a:avLst/>
+          </a:prstGeom>
+          <a:noFill/>
+        </p:spPr>
+        <p:txBody>
+          <a:bodyPr wrap="square" rtlCol="0">
+            <a:spAutoFit/>
+          </a:bodyPr>
+          <a:lstStyle/>
+          <a:p>
+            <a:r>
+              <a:rPr lang="en-US" dirty="0"/>
+              <a:t>shortened to </a:t>
+            </a:r>
+            <a:r>
+              <a:rPr lang="en-US" dirty="0">
+                <a:solidFill>
+                  <a:schemeClr val="accent2"/>
+                </a:solidFill>
+              </a:rPr>
+              <a:t>flex</a:t>
+            </a:r>
+            <a:br>
+              <a:rPr lang="en-US" dirty="0"/>
+            </a:br>
+            <a:r>
+              <a:rPr lang="en-US" dirty="0"/>
+              <a:t>e.g. </a:t>
+            </a:r>
+            <a:r>
+              <a:rPr lang="en-US" dirty="0">
+                <a:solidFill>
+                  <a:schemeClr val="accent2"/>
+                </a:solidFill>
+              </a:rPr>
+              <a:t>flex</a:t>
+            </a:r>
+            <a:r>
+              <a:rPr lang="en-US" dirty="0"/>
+              <a:t>: 0 1 auto</a:t>
+            </a:r>
+          </a:p>
+        </p:txBody>
+      </p:sp>
+    </p:spTree>
+    <p:extLst>
+      <p:ext uri="{BB962C8B-B14F-4D97-AF65-F5344CB8AC3E}">
+        <p14:creationId xmlns:p14="http://schemas.microsoft.com/office/powerpoint/2010/main" val="647612536"/>
+      </p:ext>
+    </p:extLst>
+  </p:cSld>
+  <p:clrMapOvr>
+    <a:masterClrMapping/>
+  </p:clrMapOvr>
+</p:sld>
+</file>
+
+<file path=ppt/slides/slide7.xml><?xml version="1.0" encoding="utf-8"?>
+<p:sld xmlns:a="http://schemas.openxmlformats.org/drawingml/2006/main" xmlns:r="http://schemas.openxmlformats.org/officeDocument/2006/relationships" xmlns:p="http://schemas.openxmlformats.org/presentationml/2006/main">
+  <p:cSld>
+    <p:spTree>
+      <p:nvGrpSpPr>
+        <p:cNvPr id="1" name=""/>
+        <p:cNvGrpSpPr/>
+        <p:nvPr/>
+      </p:nvGrpSpPr>
+      <p:grpSpPr>
+        <a:xfrm>
+          <a:off x="0" y="0"/>
+          <a:ext cx="0" cy="0"/>
+          <a:chOff x="0" y="0"/>
+          <a:chExt cx="0" cy="0"/>
+        </a:xfrm>
+      </p:grpSpPr>
+      <p:sp>
+        <p:nvSpPr>
+          <p:cNvPr id="2" name="Title 1">
+            <a:extLst>
+              <a:ext uri="{FF2B5EF4-FFF2-40B4-BE49-F238E27FC236}">
+                <a16:creationId xmlns:a16="http://schemas.microsoft.com/office/drawing/2014/main" id="{386AA8E3-444F-B144-AC31-9655556A864C}"/>
+              </a:ext>
+            </a:extLst>
+          </p:cNvPr>
+          <p:cNvSpPr>
+            <a:spLocks noGrp="1"/>
+          </p:cNvSpPr>
+          <p:nvPr>
+            <p:ph type="title"/>
+          </p:nvPr>
+        </p:nvSpPr>
+        <p:spPr/>
+        <p:txBody>
+          <a:bodyPr/>
+          <a:lstStyle/>
+          <a:p>
+            <a:r>
+              <a:rPr lang="en-US" dirty="0"/>
+              <a:t>Example code for playing with in </a:t>
+            </a:r>
+            <a:r>
+              <a:rPr lang="en-US" dirty="0" err="1"/>
+              <a:t>codepen</a:t>
+            </a:r>
+            <a:r>
+              <a:rPr lang="en-US" dirty="0"/>
+              <a:t> - html</a:t>
+            </a:r>
+          </a:p>
+        </p:txBody>
+      </p:sp>
+      <p:sp>
+        <p:nvSpPr>
+          <p:cNvPr id="3" name="Content Placeholder 2">
+            <a:extLst>
+              <a:ext uri="{FF2B5EF4-FFF2-40B4-BE49-F238E27FC236}">
+                <a16:creationId xmlns:a16="http://schemas.microsoft.com/office/drawing/2014/main" id="{68B408C5-344B-8E4B-AA6D-F77D632B3A1D}"/>
+              </a:ext>
+            </a:extLst>
+          </p:cNvPr>
+          <p:cNvSpPr>
+            <a:spLocks noGrp="1"/>
+          </p:cNvSpPr>
+          <p:nvPr>
+            <p:ph idx="1"/>
+          </p:nvPr>
+        </p:nvSpPr>
+        <p:spPr/>
+        <p:txBody>
+          <a:bodyPr>
+            <a:normAutofit fontScale="85000" lnSpcReduction="20000"/>
+          </a:bodyPr>
+          <a:lstStyle/>
+          <a:p>
+            <a:pPr marL="0" indent="0">
+              <a:buNone/>
+            </a:pPr>
+            <a:r>
+              <a:rPr lang="en-GB" dirty="0">
+                <a:latin typeface="Courier New" panose="02070309020205020404" pitchFamily="49" charset="0"/>
+                <a:cs typeface="Courier New" panose="02070309020205020404" pitchFamily="49" charset="0"/>
+              </a:rPr>
+              <a:t>&lt;div class="container"&gt;</a:t>
+            </a:r>
+          </a:p>
+          <a:p>
+            <a:pPr marL="0" indent="0">
+              <a:buNone/>
+            </a:pPr>
+            <a:r>
+              <a:rPr lang="en-GB" dirty="0">
+                <a:latin typeface="Courier New" panose="02070309020205020404" pitchFamily="49" charset="0"/>
+                <a:cs typeface="Courier New" panose="02070309020205020404" pitchFamily="49" charset="0"/>
+              </a:rPr>
+              <a:t>  &lt;div class="item"&gt;1&lt;/div&gt;</a:t>
+            </a:r>
+          </a:p>
+          <a:p>
+            <a:pPr marL="0" indent="0">
+              <a:buNone/>
+            </a:pPr>
+            <a:r>
+              <a:rPr lang="en-GB" dirty="0">
+                <a:latin typeface="Courier New" panose="02070309020205020404" pitchFamily="49" charset="0"/>
+                <a:cs typeface="Courier New" panose="02070309020205020404" pitchFamily="49" charset="0"/>
+              </a:rPr>
+              <a:t>  &lt;div class="item i2"&gt;2&lt;/div&gt;</a:t>
+            </a:r>
+          </a:p>
+          <a:p>
+            <a:pPr marL="0" indent="0">
+              <a:buNone/>
+            </a:pPr>
+            <a:r>
+              <a:rPr lang="en-GB" dirty="0">
+                <a:latin typeface="Courier New" panose="02070309020205020404" pitchFamily="49" charset="0"/>
+                <a:cs typeface="Courier New" panose="02070309020205020404" pitchFamily="49" charset="0"/>
+              </a:rPr>
+              <a:t>  &lt;div class="item i3"&gt;3&lt;/div&gt;</a:t>
+            </a:r>
+          </a:p>
+          <a:p>
+            <a:pPr marL="0" indent="0">
+              <a:buNone/>
+            </a:pPr>
+            <a:r>
+              <a:rPr lang="en-GB" dirty="0">
+                <a:latin typeface="Courier New" panose="02070309020205020404" pitchFamily="49" charset="0"/>
+                <a:cs typeface="Courier New" panose="02070309020205020404" pitchFamily="49" charset="0"/>
+              </a:rPr>
+              <a:t>  &lt;div class="item i4"&gt;4&lt;/div&gt;</a:t>
+            </a:r>
+          </a:p>
+          <a:p>
+            <a:pPr marL="0" indent="0">
+              <a:buNone/>
+            </a:pPr>
+            <a:r>
+              <a:rPr lang="en-GB" dirty="0">
+                <a:latin typeface="Courier New" panose="02070309020205020404" pitchFamily="49" charset="0"/>
+                <a:cs typeface="Courier New" panose="02070309020205020404" pitchFamily="49" charset="0"/>
+              </a:rPr>
+              <a:t>  &lt;div class="item"&gt;5&lt;/div&gt;</a:t>
+            </a:r>
+          </a:p>
+          <a:p>
+            <a:pPr marL="0" indent="0">
+              <a:buNone/>
+            </a:pPr>
+            <a:r>
+              <a:rPr lang="en-GB" dirty="0">
+                <a:latin typeface="Courier New" panose="02070309020205020404" pitchFamily="49" charset="0"/>
+                <a:cs typeface="Courier New" panose="02070309020205020404" pitchFamily="49" charset="0"/>
+              </a:rPr>
+              <a:t>&lt;!--   &lt;div class="item"&gt;6&lt;/div&gt;</a:t>
+            </a:r>
+          </a:p>
+          <a:p>
+            <a:pPr marL="0" indent="0">
+              <a:buNone/>
+            </a:pPr>
+            <a:r>
+              <a:rPr lang="en-GB" dirty="0">
+                <a:latin typeface="Courier New" panose="02070309020205020404" pitchFamily="49" charset="0"/>
+                <a:cs typeface="Courier New" panose="02070309020205020404" pitchFamily="49" charset="0"/>
+              </a:rPr>
+              <a:t>  &lt;div class="item"&gt;7&lt;/div&gt;</a:t>
+            </a:r>
+          </a:p>
+          <a:p>
+            <a:pPr marL="0" indent="0">
+              <a:buNone/>
+            </a:pPr>
+            <a:r>
+              <a:rPr lang="en-GB" dirty="0">
+                <a:latin typeface="Courier New" panose="02070309020205020404" pitchFamily="49" charset="0"/>
+                <a:cs typeface="Courier New" panose="02070309020205020404" pitchFamily="49" charset="0"/>
+              </a:rPr>
+              <a:t>  &lt;div class="item"&gt;8&lt;/div&gt;</a:t>
+            </a:r>
+          </a:p>
+          <a:p>
+            <a:pPr marL="0" indent="0">
+              <a:buNone/>
+            </a:pPr>
+            <a:r>
+              <a:rPr lang="en-GB" dirty="0">
+                <a:latin typeface="Courier New" panose="02070309020205020404" pitchFamily="49" charset="0"/>
+                <a:cs typeface="Courier New" panose="02070309020205020404" pitchFamily="49" charset="0"/>
+              </a:rPr>
+              <a:t>  &lt;div class="item"&gt;9&lt;/div&gt;</a:t>
+            </a:r>
+          </a:p>
+          <a:p>
+            <a:pPr marL="0" indent="0">
+              <a:buNone/>
+            </a:pPr>
+            <a:r>
+              <a:rPr lang="en-GB" dirty="0">
+                <a:latin typeface="Courier New" panose="02070309020205020404" pitchFamily="49" charset="0"/>
+                <a:cs typeface="Courier New" panose="02070309020205020404" pitchFamily="49" charset="0"/>
+              </a:rPr>
+              <a:t>  &lt;div class="item"&gt;10&lt;/div&gt;  --&gt;</a:t>
+            </a:r>
+          </a:p>
+          <a:p>
+            <a:pPr marL="0" indent="0">
+              <a:buNone/>
+            </a:pPr>
+            <a:r>
+              <a:rPr lang="en-GB" dirty="0">
+                <a:latin typeface="Courier New" panose="02070309020205020404" pitchFamily="49" charset="0"/>
+                <a:cs typeface="Courier New" panose="02070309020205020404" pitchFamily="49" charset="0"/>
+              </a:rPr>
+              <a:t>&lt;/div&gt;</a:t>
+            </a:r>
+            <a:endParaRPr lang="en-US" dirty="0">
+              <a:latin typeface="Courier New" panose="02070309020205020404" pitchFamily="49" charset="0"/>
+              <a:cs typeface="Courier New" panose="02070309020205020404" pitchFamily="49" charset="0"/>
+            </a:endParaRPr>
+          </a:p>
+        </p:txBody>
+      </p:sp>
+    </p:spTree>
+    <p:extLst>
+      <p:ext uri="{BB962C8B-B14F-4D97-AF65-F5344CB8AC3E}">
+        <p14:creationId xmlns:p14="http://schemas.microsoft.com/office/powerpoint/2010/main" val="1816576883"/>
+      </p:ext>
+    </p:extLst>
+  </p:cSld>
+  <p:clrMapOvr>
+    <a:masterClrMapping/>
+  </p:clrMapOvr>
+</p:sld>
+</file>
+
+<file path=ppt/slides/slide8.xml><?xml version="1.0" encoding="utf-8"?>
+<p:sld xmlns:a="http://schemas.openxmlformats.org/drawingml/2006/main" xmlns:r="http://schemas.openxmlformats.org/officeDocument/2006/relationships" xmlns:p="http://schemas.openxmlformats.org/presentationml/2006/main">
+  <p:cSld>
+    <p:spTree>
+      <p:nvGrpSpPr>
+        <p:cNvPr id="1" name=""/>
+        <p:cNvGrpSpPr/>
+        <p:nvPr/>
+      </p:nvGrpSpPr>
+      <p:grpSpPr>
+        <a:xfrm>
+          <a:off x="0" y="0"/>
+          <a:ext cx="0" cy="0"/>
+          <a:chOff x="0" y="0"/>
+          <a:chExt cx="0" cy="0"/>
+        </a:xfrm>
+      </p:grpSpPr>
+      <p:sp>
+        <p:nvSpPr>
+          <p:cNvPr id="2" name="Title 1">
+            <a:extLst>
+              <a:ext uri="{FF2B5EF4-FFF2-40B4-BE49-F238E27FC236}">
+                <a16:creationId xmlns:a16="http://schemas.microsoft.com/office/drawing/2014/main" id="{386AA8E3-444F-B144-AC31-9655556A864C}"/>
+              </a:ext>
+            </a:extLst>
+          </p:cNvPr>
+          <p:cNvSpPr>
+            <a:spLocks noGrp="1"/>
+          </p:cNvSpPr>
+          <p:nvPr>
+            <p:ph type="title"/>
+          </p:nvPr>
+        </p:nvSpPr>
+        <p:spPr/>
+        <p:txBody>
+          <a:bodyPr/>
+          <a:lstStyle/>
+          <a:p>
+            <a:r>
+              <a:rPr lang="en-US" dirty="0"/>
+              <a:t>Example code for playing with in </a:t>
+            </a:r>
+            <a:r>
+              <a:rPr lang="en-US" dirty="0" err="1"/>
+              <a:t>codepen</a:t>
+            </a:r>
+            <a:r>
+              <a:rPr lang="en-US" dirty="0"/>
+              <a:t> - </a:t>
+            </a:r>
+            <a:r>
+              <a:rPr lang="en-US" dirty="0" err="1"/>
+              <a:t>css</a:t>
+            </a:r>
+            <a:endParaRPr lang="en-US" dirty="0"/>
+          </a:p>
+        </p:txBody>
+      </p:sp>
+      <p:sp>
+        <p:nvSpPr>
+          <p:cNvPr id="3" name="Content Placeholder 2">
+            <a:extLst>
+              <a:ext uri="{FF2B5EF4-FFF2-40B4-BE49-F238E27FC236}">
+                <a16:creationId xmlns:a16="http://schemas.microsoft.com/office/drawing/2014/main" id="{68B408C5-344B-8E4B-AA6D-F77D632B3A1D}"/>
+              </a:ext>
+            </a:extLst>
+          </p:cNvPr>
+          <p:cNvSpPr>
+            <a:spLocks noGrp="1"/>
+          </p:cNvSpPr>
+          <p:nvPr>
+            <p:ph idx="1"/>
+          </p:nvPr>
+        </p:nvSpPr>
+        <p:spPr/>
+        <p:txBody>
+          <a:bodyPr>
+            <a:normAutofit fontScale="92500" lnSpcReduction="20000"/>
+          </a:bodyPr>
+          <a:lstStyle/>
+          <a:p>
+            <a:pPr marL="0" indent="0">
+              <a:buNone/>
+            </a:pPr>
+            <a:r>
+              <a:rPr lang="en-GB" dirty="0">
+                <a:latin typeface="Courier New" panose="02070309020205020404" pitchFamily="49" charset="0"/>
+                <a:cs typeface="Courier New" panose="02070309020205020404" pitchFamily="49" charset="0"/>
+              </a:rPr>
+              <a:t>* {</a:t>
+            </a:r>
+          </a:p>
+          <a:p>
+            <a:pPr marL="0" indent="0">
+              <a:buNone/>
+            </a:pPr>
+            <a:r>
+              <a:rPr lang="en-GB" dirty="0">
+                <a:latin typeface="Courier New" panose="02070309020205020404" pitchFamily="49" charset="0"/>
+                <a:cs typeface="Courier New" panose="02070309020205020404" pitchFamily="49" charset="0"/>
+              </a:rPr>
+              <a:t>  margin: 0;</a:t>
+            </a:r>
+          </a:p>
+          <a:p>
+            <a:pPr marL="0" indent="0">
+              <a:buNone/>
+            </a:pPr>
+            <a:r>
+              <a:rPr lang="en-GB" dirty="0">
+                <a:latin typeface="Courier New" panose="02070309020205020404" pitchFamily="49" charset="0"/>
+                <a:cs typeface="Courier New" panose="02070309020205020404" pitchFamily="49" charset="0"/>
+              </a:rPr>
+              <a:t>  padding: 0;</a:t>
+            </a:r>
+          </a:p>
+          <a:p>
+            <a:pPr marL="0" indent="0">
+              <a:buNone/>
+            </a:pPr>
+            <a:r>
+              <a:rPr lang="en-GB" dirty="0">
+                <a:latin typeface="Courier New" panose="02070309020205020404" pitchFamily="49" charset="0"/>
+                <a:cs typeface="Courier New" panose="02070309020205020404" pitchFamily="49" charset="0"/>
+              </a:rPr>
+              <a:t>  box-sizing: border-box;</a:t>
+            </a:r>
+          </a:p>
+          <a:p>
+            <a:pPr marL="0" indent="0">
+              <a:buNone/>
+            </a:pPr>
+            <a:r>
+              <a:rPr lang="en-GB" dirty="0">
+                <a:latin typeface="Courier New" panose="02070309020205020404" pitchFamily="49" charset="0"/>
+                <a:cs typeface="Courier New" panose="02070309020205020404" pitchFamily="49" charset="0"/>
+              </a:rPr>
+              <a:t>}</a:t>
+            </a:r>
+          </a:p>
+          <a:p>
+            <a:pPr marL="0" indent="0">
+              <a:buNone/>
+            </a:pPr>
+            <a:endParaRPr lang="en-GB" dirty="0">
+              <a:latin typeface="Courier New" panose="02070309020205020404" pitchFamily="49" charset="0"/>
+              <a:cs typeface="Courier New" panose="02070309020205020404" pitchFamily="49" charset="0"/>
+            </a:endParaRPr>
+          </a:p>
+          <a:p>
+            <a:pPr marL="0" indent="0">
+              <a:buNone/>
+            </a:pPr>
+            <a:r>
+              <a:rPr lang="en-GB" dirty="0">
+                <a:latin typeface="Courier New" panose="02070309020205020404" pitchFamily="49" charset="0"/>
+                <a:cs typeface="Courier New" panose="02070309020205020404" pitchFamily="49" charset="0"/>
+              </a:rPr>
+              <a:t>.container {</a:t>
+            </a:r>
+          </a:p>
+          <a:p>
+            <a:pPr marL="0" indent="0">
+              <a:buNone/>
+            </a:pPr>
+            <a:r>
+              <a:rPr lang="en-GB" dirty="0">
+                <a:latin typeface="Courier New" panose="02070309020205020404" pitchFamily="49" charset="0"/>
+                <a:cs typeface="Courier New" panose="02070309020205020404" pitchFamily="49" charset="0"/>
+              </a:rPr>
+              <a:t>  background-</a:t>
+            </a:r>
+            <a:r>
+              <a:rPr lang="en-GB" dirty="0" err="1">
+                <a:latin typeface="Courier New" panose="02070309020205020404" pitchFamily="49" charset="0"/>
+                <a:cs typeface="Courier New" panose="02070309020205020404" pitchFamily="49" charset="0"/>
+              </a:rPr>
+              <a:t>color</a:t>
+            </a:r>
+            <a:r>
+              <a:rPr lang="en-GB" dirty="0">
+                <a:latin typeface="Courier New" panose="02070309020205020404" pitchFamily="49" charset="0"/>
+                <a:cs typeface="Courier New" panose="02070309020205020404" pitchFamily="49" charset="0"/>
+              </a:rPr>
+              <a:t>: #ccc;</a:t>
+            </a:r>
+          </a:p>
+          <a:p>
+            <a:pPr marL="0" indent="0">
+              <a:buNone/>
+            </a:pPr>
+            <a:r>
+              <a:rPr lang="en-GB" dirty="0">
+                <a:latin typeface="Courier New" panose="02070309020205020404" pitchFamily="49" charset="0"/>
+                <a:cs typeface="Courier New" panose="02070309020205020404" pitchFamily="49" charset="0"/>
+              </a:rPr>
+              <a:t>  padding: 10px;</a:t>
+            </a:r>
+          </a:p>
+          <a:p>
+            <a:pPr marL="0" indent="0">
+              <a:buNone/>
+            </a:pPr>
+            <a:r>
+              <a:rPr lang="en-GB" dirty="0">
+                <a:latin typeface="Courier New" panose="02070309020205020404" pitchFamily="49" charset="0"/>
+                <a:cs typeface="Courier New" panose="02070309020205020404" pitchFamily="49" charset="0"/>
+              </a:rPr>
+              <a:t>  height: 1000px;</a:t>
+            </a:r>
+          </a:p>
+          <a:p>
+            <a:pPr marL="0" indent="0">
+              <a:buNone/>
+            </a:pPr>
+            <a:r>
+              <a:rPr lang="en-GB" dirty="0">
+                <a:latin typeface="Courier New" panose="02070309020205020404" pitchFamily="49" charset="0"/>
+                <a:cs typeface="Courier New" panose="02070309020205020404" pitchFamily="49" charset="0"/>
+              </a:rPr>
+              <a:t>  </a:t>
+            </a:r>
+          </a:p>
+        </p:txBody>
+      </p:sp>
+    </p:spTree>
+    <p:extLst>
+      <p:ext uri="{BB962C8B-B14F-4D97-AF65-F5344CB8AC3E}">
+        <p14:creationId xmlns:p14="http://schemas.microsoft.com/office/powerpoint/2010/main" val="3441596927"/>
+      </p:ext>
+    </p:extLst>
+  </p:cSld>
+  <p:clrMapOvr>
+    <a:masterClrMapping/>
+  </p:clrMapOvr>
+</p:sld>
+</file>
+
+<file path=ppt/slides/slide9.xml><?xml version="1.0" encoding="utf-8"?>
+<p:sld xmlns:a="http://schemas.openxmlformats.org/drawingml/2006/main" xmlns:r="http://schemas.openxmlformats.org/officeDocument/2006/relationships" xmlns:p="http://schemas.openxmlformats.org/presentationml/2006/main">
+  <p:cSld>
+    <p:spTree>
+      <p:nvGrpSpPr>
+        <p:cNvPr id="1" name=""/>
+        <p:cNvGrpSpPr/>
+        <p:nvPr/>
+      </p:nvGrpSpPr>
+      <p:grpSpPr>
+        <a:xfrm>
+          <a:off x="0" y="0"/>
+          <a:ext cx="0" cy="0"/>
+          <a:chOff x="0" y="0"/>
+          <a:chExt cx="0" cy="0"/>
+        </a:xfrm>
+      </p:grpSpPr>
+      <p:sp>
+        <p:nvSpPr>
+          <p:cNvPr id="2" name="Title 1">
+            <a:extLst>
+              <a:ext uri="{FF2B5EF4-FFF2-40B4-BE49-F238E27FC236}">
+                <a16:creationId xmlns:a16="http://schemas.microsoft.com/office/drawing/2014/main" id="{386AA8E3-444F-B144-AC31-9655556A864C}"/>
+              </a:ext>
+            </a:extLst>
+          </p:cNvPr>
+          <p:cNvSpPr>
+            <a:spLocks noGrp="1"/>
+          </p:cNvSpPr>
+          <p:nvPr>
+            <p:ph type="title"/>
+          </p:nvPr>
+        </p:nvSpPr>
+        <p:spPr/>
+        <p:txBody>
+          <a:bodyPr/>
+          <a:lstStyle/>
+          <a:p>
+            <a:r>
+              <a:rPr lang="en-US" dirty="0"/>
+              <a:t>Example code for playing with in </a:t>
+            </a:r>
+            <a:r>
+              <a:rPr lang="en-US" dirty="0" err="1"/>
+              <a:t>codepen</a:t>
+            </a:r>
+            <a:r>
+              <a:rPr lang="en-US" dirty="0"/>
+              <a:t> - </a:t>
+            </a:r>
+            <a:r>
+              <a:rPr lang="en-US" dirty="0" err="1"/>
+              <a:t>css</a:t>
+            </a:r>
+            <a:endParaRPr lang="en-US" dirty="0"/>
+          </a:p>
+        </p:txBody>
+      </p:sp>
+      <p:sp>
+        <p:nvSpPr>
+          <p:cNvPr id="3" name="Content Placeholder 2">
+            <a:extLst>
+              <a:ext uri="{FF2B5EF4-FFF2-40B4-BE49-F238E27FC236}">
+                <a16:creationId xmlns:a16="http://schemas.microsoft.com/office/drawing/2014/main" id="{68B408C5-344B-8E4B-AA6D-F77D632B3A1D}"/>
+              </a:ext>
+            </a:extLst>
+          </p:cNvPr>
+          <p:cNvSpPr>
+            <a:spLocks noGrp="1"/>
+          </p:cNvSpPr>
+          <p:nvPr>
+            <p:ph idx="1"/>
+          </p:nvPr>
+        </p:nvSpPr>
+        <p:spPr>
+          <a:xfrm>
+            <a:off x="581193" y="2477541"/>
+            <a:ext cx="11029615" cy="3678303"/>
+          </a:xfrm>
+        </p:spPr>
+        <p:txBody>
+          <a:bodyPr>
+            <a:noAutofit/>
+          </a:bodyPr>
+          <a:lstStyle/>
+          <a:p>
+            <a:pPr marL="0" indent="0">
+              <a:buNone/>
+            </a:pPr>
+            <a:r>
+              <a:rPr lang="en-GB" sz="800" dirty="0">
+                <a:latin typeface="Courier New" panose="02070309020205020404" pitchFamily="49" charset="0"/>
+                <a:cs typeface="Courier New" panose="02070309020205020404" pitchFamily="49" charset="0"/>
+              </a:rPr>
+              <a:t>display: flex;</a:t>
+            </a:r>
+          </a:p>
+          <a:p>
+            <a:pPr marL="0" indent="0">
+              <a:buNone/>
+            </a:pPr>
+            <a:r>
+              <a:rPr lang="en-GB" sz="800" dirty="0">
+                <a:latin typeface="Courier New" panose="02070309020205020404" pitchFamily="49" charset="0"/>
+                <a:cs typeface="Courier New" panose="02070309020205020404" pitchFamily="49" charset="0"/>
+              </a:rPr>
+              <a:t>/*   flex-direction: row-reverse; */</a:t>
+            </a:r>
+          </a:p>
+          <a:p>
+            <a:pPr marL="0" indent="0">
+              <a:buNone/>
+            </a:pPr>
+            <a:r>
+              <a:rPr lang="en-GB" sz="800" dirty="0">
+                <a:latin typeface="Courier New" panose="02070309020205020404" pitchFamily="49" charset="0"/>
+                <a:cs typeface="Courier New" panose="02070309020205020404" pitchFamily="49" charset="0"/>
+              </a:rPr>
+              <a:t>/*   flex-direction: column; */</a:t>
+            </a:r>
+          </a:p>
+          <a:p>
+            <a:pPr marL="0" indent="0">
+              <a:buNone/>
+            </a:pPr>
+            <a:r>
+              <a:rPr lang="en-GB" sz="800" dirty="0">
+                <a:latin typeface="Courier New" panose="02070309020205020404" pitchFamily="49" charset="0"/>
+                <a:cs typeface="Courier New" panose="02070309020205020404" pitchFamily="49" charset="0"/>
+              </a:rPr>
+              <a:t>/*   flex-direction: column-reverse; */</a:t>
+            </a:r>
+          </a:p>
+          <a:p>
+            <a:pPr marL="0" indent="0">
+              <a:buNone/>
+            </a:pPr>
+            <a:r>
+              <a:rPr lang="en-GB" sz="800" dirty="0">
+                <a:latin typeface="Courier New" panose="02070309020205020404" pitchFamily="49" charset="0"/>
+                <a:cs typeface="Courier New" panose="02070309020205020404" pitchFamily="49" charset="0"/>
+              </a:rPr>
+              <a:t>/*   justify-content: flex-end; */</a:t>
+            </a:r>
+          </a:p>
+          <a:p>
+            <a:pPr marL="0" indent="0">
+              <a:buNone/>
+            </a:pPr>
+            <a:r>
+              <a:rPr lang="en-GB" sz="800" dirty="0">
+                <a:latin typeface="Courier New" panose="02070309020205020404" pitchFamily="49" charset="0"/>
+                <a:cs typeface="Courier New" panose="02070309020205020404" pitchFamily="49" charset="0"/>
+              </a:rPr>
+              <a:t>/*   justify-content: </a:t>
+            </a:r>
+            <a:r>
+              <a:rPr lang="en-GB" sz="800" dirty="0" err="1">
+                <a:latin typeface="Courier New" panose="02070309020205020404" pitchFamily="49" charset="0"/>
+                <a:cs typeface="Courier New" panose="02070309020205020404" pitchFamily="49" charset="0"/>
+              </a:rPr>
+              <a:t>center</a:t>
+            </a:r>
+            <a:r>
+              <a:rPr lang="en-GB" sz="800" dirty="0">
+                <a:latin typeface="Courier New" panose="02070309020205020404" pitchFamily="49" charset="0"/>
+                <a:cs typeface="Courier New" panose="02070309020205020404" pitchFamily="49" charset="0"/>
+              </a:rPr>
+              <a:t>; */</a:t>
+            </a:r>
+          </a:p>
+          <a:p>
+            <a:pPr marL="0" indent="0">
+              <a:buNone/>
+            </a:pPr>
+            <a:r>
+              <a:rPr lang="en-GB" sz="800" dirty="0">
+                <a:latin typeface="Courier New" panose="02070309020205020404" pitchFamily="49" charset="0"/>
+                <a:cs typeface="Courier New" panose="02070309020205020404" pitchFamily="49" charset="0"/>
+              </a:rPr>
+              <a:t>/*   justify-content: space-between; */</a:t>
+            </a:r>
+          </a:p>
+          <a:p>
+            <a:pPr marL="0" indent="0">
+              <a:buNone/>
+            </a:pPr>
+            <a:r>
+              <a:rPr lang="en-GB" sz="800" dirty="0">
+                <a:latin typeface="Courier New" panose="02070309020205020404" pitchFamily="49" charset="0"/>
+                <a:cs typeface="Courier New" panose="02070309020205020404" pitchFamily="49" charset="0"/>
+              </a:rPr>
+              <a:t>/*   justify-content: space-around; */</a:t>
+            </a:r>
+          </a:p>
+          <a:p>
+            <a:pPr marL="0" indent="0">
+              <a:buNone/>
+            </a:pPr>
+            <a:r>
+              <a:rPr lang="en-GB" sz="800" dirty="0">
+                <a:latin typeface="Courier New" panose="02070309020205020404" pitchFamily="49" charset="0"/>
+                <a:cs typeface="Courier New" panose="02070309020205020404" pitchFamily="49" charset="0"/>
+              </a:rPr>
+              <a:t>/*   justify-content: space-evenly;   */</a:t>
+            </a:r>
+          </a:p>
+          <a:p>
+            <a:pPr marL="0" indent="0">
+              <a:buNone/>
+            </a:pPr>
+            <a:r>
+              <a:rPr lang="en-GB" sz="800" dirty="0">
+                <a:latin typeface="Courier New" panose="02070309020205020404" pitchFamily="49" charset="0"/>
+                <a:cs typeface="Courier New" panose="02070309020205020404" pitchFamily="49" charset="0"/>
+              </a:rPr>
+              <a:t>/*   align-items: flex-start; */</a:t>
+            </a:r>
+          </a:p>
+          <a:p>
+            <a:pPr marL="0" indent="0">
+              <a:buNone/>
+            </a:pPr>
+            <a:r>
+              <a:rPr lang="en-GB" sz="800" dirty="0">
+                <a:latin typeface="Courier New" panose="02070309020205020404" pitchFamily="49" charset="0"/>
+                <a:cs typeface="Courier New" panose="02070309020205020404" pitchFamily="49" charset="0"/>
+              </a:rPr>
+              <a:t>/*   align-items: flex-end; */</a:t>
+            </a:r>
+          </a:p>
+          <a:p>
+            <a:pPr marL="0" indent="0">
+              <a:buNone/>
+            </a:pPr>
+            <a:r>
+              <a:rPr lang="en-GB" sz="800" dirty="0">
+                <a:latin typeface="Courier New" panose="02070309020205020404" pitchFamily="49" charset="0"/>
+                <a:cs typeface="Courier New" panose="02070309020205020404" pitchFamily="49" charset="0"/>
+              </a:rPr>
+              <a:t>/*   align-items: </a:t>
+            </a:r>
+            <a:r>
+              <a:rPr lang="en-GB" sz="800" dirty="0" err="1">
+                <a:latin typeface="Courier New" panose="02070309020205020404" pitchFamily="49" charset="0"/>
+                <a:cs typeface="Courier New" panose="02070309020205020404" pitchFamily="49" charset="0"/>
+              </a:rPr>
+              <a:t>center</a:t>
+            </a:r>
+            <a:r>
+              <a:rPr lang="en-GB" sz="800" dirty="0">
+                <a:latin typeface="Courier New" panose="02070309020205020404" pitchFamily="49" charset="0"/>
+                <a:cs typeface="Courier New" panose="02070309020205020404" pitchFamily="49" charset="0"/>
+              </a:rPr>
+              <a:t>; */</a:t>
+            </a:r>
+          </a:p>
+          <a:p>
+            <a:pPr marL="0" indent="0">
+              <a:buNone/>
+            </a:pPr>
+            <a:r>
+              <a:rPr lang="en-GB" sz="800" dirty="0">
+                <a:latin typeface="Courier New" panose="02070309020205020404" pitchFamily="49" charset="0"/>
+                <a:cs typeface="Courier New" panose="02070309020205020404" pitchFamily="49" charset="0"/>
+              </a:rPr>
+              <a:t>/*   align-items: baseline; */</a:t>
+            </a:r>
+          </a:p>
+          <a:p>
+            <a:pPr marL="0" indent="0">
+              <a:buNone/>
+            </a:pPr>
+            <a:r>
+              <a:rPr lang="en-GB" sz="800" dirty="0">
+                <a:latin typeface="Courier New" panose="02070309020205020404" pitchFamily="49" charset="0"/>
+                <a:cs typeface="Courier New" panose="02070309020205020404" pitchFamily="49" charset="0"/>
+              </a:rPr>
+              <a:t>/*   flex-wrap: wrap; */</a:t>
+            </a:r>
+          </a:p>
+          <a:p>
+            <a:pPr marL="0" indent="0">
+              <a:buNone/>
+            </a:pPr>
+            <a:r>
+              <a:rPr lang="en-GB" sz="800" dirty="0">
+                <a:latin typeface="Courier New" panose="02070309020205020404" pitchFamily="49" charset="0"/>
+                <a:cs typeface="Courier New" panose="02070309020205020404" pitchFamily="49" charset="0"/>
+              </a:rPr>
+              <a:t>/*   flex-wrap: wrap-reverse; */</a:t>
+            </a:r>
+          </a:p>
+          <a:p>
+            <a:pPr marL="0" indent="0">
+              <a:buNone/>
+            </a:pPr>
+            <a:r>
+              <a:rPr lang="en-GB" sz="800" dirty="0">
+                <a:latin typeface="Courier New" panose="02070309020205020404" pitchFamily="49" charset="0"/>
+                <a:cs typeface="Courier New" panose="02070309020205020404" pitchFamily="49" charset="0"/>
+              </a:rPr>
+              <a:t>/*   align-content: flex-start; */</a:t>
+            </a:r>
+          </a:p>
+          <a:p>
+            <a:pPr marL="0" indent="0">
+              <a:buNone/>
+            </a:pPr>
+            <a:r>
+              <a:rPr lang="en-GB" sz="800" dirty="0">
+                <a:latin typeface="Courier New" panose="02070309020205020404" pitchFamily="49" charset="0"/>
+                <a:cs typeface="Courier New" panose="02070309020205020404" pitchFamily="49" charset="0"/>
+              </a:rPr>
+              <a:t>/*   align-content: flex-end; */</a:t>
+            </a:r>
+          </a:p>
+          <a:p>
+            <a:pPr marL="0" indent="0">
+              <a:buNone/>
+            </a:pPr>
+            <a:r>
+              <a:rPr lang="en-GB" sz="800" dirty="0">
+                <a:latin typeface="Courier New" panose="02070309020205020404" pitchFamily="49" charset="0"/>
+                <a:cs typeface="Courier New" panose="02070309020205020404" pitchFamily="49" charset="0"/>
+              </a:rPr>
+              <a:t>/*   align-content: </a:t>
+            </a:r>
+            <a:r>
+              <a:rPr lang="en-GB" sz="800" dirty="0" err="1">
+                <a:latin typeface="Courier New" panose="02070309020205020404" pitchFamily="49" charset="0"/>
+                <a:cs typeface="Courier New" panose="02070309020205020404" pitchFamily="49" charset="0"/>
+              </a:rPr>
+              <a:t>center</a:t>
+            </a:r>
+            <a:r>
+              <a:rPr lang="en-GB" sz="800" dirty="0">
+                <a:latin typeface="Courier New" panose="02070309020205020404" pitchFamily="49" charset="0"/>
+                <a:cs typeface="Courier New" panose="02070309020205020404" pitchFamily="49" charset="0"/>
+              </a:rPr>
+              <a:t>; */</a:t>
+            </a:r>
+          </a:p>
+          <a:p>
+            <a:pPr marL="0" indent="0">
+              <a:buNone/>
+            </a:pPr>
+            <a:r>
+              <a:rPr lang="en-GB" sz="800" dirty="0">
+                <a:latin typeface="Courier New" panose="02070309020205020404" pitchFamily="49" charset="0"/>
+                <a:cs typeface="Courier New" panose="02070309020205020404" pitchFamily="49" charset="0"/>
+              </a:rPr>
+              <a:t>/*   align-content: space-around; */</a:t>
+            </a:r>
+          </a:p>
+          <a:p>
+            <a:pPr marL="0" indent="0">
+              <a:buNone/>
+            </a:pPr>
+            <a:r>
+              <a:rPr lang="en-GB" sz="800" dirty="0">
+                <a:latin typeface="Courier New" panose="02070309020205020404" pitchFamily="49" charset="0"/>
+                <a:cs typeface="Courier New" panose="02070309020205020404" pitchFamily="49" charset="0"/>
+              </a:rPr>
+              <a:t>/*   align-content: space-between; */</a:t>
+            </a:r>
+          </a:p>
+          <a:p>
+            <a:pPr marL="0" indent="0">
+              <a:buNone/>
+            </a:pPr>
+            <a:r>
+              <a:rPr lang="en-GB" sz="800" dirty="0">
+                <a:latin typeface="Courier New" panose="02070309020205020404" pitchFamily="49" charset="0"/>
+                <a:cs typeface="Courier New" panose="02070309020205020404" pitchFamily="49" charset="0"/>
+              </a:rPr>
+              <a:t>}</a:t>
+            </a:r>
+          </a:p>
+        </p:txBody>
+      </p:sp>
+    </p:spTree>
+    <p:extLst>
+      <p:ext uri="{BB962C8B-B14F-4D97-AF65-F5344CB8AC3E}">
+        <p14:creationId xmlns:p14="http://schemas.microsoft.com/office/powerpoint/2010/main" val="3532820561"/>
+      </p:ext>
+    </p:extLst>
+  </p:cSld>
+  <p:clrMapOvr>
+    <a:masterClrMapping/>
+  </p:clrMapOvr>
+</p:sld>
+</file>
+
 <file path=ppt/theme/theme1.xml><?xml version="1.0" encoding="utf-8"?>
 <a:theme xmlns:a="http://schemas.openxmlformats.org/drawingml/2006/main" name="Dividend">
   <a:themeElements>

--- a/Trillo/presentation/Trillo project - what I learnt.pptx
+++ b/Trillo/presentation/Trillo project - what I learnt.pptx
@@ -12,17 +12,12 @@
     <p:sldId id="260" r:id="rId6"/>
     <p:sldId id="261" r:id="rId7"/>
     <p:sldId id="262" r:id="rId8"/>
-    <p:sldId id="263" r:id="rId9"/>
-    <p:sldId id="264" r:id="rId10"/>
-    <p:sldId id="265" r:id="rId11"/>
-    <p:sldId id="266" r:id="rId12"/>
-    <p:sldId id="267" r:id="rId13"/>
-    <p:sldId id="268" r:id="rId14"/>
-    <p:sldId id="269" r:id="rId15"/>
-    <p:sldId id="270" r:id="rId16"/>
-    <p:sldId id="271" r:id="rId17"/>
-    <p:sldId id="272" r:id="rId18"/>
-    <p:sldId id="273" r:id="rId19"/>
+    <p:sldId id="268" r:id="rId9"/>
+    <p:sldId id="269" r:id="rId10"/>
+    <p:sldId id="270" r:id="rId11"/>
+    <p:sldId id="271" r:id="rId12"/>
+    <p:sldId id="272" r:id="rId13"/>
+    <p:sldId id="273" r:id="rId14"/>
   </p:sldIdLst>
   <p:sldSz cx="12192000" cy="6858000"/>
   <p:notesSz cx="6858000" cy="9144000"/>
@@ -375,7 +370,7 @@
             <a:fld id="{B61BEF0D-F0BB-DE4B-95CE-6DB70DBA9567}" type="datetimeFigureOut">
               <a:rPr lang="en-US" dirty="0"/>
               <a:pPr/>
-              <a:t>1/17/19</a:t>
+              <a:t>1/25/19</a:t>
             </a:fld>
             <a:endParaRPr lang="en-US" dirty="0"/>
           </a:p>
@@ -634,7 +629,7 @@
             <a:fld id="{B61BEF0D-F0BB-DE4B-95CE-6DB70DBA9567}" type="datetimeFigureOut">
               <a:rPr lang="en-US" dirty="0"/>
               <a:pPr/>
-              <a:t>1/17/19</a:t>
+              <a:t>1/25/19</a:t>
             </a:fld>
             <a:endParaRPr lang="en-US" dirty="0"/>
           </a:p>
@@ -866,7 +861,7 @@
             <a:fld id="{B61BEF0D-F0BB-DE4B-95CE-6DB70DBA9567}" type="datetimeFigureOut">
               <a:rPr lang="en-US" dirty="0"/>
               <a:pPr/>
-              <a:t>1/17/19</a:t>
+              <a:t>1/25/19</a:t>
             </a:fld>
             <a:endParaRPr lang="en-US" dirty="0"/>
           </a:p>
@@ -1103,7 +1098,7 @@
             <a:fld id="{B61BEF0D-F0BB-DE4B-95CE-6DB70DBA9567}" type="datetimeFigureOut">
               <a:rPr lang="en-US" dirty="0"/>
               <a:pPr/>
-              <a:t>1/17/19</a:t>
+              <a:t>1/25/19</a:t>
             </a:fld>
             <a:endParaRPr lang="en-US" dirty="0"/>
           </a:p>
@@ -1407,7 +1402,7 @@
             <a:fld id="{B61BEF0D-F0BB-DE4B-95CE-6DB70DBA9567}" type="datetimeFigureOut">
               <a:rPr lang="en-US" dirty="0"/>
               <a:pPr/>
-              <a:t>1/17/19</a:t>
+              <a:t>1/25/19</a:t>
             </a:fld>
             <a:endParaRPr lang="en-US" dirty="0"/>
           </a:p>
@@ -1706,7 +1701,7 @@
             <a:fld id="{B61BEF0D-F0BB-DE4B-95CE-6DB70DBA9567}" type="datetimeFigureOut">
               <a:rPr lang="en-US" dirty="0"/>
               <a:pPr/>
-              <a:t>1/17/19</a:t>
+              <a:t>1/25/19</a:t>
             </a:fld>
             <a:endParaRPr lang="en-US" dirty="0"/>
           </a:p>
@@ -2125,7 +2120,7 @@
             <a:fld id="{B61BEF0D-F0BB-DE4B-95CE-6DB70DBA9567}" type="datetimeFigureOut">
               <a:rPr lang="en-US" dirty="0"/>
               <a:pPr/>
-              <a:t>1/17/19</a:t>
+              <a:t>1/25/19</a:t>
             </a:fld>
             <a:endParaRPr lang="en-US" dirty="0"/>
           </a:p>
@@ -2284,7 +2279,7 @@
             <a:fld id="{B61BEF0D-F0BB-DE4B-95CE-6DB70DBA9567}" type="datetimeFigureOut">
               <a:rPr lang="en-US" dirty="0"/>
               <a:pPr/>
-              <a:t>1/17/19</a:t>
+              <a:t>1/25/19</a:t>
             </a:fld>
             <a:endParaRPr lang="en-US" dirty="0"/>
           </a:p>
@@ -2376,7 +2371,7 @@
             <a:fld id="{B61BEF0D-F0BB-DE4B-95CE-6DB70DBA9567}" type="datetimeFigureOut">
               <a:rPr lang="en-US" dirty="0"/>
               <a:pPr/>
-              <a:t>1/17/19</a:t>
+              <a:t>1/25/19</a:t>
             </a:fld>
             <a:endParaRPr lang="en-US" dirty="0"/>
           </a:p>
@@ -2751,7 +2746,7 @@
             <a:fld id="{B61BEF0D-F0BB-DE4B-95CE-6DB70DBA9567}" type="datetimeFigureOut">
               <a:rPr lang="en-US" dirty="0"/>
               <a:pPr/>
-              <a:t>1/17/19</a:t>
+              <a:t>1/25/19</a:t>
             </a:fld>
             <a:endParaRPr lang="en-US" dirty="0"/>
           </a:p>
@@ -3037,7 +3032,7 @@
             <a:fld id="{B61BEF0D-F0BB-DE4B-95CE-6DB70DBA9567}" type="datetimeFigureOut">
               <a:rPr lang="en-US" dirty="0"/>
               <a:pPr/>
-              <a:t>1/17/19</a:t>
+              <a:t>1/25/19</a:t>
             </a:fld>
             <a:endParaRPr lang="en-US" dirty="0"/>
           </a:p>
@@ -3245,7 +3240,7 @@
             <a:fld id="{B61BEF0D-F0BB-DE4B-95CE-6DB70DBA9567}" type="datetimeFigureOut">
               <a:rPr lang="en-US" dirty="0"/>
               <a:pPr/>
-              <a:t>1/17/19</a:t>
+              <a:t>1/25/19</a:t>
             </a:fld>
             <a:endParaRPr lang="en-US" dirty="0"/>
           </a:p>
@@ -4047,7 +4042,7 @@
           <p:cNvPr id="2" name="Title 1">
             <a:extLst>
               <a:ext uri="{FF2B5EF4-FFF2-40B4-BE49-F238E27FC236}">
-                <a16:creationId xmlns:a16="http://schemas.microsoft.com/office/drawing/2014/main" id="{386AA8E3-444F-B144-AC31-9655556A864C}"/>
+                <a16:creationId xmlns:a16="http://schemas.microsoft.com/office/drawing/2014/main" id="{3ECF1D15-804C-BA4D-A9E2-8EFE22911A29}"/>
               </a:ext>
             </a:extLst>
           </p:cNvPr>
@@ -4064,152 +4059,468 @@
           <a:lstStyle/>
           <a:p>
             <a:r>
+              <a:rPr lang="en-US" dirty="0" err="1"/>
+              <a:t>Trillo</a:t>
+            </a:r>
+            <a:r>
               <a:rPr lang="en-US" dirty="0"/>
-              <a:t>Example code for playing with in </a:t>
-            </a:r>
-            <a:r>
-              <a:rPr lang="en-US" dirty="0" err="1"/>
-              <a:t>codepen</a:t>
-            </a:r>
-            <a:r>
-              <a:rPr lang="en-US" dirty="0"/>
-              <a:t> - </a:t>
-            </a:r>
-            <a:r>
-              <a:rPr lang="en-US" dirty="0" err="1"/>
-              <a:t>css</a:t>
-            </a:r>
-            <a:endParaRPr lang="en-US" dirty="0"/>
-          </a:p>
-        </p:txBody>
-      </p:sp>
-      <p:sp>
-        <p:nvSpPr>
-          <p:cNvPr id="3" name="Content Placeholder 2">
+              <a:t> application – hotel view</a:t>
+            </a:r>
+          </a:p>
+        </p:txBody>
+      </p:sp>
+      <p:pic>
+        <p:nvPicPr>
+          <p:cNvPr id="5" name="Content Placeholder 4">
             <a:extLst>
               <a:ext uri="{FF2B5EF4-FFF2-40B4-BE49-F238E27FC236}">
-                <a16:creationId xmlns:a16="http://schemas.microsoft.com/office/drawing/2014/main" id="{68B408C5-344B-8E4B-AA6D-F77D632B3A1D}"/>
+                <a16:creationId xmlns:a16="http://schemas.microsoft.com/office/drawing/2014/main" id="{3F8049D6-FB27-314A-8657-402E56A29021}"/>
               </a:ext>
             </a:extLst>
           </p:cNvPr>
-          <p:cNvSpPr>
-            <a:spLocks noGrp="1"/>
-          </p:cNvSpPr>
+          <p:cNvPicPr>
+            <a:picLocks noGrp="1" noChangeAspect="1"/>
+          </p:cNvPicPr>
           <p:nvPr>
             <p:ph idx="1"/>
           </p:nvPr>
-        </p:nvSpPr>
-        <p:spPr/>
-        <p:txBody>
-          <a:bodyPr>
-            <a:normAutofit fontScale="85000" lnSpcReduction="10000"/>
+        </p:nvPicPr>
+        <p:blipFill>
+          <a:blip r:embed="rId2"/>
+          <a:stretch>
+            <a:fillRect/>
+          </a:stretch>
+        </p:blipFill>
+        <p:spPr>
+          <a:xfrm>
+            <a:off x="3930905" y="2636632"/>
+            <a:ext cx="4330189" cy="3678238"/>
+          </a:xfrm>
+        </p:spPr>
+      </p:pic>
+      <p:sp>
+        <p:nvSpPr>
+          <p:cNvPr id="6" name="TextBox 5">
+            <a:extLst>
+              <a:ext uri="{FF2B5EF4-FFF2-40B4-BE49-F238E27FC236}">
+                <a16:creationId xmlns:a16="http://schemas.microsoft.com/office/drawing/2014/main" id="{5F507087-471A-214C-9BA9-0AD4A90EC2DF}"/>
+              </a:ext>
+            </a:extLst>
+          </p:cNvPr>
+          <p:cNvSpPr txBox="1"/>
+          <p:nvPr/>
+        </p:nvSpPr>
+        <p:spPr>
+          <a:xfrm>
+            <a:off x="89452" y="1862053"/>
+            <a:ext cx="4620176" cy="1231106"/>
+          </a:xfrm>
+          <a:prstGeom prst="rect">
+            <a:avLst/>
+          </a:prstGeom>
+          <a:noFill/>
+        </p:spPr>
+        <p:txBody>
+          <a:bodyPr wrap="none" rtlCol="0">
+            <a:spAutoFit/>
           </a:bodyPr>
           <a:lstStyle/>
           <a:p>
-            <a:pPr marL="0" indent="0">
-              <a:buNone/>
-            </a:pPr>
-            <a:endParaRPr lang="en-GB" dirty="0">
+            <a:r>
+              <a:rPr lang="en-GB" sz="1400" dirty="0">
+                <a:latin typeface="Courier New" panose="02070309020205020404" pitchFamily="49" charset="0"/>
+                <a:cs typeface="Courier New" panose="02070309020205020404" pitchFamily="49" charset="0"/>
+              </a:rPr>
+              <a:t>.hotel-view {</a:t>
+            </a:r>
+          </a:p>
+          <a:p>
+            <a:r>
+              <a:rPr lang="en-GB" sz="1400" dirty="0">
+                <a:latin typeface="Courier New" panose="02070309020205020404" pitchFamily="49" charset="0"/>
+                <a:cs typeface="Courier New" panose="02070309020205020404" pitchFamily="49" charset="0"/>
+              </a:rPr>
+              <a:t>	background-</a:t>
+            </a:r>
+            <a:r>
+              <a:rPr lang="en-GB" sz="1400" dirty="0" err="1">
+                <a:latin typeface="Courier New" panose="02070309020205020404" pitchFamily="49" charset="0"/>
+                <a:cs typeface="Courier New" panose="02070309020205020404" pitchFamily="49" charset="0"/>
+              </a:rPr>
+              <a:t>color</a:t>
+            </a:r>
+            <a:r>
+              <a:rPr lang="en-GB" sz="1400" dirty="0">
+                <a:latin typeface="Courier New" panose="02070309020205020404" pitchFamily="49" charset="0"/>
+                <a:cs typeface="Courier New" panose="02070309020205020404" pitchFamily="49" charset="0"/>
+              </a:rPr>
+              <a:t>: </a:t>
+            </a:r>
+            <a:r>
+              <a:rPr lang="en-GB" sz="1400" dirty="0" err="1">
+                <a:latin typeface="Courier New" panose="02070309020205020404" pitchFamily="49" charset="0"/>
+                <a:cs typeface="Courier New" panose="02070309020205020404" pitchFamily="49" charset="0"/>
+              </a:rPr>
+              <a:t>var</a:t>
+            </a:r>
+            <a:r>
+              <a:rPr lang="en-GB" sz="1400" dirty="0">
+                <a:latin typeface="Courier New" panose="02070309020205020404" pitchFamily="49" charset="0"/>
+                <a:cs typeface="Courier New" panose="02070309020205020404" pitchFamily="49" charset="0"/>
+              </a:rPr>
+              <a:t>(--</a:t>
+            </a:r>
+            <a:r>
+              <a:rPr lang="en-GB" sz="1400" dirty="0" err="1">
+                <a:latin typeface="Courier New" panose="02070309020205020404" pitchFamily="49" charset="0"/>
+                <a:cs typeface="Courier New" panose="02070309020205020404" pitchFamily="49" charset="0"/>
+              </a:rPr>
+              <a:t>color</a:t>
+            </a:r>
+            <a:r>
+              <a:rPr lang="en-GB" sz="1400" dirty="0">
+                <a:latin typeface="Courier New" panose="02070309020205020404" pitchFamily="49" charset="0"/>
+                <a:cs typeface="Courier New" panose="02070309020205020404" pitchFamily="49" charset="0"/>
+              </a:rPr>
+              <a:t>-white);</a:t>
+            </a:r>
+          </a:p>
+          <a:p>
+            <a:r>
+              <a:rPr lang="en-GB" sz="1400" dirty="0">
+                <a:latin typeface="Courier New" panose="02070309020205020404" pitchFamily="49" charset="0"/>
+                <a:cs typeface="Courier New" panose="02070309020205020404" pitchFamily="49" charset="0"/>
+              </a:rPr>
+              <a:t>	flex: 1; </a:t>
+            </a:r>
+            <a:r>
+              <a:rPr lang="en-GB" sz="1200" dirty="0">
+                <a:latin typeface="Courier New" panose="02070309020205020404" pitchFamily="49" charset="0"/>
+                <a:cs typeface="Courier New" panose="02070309020205020404" pitchFamily="49" charset="0"/>
+              </a:rPr>
+              <a:t>//grow as much as it can</a:t>
+            </a:r>
+          </a:p>
+          <a:p>
+            <a:r>
+              <a:rPr lang="en-GB" sz="1400" dirty="0">
+                <a:latin typeface="Courier New" panose="02070309020205020404" pitchFamily="49" charset="0"/>
+                <a:cs typeface="Courier New" panose="02070309020205020404" pitchFamily="49" charset="0"/>
+              </a:rPr>
+              <a:t>}</a:t>
+            </a:r>
+          </a:p>
+          <a:p>
+            <a:endParaRPr lang="en-US" dirty="0"/>
+          </a:p>
+        </p:txBody>
+      </p:sp>
+      <p:sp>
+        <p:nvSpPr>
+          <p:cNvPr id="7" name="TextBox 6">
+            <a:extLst>
+              <a:ext uri="{FF2B5EF4-FFF2-40B4-BE49-F238E27FC236}">
+                <a16:creationId xmlns:a16="http://schemas.microsoft.com/office/drawing/2014/main" id="{88236E5F-A380-4345-88E2-6E91416DEA1C}"/>
+              </a:ext>
+            </a:extLst>
+          </p:cNvPr>
+          <p:cNvSpPr txBox="1"/>
+          <p:nvPr/>
+        </p:nvSpPr>
+        <p:spPr>
+          <a:xfrm>
+            <a:off x="89452" y="3498406"/>
+            <a:ext cx="4767652" cy="738664"/>
+          </a:xfrm>
+          <a:prstGeom prst="rect">
+            <a:avLst/>
+          </a:prstGeom>
+          <a:noFill/>
+        </p:spPr>
+        <p:txBody>
+          <a:bodyPr wrap="none" rtlCol="0">
+            <a:spAutoFit/>
+          </a:bodyPr>
+          <a:lstStyle/>
+          <a:p>
+            <a:r>
+              <a:rPr lang="en-GB" sz="1400" dirty="0">
+                <a:latin typeface="Courier New" panose="02070309020205020404" pitchFamily="49" charset="0"/>
+                <a:cs typeface="Courier New" panose="02070309020205020404" pitchFamily="49" charset="0"/>
+              </a:rPr>
+              <a:t>.description {</a:t>
+            </a:r>
+          </a:p>
+          <a:p>
+            <a:r>
+              <a:rPr lang="en-GB" sz="1400" dirty="0">
+                <a:latin typeface="Courier New" panose="02070309020205020404" pitchFamily="49" charset="0"/>
+                <a:cs typeface="Courier New" panose="02070309020205020404" pitchFamily="49" charset="0"/>
+              </a:rPr>
+              <a:t>	flex: 0 0 60%; </a:t>
+            </a:r>
+            <a:r>
+              <a:rPr lang="en-GB" sz="1200" dirty="0">
+                <a:latin typeface="Courier New" panose="02070309020205020404" pitchFamily="49" charset="0"/>
+                <a:cs typeface="Courier New" panose="02070309020205020404" pitchFamily="49" charset="0"/>
+              </a:rPr>
+              <a:t>//takes up 60% of the width</a:t>
+            </a:r>
+          </a:p>
+          <a:p>
+            <a:r>
+              <a:rPr lang="en-US" sz="1400" dirty="0">
+                <a:latin typeface="Courier New" panose="02070309020205020404" pitchFamily="49" charset="0"/>
+                <a:cs typeface="Courier New" panose="02070309020205020404" pitchFamily="49" charset="0"/>
+              </a:rPr>
+              <a:t>}</a:t>
+            </a:r>
+          </a:p>
+        </p:txBody>
+      </p:sp>
+      <p:sp>
+        <p:nvSpPr>
+          <p:cNvPr id="8" name="TextBox 7">
+            <a:extLst>
+              <a:ext uri="{FF2B5EF4-FFF2-40B4-BE49-F238E27FC236}">
+                <a16:creationId xmlns:a16="http://schemas.microsoft.com/office/drawing/2014/main" id="{9E78E08D-2B86-D64F-AA6E-D49C82442B22}"/>
+              </a:ext>
+            </a:extLst>
+          </p:cNvPr>
+          <p:cNvSpPr txBox="1"/>
+          <p:nvPr/>
+        </p:nvSpPr>
+        <p:spPr>
+          <a:xfrm>
+            <a:off x="237253" y="4516251"/>
+            <a:ext cx="3116559" cy="2277547"/>
+          </a:xfrm>
+          <a:prstGeom prst="rect">
+            <a:avLst/>
+          </a:prstGeom>
+          <a:noFill/>
+        </p:spPr>
+        <p:txBody>
+          <a:bodyPr wrap="none" rtlCol="0">
+            <a:spAutoFit/>
+          </a:bodyPr>
+          <a:lstStyle/>
+          <a:p>
+            <a:r>
+              <a:rPr lang="en-GB" sz="1400" dirty="0">
+                <a:latin typeface="Courier New" panose="02070309020205020404" pitchFamily="49" charset="0"/>
+                <a:cs typeface="Courier New" panose="02070309020205020404" pitchFamily="49" charset="0"/>
+              </a:rPr>
+              <a:t>.user-reviews {</a:t>
+            </a:r>
+          </a:p>
+          <a:p>
+            <a:r>
+              <a:rPr lang="en-GB" sz="1400" dirty="0">
+                <a:latin typeface="Courier New" panose="02070309020205020404" pitchFamily="49" charset="0"/>
+                <a:cs typeface="Courier New" panose="02070309020205020404" pitchFamily="49" charset="0"/>
+              </a:rPr>
+              <a:t>	flex: 1; </a:t>
+            </a:r>
+          </a:p>
+          <a:p>
+            <a:r>
+              <a:rPr lang="en-GB" sz="1400" dirty="0">
+                <a:latin typeface="Courier New" panose="02070309020205020404" pitchFamily="49" charset="0"/>
+                <a:cs typeface="Courier New" panose="02070309020205020404" pitchFamily="49" charset="0"/>
+              </a:rPr>
+              <a:t>	</a:t>
+            </a:r>
+            <a:r>
+              <a:rPr lang="en-GB" sz="1200" dirty="0">
+                <a:latin typeface="Courier New" panose="02070309020205020404" pitchFamily="49" charset="0"/>
+                <a:cs typeface="Courier New" panose="02070309020205020404" pitchFamily="49" charset="0"/>
+              </a:rPr>
+              <a:t>//grows to occupy the </a:t>
+            </a:r>
+          </a:p>
+          <a:p>
+            <a:r>
+              <a:rPr lang="en-GB" sz="1200" dirty="0">
+                <a:latin typeface="Courier New" panose="02070309020205020404" pitchFamily="49" charset="0"/>
+                <a:cs typeface="Courier New" panose="02070309020205020404" pitchFamily="49" charset="0"/>
+              </a:rPr>
+              <a:t>	remaining space</a:t>
+            </a:r>
+          </a:p>
+          <a:p>
+            <a:br>
+              <a:rPr lang="en-GB" sz="1400" dirty="0">
+                <a:latin typeface="Courier New" panose="02070309020205020404" pitchFamily="49" charset="0"/>
+                <a:cs typeface="Courier New" panose="02070309020205020404" pitchFamily="49" charset="0"/>
+              </a:rPr>
+            </a:br>
+            <a:r>
+              <a:rPr lang="en-GB" sz="1400" dirty="0">
+                <a:latin typeface="Courier New" panose="02070309020205020404" pitchFamily="49" charset="0"/>
+                <a:cs typeface="Courier New" panose="02070309020205020404" pitchFamily="49" charset="0"/>
+              </a:rPr>
+              <a:t>	display: flex;</a:t>
+            </a:r>
+          </a:p>
+          <a:p>
+            <a:r>
+              <a:rPr lang="en-GB" sz="1400" dirty="0">
+                <a:latin typeface="Courier New" panose="02070309020205020404" pitchFamily="49" charset="0"/>
+                <a:cs typeface="Courier New" panose="02070309020205020404" pitchFamily="49" charset="0"/>
+              </a:rPr>
+              <a:t>	flex-direction: column;</a:t>
+            </a:r>
+          </a:p>
+          <a:p>
+            <a:r>
+              <a:rPr lang="en-GB" sz="1400" dirty="0">
+                <a:latin typeface="Courier New" panose="02070309020205020404" pitchFamily="49" charset="0"/>
+                <a:cs typeface="Courier New" panose="02070309020205020404" pitchFamily="49" charset="0"/>
+              </a:rPr>
+              <a:t>	align-items: </a:t>
+            </a:r>
+            <a:r>
+              <a:rPr lang="en-GB" sz="1400" dirty="0" err="1">
+                <a:latin typeface="Courier New" panose="02070309020205020404" pitchFamily="49" charset="0"/>
+                <a:cs typeface="Courier New" panose="02070309020205020404" pitchFamily="49" charset="0"/>
+              </a:rPr>
+              <a:t>center</a:t>
+            </a:r>
+            <a:r>
+              <a:rPr lang="en-GB" sz="1400" dirty="0">
+                <a:latin typeface="Courier New" panose="02070309020205020404" pitchFamily="49" charset="0"/>
+                <a:cs typeface="Courier New" panose="02070309020205020404" pitchFamily="49" charset="0"/>
+              </a:rPr>
+              <a:t>;</a:t>
+            </a:r>
+          </a:p>
+          <a:p>
+            <a:r>
+              <a:rPr lang="en-GB" sz="1400" dirty="0">
+                <a:latin typeface="Courier New" panose="02070309020205020404" pitchFamily="49" charset="0"/>
+                <a:cs typeface="Courier New" panose="02070309020205020404" pitchFamily="49" charset="0"/>
+              </a:rPr>
+              <a:t>}</a:t>
+            </a:r>
+          </a:p>
+          <a:p>
+            <a:endParaRPr lang="en-US" dirty="0"/>
+          </a:p>
+        </p:txBody>
+      </p:sp>
+      <p:sp>
+        <p:nvSpPr>
+          <p:cNvPr id="9" name="TextBox 8">
+            <a:extLst>
+              <a:ext uri="{FF2B5EF4-FFF2-40B4-BE49-F238E27FC236}">
+                <a16:creationId xmlns:a16="http://schemas.microsoft.com/office/drawing/2014/main" id="{576FEA63-1D22-5F41-B6D2-97C2D809F89B}"/>
+              </a:ext>
+            </a:extLst>
+          </p:cNvPr>
+          <p:cNvSpPr txBox="1"/>
+          <p:nvPr/>
+        </p:nvSpPr>
+        <p:spPr>
+          <a:xfrm>
+            <a:off x="8269123" y="2719077"/>
+            <a:ext cx="3685624" cy="4185761"/>
+          </a:xfrm>
+          <a:prstGeom prst="rect">
+            <a:avLst/>
+          </a:prstGeom>
+          <a:noFill/>
+        </p:spPr>
+        <p:txBody>
+          <a:bodyPr wrap="none" rtlCol="0">
+            <a:spAutoFit/>
+          </a:bodyPr>
+          <a:lstStyle/>
+          <a:p>
+            <a:r>
+              <a:rPr lang="en-GB" sz="1400" dirty="0">
+                <a:latin typeface="Courier New" panose="02070309020205020404" pitchFamily="49" charset="0"/>
+                <a:cs typeface="Courier New" panose="02070309020205020404" pitchFamily="49" charset="0"/>
+              </a:rPr>
+              <a:t>.overview {</a:t>
+            </a:r>
+          </a:p>
+          <a:p>
+            <a:r>
+              <a:rPr lang="en-GB" sz="1400" dirty="0">
+                <a:latin typeface="Courier New" panose="02070309020205020404" pitchFamily="49" charset="0"/>
+                <a:cs typeface="Courier New" panose="02070309020205020404" pitchFamily="49" charset="0"/>
+              </a:rPr>
+              <a:t>	display: flex;</a:t>
+            </a:r>
+          </a:p>
+          <a:p>
+            <a:r>
+              <a:rPr lang="en-GB" sz="1400" dirty="0">
+                <a:latin typeface="Courier New" panose="02070309020205020404" pitchFamily="49" charset="0"/>
+                <a:cs typeface="Courier New" panose="02070309020205020404" pitchFamily="49" charset="0"/>
+              </a:rPr>
+              <a:t>	align-items: </a:t>
+            </a:r>
+            <a:r>
+              <a:rPr lang="en-GB" sz="1400" dirty="0" err="1">
+                <a:latin typeface="Courier New" panose="02070309020205020404" pitchFamily="49" charset="0"/>
+                <a:cs typeface="Courier New" panose="02070309020205020404" pitchFamily="49" charset="0"/>
+              </a:rPr>
+              <a:t>center</a:t>
+            </a:r>
+            <a:r>
+              <a:rPr lang="en-GB" sz="1400" dirty="0">
+                <a:latin typeface="Courier New" panose="02070309020205020404" pitchFamily="49" charset="0"/>
+                <a:cs typeface="Courier New" panose="02070309020205020404" pitchFamily="49" charset="0"/>
+              </a:rPr>
+              <a:t>;</a:t>
+            </a:r>
+          </a:p>
+          <a:p>
+            <a:endParaRPr lang="en-GB" sz="1400" dirty="0">
               <a:latin typeface="Courier New" panose="02070309020205020404" pitchFamily="49" charset="0"/>
               <a:cs typeface="Courier New" panose="02070309020205020404" pitchFamily="49" charset="0"/>
             </a:endParaRPr>
           </a:p>
           <a:p>
-            <a:pPr marL="0" indent="0">
-              <a:buNone/>
-            </a:pPr>
-            <a:r>
-              <a:rPr lang="en-GB" dirty="0">
-                <a:latin typeface="Courier New" panose="02070309020205020404" pitchFamily="49" charset="0"/>
-                <a:cs typeface="Courier New" panose="02070309020205020404" pitchFamily="49" charset="0"/>
-              </a:rPr>
-              <a:t>.item {</a:t>
-            </a:r>
-          </a:p>
-          <a:p>
-            <a:pPr marL="0" indent="0">
-              <a:buNone/>
-            </a:pPr>
-            <a:r>
-              <a:rPr lang="en-GB" dirty="0">
-                <a:latin typeface="Courier New" panose="02070309020205020404" pitchFamily="49" charset="0"/>
-                <a:cs typeface="Courier New" panose="02070309020205020404" pitchFamily="49" charset="0"/>
-              </a:rPr>
-              <a:t>  background-</a:t>
-            </a:r>
-            <a:r>
-              <a:rPr lang="en-GB" dirty="0" err="1">
-                <a:latin typeface="Courier New" panose="02070309020205020404" pitchFamily="49" charset="0"/>
-                <a:cs typeface="Courier New" panose="02070309020205020404" pitchFamily="49" charset="0"/>
-              </a:rPr>
-              <a:t>color</a:t>
-            </a:r>
-            <a:r>
-              <a:rPr lang="en-GB" dirty="0">
-                <a:latin typeface="Courier New" panose="02070309020205020404" pitchFamily="49" charset="0"/>
-                <a:cs typeface="Courier New" panose="02070309020205020404" pitchFamily="49" charset="0"/>
-              </a:rPr>
-              <a:t>: #f1425d;</a:t>
-            </a:r>
-          </a:p>
-          <a:p>
-            <a:pPr marL="0" indent="0">
-              <a:buNone/>
-            </a:pPr>
-            <a:r>
-              <a:rPr lang="en-GB" dirty="0">
-                <a:latin typeface="Courier New" panose="02070309020205020404" pitchFamily="49" charset="0"/>
-                <a:cs typeface="Courier New" panose="02070309020205020404" pitchFamily="49" charset="0"/>
-              </a:rPr>
-              <a:t>  padding: 30px;</a:t>
-            </a:r>
-          </a:p>
-          <a:p>
-            <a:pPr marL="0" indent="0">
-              <a:buNone/>
-            </a:pPr>
-            <a:r>
-              <a:rPr lang="en-GB" dirty="0">
-                <a:latin typeface="Courier New" panose="02070309020205020404" pitchFamily="49" charset="0"/>
-                <a:cs typeface="Courier New" panose="02070309020205020404" pitchFamily="49" charset="0"/>
-              </a:rPr>
-              <a:t>  margin: 30px;</a:t>
-            </a:r>
-          </a:p>
-          <a:p>
-            <a:pPr marL="0" indent="0">
-              <a:buNone/>
-            </a:pPr>
-            <a:r>
-              <a:rPr lang="en-GB" dirty="0">
-                <a:latin typeface="Courier New" panose="02070309020205020404" pitchFamily="49" charset="0"/>
-                <a:cs typeface="Courier New" panose="02070309020205020404" pitchFamily="49" charset="0"/>
-              </a:rPr>
-              <a:t>  </a:t>
-            </a:r>
-            <a:r>
-              <a:rPr lang="en-GB" dirty="0" err="1">
-                <a:latin typeface="Courier New" panose="02070309020205020404" pitchFamily="49" charset="0"/>
-                <a:cs typeface="Courier New" panose="02070309020205020404" pitchFamily="49" charset="0"/>
-              </a:rPr>
-              <a:t>color</a:t>
-            </a:r>
-            <a:r>
-              <a:rPr lang="en-GB" dirty="0">
-                <a:latin typeface="Courier New" panose="02070309020205020404" pitchFamily="49" charset="0"/>
-                <a:cs typeface="Courier New" panose="02070309020205020404" pitchFamily="49" charset="0"/>
-              </a:rPr>
-              <a:t>: #</a:t>
-            </a:r>
-            <a:r>
-              <a:rPr lang="en-GB" dirty="0" err="1">
-                <a:latin typeface="Courier New" panose="02070309020205020404" pitchFamily="49" charset="0"/>
-                <a:cs typeface="Courier New" panose="02070309020205020404" pitchFamily="49" charset="0"/>
-              </a:rPr>
-              <a:t>fff</a:t>
-            </a:r>
-            <a:r>
-              <a:rPr lang="en-GB" dirty="0">
+            <a:pPr lvl="1"/>
+            <a:r>
+              <a:rPr lang="en-GB" sz="1400" dirty="0">
+                <a:latin typeface="Courier New" panose="02070309020205020404" pitchFamily="49" charset="0"/>
+                <a:cs typeface="Courier New" panose="02070309020205020404" pitchFamily="49" charset="0"/>
+              </a:rPr>
+              <a:t>&amp;__location {</a:t>
+            </a:r>
+          </a:p>
+          <a:p>
+            <a:pPr lvl="1"/>
+            <a:r>
+              <a:rPr lang="en-GB" sz="1400" dirty="0">
+                <a:latin typeface="Courier New" panose="02070309020205020404" pitchFamily="49" charset="0"/>
+                <a:cs typeface="Courier New" panose="02070309020205020404" pitchFamily="49" charset="0"/>
+              </a:rPr>
+              <a:t>	display: flex;</a:t>
+            </a:r>
+          </a:p>
+          <a:p>
+            <a:pPr lvl="1"/>
+            <a:r>
+              <a:rPr lang="en-GB" sz="1400" dirty="0">
+                <a:latin typeface="Courier New" panose="02070309020205020404" pitchFamily="49" charset="0"/>
+                <a:cs typeface="Courier New" panose="02070309020205020404" pitchFamily="49" charset="0"/>
+              </a:rPr>
+              <a:t>	align-items: </a:t>
+            </a:r>
+            <a:r>
+              <a:rPr lang="en-GB" sz="1400" dirty="0" err="1">
+                <a:latin typeface="Courier New" panose="02070309020205020404" pitchFamily="49" charset="0"/>
+                <a:cs typeface="Courier New" panose="02070309020205020404" pitchFamily="49" charset="0"/>
+              </a:rPr>
+              <a:t>center</a:t>
+            </a:r>
+            <a:r>
+              <a:rPr lang="en-GB" sz="1400" dirty="0">
                 <a:latin typeface="Courier New" panose="02070309020205020404" pitchFamily="49" charset="0"/>
                 <a:cs typeface="Courier New" panose="02070309020205020404" pitchFamily="49" charset="0"/>
               </a:rPr>
@@ -4217,59 +4528,9 @@
             </a:r>
           </a:p>
           <a:p>
-            <a:pPr marL="0" indent="0">
-              <a:buNone/>
-            </a:pPr>
-            <a:r>
-              <a:rPr lang="en-GB" dirty="0">
-                <a:latin typeface="Courier New" panose="02070309020205020404" pitchFamily="49" charset="0"/>
-                <a:cs typeface="Courier New" panose="02070309020205020404" pitchFamily="49" charset="0"/>
-              </a:rPr>
-              <a:t>  font-size: 40px;</a:t>
-            </a:r>
-          </a:p>
-          <a:p>
-            <a:pPr marL="0" indent="0">
-              <a:buNone/>
-            </a:pPr>
-            <a:r>
-              <a:rPr lang="en-GB" dirty="0">
-                <a:latin typeface="Courier New" panose="02070309020205020404" pitchFamily="49" charset="0"/>
-                <a:cs typeface="Courier New" panose="02070309020205020404" pitchFamily="49" charset="0"/>
-              </a:rPr>
-              <a:t>  </a:t>
-            </a:r>
-          </a:p>
-          <a:p>
-            <a:pPr marL="0" indent="0">
-              <a:buNone/>
-            </a:pPr>
-            <a:r>
-              <a:rPr lang="en-GB" dirty="0">
-                <a:latin typeface="Courier New" panose="02070309020205020404" pitchFamily="49" charset="0"/>
-                <a:cs typeface="Courier New" panose="02070309020205020404" pitchFamily="49" charset="0"/>
-              </a:rPr>
-              <a:t>/*   flex-grow: 1; */</a:t>
-            </a:r>
-          </a:p>
-          <a:p>
-            <a:pPr marL="0" indent="0">
-              <a:buNone/>
-            </a:pPr>
-            <a:r>
-              <a:rPr lang="en-GB" dirty="0">
-                <a:latin typeface="Courier New" panose="02070309020205020404" pitchFamily="49" charset="0"/>
-                <a:cs typeface="Courier New" panose="02070309020205020404" pitchFamily="49" charset="0"/>
-              </a:rPr>
-              <a:t>/*   flex: 1; */</a:t>
-            </a:r>
-          </a:p>
-          <a:p>
-            <a:pPr marL="0" indent="0">
-              <a:buNone/>
-            </a:pPr>
-            <a:r>
-              <a:rPr lang="en-GB" dirty="0">
+            <a:pPr lvl="1"/>
+            <a:r>
+              <a:rPr lang="en-GB" sz="1400" dirty="0">
                 <a:latin typeface="Courier New" panose="02070309020205020404" pitchFamily="49" charset="0"/>
                 <a:cs typeface="Courier New" panose="02070309020205020404" pitchFamily="49" charset="0"/>
               </a:rPr>
@@ -4277,20 +4538,617 @@
             </a:r>
           </a:p>
           <a:p>
-            <a:pPr marL="0" indent="0">
-              <a:buNone/>
-            </a:pPr>
-            <a:endParaRPr lang="en-GB" dirty="0">
+            <a:pPr lvl="1"/>
+            <a:endParaRPr lang="en-GB" sz="1400" dirty="0">
               <a:latin typeface="Courier New" panose="02070309020205020404" pitchFamily="49" charset="0"/>
               <a:cs typeface="Courier New" panose="02070309020205020404" pitchFamily="49" charset="0"/>
             </a:endParaRPr>
           </a:p>
-        </p:txBody>
-      </p:sp>
+          <a:p>
+            <a:r>
+              <a:rPr lang="en-GB" sz="1400" dirty="0">
+                <a:latin typeface="Courier New" panose="02070309020205020404" pitchFamily="49" charset="0"/>
+                <a:cs typeface="Courier New" panose="02070309020205020404" pitchFamily="49" charset="0"/>
+              </a:rPr>
+              <a:t>	&amp;__rating {</a:t>
+            </a:r>
+          </a:p>
+          <a:p>
+            <a:r>
+              <a:rPr lang="en-GB" sz="1400" dirty="0">
+                <a:latin typeface="Courier New" panose="02070309020205020404" pitchFamily="49" charset="0"/>
+                <a:cs typeface="Courier New" panose="02070309020205020404" pitchFamily="49" charset="0"/>
+              </a:rPr>
+              <a:t>		align-self: stretch;</a:t>
+            </a:r>
+          </a:p>
+          <a:p>
+            <a:br>
+              <a:rPr lang="en-GB" sz="1400" dirty="0">
+                <a:latin typeface="Courier New" panose="02070309020205020404" pitchFamily="49" charset="0"/>
+                <a:cs typeface="Courier New" panose="02070309020205020404" pitchFamily="49" charset="0"/>
+              </a:rPr>
+            </a:br>
+            <a:r>
+              <a:rPr lang="en-GB" sz="1400" dirty="0">
+                <a:latin typeface="Courier New" panose="02070309020205020404" pitchFamily="49" charset="0"/>
+                <a:cs typeface="Courier New" panose="02070309020205020404" pitchFamily="49" charset="0"/>
+              </a:rPr>
+              <a:t>		display: flex;</a:t>
+            </a:r>
+          </a:p>
+          <a:p>
+            <a:r>
+              <a:rPr lang="en-GB" sz="1400" dirty="0">
+                <a:latin typeface="Courier New" panose="02070309020205020404" pitchFamily="49" charset="0"/>
+                <a:cs typeface="Courier New" panose="02070309020205020404" pitchFamily="49" charset="0"/>
+              </a:rPr>
+              <a:t>		flex-direction: column;</a:t>
+            </a:r>
+          </a:p>
+          <a:p>
+            <a:r>
+              <a:rPr lang="en-GB" sz="1400" dirty="0">
+                <a:latin typeface="Courier New" panose="02070309020205020404" pitchFamily="49" charset="0"/>
+                <a:cs typeface="Courier New" panose="02070309020205020404" pitchFamily="49" charset="0"/>
+              </a:rPr>
+              <a:t>		align-items: </a:t>
+            </a:r>
+            <a:r>
+              <a:rPr lang="en-GB" sz="1400" dirty="0" err="1">
+                <a:latin typeface="Courier New" panose="02070309020205020404" pitchFamily="49" charset="0"/>
+                <a:cs typeface="Courier New" panose="02070309020205020404" pitchFamily="49" charset="0"/>
+              </a:rPr>
+              <a:t>center</a:t>
+            </a:r>
+            <a:r>
+              <a:rPr lang="en-GB" sz="1400" dirty="0">
+                <a:latin typeface="Courier New" panose="02070309020205020404" pitchFamily="49" charset="0"/>
+                <a:cs typeface="Courier New" panose="02070309020205020404" pitchFamily="49" charset="0"/>
+              </a:rPr>
+              <a:t>;</a:t>
+            </a:r>
+          </a:p>
+          <a:p>
+            <a:r>
+              <a:rPr lang="en-GB" sz="1400" dirty="0">
+                <a:latin typeface="Courier New" panose="02070309020205020404" pitchFamily="49" charset="0"/>
+                <a:cs typeface="Courier New" panose="02070309020205020404" pitchFamily="49" charset="0"/>
+              </a:rPr>
+              <a:t>		justify-content: </a:t>
+            </a:r>
+            <a:r>
+              <a:rPr lang="en-GB" sz="1400" dirty="0" err="1">
+                <a:latin typeface="Courier New" panose="02070309020205020404" pitchFamily="49" charset="0"/>
+                <a:cs typeface="Courier New" panose="02070309020205020404" pitchFamily="49" charset="0"/>
+              </a:rPr>
+              <a:t>center</a:t>
+            </a:r>
+            <a:r>
+              <a:rPr lang="en-GB" sz="1400" dirty="0">
+                <a:latin typeface="Courier New" panose="02070309020205020404" pitchFamily="49" charset="0"/>
+                <a:cs typeface="Courier New" panose="02070309020205020404" pitchFamily="49" charset="0"/>
+              </a:rPr>
+              <a:t>;</a:t>
+            </a:r>
+          </a:p>
+          <a:p>
+            <a:r>
+              <a:rPr lang="en-GB" sz="1400" dirty="0">
+                <a:latin typeface="Courier New" panose="02070309020205020404" pitchFamily="49" charset="0"/>
+                <a:cs typeface="Courier New" panose="02070309020205020404" pitchFamily="49" charset="0"/>
+              </a:rPr>
+              <a:t>	}</a:t>
+            </a:r>
+          </a:p>
+          <a:p>
+            <a:endParaRPr lang="en-GB" sz="1400" dirty="0">
+              <a:latin typeface="Courier New" panose="02070309020205020404" pitchFamily="49" charset="0"/>
+              <a:cs typeface="Courier New" panose="02070309020205020404" pitchFamily="49" charset="0"/>
+            </a:endParaRPr>
+          </a:p>
+          <a:p>
+            <a:r>
+              <a:rPr lang="en-US" sz="1400" dirty="0">
+                <a:latin typeface="Courier New" panose="02070309020205020404" pitchFamily="49" charset="0"/>
+                <a:cs typeface="Courier New" panose="02070309020205020404" pitchFamily="49" charset="0"/>
+              </a:rPr>
+              <a:t>}</a:t>
+            </a:r>
+          </a:p>
+        </p:txBody>
+      </p:sp>
+      <p:sp>
+        <p:nvSpPr>
+          <p:cNvPr id="10" name="TextBox 9">
+            <a:extLst>
+              <a:ext uri="{FF2B5EF4-FFF2-40B4-BE49-F238E27FC236}">
+                <a16:creationId xmlns:a16="http://schemas.microsoft.com/office/drawing/2014/main" id="{714BAE38-70AC-4443-B6FE-246CCFADF443}"/>
+              </a:ext>
+            </a:extLst>
+          </p:cNvPr>
+          <p:cNvSpPr txBox="1"/>
+          <p:nvPr/>
+        </p:nvSpPr>
+        <p:spPr>
+          <a:xfrm>
+            <a:off x="6544300" y="678755"/>
+            <a:ext cx="5647700" cy="2554545"/>
+          </a:xfrm>
+          <a:prstGeom prst="rect">
+            <a:avLst/>
+          </a:prstGeom>
+          <a:noFill/>
+        </p:spPr>
+        <p:txBody>
+          <a:bodyPr wrap="none" rtlCol="0">
+            <a:spAutoFit/>
+          </a:bodyPr>
+          <a:lstStyle/>
+          <a:p>
+            <a:r>
+              <a:rPr lang="en-GB" sz="1400" dirty="0">
+                <a:solidFill>
+                  <a:srgbClr val="FFC000"/>
+                </a:solidFill>
+                <a:latin typeface="Courier New" panose="02070309020205020404" pitchFamily="49" charset="0"/>
+                <a:cs typeface="Courier New" panose="02070309020205020404" pitchFamily="49" charset="0"/>
+              </a:rPr>
+              <a:t>.gallery {</a:t>
+            </a:r>
+          </a:p>
+          <a:p>
+            <a:r>
+              <a:rPr lang="en-GB" sz="1400" dirty="0">
+                <a:solidFill>
+                  <a:srgbClr val="FFC000"/>
+                </a:solidFill>
+                <a:latin typeface="Courier New" panose="02070309020205020404" pitchFamily="49" charset="0"/>
+                <a:cs typeface="Courier New" panose="02070309020205020404" pitchFamily="49" charset="0"/>
+              </a:rPr>
+              <a:t>	display: flex;</a:t>
+            </a:r>
+          </a:p>
+          <a:p>
+            <a:br>
+              <a:rPr lang="en-GB" sz="1400" dirty="0">
+                <a:solidFill>
+                  <a:srgbClr val="FFC000"/>
+                </a:solidFill>
+                <a:latin typeface="Courier New" panose="02070309020205020404" pitchFamily="49" charset="0"/>
+                <a:cs typeface="Courier New" panose="02070309020205020404" pitchFamily="49" charset="0"/>
+              </a:rPr>
+            </a:br>
+            <a:r>
+              <a:rPr lang="en-GB" sz="1400" dirty="0">
+                <a:solidFill>
+                  <a:srgbClr val="FFC000"/>
+                </a:solidFill>
+                <a:latin typeface="Courier New" panose="02070309020205020404" pitchFamily="49" charset="0"/>
+                <a:cs typeface="Courier New" panose="02070309020205020404" pitchFamily="49" charset="0"/>
+              </a:rPr>
+              <a:t>	&amp;__photo {</a:t>
+            </a:r>
+          </a:p>
+          <a:p>
+            <a:r>
+              <a:rPr lang="en-GB" sz="1400" dirty="0">
+                <a:solidFill>
+                  <a:srgbClr val="FFC000"/>
+                </a:solidFill>
+                <a:latin typeface="Courier New" panose="02070309020205020404" pitchFamily="49" charset="0"/>
+                <a:cs typeface="Courier New" panose="02070309020205020404" pitchFamily="49" charset="0"/>
+              </a:rPr>
+              <a:t>		width: 100%; </a:t>
+            </a:r>
+          </a:p>
+          <a:p>
+            <a:r>
+              <a:rPr lang="en-GB" sz="1000" dirty="0">
+                <a:latin typeface="Courier New" panose="02070309020205020404" pitchFamily="49" charset="0"/>
+                <a:cs typeface="Courier New" panose="02070309020205020404" pitchFamily="49" charset="0"/>
+              </a:rPr>
+              <a:t>//for responsive images should always set width &amp; height in percentages</a:t>
+            </a:r>
+          </a:p>
+          <a:p>
+            <a:r>
+              <a:rPr lang="en-GB" sz="1400" dirty="0">
+                <a:latin typeface="Courier New" panose="02070309020205020404" pitchFamily="49" charset="0"/>
+                <a:cs typeface="Courier New" panose="02070309020205020404" pitchFamily="49" charset="0"/>
+              </a:rPr>
+              <a:t>		display: block; </a:t>
+            </a:r>
+          </a:p>
+          <a:p>
+            <a:r>
+              <a:rPr lang="en-GB" sz="1000" dirty="0">
+                <a:latin typeface="Courier New" panose="02070309020205020404" pitchFamily="49" charset="0"/>
+                <a:cs typeface="Courier New" panose="02070309020205020404" pitchFamily="49" charset="0"/>
+              </a:rPr>
+              <a:t>//stops it having a space underneath the image which it would get if </a:t>
+            </a:r>
+          </a:p>
+          <a:p>
+            <a:r>
+              <a:rPr lang="en-GB" sz="1000" dirty="0">
+                <a:latin typeface="Courier New" panose="02070309020205020404" pitchFamily="49" charset="0"/>
+                <a:cs typeface="Courier New" panose="02070309020205020404" pitchFamily="49" charset="0"/>
+              </a:rPr>
+              <a:t>it was an inline element</a:t>
+            </a:r>
+          </a:p>
+          <a:p>
+            <a:r>
+              <a:rPr lang="en-GB" sz="1400" dirty="0">
+                <a:latin typeface="Courier New" panose="02070309020205020404" pitchFamily="49" charset="0"/>
+                <a:cs typeface="Courier New" panose="02070309020205020404" pitchFamily="49" charset="0"/>
+              </a:rPr>
+              <a:t>	}</a:t>
+            </a:r>
+          </a:p>
+          <a:p>
+            <a:r>
+              <a:rPr lang="en-GB" sz="1400" dirty="0">
+                <a:latin typeface="Courier New" panose="02070309020205020404" pitchFamily="49" charset="0"/>
+                <a:cs typeface="Courier New" panose="02070309020205020404" pitchFamily="49" charset="0"/>
+              </a:rPr>
+              <a:t>}</a:t>
+            </a:r>
+          </a:p>
+          <a:p>
+            <a:endParaRPr lang="en-US" dirty="0"/>
+          </a:p>
+        </p:txBody>
+      </p:sp>
+      <p:cxnSp>
+        <p:nvCxnSpPr>
+          <p:cNvPr id="12" name="Straight Arrow Connector 11">
+            <a:extLst>
+              <a:ext uri="{FF2B5EF4-FFF2-40B4-BE49-F238E27FC236}">
+                <a16:creationId xmlns:a16="http://schemas.microsoft.com/office/drawing/2014/main" id="{0936FE4B-3995-5D40-9F72-A20FDB2667B2}"/>
+              </a:ext>
+            </a:extLst>
+          </p:cNvPr>
+          <p:cNvCxnSpPr/>
+          <p:nvPr/>
+        </p:nvCxnSpPr>
+        <p:spPr>
+          <a:xfrm>
+            <a:off x="2544417" y="2636632"/>
+            <a:ext cx="1192696" cy="702916"/>
+          </a:xfrm>
+          <a:prstGeom prst="straightConnector1">
+            <a:avLst/>
+          </a:prstGeom>
+          <a:ln>
+            <a:solidFill>
+              <a:srgbClr val="FFC000"/>
+            </a:solidFill>
+            <a:tailEnd type="triangle"/>
+          </a:ln>
+        </p:spPr>
+        <p:style>
+          <a:lnRef idx="1">
+            <a:schemeClr val="accent1"/>
+          </a:lnRef>
+          <a:fillRef idx="0">
+            <a:schemeClr val="accent1"/>
+          </a:fillRef>
+          <a:effectRef idx="0">
+            <a:schemeClr val="accent1"/>
+          </a:effectRef>
+          <a:fontRef idx="minor">
+            <a:schemeClr val="tx1"/>
+          </a:fontRef>
+        </p:style>
+      </p:cxnSp>
+      <p:cxnSp>
+        <p:nvCxnSpPr>
+          <p:cNvPr id="14" name="Straight Arrow Connector 13">
+            <a:extLst>
+              <a:ext uri="{FF2B5EF4-FFF2-40B4-BE49-F238E27FC236}">
+                <a16:creationId xmlns:a16="http://schemas.microsoft.com/office/drawing/2014/main" id="{F9AA0A58-3F41-234F-94F1-9D6E1028BDF3}"/>
+              </a:ext>
+            </a:extLst>
+          </p:cNvPr>
+          <p:cNvCxnSpPr/>
+          <p:nvPr/>
+        </p:nvCxnSpPr>
+        <p:spPr>
+          <a:xfrm>
+            <a:off x="2027860" y="4114800"/>
+            <a:ext cx="2089435" cy="527517"/>
+          </a:xfrm>
+          <a:prstGeom prst="straightConnector1">
+            <a:avLst/>
+          </a:prstGeom>
+          <a:ln>
+            <a:solidFill>
+              <a:srgbClr val="FFC000"/>
+            </a:solidFill>
+            <a:tailEnd type="triangle"/>
+          </a:ln>
+        </p:spPr>
+        <p:style>
+          <a:lnRef idx="1">
+            <a:schemeClr val="accent1"/>
+          </a:lnRef>
+          <a:fillRef idx="0">
+            <a:schemeClr val="accent1"/>
+          </a:fillRef>
+          <a:effectRef idx="0">
+            <a:schemeClr val="accent1"/>
+          </a:effectRef>
+          <a:fontRef idx="minor">
+            <a:schemeClr val="tx1"/>
+          </a:fontRef>
+        </p:style>
+      </p:cxnSp>
+      <p:cxnSp>
+        <p:nvCxnSpPr>
+          <p:cNvPr id="16" name="Elbow Connector 15">
+            <a:extLst>
+              <a:ext uri="{FF2B5EF4-FFF2-40B4-BE49-F238E27FC236}">
+                <a16:creationId xmlns:a16="http://schemas.microsoft.com/office/drawing/2014/main" id="{C1A0097B-ADFB-8942-8E27-555A086EFB60}"/>
+              </a:ext>
+            </a:extLst>
+          </p:cNvPr>
+          <p:cNvCxnSpPr>
+            <a:cxnSpLocks/>
+          </p:cNvCxnSpPr>
+          <p:nvPr/>
+        </p:nvCxnSpPr>
+        <p:spPr>
+          <a:xfrm>
+            <a:off x="2623930" y="5655024"/>
+            <a:ext cx="4082899" cy="341"/>
+          </a:xfrm>
+          <a:prstGeom prst="bentConnector3">
+            <a:avLst/>
+          </a:prstGeom>
+          <a:ln>
+            <a:solidFill>
+              <a:srgbClr val="FFC000"/>
+            </a:solidFill>
+            <a:tailEnd type="triangle"/>
+          </a:ln>
+        </p:spPr>
+        <p:style>
+          <a:lnRef idx="1">
+            <a:schemeClr val="accent1"/>
+          </a:lnRef>
+          <a:fillRef idx="0">
+            <a:schemeClr val="accent1"/>
+          </a:fillRef>
+          <a:effectRef idx="0">
+            <a:schemeClr val="accent1"/>
+          </a:effectRef>
+          <a:fontRef idx="minor">
+            <a:schemeClr val="tx1"/>
+          </a:fontRef>
+        </p:style>
+      </p:cxnSp>
+      <p:cxnSp>
+        <p:nvCxnSpPr>
+          <p:cNvPr id="18" name="Straight Arrow Connector 17">
+            <a:extLst>
+              <a:ext uri="{FF2B5EF4-FFF2-40B4-BE49-F238E27FC236}">
+                <a16:creationId xmlns:a16="http://schemas.microsoft.com/office/drawing/2014/main" id="{26BB2905-6468-DE44-BF6D-E78E98DD9307}"/>
+              </a:ext>
+            </a:extLst>
+          </p:cNvPr>
+          <p:cNvCxnSpPr/>
+          <p:nvPr/>
+        </p:nvCxnSpPr>
+        <p:spPr>
+          <a:xfrm flipV="1">
+            <a:off x="6095999" y="4475751"/>
+            <a:ext cx="607213" cy="1179273"/>
+          </a:xfrm>
+          <a:prstGeom prst="straightConnector1">
+            <a:avLst/>
+          </a:prstGeom>
+          <a:ln>
+            <a:solidFill>
+              <a:srgbClr val="FFC000"/>
+            </a:solidFill>
+            <a:tailEnd type="triangle"/>
+          </a:ln>
+        </p:spPr>
+        <p:style>
+          <a:lnRef idx="1">
+            <a:schemeClr val="accent1"/>
+          </a:lnRef>
+          <a:fillRef idx="0">
+            <a:schemeClr val="accent1"/>
+          </a:fillRef>
+          <a:effectRef idx="0">
+            <a:schemeClr val="accent1"/>
+          </a:effectRef>
+          <a:fontRef idx="minor">
+            <a:schemeClr val="tx1"/>
+          </a:fontRef>
+        </p:style>
+      </p:cxnSp>
+      <p:cxnSp>
+        <p:nvCxnSpPr>
+          <p:cNvPr id="21" name="Straight Arrow Connector 20">
+            <a:extLst>
+              <a:ext uri="{FF2B5EF4-FFF2-40B4-BE49-F238E27FC236}">
+                <a16:creationId xmlns:a16="http://schemas.microsoft.com/office/drawing/2014/main" id="{A82A4079-9EBD-CF4F-A59A-E9378BAD8C3C}"/>
+              </a:ext>
+            </a:extLst>
+          </p:cNvPr>
+          <p:cNvCxnSpPr>
+            <a:stCxn id="10" idx="1"/>
+          </p:cNvCxnSpPr>
+          <p:nvPr/>
+        </p:nvCxnSpPr>
+        <p:spPr>
+          <a:xfrm flipH="1">
+            <a:off x="5883965" y="1956028"/>
+            <a:ext cx="660335" cy="680604"/>
+          </a:xfrm>
+          <a:prstGeom prst="straightConnector1">
+            <a:avLst/>
+          </a:prstGeom>
+          <a:ln>
+            <a:solidFill>
+              <a:srgbClr val="FFC000"/>
+            </a:solidFill>
+            <a:tailEnd type="triangle"/>
+          </a:ln>
+        </p:spPr>
+        <p:style>
+          <a:lnRef idx="1">
+            <a:schemeClr val="accent1"/>
+          </a:lnRef>
+          <a:fillRef idx="0">
+            <a:schemeClr val="accent1"/>
+          </a:fillRef>
+          <a:effectRef idx="0">
+            <a:schemeClr val="accent1"/>
+          </a:effectRef>
+          <a:fontRef idx="minor">
+            <a:schemeClr val="tx1"/>
+          </a:fontRef>
+        </p:style>
+      </p:cxnSp>
+      <p:cxnSp>
+        <p:nvCxnSpPr>
+          <p:cNvPr id="23" name="Straight Arrow Connector 22">
+            <a:extLst>
+              <a:ext uri="{FF2B5EF4-FFF2-40B4-BE49-F238E27FC236}">
+                <a16:creationId xmlns:a16="http://schemas.microsoft.com/office/drawing/2014/main" id="{A13DCB72-B5D9-4744-8DAF-8EE5C7E39F3A}"/>
+              </a:ext>
+            </a:extLst>
+          </p:cNvPr>
+          <p:cNvCxnSpPr/>
+          <p:nvPr/>
+        </p:nvCxnSpPr>
+        <p:spPr>
+          <a:xfrm flipH="1" flipV="1">
+            <a:off x="8189843" y="3786809"/>
+            <a:ext cx="596348" cy="1025148"/>
+          </a:xfrm>
+          <a:prstGeom prst="straightConnector1">
+            <a:avLst/>
+          </a:prstGeom>
+          <a:ln>
+            <a:solidFill>
+              <a:srgbClr val="FFC000"/>
+            </a:solidFill>
+            <a:tailEnd type="triangle"/>
+          </a:ln>
+        </p:spPr>
+        <p:style>
+          <a:lnRef idx="1">
+            <a:schemeClr val="accent1"/>
+          </a:lnRef>
+          <a:fillRef idx="0">
+            <a:schemeClr val="accent1"/>
+          </a:fillRef>
+          <a:effectRef idx="0">
+            <a:schemeClr val="accent1"/>
+          </a:effectRef>
+          <a:fontRef idx="minor">
+            <a:schemeClr val="tx1"/>
+          </a:fontRef>
+        </p:style>
+      </p:cxnSp>
+      <p:cxnSp>
+        <p:nvCxnSpPr>
+          <p:cNvPr id="27" name="Elbow Connector 26">
+            <a:extLst>
+              <a:ext uri="{FF2B5EF4-FFF2-40B4-BE49-F238E27FC236}">
+                <a16:creationId xmlns:a16="http://schemas.microsoft.com/office/drawing/2014/main" id="{0F86A6E4-E6C8-F34C-B0EA-BD64B9DC6EF8}"/>
+              </a:ext>
+            </a:extLst>
+          </p:cNvPr>
+          <p:cNvCxnSpPr>
+            <a:cxnSpLocks/>
+          </p:cNvCxnSpPr>
+          <p:nvPr/>
+        </p:nvCxnSpPr>
+        <p:spPr>
+          <a:xfrm rot="10800000">
+            <a:off x="7809663" y="3624704"/>
+            <a:ext cx="976528" cy="194517"/>
+          </a:xfrm>
+          <a:prstGeom prst="bentConnector3">
+            <a:avLst>
+              <a:gd name="adj1" fmla="val 50000"/>
+            </a:avLst>
+          </a:prstGeom>
+          <a:ln>
+            <a:solidFill>
+              <a:srgbClr val="FFC000"/>
+            </a:solidFill>
+            <a:tailEnd type="triangle"/>
+          </a:ln>
+        </p:spPr>
+        <p:style>
+          <a:lnRef idx="1">
+            <a:schemeClr val="accent1"/>
+          </a:lnRef>
+          <a:fillRef idx="0">
+            <a:schemeClr val="accent1"/>
+          </a:fillRef>
+          <a:effectRef idx="0">
+            <a:schemeClr val="accent1"/>
+          </a:effectRef>
+          <a:fontRef idx="minor">
+            <a:schemeClr val="tx1"/>
+          </a:fontRef>
+        </p:style>
+      </p:cxnSp>
+      <p:cxnSp>
+        <p:nvCxnSpPr>
+          <p:cNvPr id="31" name="Elbow Connector 30">
+            <a:extLst>
+              <a:ext uri="{FF2B5EF4-FFF2-40B4-BE49-F238E27FC236}">
+                <a16:creationId xmlns:a16="http://schemas.microsoft.com/office/drawing/2014/main" id="{C19DDCBE-A1F7-4744-90C3-7225085E2BB9}"/>
+              </a:ext>
+            </a:extLst>
+          </p:cNvPr>
+          <p:cNvCxnSpPr/>
+          <p:nvPr/>
+        </p:nvCxnSpPr>
+        <p:spPr>
+          <a:xfrm rot="10800000" flipV="1">
+            <a:off x="6055703" y="3093159"/>
+            <a:ext cx="2432314" cy="531542"/>
+          </a:xfrm>
+          <a:prstGeom prst="bentConnector3">
+            <a:avLst/>
+          </a:prstGeom>
+          <a:ln>
+            <a:solidFill>
+              <a:srgbClr val="FFC000"/>
+            </a:solidFill>
+            <a:tailEnd type="triangle"/>
+          </a:ln>
+        </p:spPr>
+        <p:style>
+          <a:lnRef idx="1">
+            <a:schemeClr val="accent1"/>
+          </a:lnRef>
+          <a:fillRef idx="0">
+            <a:schemeClr val="accent1"/>
+          </a:fillRef>
+          <a:effectRef idx="0">
+            <a:schemeClr val="accent1"/>
+          </a:effectRef>
+          <a:fontRef idx="minor">
+            <a:schemeClr val="tx1"/>
+          </a:fontRef>
+        </p:style>
+      </p:cxnSp>
     </p:spTree>
     <p:extLst>
       <p:ext uri="{BB962C8B-B14F-4D97-AF65-F5344CB8AC3E}">
-        <p14:creationId xmlns:p14="http://schemas.microsoft.com/office/powerpoint/2010/main" val="128289492"/>
+        <p14:creationId xmlns:p14="http://schemas.microsoft.com/office/powerpoint/2010/main" val="765969685"/>
       </p:ext>
     </p:extLst>
   </p:cSld>
@@ -4322,7 +5180,7 @@
           <p:cNvPr id="2" name="Title 1">
             <a:extLst>
               <a:ext uri="{FF2B5EF4-FFF2-40B4-BE49-F238E27FC236}">
-                <a16:creationId xmlns:a16="http://schemas.microsoft.com/office/drawing/2014/main" id="{386AA8E3-444F-B144-AC31-9655556A864C}"/>
+                <a16:creationId xmlns:a16="http://schemas.microsoft.com/office/drawing/2014/main" id="{1A3D8B9C-2BE6-5E4C-A31E-C68497B89FBB}"/>
               </a:ext>
             </a:extLst>
           </p:cNvPr>
@@ -4340,21 +5198,16 @@
           <a:p>
             <a:r>
               <a:rPr lang="en-US" dirty="0"/>
-              <a:t>Example code for playing with in </a:t>
-            </a:r>
-            <a:r>
-              <a:rPr lang="en-US" dirty="0" err="1"/>
-              <a:t>codepen</a:t>
-            </a:r>
-            <a:r>
-              <a:rPr lang="en-US" dirty="0"/>
-              <a:t> - </a:t>
+              <a:t>Custom properties / </a:t>
             </a:r>
             <a:r>
               <a:rPr lang="en-US" dirty="0" err="1"/>
               <a:t>css</a:t>
             </a:r>
-            <a:endParaRPr lang="en-US" dirty="0"/>
+            <a:r>
+              <a:rPr lang="en-US" dirty="0"/>
+              <a:t> variables</a:t>
+            </a:r>
           </a:p>
         </p:txBody>
       </p:sp>
@@ -4363,7 +5216,7 @@
           <p:cNvPr id="3" name="Content Placeholder 2">
             <a:extLst>
               <a:ext uri="{FF2B5EF4-FFF2-40B4-BE49-F238E27FC236}">
-                <a16:creationId xmlns:a16="http://schemas.microsoft.com/office/drawing/2014/main" id="{68B408C5-344B-8E4B-AA6D-F77D632B3A1D}"/>
+                <a16:creationId xmlns:a16="http://schemas.microsoft.com/office/drawing/2014/main" id="{A737F5A0-A157-C045-AF13-50AA191991AE}"/>
               </a:ext>
             </a:extLst>
           </p:cNvPr>
@@ -4374,22 +5227,55 @@
             <p:ph idx="1"/>
           </p:nvPr>
         </p:nvSpPr>
-        <p:spPr/>
+        <p:spPr>
+          <a:xfrm>
+            <a:off x="581192" y="2180496"/>
+            <a:ext cx="11385521" cy="3678303"/>
+          </a:xfrm>
+        </p:spPr>
         <p:txBody>
           <a:bodyPr>
-            <a:normAutofit fontScale="92500" lnSpcReduction="20000"/>
+            <a:normAutofit lnSpcReduction="10000"/>
           </a:bodyPr>
           <a:lstStyle/>
+          <a:p>
+            <a:r>
+              <a:rPr lang="en-US" dirty="0"/>
+              <a:t>Use variables in CSS rather than in SCSS</a:t>
+            </a:r>
+          </a:p>
+          <a:p>
+            <a:r>
+              <a:rPr lang="en-US" dirty="0"/>
+              <a:t>Can manipulate in JavaScript and edit them in dev tools</a:t>
+            </a:r>
+          </a:p>
+          <a:p>
+            <a:r>
+              <a:rPr lang="en-US" dirty="0"/>
+              <a:t>CSS variables cascade and are inherited</a:t>
+            </a:r>
+          </a:p>
+          <a:p>
+            <a:r>
+              <a:rPr lang="en-US" dirty="0"/>
+              <a:t>Have to be defined in a declaration block (best to put in root pseudo class – like html selector but higher specificity):</a:t>
+            </a:r>
+            <a:br>
+              <a:rPr lang="en-US" dirty="0"/>
+            </a:br>
+            <a:endParaRPr lang="en-US" dirty="0"/>
+          </a:p>
           <a:p>
             <a:pPr marL="0" indent="0">
               <a:buNone/>
             </a:pPr>
             <a:r>
-              <a:rPr lang="en-GB" dirty="0">
-                <a:latin typeface="Courier New" panose="02070309020205020404" pitchFamily="49" charset="0"/>
-                <a:cs typeface="Courier New" panose="02070309020205020404" pitchFamily="49" charset="0"/>
-              </a:rPr>
-              <a:t>.i2 {</a:t>
+              <a:rPr lang="en-US" dirty="0">
+                <a:latin typeface="Courier New" panose="02070309020205020404" pitchFamily="49" charset="0"/>
+                <a:cs typeface="Courier New" panose="02070309020205020404" pitchFamily="49" charset="0"/>
+              </a:rPr>
+              <a:t>:root {</a:t>
             </a:r>
           </a:p>
           <a:p>
@@ -4397,11 +5283,11 @@
               <a:buNone/>
             </a:pPr>
             <a:r>
-              <a:rPr lang="en-GB" dirty="0">
-                <a:latin typeface="Courier New" panose="02070309020205020404" pitchFamily="49" charset="0"/>
-                <a:cs typeface="Courier New" panose="02070309020205020404" pitchFamily="49" charset="0"/>
-              </a:rPr>
-              <a:t>  height: 200px;</a:t>
+              <a:rPr lang="en-US" dirty="0">
+                <a:latin typeface="Courier New" panose="02070309020205020404" pitchFamily="49" charset="0"/>
+                <a:cs typeface="Courier New" panose="02070309020205020404" pitchFamily="49" charset="0"/>
+              </a:rPr>
+              <a:t>	--color-primary: #eb2f64;</a:t>
             </a:r>
           </a:p>
           <a:p>
@@ -4409,107 +5295,140 @@
               <a:buNone/>
             </a:pPr>
             <a:r>
-              <a:rPr lang="en-GB" dirty="0">
-                <a:latin typeface="Courier New" panose="02070309020205020404" pitchFamily="49" charset="0"/>
-                <a:cs typeface="Courier New" panose="02070309020205020404" pitchFamily="49" charset="0"/>
-              </a:rPr>
-              <a:t>/*   order: 2; */</a:t>
+              <a:rPr lang="en-US" dirty="0">
+                <a:latin typeface="Courier New" panose="02070309020205020404" pitchFamily="49" charset="0"/>
+                <a:cs typeface="Courier New" panose="02070309020205020404" pitchFamily="49" charset="0"/>
+              </a:rPr>
+              <a:t>}</a:t>
             </a:r>
           </a:p>
           <a:p>
             <a:pPr marL="0" indent="0">
               <a:buNone/>
             </a:pPr>
-            <a:r>
-              <a:rPr lang="en-GB" dirty="0">
-                <a:latin typeface="Courier New" panose="02070309020205020404" pitchFamily="49" charset="0"/>
-                <a:cs typeface="Courier New" panose="02070309020205020404" pitchFamily="49" charset="0"/>
-              </a:rPr>
-              <a:t>/*   flex: 2; */</a:t>
-            </a:r>
+            <a:endParaRPr lang="en-US" dirty="0">
+              <a:latin typeface="Courier New" panose="02070309020205020404" pitchFamily="49" charset="0"/>
+              <a:cs typeface="Courier New" panose="02070309020205020404" pitchFamily="49" charset="0"/>
+            </a:endParaRPr>
           </a:p>
           <a:p>
             <a:pPr marL="0" indent="0">
               <a:buNone/>
             </a:pPr>
             <a:r>
-              <a:rPr lang="en-GB" dirty="0">
-                <a:latin typeface="Courier New" panose="02070309020205020404" pitchFamily="49" charset="0"/>
-                <a:cs typeface="Courier New" panose="02070309020205020404" pitchFamily="49" charset="0"/>
-              </a:rPr>
-              <a:t>/*   flex: 3; */</a:t>
-            </a:r>
-          </a:p>
-          <a:p>
-            <a:pPr marL="0" indent="0">
-              <a:buNone/>
-            </a:pPr>
-            <a:r>
-              <a:rPr lang="en-GB" dirty="0">
-                <a:latin typeface="Courier New" panose="02070309020205020404" pitchFamily="49" charset="0"/>
-                <a:cs typeface="Courier New" panose="02070309020205020404" pitchFamily="49" charset="0"/>
-              </a:rPr>
-              <a:t>/*     flex-basis: 20%; */</a:t>
-            </a:r>
-          </a:p>
-          <a:p>
-            <a:pPr marL="0" indent="0">
-              <a:buNone/>
-            </a:pPr>
-            <a:r>
-              <a:rPr lang="en-GB" dirty="0">
-                <a:latin typeface="Courier New" panose="02070309020205020404" pitchFamily="49" charset="0"/>
-                <a:cs typeface="Courier New" panose="02070309020205020404" pitchFamily="49" charset="0"/>
-              </a:rPr>
-              <a:t>/*   flex-basis: 300px; */</a:t>
-            </a:r>
-          </a:p>
-          <a:p>
-            <a:pPr marL="0" indent="0">
-              <a:buNone/>
-            </a:pPr>
-            <a:r>
-              <a:rPr lang="en-GB" dirty="0">
-                <a:latin typeface="Courier New" panose="02070309020205020404" pitchFamily="49" charset="0"/>
-                <a:cs typeface="Courier New" panose="02070309020205020404" pitchFamily="49" charset="0"/>
-              </a:rPr>
-              <a:t>/*   flex-shrink: 1; */</a:t>
-            </a:r>
-          </a:p>
-          <a:p>
-            <a:pPr marL="0" indent="0">
-              <a:buNone/>
-            </a:pPr>
-            <a:r>
-              <a:rPr lang="en-GB" dirty="0">
-                <a:latin typeface="Courier New" panose="02070309020205020404" pitchFamily="49" charset="0"/>
-                <a:cs typeface="Courier New" panose="02070309020205020404" pitchFamily="49" charset="0"/>
-              </a:rPr>
-              <a:t>/*   flex-shrink: 0; */</a:t>
-            </a:r>
-          </a:p>
-          <a:p>
-            <a:pPr marL="0" indent="0">
-              <a:buNone/>
-            </a:pPr>
-            <a:r>
-              <a:rPr lang="en-GB" dirty="0">
-                <a:latin typeface="Courier New" panose="02070309020205020404" pitchFamily="49" charset="0"/>
-                <a:cs typeface="Courier New" panose="02070309020205020404" pitchFamily="49" charset="0"/>
-              </a:rPr>
-              <a:t>  flex: 0 0 300px;</a:t>
-            </a:r>
-          </a:p>
-          <a:p>
-            <a:pPr marL="0" indent="0">
-              <a:buNone/>
-            </a:pPr>
-            <a:r>
-              <a:rPr lang="en-GB" dirty="0">
-                <a:latin typeface="Courier New" panose="02070309020205020404" pitchFamily="49" charset="0"/>
-                <a:cs typeface="Courier New" panose="02070309020205020404" pitchFamily="49" charset="0"/>
-              </a:rPr>
-              <a:t>}</a:t>
+              <a:rPr lang="en-US" dirty="0">
+                <a:latin typeface="Courier New" panose="02070309020205020404" pitchFamily="49" charset="0"/>
+                <a:cs typeface="Courier New" panose="02070309020205020404" pitchFamily="49" charset="0"/>
+              </a:rPr>
+              <a:t>color: </a:t>
+            </a:r>
+            <a:r>
+              <a:rPr lang="en-US" dirty="0" err="1">
+                <a:latin typeface="Courier New" panose="02070309020205020404" pitchFamily="49" charset="0"/>
+                <a:cs typeface="Courier New" panose="02070309020205020404" pitchFamily="49" charset="0"/>
+              </a:rPr>
+              <a:t>var</a:t>
+            </a:r>
+            <a:r>
+              <a:rPr lang="en-US" dirty="0">
+                <a:latin typeface="Courier New" panose="02070309020205020404" pitchFamily="49" charset="0"/>
+                <a:cs typeface="Courier New" panose="02070309020205020404" pitchFamily="49" charset="0"/>
+              </a:rPr>
+              <a:t>(--color-primary);</a:t>
+            </a:r>
+          </a:p>
+        </p:txBody>
+      </p:sp>
+      <p:sp>
+        <p:nvSpPr>
+          <p:cNvPr id="4" name="TextBox 3">
+            <a:extLst>
+              <a:ext uri="{FF2B5EF4-FFF2-40B4-BE49-F238E27FC236}">
+                <a16:creationId xmlns:a16="http://schemas.microsoft.com/office/drawing/2014/main" id="{CA702C93-9CE9-F342-AE10-0E00FEB2BD65}"/>
+              </a:ext>
+            </a:extLst>
+          </p:cNvPr>
+          <p:cNvSpPr txBox="1"/>
+          <p:nvPr/>
+        </p:nvSpPr>
+        <p:spPr>
+          <a:xfrm>
+            <a:off x="7066721" y="4283765"/>
+            <a:ext cx="2978251" cy="369332"/>
+          </a:xfrm>
+          <a:prstGeom prst="rect">
+            <a:avLst/>
+          </a:prstGeom>
+          <a:noFill/>
+        </p:spPr>
+        <p:txBody>
+          <a:bodyPr wrap="none" rtlCol="0">
+            <a:spAutoFit/>
+          </a:bodyPr>
+          <a:lstStyle/>
+          <a:p>
+            <a:r>
+              <a:rPr lang="en-US" dirty="0">
+                <a:solidFill>
+                  <a:schemeClr val="accent2"/>
+                </a:solidFill>
+              </a:rPr>
+              <a:t>specify variable with ‘--’ prefix</a:t>
+            </a:r>
+          </a:p>
+        </p:txBody>
+      </p:sp>
+      <p:sp>
+        <p:nvSpPr>
+          <p:cNvPr id="5" name="TextBox 4">
+            <a:extLst>
+              <a:ext uri="{FF2B5EF4-FFF2-40B4-BE49-F238E27FC236}">
+                <a16:creationId xmlns:a16="http://schemas.microsoft.com/office/drawing/2014/main" id="{4999E3B8-869C-C841-85A1-7376B7DE885D}"/>
+              </a:ext>
+            </a:extLst>
+          </p:cNvPr>
+          <p:cNvSpPr txBox="1"/>
+          <p:nvPr/>
+        </p:nvSpPr>
+        <p:spPr>
+          <a:xfrm>
+            <a:off x="7066721" y="5489467"/>
+            <a:ext cx="1602683" cy="369332"/>
+          </a:xfrm>
+          <a:prstGeom prst="rect">
+            <a:avLst/>
+          </a:prstGeom>
+          <a:noFill/>
+        </p:spPr>
+        <p:txBody>
+          <a:bodyPr wrap="none" rtlCol="0">
+            <a:spAutoFit/>
+          </a:bodyPr>
+          <a:lstStyle/>
+          <a:p>
+            <a:r>
+              <a:rPr lang="en-US" dirty="0">
+                <a:solidFill>
+                  <a:schemeClr val="accent2"/>
+                </a:solidFill>
+              </a:rPr>
+              <a:t>call using ‘</a:t>
+            </a:r>
+            <a:r>
+              <a:rPr lang="en-US" dirty="0" err="1">
+                <a:solidFill>
+                  <a:schemeClr val="accent2"/>
+                </a:solidFill>
+              </a:rPr>
+              <a:t>var</a:t>
+            </a:r>
+            <a:r>
+              <a:rPr lang="en-US" dirty="0">
+                <a:solidFill>
+                  <a:schemeClr val="accent2"/>
+                </a:solidFill>
+              </a:rPr>
+              <a:t>()’</a:t>
             </a:r>
           </a:p>
         </p:txBody>
@@ -4517,7 +5436,7 @@
     </p:spTree>
     <p:extLst>
       <p:ext uri="{BB962C8B-B14F-4D97-AF65-F5344CB8AC3E}">
-        <p14:creationId xmlns:p14="http://schemas.microsoft.com/office/powerpoint/2010/main" val="478965271"/>
+        <p14:creationId xmlns:p14="http://schemas.microsoft.com/office/powerpoint/2010/main" val="3636846905"/>
       </p:ext>
     </p:extLst>
   </p:cSld>
@@ -4549,2603 +5468,6 @@
           <p:cNvPr id="2" name="Title 1">
             <a:extLst>
               <a:ext uri="{FF2B5EF4-FFF2-40B4-BE49-F238E27FC236}">
-                <a16:creationId xmlns:a16="http://schemas.microsoft.com/office/drawing/2014/main" id="{386AA8E3-444F-B144-AC31-9655556A864C}"/>
-              </a:ext>
-            </a:extLst>
-          </p:cNvPr>
-          <p:cNvSpPr>
-            <a:spLocks noGrp="1"/>
-          </p:cNvSpPr>
-          <p:nvPr>
-            <p:ph type="title"/>
-          </p:nvPr>
-        </p:nvSpPr>
-        <p:spPr/>
-        <p:txBody>
-          <a:bodyPr/>
-          <a:lstStyle/>
-          <a:p>
-            <a:r>
-              <a:rPr lang="en-US" dirty="0"/>
-              <a:t>Example code for playing with in </a:t>
-            </a:r>
-            <a:r>
-              <a:rPr lang="en-US" dirty="0" err="1"/>
-              <a:t>codepen</a:t>
-            </a:r>
-            <a:r>
-              <a:rPr lang="en-US" dirty="0"/>
-              <a:t> - </a:t>
-            </a:r>
-            <a:r>
-              <a:rPr lang="en-US" dirty="0" err="1"/>
-              <a:t>css</a:t>
-            </a:r>
-            <a:endParaRPr lang="en-US" dirty="0"/>
-          </a:p>
-        </p:txBody>
-      </p:sp>
-      <p:sp>
-        <p:nvSpPr>
-          <p:cNvPr id="3" name="Content Placeholder 2">
-            <a:extLst>
-              <a:ext uri="{FF2B5EF4-FFF2-40B4-BE49-F238E27FC236}">
-                <a16:creationId xmlns:a16="http://schemas.microsoft.com/office/drawing/2014/main" id="{68B408C5-344B-8E4B-AA6D-F77D632B3A1D}"/>
-              </a:ext>
-            </a:extLst>
-          </p:cNvPr>
-          <p:cNvSpPr>
-            <a:spLocks noGrp="1"/>
-          </p:cNvSpPr>
-          <p:nvPr>
-            <p:ph idx="1"/>
-          </p:nvPr>
-        </p:nvSpPr>
-        <p:spPr/>
-        <p:txBody>
-          <a:bodyPr>
-            <a:normAutofit fontScale="62500" lnSpcReduction="20000"/>
-          </a:bodyPr>
-          <a:lstStyle/>
-          <a:p>
-            <a:pPr marL="0" indent="0">
-              <a:buNone/>
-            </a:pPr>
-            <a:r>
-              <a:rPr lang="en-GB" dirty="0">
-                <a:latin typeface="Courier New" panose="02070309020205020404" pitchFamily="49" charset="0"/>
-                <a:cs typeface="Courier New" panose="02070309020205020404" pitchFamily="49" charset="0"/>
-              </a:rPr>
-              <a:t>.i3 {</a:t>
-            </a:r>
-          </a:p>
-          <a:p>
-            <a:pPr marL="0" indent="0">
-              <a:buNone/>
-            </a:pPr>
-            <a:r>
-              <a:rPr lang="en-GB" dirty="0">
-                <a:latin typeface="Courier New" panose="02070309020205020404" pitchFamily="49" charset="0"/>
-                <a:cs typeface="Courier New" panose="02070309020205020404" pitchFamily="49" charset="0"/>
-              </a:rPr>
-              <a:t>/*   order: -2; */</a:t>
-            </a:r>
-          </a:p>
-          <a:p>
-            <a:pPr marL="0" indent="0">
-              <a:buNone/>
-            </a:pPr>
-            <a:r>
-              <a:rPr lang="en-GB" dirty="0">
-                <a:latin typeface="Courier New" panose="02070309020205020404" pitchFamily="49" charset="0"/>
-                <a:cs typeface="Courier New" panose="02070309020205020404" pitchFamily="49" charset="0"/>
-              </a:rPr>
-              <a:t>/*   order: 1; */</a:t>
-            </a:r>
-          </a:p>
-          <a:p>
-            <a:pPr marL="0" indent="0">
-              <a:buNone/>
-            </a:pPr>
-            <a:r>
-              <a:rPr lang="en-GB" dirty="0">
-                <a:latin typeface="Courier New" panose="02070309020205020404" pitchFamily="49" charset="0"/>
-                <a:cs typeface="Courier New" panose="02070309020205020404" pitchFamily="49" charset="0"/>
-              </a:rPr>
-              <a:t>/*   flex: 1; */</a:t>
-            </a:r>
-          </a:p>
-          <a:p>
-            <a:pPr marL="0" indent="0">
-              <a:buNone/>
-            </a:pPr>
-            <a:r>
-              <a:rPr lang="en-GB" dirty="0">
-                <a:latin typeface="Courier New" panose="02070309020205020404" pitchFamily="49" charset="0"/>
-                <a:cs typeface="Courier New" panose="02070309020205020404" pitchFamily="49" charset="0"/>
-              </a:rPr>
-              <a:t>}</a:t>
-            </a:r>
-          </a:p>
-          <a:p>
-            <a:pPr marL="0" indent="0">
-              <a:buNone/>
-            </a:pPr>
-            <a:endParaRPr lang="en-GB" dirty="0">
-              <a:latin typeface="Courier New" panose="02070309020205020404" pitchFamily="49" charset="0"/>
-              <a:cs typeface="Courier New" panose="02070309020205020404" pitchFamily="49" charset="0"/>
-            </a:endParaRPr>
-          </a:p>
-          <a:p>
-            <a:pPr marL="0" indent="0">
-              <a:buNone/>
-            </a:pPr>
-            <a:r>
-              <a:rPr lang="en-GB" dirty="0">
-                <a:latin typeface="Courier New" panose="02070309020205020404" pitchFamily="49" charset="0"/>
-                <a:cs typeface="Courier New" panose="02070309020205020404" pitchFamily="49" charset="0"/>
-              </a:rPr>
-              <a:t>.i4 {</a:t>
-            </a:r>
-          </a:p>
-          <a:p>
-            <a:pPr marL="0" indent="0">
-              <a:buNone/>
-            </a:pPr>
-            <a:r>
-              <a:rPr lang="en-GB" dirty="0">
-                <a:latin typeface="Courier New" panose="02070309020205020404" pitchFamily="49" charset="0"/>
-                <a:cs typeface="Courier New" panose="02070309020205020404" pitchFamily="49" charset="0"/>
-              </a:rPr>
-              <a:t>  font-size: 70px;</a:t>
-            </a:r>
-          </a:p>
-          <a:p>
-            <a:pPr marL="0" indent="0">
-              <a:buNone/>
-            </a:pPr>
-            <a:r>
-              <a:rPr lang="en-GB" dirty="0">
-                <a:latin typeface="Courier New" panose="02070309020205020404" pitchFamily="49" charset="0"/>
-                <a:cs typeface="Courier New" panose="02070309020205020404" pitchFamily="49" charset="0"/>
-              </a:rPr>
-              <a:t>/*   align-self: stretch; */</a:t>
-            </a:r>
-          </a:p>
-          <a:p>
-            <a:pPr marL="0" indent="0">
-              <a:buNone/>
-            </a:pPr>
-            <a:r>
-              <a:rPr lang="en-GB" dirty="0">
-                <a:latin typeface="Courier New" panose="02070309020205020404" pitchFamily="49" charset="0"/>
-                <a:cs typeface="Courier New" panose="02070309020205020404" pitchFamily="49" charset="0"/>
-              </a:rPr>
-              <a:t>/*   align-self: flex-start; */</a:t>
-            </a:r>
-          </a:p>
-          <a:p>
-            <a:pPr marL="0" indent="0">
-              <a:buNone/>
-            </a:pPr>
-            <a:r>
-              <a:rPr lang="en-GB" dirty="0">
-                <a:latin typeface="Courier New" panose="02070309020205020404" pitchFamily="49" charset="0"/>
-                <a:cs typeface="Courier New" panose="02070309020205020404" pitchFamily="49" charset="0"/>
-              </a:rPr>
-              <a:t>/*   align-self: flex-end; */</a:t>
-            </a:r>
-          </a:p>
-          <a:p>
-            <a:pPr marL="0" indent="0">
-              <a:buNone/>
-            </a:pPr>
-            <a:r>
-              <a:rPr lang="en-GB" dirty="0">
-                <a:latin typeface="Courier New" panose="02070309020205020404" pitchFamily="49" charset="0"/>
-                <a:cs typeface="Courier New" panose="02070309020205020404" pitchFamily="49" charset="0"/>
-              </a:rPr>
-              <a:t>/*   align-self: </a:t>
-            </a:r>
-            <a:r>
-              <a:rPr lang="en-GB" dirty="0" err="1">
-                <a:latin typeface="Courier New" panose="02070309020205020404" pitchFamily="49" charset="0"/>
-                <a:cs typeface="Courier New" panose="02070309020205020404" pitchFamily="49" charset="0"/>
-              </a:rPr>
-              <a:t>center</a:t>
-            </a:r>
-            <a:r>
-              <a:rPr lang="en-GB" dirty="0">
-                <a:latin typeface="Courier New" panose="02070309020205020404" pitchFamily="49" charset="0"/>
-                <a:cs typeface="Courier New" panose="02070309020205020404" pitchFamily="49" charset="0"/>
-              </a:rPr>
-              <a:t>;   */</a:t>
-            </a:r>
-          </a:p>
-          <a:p>
-            <a:pPr marL="0" indent="0">
-              <a:buNone/>
-            </a:pPr>
-            <a:r>
-              <a:rPr lang="en-GB" dirty="0">
-                <a:latin typeface="Courier New" panose="02070309020205020404" pitchFamily="49" charset="0"/>
-                <a:cs typeface="Courier New" panose="02070309020205020404" pitchFamily="49" charset="0"/>
-              </a:rPr>
-              <a:t>/*   align-self: baseline; */</a:t>
-            </a:r>
-          </a:p>
-          <a:p>
-            <a:pPr marL="0" indent="0">
-              <a:buNone/>
-            </a:pPr>
-            <a:r>
-              <a:rPr lang="en-GB" dirty="0">
-                <a:latin typeface="Courier New" panose="02070309020205020404" pitchFamily="49" charset="0"/>
-                <a:cs typeface="Courier New" panose="02070309020205020404" pitchFamily="49" charset="0"/>
-              </a:rPr>
-              <a:t>/*   order: -1; */</a:t>
-            </a:r>
-          </a:p>
-          <a:p>
-            <a:pPr marL="0" indent="0">
-              <a:buNone/>
-            </a:pPr>
-            <a:r>
-              <a:rPr lang="en-GB" dirty="0">
-                <a:latin typeface="Courier New" panose="02070309020205020404" pitchFamily="49" charset="0"/>
-                <a:cs typeface="Courier New" panose="02070309020205020404" pitchFamily="49" charset="0"/>
-              </a:rPr>
-              <a:t>}</a:t>
-            </a:r>
-            <a:endParaRPr lang="en-US" dirty="0">
-              <a:latin typeface="Courier New" panose="02070309020205020404" pitchFamily="49" charset="0"/>
-              <a:cs typeface="Courier New" panose="02070309020205020404" pitchFamily="49" charset="0"/>
-            </a:endParaRPr>
-          </a:p>
-        </p:txBody>
-      </p:sp>
-    </p:spTree>
-    <p:extLst>
-      <p:ext uri="{BB962C8B-B14F-4D97-AF65-F5344CB8AC3E}">
-        <p14:creationId xmlns:p14="http://schemas.microsoft.com/office/powerpoint/2010/main" val="2855848655"/>
-      </p:ext>
-    </p:extLst>
-  </p:cSld>
-  <p:clrMapOvr>
-    <a:masterClrMapping/>
-  </p:clrMapOvr>
-</p:sld>
-</file>
-
-<file path=ppt/slides/slide13.xml><?xml version="1.0" encoding="utf-8"?>
-<p:sld xmlns:a="http://schemas.openxmlformats.org/drawingml/2006/main" xmlns:r="http://schemas.openxmlformats.org/officeDocument/2006/relationships" xmlns:p="http://schemas.openxmlformats.org/presentationml/2006/main">
-  <p:cSld>
-    <p:spTree>
-      <p:nvGrpSpPr>
-        <p:cNvPr id="1" name=""/>
-        <p:cNvGrpSpPr/>
-        <p:nvPr/>
-      </p:nvGrpSpPr>
-      <p:grpSpPr>
-        <a:xfrm>
-          <a:off x="0" y="0"/>
-          <a:ext cx="0" cy="0"/>
-          <a:chOff x="0" y="0"/>
-          <a:chExt cx="0" cy="0"/>
-        </a:xfrm>
-      </p:grpSpPr>
-      <p:sp>
-        <p:nvSpPr>
-          <p:cNvPr id="2" name="Title 1">
-            <a:extLst>
-              <a:ext uri="{FF2B5EF4-FFF2-40B4-BE49-F238E27FC236}">
-                <a16:creationId xmlns:a16="http://schemas.microsoft.com/office/drawing/2014/main" id="{168BA0B5-875A-0943-AC75-EFC188B0DFD1}"/>
-              </a:ext>
-            </a:extLst>
-          </p:cNvPr>
-          <p:cNvSpPr>
-            <a:spLocks noGrp="1"/>
-          </p:cNvSpPr>
-          <p:nvPr>
-            <p:ph type="title"/>
-          </p:nvPr>
-        </p:nvSpPr>
-        <p:spPr/>
-        <p:txBody>
-          <a:bodyPr/>
-          <a:lstStyle/>
-          <a:p>
-            <a:r>
-              <a:rPr lang="en-US" dirty="0" err="1"/>
-              <a:t>Trillo</a:t>
-            </a:r>
-            <a:r>
-              <a:rPr lang="en-US" dirty="0"/>
-              <a:t> application - header</a:t>
-            </a:r>
-          </a:p>
-        </p:txBody>
-      </p:sp>
-      <p:sp>
-        <p:nvSpPr>
-          <p:cNvPr id="6" name="TextBox 5">
-            <a:extLst>
-              <a:ext uri="{FF2B5EF4-FFF2-40B4-BE49-F238E27FC236}">
-                <a16:creationId xmlns:a16="http://schemas.microsoft.com/office/drawing/2014/main" id="{1ACBBDA1-6673-EB46-AD0F-FF4C4FAF856A}"/>
-              </a:ext>
-            </a:extLst>
-          </p:cNvPr>
-          <p:cNvSpPr txBox="1"/>
-          <p:nvPr/>
-        </p:nvSpPr>
-        <p:spPr>
-          <a:xfrm>
-            <a:off x="581192" y="3429000"/>
-            <a:ext cx="10950270" cy="3139321"/>
-          </a:xfrm>
-          <a:prstGeom prst="rect">
-            <a:avLst/>
-          </a:prstGeom>
-          <a:noFill/>
-        </p:spPr>
-        <p:txBody>
-          <a:bodyPr wrap="square" rtlCol="0">
-            <a:spAutoFit/>
-          </a:bodyPr>
-          <a:lstStyle/>
-          <a:p>
-            <a:r>
-              <a:rPr lang="en-GB" dirty="0">
-                <a:latin typeface="Courier New" panose="02070309020205020404" pitchFamily="49" charset="0"/>
-                <a:cs typeface="Courier New" panose="02070309020205020404" pitchFamily="49" charset="0"/>
-              </a:rPr>
-              <a:t>.header {</a:t>
-            </a:r>
-          </a:p>
-          <a:p>
-            <a:r>
-              <a:rPr lang="en-GB" dirty="0">
-                <a:latin typeface="Courier New" panose="02070309020205020404" pitchFamily="49" charset="0"/>
-                <a:cs typeface="Courier New" panose="02070309020205020404" pitchFamily="49" charset="0"/>
-              </a:rPr>
-              <a:t>	font-size: 1.4rem;</a:t>
-            </a:r>
-          </a:p>
-          <a:p>
-            <a:r>
-              <a:rPr lang="en-GB" dirty="0">
-                <a:latin typeface="Courier New" panose="02070309020205020404" pitchFamily="49" charset="0"/>
-                <a:cs typeface="Courier New" panose="02070309020205020404" pitchFamily="49" charset="0"/>
-              </a:rPr>
-              <a:t>	height: 7rem;</a:t>
-            </a:r>
-          </a:p>
-          <a:p>
-            <a:r>
-              <a:rPr lang="en-GB" dirty="0">
-                <a:latin typeface="Courier New" panose="02070309020205020404" pitchFamily="49" charset="0"/>
-                <a:cs typeface="Courier New" panose="02070309020205020404" pitchFamily="49" charset="0"/>
-              </a:rPr>
-              <a:t>	background-</a:t>
-            </a:r>
-            <a:r>
-              <a:rPr lang="en-GB" dirty="0" err="1">
-                <a:latin typeface="Courier New" panose="02070309020205020404" pitchFamily="49" charset="0"/>
-                <a:cs typeface="Courier New" panose="02070309020205020404" pitchFamily="49" charset="0"/>
-              </a:rPr>
-              <a:t>color</a:t>
-            </a:r>
-            <a:r>
-              <a:rPr lang="en-GB" dirty="0">
-                <a:latin typeface="Courier New" panose="02070309020205020404" pitchFamily="49" charset="0"/>
-                <a:cs typeface="Courier New" panose="02070309020205020404" pitchFamily="49" charset="0"/>
-              </a:rPr>
-              <a:t>: </a:t>
-            </a:r>
-            <a:r>
-              <a:rPr lang="en-GB" dirty="0" err="1">
-                <a:latin typeface="Courier New" panose="02070309020205020404" pitchFamily="49" charset="0"/>
-                <a:cs typeface="Courier New" panose="02070309020205020404" pitchFamily="49" charset="0"/>
-              </a:rPr>
-              <a:t>var</a:t>
-            </a:r>
-            <a:r>
-              <a:rPr lang="en-GB" dirty="0">
-                <a:latin typeface="Courier New" panose="02070309020205020404" pitchFamily="49" charset="0"/>
-                <a:cs typeface="Courier New" panose="02070309020205020404" pitchFamily="49" charset="0"/>
-              </a:rPr>
-              <a:t>(--</a:t>
-            </a:r>
-            <a:r>
-              <a:rPr lang="en-GB" dirty="0" err="1">
-                <a:latin typeface="Courier New" panose="02070309020205020404" pitchFamily="49" charset="0"/>
-                <a:cs typeface="Courier New" panose="02070309020205020404" pitchFamily="49" charset="0"/>
-              </a:rPr>
-              <a:t>color</a:t>
-            </a:r>
-            <a:r>
-              <a:rPr lang="en-GB" dirty="0">
-                <a:latin typeface="Courier New" panose="02070309020205020404" pitchFamily="49" charset="0"/>
-                <a:cs typeface="Courier New" panose="02070309020205020404" pitchFamily="49" charset="0"/>
-              </a:rPr>
-              <a:t>-white);</a:t>
-            </a:r>
-          </a:p>
-          <a:p>
-            <a:r>
-              <a:rPr lang="en-GB" dirty="0">
-                <a:latin typeface="Courier New" panose="02070309020205020404" pitchFamily="49" charset="0"/>
-                <a:cs typeface="Courier New" panose="02070309020205020404" pitchFamily="49" charset="0"/>
-              </a:rPr>
-              <a:t>	border-bottom: </a:t>
-            </a:r>
-            <a:r>
-              <a:rPr lang="en-GB" dirty="0" err="1">
-                <a:latin typeface="Courier New" panose="02070309020205020404" pitchFamily="49" charset="0"/>
-                <a:cs typeface="Courier New" panose="02070309020205020404" pitchFamily="49" charset="0"/>
-              </a:rPr>
-              <a:t>var</a:t>
-            </a:r>
-            <a:r>
-              <a:rPr lang="en-GB" dirty="0">
-                <a:latin typeface="Courier New" panose="02070309020205020404" pitchFamily="49" charset="0"/>
-                <a:cs typeface="Courier New" panose="02070309020205020404" pitchFamily="49" charset="0"/>
-              </a:rPr>
-              <a:t>(--line);</a:t>
-            </a:r>
-          </a:p>
-          <a:p>
-            <a:br>
-              <a:rPr lang="en-GB" dirty="0">
-                <a:latin typeface="Courier New" panose="02070309020205020404" pitchFamily="49" charset="0"/>
-                <a:cs typeface="Courier New" panose="02070309020205020404" pitchFamily="49" charset="0"/>
-              </a:rPr>
-            </a:br>
-            <a:r>
-              <a:rPr lang="en-GB" dirty="0">
-                <a:latin typeface="Courier New" panose="02070309020205020404" pitchFamily="49" charset="0"/>
-                <a:cs typeface="Courier New" panose="02070309020205020404" pitchFamily="49" charset="0"/>
-              </a:rPr>
-              <a:t>	display: flex;</a:t>
-            </a:r>
-          </a:p>
-          <a:p>
-            <a:r>
-              <a:rPr lang="en-GB" dirty="0">
-                <a:latin typeface="Courier New" panose="02070309020205020404" pitchFamily="49" charset="0"/>
-                <a:cs typeface="Courier New" panose="02070309020205020404" pitchFamily="49" charset="0"/>
-              </a:rPr>
-              <a:t>	justify-content: space-between;</a:t>
-            </a:r>
-          </a:p>
-          <a:p>
-            <a:r>
-              <a:rPr lang="en-GB" dirty="0">
-                <a:latin typeface="Courier New" panose="02070309020205020404" pitchFamily="49" charset="0"/>
-                <a:cs typeface="Courier New" panose="02070309020205020404" pitchFamily="49" charset="0"/>
-              </a:rPr>
-              <a:t>	align-items: </a:t>
-            </a:r>
-            <a:r>
-              <a:rPr lang="en-GB" dirty="0" err="1">
-                <a:latin typeface="Courier New" panose="02070309020205020404" pitchFamily="49" charset="0"/>
-                <a:cs typeface="Courier New" panose="02070309020205020404" pitchFamily="49" charset="0"/>
-              </a:rPr>
-              <a:t>center</a:t>
-            </a:r>
-            <a:r>
-              <a:rPr lang="en-GB" dirty="0">
-                <a:latin typeface="Courier New" panose="02070309020205020404" pitchFamily="49" charset="0"/>
-                <a:cs typeface="Courier New" panose="02070309020205020404" pitchFamily="49" charset="0"/>
-              </a:rPr>
-              <a:t>;</a:t>
-            </a:r>
-            <a:br>
-              <a:rPr lang="en-GB" dirty="0">
-                <a:latin typeface="Courier New" panose="02070309020205020404" pitchFamily="49" charset="0"/>
-                <a:cs typeface="Courier New" panose="02070309020205020404" pitchFamily="49" charset="0"/>
-              </a:rPr>
-            </a:br>
-            <a:r>
-              <a:rPr lang="en-GB" dirty="0">
-                <a:latin typeface="Courier New" panose="02070309020205020404" pitchFamily="49" charset="0"/>
-                <a:cs typeface="Courier New" panose="02070309020205020404" pitchFamily="49" charset="0"/>
-              </a:rPr>
-              <a:t>}</a:t>
-            </a:r>
-          </a:p>
-          <a:p>
-            <a:endParaRPr lang="en-US" dirty="0"/>
-          </a:p>
-        </p:txBody>
-      </p:sp>
-      <p:sp>
-        <p:nvSpPr>
-          <p:cNvPr id="7" name="TextBox 6">
-            <a:extLst>
-              <a:ext uri="{FF2B5EF4-FFF2-40B4-BE49-F238E27FC236}">
-                <a16:creationId xmlns:a16="http://schemas.microsoft.com/office/drawing/2014/main" id="{1923C0ED-98BB-5A42-AF13-3E14E43ACBA7}"/>
-              </a:ext>
-            </a:extLst>
-          </p:cNvPr>
-          <p:cNvSpPr txBox="1"/>
-          <p:nvPr/>
-        </p:nvSpPr>
-        <p:spPr>
-          <a:xfrm>
-            <a:off x="7287452" y="3213556"/>
-            <a:ext cx="4669321" cy="3570208"/>
-          </a:xfrm>
-          <a:prstGeom prst="rect">
-            <a:avLst/>
-          </a:prstGeom>
-          <a:noFill/>
-        </p:spPr>
-        <p:txBody>
-          <a:bodyPr wrap="square" rtlCol="0">
-            <a:spAutoFit/>
-          </a:bodyPr>
-          <a:lstStyle/>
-          <a:p>
-            <a:r>
-              <a:rPr lang="en-GB" dirty="0">
-                <a:latin typeface="Courier New" panose="02070309020205020404" pitchFamily="49" charset="0"/>
-                <a:cs typeface="Courier New" panose="02070309020205020404" pitchFamily="49" charset="0"/>
-              </a:rPr>
-              <a:t>.user-</a:t>
-            </a:r>
-            <a:r>
-              <a:rPr lang="en-GB" dirty="0" err="1">
-                <a:latin typeface="Courier New" panose="02070309020205020404" pitchFamily="49" charset="0"/>
-                <a:cs typeface="Courier New" panose="02070309020205020404" pitchFamily="49" charset="0"/>
-              </a:rPr>
-              <a:t>nav</a:t>
-            </a:r>
-            <a:r>
-              <a:rPr lang="en-GB" dirty="0">
-                <a:latin typeface="Courier New" panose="02070309020205020404" pitchFamily="49" charset="0"/>
-                <a:cs typeface="Courier New" panose="02070309020205020404" pitchFamily="49" charset="0"/>
-              </a:rPr>
-              <a:t> {</a:t>
-            </a:r>
-            <a:br>
-              <a:rPr lang="en-GB" dirty="0">
-                <a:latin typeface="Courier New" panose="02070309020205020404" pitchFamily="49" charset="0"/>
-                <a:cs typeface="Courier New" panose="02070309020205020404" pitchFamily="49" charset="0"/>
-              </a:rPr>
-            </a:br>
-            <a:r>
-              <a:rPr lang="en-GB" dirty="0">
-                <a:latin typeface="Courier New" panose="02070309020205020404" pitchFamily="49" charset="0"/>
-                <a:cs typeface="Courier New" panose="02070309020205020404" pitchFamily="49" charset="0"/>
-              </a:rPr>
-              <a:t>	display: flex;</a:t>
-            </a:r>
-          </a:p>
-          <a:p>
-            <a:r>
-              <a:rPr lang="en-GB" dirty="0">
-                <a:latin typeface="Courier New" panose="02070309020205020404" pitchFamily="49" charset="0"/>
-                <a:cs typeface="Courier New" panose="02070309020205020404" pitchFamily="49" charset="0"/>
-              </a:rPr>
-              <a:t>	align-items: </a:t>
-            </a:r>
-            <a:r>
-              <a:rPr lang="en-GB" dirty="0" err="1">
-                <a:latin typeface="Courier New" panose="02070309020205020404" pitchFamily="49" charset="0"/>
-                <a:cs typeface="Courier New" panose="02070309020205020404" pitchFamily="49" charset="0"/>
-              </a:rPr>
-              <a:t>center</a:t>
-            </a:r>
-            <a:r>
-              <a:rPr lang="en-GB" dirty="0">
-                <a:latin typeface="Courier New" panose="02070309020205020404" pitchFamily="49" charset="0"/>
-                <a:cs typeface="Courier New" panose="02070309020205020404" pitchFamily="49" charset="0"/>
-              </a:rPr>
-              <a:t>;</a:t>
-            </a:r>
-          </a:p>
-          <a:p>
-            <a:r>
-              <a:rPr lang="en-GB" dirty="0">
-                <a:latin typeface="Courier New" panose="02070309020205020404" pitchFamily="49" charset="0"/>
-                <a:cs typeface="Courier New" panose="02070309020205020404" pitchFamily="49" charset="0"/>
-              </a:rPr>
-              <a:t>	align-self: stretch;</a:t>
-            </a:r>
-          </a:p>
-          <a:p>
-            <a:r>
-              <a:rPr lang="en-US" dirty="0">
-                <a:latin typeface="Courier New" panose="02070309020205020404" pitchFamily="49" charset="0"/>
-                <a:cs typeface="Courier New" panose="02070309020205020404" pitchFamily="49" charset="0"/>
-              </a:rPr>
-              <a:t>}</a:t>
-            </a:r>
-          </a:p>
-          <a:p>
-            <a:endParaRPr lang="en-US" dirty="0">
-              <a:latin typeface="Courier New" panose="02070309020205020404" pitchFamily="49" charset="0"/>
-              <a:cs typeface="Courier New" panose="02070309020205020404" pitchFamily="49" charset="0"/>
-            </a:endParaRPr>
-          </a:p>
-          <a:p>
-            <a:r>
-              <a:rPr lang="en-GB" dirty="0">
-                <a:latin typeface="Courier New" panose="02070309020205020404" pitchFamily="49" charset="0"/>
-                <a:cs typeface="Courier New" panose="02070309020205020404" pitchFamily="49" charset="0"/>
-              </a:rPr>
-              <a:t>.search {</a:t>
-            </a:r>
-            <a:br>
-              <a:rPr lang="en-GB" dirty="0">
-                <a:latin typeface="Courier New" panose="02070309020205020404" pitchFamily="49" charset="0"/>
-                <a:cs typeface="Courier New" panose="02070309020205020404" pitchFamily="49" charset="0"/>
-              </a:rPr>
-            </a:br>
-            <a:r>
-              <a:rPr lang="en-GB" dirty="0">
-                <a:latin typeface="Courier New" panose="02070309020205020404" pitchFamily="49" charset="0"/>
-                <a:cs typeface="Courier New" panose="02070309020205020404" pitchFamily="49" charset="0"/>
-              </a:rPr>
-              <a:t>	flex: 0 0 40%;</a:t>
-            </a:r>
-          </a:p>
-          <a:p>
-            <a:r>
-              <a:rPr lang="en-GB" dirty="0">
-                <a:latin typeface="Courier New" panose="02070309020205020404" pitchFamily="49" charset="0"/>
-                <a:cs typeface="Courier New" panose="02070309020205020404" pitchFamily="49" charset="0"/>
-              </a:rPr>
-              <a:t>	display: flex; </a:t>
-            </a:r>
-            <a:r>
-              <a:rPr lang="en-GB" sz="1000" dirty="0">
-                <a:latin typeface="Courier New" panose="02070309020205020404" pitchFamily="49" charset="0"/>
-                <a:cs typeface="Courier New" panose="02070309020205020404" pitchFamily="49" charset="0"/>
-              </a:rPr>
-              <a:t>//flex item is becoming a 	flex container for it’s children</a:t>
-            </a:r>
-          </a:p>
-          <a:p>
-            <a:r>
-              <a:rPr lang="en-GB" dirty="0">
-                <a:latin typeface="Courier New" panose="02070309020205020404" pitchFamily="49" charset="0"/>
-                <a:cs typeface="Courier New" panose="02070309020205020404" pitchFamily="49" charset="0"/>
-              </a:rPr>
-              <a:t>	align-items: </a:t>
-            </a:r>
-            <a:r>
-              <a:rPr lang="en-GB" dirty="0" err="1">
-                <a:latin typeface="Courier New" panose="02070309020205020404" pitchFamily="49" charset="0"/>
-                <a:cs typeface="Courier New" panose="02070309020205020404" pitchFamily="49" charset="0"/>
-              </a:rPr>
-              <a:t>center</a:t>
-            </a:r>
-            <a:r>
-              <a:rPr lang="en-GB" dirty="0">
-                <a:latin typeface="Courier New" panose="02070309020205020404" pitchFamily="49" charset="0"/>
-                <a:cs typeface="Courier New" panose="02070309020205020404" pitchFamily="49" charset="0"/>
-              </a:rPr>
-              <a:t>;</a:t>
-            </a:r>
-          </a:p>
-          <a:p>
-            <a:r>
-              <a:rPr lang="en-GB" dirty="0">
-                <a:latin typeface="Courier New" panose="02070309020205020404" pitchFamily="49" charset="0"/>
-                <a:cs typeface="Courier New" panose="02070309020205020404" pitchFamily="49" charset="0"/>
-              </a:rPr>
-              <a:t>	justify-content: </a:t>
-            </a:r>
-            <a:r>
-              <a:rPr lang="en-GB" dirty="0" err="1">
-                <a:latin typeface="Courier New" panose="02070309020205020404" pitchFamily="49" charset="0"/>
-                <a:cs typeface="Courier New" panose="02070309020205020404" pitchFamily="49" charset="0"/>
-              </a:rPr>
-              <a:t>center</a:t>
-            </a:r>
-            <a:r>
-              <a:rPr lang="en-GB" dirty="0">
-                <a:latin typeface="Courier New" panose="02070309020205020404" pitchFamily="49" charset="0"/>
-                <a:cs typeface="Courier New" panose="02070309020205020404" pitchFamily="49" charset="0"/>
-              </a:rPr>
-              <a:t>;</a:t>
-            </a:r>
-          </a:p>
-          <a:p>
-            <a:r>
-              <a:rPr lang="en-US" dirty="0">
-                <a:latin typeface="Courier New" panose="02070309020205020404" pitchFamily="49" charset="0"/>
-                <a:cs typeface="Courier New" panose="02070309020205020404" pitchFamily="49" charset="0"/>
-              </a:rPr>
-              <a:t>}</a:t>
-            </a:r>
-          </a:p>
-        </p:txBody>
-      </p:sp>
-      <p:pic>
-        <p:nvPicPr>
-          <p:cNvPr id="11" name="Content Placeholder 10">
-            <a:extLst>
-              <a:ext uri="{FF2B5EF4-FFF2-40B4-BE49-F238E27FC236}">
-                <a16:creationId xmlns:a16="http://schemas.microsoft.com/office/drawing/2014/main" id="{178C4E8D-1A4F-994B-B4CC-A37446512BAE}"/>
-              </a:ext>
-            </a:extLst>
-          </p:cNvPr>
-          <p:cNvPicPr>
-            <a:picLocks noGrp="1" noChangeAspect="1"/>
-          </p:cNvPicPr>
-          <p:nvPr>
-            <p:ph idx="1"/>
-          </p:nvPr>
-        </p:nvPicPr>
-        <p:blipFill>
-          <a:blip r:embed="rId2"/>
-          <a:stretch>
-            <a:fillRect/>
-          </a:stretch>
-        </p:blipFill>
-        <p:spPr>
-          <a:xfrm>
-            <a:off x="580858" y="2204680"/>
-            <a:ext cx="11029950" cy="592212"/>
-          </a:xfrm>
-        </p:spPr>
-      </p:pic>
-      <p:cxnSp>
-        <p:nvCxnSpPr>
-          <p:cNvPr id="13" name="Straight Arrow Connector 12">
-            <a:extLst>
-              <a:ext uri="{FF2B5EF4-FFF2-40B4-BE49-F238E27FC236}">
-                <a16:creationId xmlns:a16="http://schemas.microsoft.com/office/drawing/2014/main" id="{8367F99F-AED0-524F-B1DD-0404101FD187}"/>
-              </a:ext>
-            </a:extLst>
-          </p:cNvPr>
-          <p:cNvCxnSpPr/>
-          <p:nvPr/>
-        </p:nvCxnSpPr>
-        <p:spPr>
-          <a:xfrm flipV="1">
-            <a:off x="1480930" y="2663687"/>
-            <a:ext cx="318053" cy="765313"/>
-          </a:xfrm>
-          <a:prstGeom prst="straightConnector1">
-            <a:avLst/>
-          </a:prstGeom>
-          <a:ln>
-            <a:solidFill>
-              <a:srgbClr val="FFC000"/>
-            </a:solidFill>
-            <a:tailEnd type="triangle"/>
-          </a:ln>
-        </p:spPr>
-        <p:style>
-          <a:lnRef idx="1">
-            <a:schemeClr val="accent1"/>
-          </a:lnRef>
-          <a:fillRef idx="0">
-            <a:schemeClr val="accent1"/>
-          </a:fillRef>
-          <a:effectRef idx="0">
-            <a:schemeClr val="accent1"/>
-          </a:effectRef>
-          <a:fontRef idx="minor">
-            <a:schemeClr val="tx1"/>
-          </a:fontRef>
-        </p:style>
-      </p:cxnSp>
-      <p:cxnSp>
-        <p:nvCxnSpPr>
-          <p:cNvPr id="15" name="Straight Arrow Connector 14">
-            <a:extLst>
-              <a:ext uri="{FF2B5EF4-FFF2-40B4-BE49-F238E27FC236}">
-                <a16:creationId xmlns:a16="http://schemas.microsoft.com/office/drawing/2014/main" id="{9AE422A0-9A1D-2046-ABFF-6EEA2AF50DC2}"/>
-              </a:ext>
-            </a:extLst>
-          </p:cNvPr>
-          <p:cNvCxnSpPr/>
-          <p:nvPr/>
-        </p:nvCxnSpPr>
-        <p:spPr>
-          <a:xfrm flipV="1">
-            <a:off x="8388626" y="2796892"/>
-            <a:ext cx="954157" cy="488724"/>
-          </a:xfrm>
-          <a:prstGeom prst="straightConnector1">
-            <a:avLst/>
-          </a:prstGeom>
-          <a:ln>
-            <a:solidFill>
-              <a:srgbClr val="FFC000"/>
-            </a:solidFill>
-            <a:tailEnd type="triangle"/>
-          </a:ln>
-        </p:spPr>
-        <p:style>
-          <a:lnRef idx="1">
-            <a:schemeClr val="accent1"/>
-          </a:lnRef>
-          <a:fillRef idx="0">
-            <a:schemeClr val="accent1"/>
-          </a:fillRef>
-          <a:effectRef idx="0">
-            <a:schemeClr val="accent1"/>
-          </a:effectRef>
-          <a:fontRef idx="minor">
-            <a:schemeClr val="tx1"/>
-          </a:fontRef>
-        </p:style>
-      </p:cxnSp>
-      <p:cxnSp>
-        <p:nvCxnSpPr>
-          <p:cNvPr id="17" name="Straight Arrow Connector 16">
-            <a:extLst>
-              <a:ext uri="{FF2B5EF4-FFF2-40B4-BE49-F238E27FC236}">
-                <a16:creationId xmlns:a16="http://schemas.microsoft.com/office/drawing/2014/main" id="{B4435D43-FDD7-2B44-9697-3709FE6120D3}"/>
-              </a:ext>
-            </a:extLst>
-          </p:cNvPr>
-          <p:cNvCxnSpPr>
-            <a:stCxn id="7" idx="1"/>
-          </p:cNvCxnSpPr>
-          <p:nvPr/>
-        </p:nvCxnSpPr>
-        <p:spPr>
-          <a:xfrm flipH="1" flipV="1">
-            <a:off x="5764696" y="2663687"/>
-            <a:ext cx="1522756" cy="2334973"/>
-          </a:xfrm>
-          <a:prstGeom prst="straightConnector1">
-            <a:avLst/>
-          </a:prstGeom>
-          <a:ln>
-            <a:solidFill>
-              <a:srgbClr val="FFC000"/>
-            </a:solidFill>
-            <a:tailEnd type="triangle"/>
-          </a:ln>
-        </p:spPr>
-        <p:style>
-          <a:lnRef idx="1">
-            <a:schemeClr val="accent1"/>
-          </a:lnRef>
-          <a:fillRef idx="0">
-            <a:schemeClr val="accent1"/>
-          </a:fillRef>
-          <a:effectRef idx="0">
-            <a:schemeClr val="accent1"/>
-          </a:effectRef>
-          <a:fontRef idx="minor">
-            <a:schemeClr val="tx1"/>
-          </a:fontRef>
-        </p:style>
-      </p:cxnSp>
-    </p:spTree>
-    <p:extLst>
-      <p:ext uri="{BB962C8B-B14F-4D97-AF65-F5344CB8AC3E}">
-        <p14:creationId xmlns:p14="http://schemas.microsoft.com/office/powerpoint/2010/main" val="3886172744"/>
-      </p:ext>
-    </p:extLst>
-  </p:cSld>
-  <p:clrMapOvr>
-    <a:masterClrMapping/>
-  </p:clrMapOvr>
-</p:sld>
-</file>
-
-<file path=ppt/slides/slide14.xml><?xml version="1.0" encoding="utf-8"?>
-<p:sld xmlns:a="http://schemas.openxmlformats.org/drawingml/2006/main" xmlns:r="http://schemas.openxmlformats.org/officeDocument/2006/relationships" xmlns:p="http://schemas.openxmlformats.org/presentationml/2006/main">
-  <p:cSld>
-    <p:spTree>
-      <p:nvGrpSpPr>
-        <p:cNvPr id="1" name=""/>
-        <p:cNvGrpSpPr/>
-        <p:nvPr/>
-      </p:nvGrpSpPr>
-      <p:grpSpPr>
-        <a:xfrm>
-          <a:off x="0" y="0"/>
-          <a:ext cx="0" cy="0"/>
-          <a:chOff x="0" y="0"/>
-          <a:chExt cx="0" cy="0"/>
-        </a:xfrm>
-      </p:grpSpPr>
-      <p:sp>
-        <p:nvSpPr>
-          <p:cNvPr id="2" name="Title 1">
-            <a:extLst>
-              <a:ext uri="{FF2B5EF4-FFF2-40B4-BE49-F238E27FC236}">
-                <a16:creationId xmlns:a16="http://schemas.microsoft.com/office/drawing/2014/main" id="{9D1D5B2D-42A0-564B-A56B-BEE7BDCCCE16}"/>
-              </a:ext>
-            </a:extLst>
-          </p:cNvPr>
-          <p:cNvSpPr>
-            <a:spLocks noGrp="1"/>
-          </p:cNvSpPr>
-          <p:nvPr>
-            <p:ph type="title"/>
-          </p:nvPr>
-        </p:nvSpPr>
-        <p:spPr/>
-        <p:txBody>
-          <a:bodyPr/>
-          <a:lstStyle/>
-          <a:p>
-            <a:r>
-              <a:rPr lang="en-US" dirty="0" err="1"/>
-              <a:t>Trillo</a:t>
-            </a:r>
-            <a:r>
-              <a:rPr lang="en-US" dirty="0"/>
-              <a:t> application – side bar</a:t>
-            </a:r>
-          </a:p>
-        </p:txBody>
-      </p:sp>
-      <p:pic>
-        <p:nvPicPr>
-          <p:cNvPr id="5" name="Content Placeholder 4">
-            <a:extLst>
-              <a:ext uri="{FF2B5EF4-FFF2-40B4-BE49-F238E27FC236}">
-                <a16:creationId xmlns:a16="http://schemas.microsoft.com/office/drawing/2014/main" id="{7541ACC0-2DEC-7845-B9DC-20CEB59886DF}"/>
-              </a:ext>
-            </a:extLst>
-          </p:cNvPr>
-          <p:cNvPicPr>
-            <a:picLocks noGrp="1" noChangeAspect="1"/>
-          </p:cNvPicPr>
-          <p:nvPr>
-            <p:ph idx="1"/>
-          </p:nvPr>
-        </p:nvPicPr>
-        <p:blipFill>
-          <a:blip r:embed="rId2"/>
-          <a:stretch>
-            <a:fillRect/>
-          </a:stretch>
-        </p:blipFill>
-        <p:spPr>
-          <a:xfrm>
-            <a:off x="761610" y="2298321"/>
-            <a:ext cx="1445266" cy="3678238"/>
-          </a:xfrm>
-        </p:spPr>
-      </p:pic>
-      <p:pic>
-        <p:nvPicPr>
-          <p:cNvPr id="7" name="Picture 6">
-            <a:extLst>
-              <a:ext uri="{FF2B5EF4-FFF2-40B4-BE49-F238E27FC236}">
-                <a16:creationId xmlns:a16="http://schemas.microsoft.com/office/drawing/2014/main" id="{935AA73E-23D8-084B-9B8B-D5EF8206E227}"/>
-              </a:ext>
-            </a:extLst>
-          </p:cNvPr>
-          <p:cNvPicPr>
-            <a:picLocks noChangeAspect="1"/>
-          </p:cNvPicPr>
-          <p:nvPr/>
-        </p:nvPicPr>
-        <p:blipFill>
-          <a:blip r:embed="rId3"/>
-          <a:stretch>
-            <a:fillRect/>
-          </a:stretch>
-        </p:blipFill>
-        <p:spPr>
-          <a:xfrm>
-            <a:off x="761610" y="4137440"/>
-            <a:ext cx="1420187" cy="1766403"/>
-          </a:xfrm>
-          <a:prstGeom prst="rect">
-            <a:avLst/>
-          </a:prstGeom>
-        </p:spPr>
-      </p:pic>
-      <p:sp>
-        <p:nvSpPr>
-          <p:cNvPr id="8" name="TextBox 7">
-            <a:extLst>
-              <a:ext uri="{FF2B5EF4-FFF2-40B4-BE49-F238E27FC236}">
-                <a16:creationId xmlns:a16="http://schemas.microsoft.com/office/drawing/2014/main" id="{32B1456D-EFFF-4F46-A9C8-989E0F0FD1E4}"/>
-              </a:ext>
-            </a:extLst>
-          </p:cNvPr>
-          <p:cNvSpPr txBox="1"/>
-          <p:nvPr/>
-        </p:nvSpPr>
-        <p:spPr>
-          <a:xfrm>
-            <a:off x="2440613" y="2844778"/>
-            <a:ext cx="9751387" cy="2585323"/>
-          </a:xfrm>
-          <a:prstGeom prst="rect">
-            <a:avLst/>
-          </a:prstGeom>
-          <a:noFill/>
-        </p:spPr>
-        <p:txBody>
-          <a:bodyPr wrap="none" rtlCol="0">
-            <a:spAutoFit/>
-          </a:bodyPr>
-          <a:lstStyle/>
-          <a:p>
-            <a:r>
-              <a:rPr lang="en-GB" dirty="0">
-                <a:latin typeface="Courier New" panose="02070309020205020404" pitchFamily="49" charset="0"/>
-                <a:cs typeface="Courier New" panose="02070309020205020404" pitchFamily="49" charset="0"/>
-              </a:rPr>
-              <a:t>.sidebar {</a:t>
-            </a:r>
-          </a:p>
-          <a:p>
-            <a:r>
-              <a:rPr lang="en-GB" dirty="0">
-                <a:latin typeface="Courier New" panose="02070309020205020404" pitchFamily="49" charset="0"/>
-                <a:cs typeface="Courier New" panose="02070309020205020404" pitchFamily="49" charset="0"/>
-              </a:rPr>
-              <a:t>	background-</a:t>
-            </a:r>
-            <a:r>
-              <a:rPr lang="en-GB" dirty="0" err="1">
-                <a:latin typeface="Courier New" panose="02070309020205020404" pitchFamily="49" charset="0"/>
-                <a:cs typeface="Courier New" panose="02070309020205020404" pitchFamily="49" charset="0"/>
-              </a:rPr>
-              <a:t>color</a:t>
-            </a:r>
-            <a:r>
-              <a:rPr lang="en-GB" dirty="0">
-                <a:latin typeface="Courier New" panose="02070309020205020404" pitchFamily="49" charset="0"/>
-                <a:cs typeface="Courier New" panose="02070309020205020404" pitchFamily="49" charset="0"/>
-              </a:rPr>
-              <a:t>: </a:t>
-            </a:r>
-            <a:r>
-              <a:rPr lang="en-GB" dirty="0" err="1">
-                <a:latin typeface="Courier New" panose="02070309020205020404" pitchFamily="49" charset="0"/>
-                <a:cs typeface="Courier New" panose="02070309020205020404" pitchFamily="49" charset="0"/>
-              </a:rPr>
-              <a:t>var</a:t>
-            </a:r>
-            <a:r>
-              <a:rPr lang="en-GB" dirty="0">
-                <a:latin typeface="Courier New" panose="02070309020205020404" pitchFamily="49" charset="0"/>
-                <a:cs typeface="Courier New" panose="02070309020205020404" pitchFamily="49" charset="0"/>
-              </a:rPr>
-              <a:t>(--color-grey-dark-1);</a:t>
-            </a:r>
-          </a:p>
-          <a:p>
-            <a:br>
-              <a:rPr lang="en-GB" dirty="0">
-                <a:latin typeface="Courier New" panose="02070309020205020404" pitchFamily="49" charset="0"/>
-                <a:cs typeface="Courier New" panose="02070309020205020404" pitchFamily="49" charset="0"/>
-              </a:rPr>
-            </a:br>
-            <a:r>
-              <a:rPr lang="en-GB" dirty="0">
-                <a:latin typeface="Courier New" panose="02070309020205020404" pitchFamily="49" charset="0"/>
-                <a:cs typeface="Courier New" panose="02070309020205020404" pitchFamily="49" charset="0"/>
-              </a:rPr>
-              <a:t>	flex: 0 0 18%; </a:t>
-            </a:r>
-            <a:r>
-              <a:rPr lang="en-GB" sz="1000" dirty="0">
-                <a:latin typeface="Courier New" panose="02070309020205020404" pitchFamily="49" charset="0"/>
-                <a:cs typeface="Courier New" panose="02070309020205020404" pitchFamily="49" charset="0"/>
-              </a:rPr>
-              <a:t>//don't grow or shrink and width is 18%</a:t>
-            </a:r>
-          </a:p>
-          <a:p>
-            <a:r>
-              <a:rPr lang="en-GB" dirty="0">
-                <a:latin typeface="Courier New" panose="02070309020205020404" pitchFamily="49" charset="0"/>
-                <a:cs typeface="Courier New" panose="02070309020205020404" pitchFamily="49" charset="0"/>
-              </a:rPr>
-              <a:t>	display: flex;</a:t>
-            </a:r>
-          </a:p>
-          <a:p>
-            <a:r>
-              <a:rPr lang="en-GB" dirty="0">
-                <a:latin typeface="Courier New" panose="02070309020205020404" pitchFamily="49" charset="0"/>
-                <a:cs typeface="Courier New" panose="02070309020205020404" pitchFamily="49" charset="0"/>
-              </a:rPr>
-              <a:t>	flex-direction: column;</a:t>
-            </a:r>
-          </a:p>
-          <a:p>
-            <a:r>
-              <a:rPr lang="en-GB" dirty="0">
-                <a:latin typeface="Courier New" panose="02070309020205020404" pitchFamily="49" charset="0"/>
-                <a:cs typeface="Courier New" panose="02070309020205020404" pitchFamily="49" charset="0"/>
-              </a:rPr>
-              <a:t>	justify-content: space-between; </a:t>
-            </a:r>
-            <a:r>
-              <a:rPr lang="en-GB" sz="1000" dirty="0">
-                <a:latin typeface="Courier New" panose="02070309020205020404" pitchFamily="49" charset="0"/>
-                <a:cs typeface="Courier New" panose="02070309020205020404" pitchFamily="49" charset="0"/>
-              </a:rPr>
-              <a:t>//This has the effect of pushing the legal text to the bottom</a:t>
-            </a:r>
-          </a:p>
-          <a:p>
-            <a:r>
-              <a:rPr lang="en-GB" dirty="0">
-                <a:latin typeface="Courier New" panose="02070309020205020404" pitchFamily="49" charset="0"/>
-                <a:cs typeface="Courier New" panose="02070309020205020404" pitchFamily="49" charset="0"/>
-              </a:rPr>
-              <a:t>}</a:t>
-            </a:r>
-          </a:p>
-          <a:p>
-            <a:endParaRPr lang="en-US" dirty="0"/>
-          </a:p>
-        </p:txBody>
-      </p:sp>
-    </p:spTree>
-    <p:extLst>
-      <p:ext uri="{BB962C8B-B14F-4D97-AF65-F5344CB8AC3E}">
-        <p14:creationId xmlns:p14="http://schemas.microsoft.com/office/powerpoint/2010/main" val="623066704"/>
-      </p:ext>
-    </p:extLst>
-  </p:cSld>
-  <p:clrMapOvr>
-    <a:masterClrMapping/>
-  </p:clrMapOvr>
-</p:sld>
-</file>
-
-<file path=ppt/slides/slide15.xml><?xml version="1.0" encoding="utf-8"?>
-<p:sld xmlns:a="http://schemas.openxmlformats.org/drawingml/2006/main" xmlns:r="http://schemas.openxmlformats.org/officeDocument/2006/relationships" xmlns:p="http://schemas.openxmlformats.org/presentationml/2006/main">
-  <p:cSld>
-    <p:spTree>
-      <p:nvGrpSpPr>
-        <p:cNvPr id="1" name=""/>
-        <p:cNvGrpSpPr/>
-        <p:nvPr/>
-      </p:nvGrpSpPr>
-      <p:grpSpPr>
-        <a:xfrm>
-          <a:off x="0" y="0"/>
-          <a:ext cx="0" cy="0"/>
-          <a:chOff x="0" y="0"/>
-          <a:chExt cx="0" cy="0"/>
-        </a:xfrm>
-      </p:grpSpPr>
-      <p:sp>
-        <p:nvSpPr>
-          <p:cNvPr id="2" name="Title 1">
-            <a:extLst>
-              <a:ext uri="{FF2B5EF4-FFF2-40B4-BE49-F238E27FC236}">
-                <a16:creationId xmlns:a16="http://schemas.microsoft.com/office/drawing/2014/main" id="{3ECF1D15-804C-BA4D-A9E2-8EFE22911A29}"/>
-              </a:ext>
-            </a:extLst>
-          </p:cNvPr>
-          <p:cNvSpPr>
-            <a:spLocks noGrp="1"/>
-          </p:cNvSpPr>
-          <p:nvPr>
-            <p:ph type="title"/>
-          </p:nvPr>
-        </p:nvSpPr>
-        <p:spPr/>
-        <p:txBody>
-          <a:bodyPr/>
-          <a:lstStyle/>
-          <a:p>
-            <a:r>
-              <a:rPr lang="en-US" dirty="0" err="1"/>
-              <a:t>Trillo</a:t>
-            </a:r>
-            <a:r>
-              <a:rPr lang="en-US" dirty="0"/>
-              <a:t> application – hotel view</a:t>
-            </a:r>
-          </a:p>
-        </p:txBody>
-      </p:sp>
-      <p:pic>
-        <p:nvPicPr>
-          <p:cNvPr id="5" name="Content Placeholder 4">
-            <a:extLst>
-              <a:ext uri="{FF2B5EF4-FFF2-40B4-BE49-F238E27FC236}">
-                <a16:creationId xmlns:a16="http://schemas.microsoft.com/office/drawing/2014/main" id="{3F8049D6-FB27-314A-8657-402E56A29021}"/>
-              </a:ext>
-            </a:extLst>
-          </p:cNvPr>
-          <p:cNvPicPr>
-            <a:picLocks noGrp="1" noChangeAspect="1"/>
-          </p:cNvPicPr>
-          <p:nvPr>
-            <p:ph idx="1"/>
-          </p:nvPr>
-        </p:nvPicPr>
-        <p:blipFill>
-          <a:blip r:embed="rId2"/>
-          <a:stretch>
-            <a:fillRect/>
-          </a:stretch>
-        </p:blipFill>
-        <p:spPr>
-          <a:xfrm>
-            <a:off x="3930905" y="2636632"/>
-            <a:ext cx="4330189" cy="3678238"/>
-          </a:xfrm>
-        </p:spPr>
-      </p:pic>
-      <p:sp>
-        <p:nvSpPr>
-          <p:cNvPr id="6" name="TextBox 5">
-            <a:extLst>
-              <a:ext uri="{FF2B5EF4-FFF2-40B4-BE49-F238E27FC236}">
-                <a16:creationId xmlns:a16="http://schemas.microsoft.com/office/drawing/2014/main" id="{5F507087-471A-214C-9BA9-0AD4A90EC2DF}"/>
-              </a:ext>
-            </a:extLst>
-          </p:cNvPr>
-          <p:cNvSpPr txBox="1"/>
-          <p:nvPr/>
-        </p:nvSpPr>
-        <p:spPr>
-          <a:xfrm>
-            <a:off x="89452" y="1862053"/>
-            <a:ext cx="4620176" cy="1231106"/>
-          </a:xfrm>
-          <a:prstGeom prst="rect">
-            <a:avLst/>
-          </a:prstGeom>
-          <a:noFill/>
-        </p:spPr>
-        <p:txBody>
-          <a:bodyPr wrap="none" rtlCol="0">
-            <a:spAutoFit/>
-          </a:bodyPr>
-          <a:lstStyle/>
-          <a:p>
-            <a:r>
-              <a:rPr lang="en-GB" sz="1400" dirty="0">
-                <a:latin typeface="Courier New" panose="02070309020205020404" pitchFamily="49" charset="0"/>
-                <a:cs typeface="Courier New" panose="02070309020205020404" pitchFamily="49" charset="0"/>
-              </a:rPr>
-              <a:t>.hotel-view {</a:t>
-            </a:r>
-          </a:p>
-          <a:p>
-            <a:r>
-              <a:rPr lang="en-GB" sz="1400" dirty="0">
-                <a:latin typeface="Courier New" panose="02070309020205020404" pitchFamily="49" charset="0"/>
-                <a:cs typeface="Courier New" panose="02070309020205020404" pitchFamily="49" charset="0"/>
-              </a:rPr>
-              <a:t>	background-</a:t>
-            </a:r>
-            <a:r>
-              <a:rPr lang="en-GB" sz="1400" dirty="0" err="1">
-                <a:latin typeface="Courier New" panose="02070309020205020404" pitchFamily="49" charset="0"/>
-                <a:cs typeface="Courier New" panose="02070309020205020404" pitchFamily="49" charset="0"/>
-              </a:rPr>
-              <a:t>color</a:t>
-            </a:r>
-            <a:r>
-              <a:rPr lang="en-GB" sz="1400" dirty="0">
-                <a:latin typeface="Courier New" panose="02070309020205020404" pitchFamily="49" charset="0"/>
-                <a:cs typeface="Courier New" panose="02070309020205020404" pitchFamily="49" charset="0"/>
-              </a:rPr>
-              <a:t>: </a:t>
-            </a:r>
-            <a:r>
-              <a:rPr lang="en-GB" sz="1400" dirty="0" err="1">
-                <a:latin typeface="Courier New" panose="02070309020205020404" pitchFamily="49" charset="0"/>
-                <a:cs typeface="Courier New" panose="02070309020205020404" pitchFamily="49" charset="0"/>
-              </a:rPr>
-              <a:t>var</a:t>
-            </a:r>
-            <a:r>
-              <a:rPr lang="en-GB" sz="1400" dirty="0">
-                <a:latin typeface="Courier New" panose="02070309020205020404" pitchFamily="49" charset="0"/>
-                <a:cs typeface="Courier New" panose="02070309020205020404" pitchFamily="49" charset="0"/>
-              </a:rPr>
-              <a:t>(--</a:t>
-            </a:r>
-            <a:r>
-              <a:rPr lang="en-GB" sz="1400" dirty="0" err="1">
-                <a:latin typeface="Courier New" panose="02070309020205020404" pitchFamily="49" charset="0"/>
-                <a:cs typeface="Courier New" panose="02070309020205020404" pitchFamily="49" charset="0"/>
-              </a:rPr>
-              <a:t>color</a:t>
-            </a:r>
-            <a:r>
-              <a:rPr lang="en-GB" sz="1400" dirty="0">
-                <a:latin typeface="Courier New" panose="02070309020205020404" pitchFamily="49" charset="0"/>
-                <a:cs typeface="Courier New" panose="02070309020205020404" pitchFamily="49" charset="0"/>
-              </a:rPr>
-              <a:t>-white);</a:t>
-            </a:r>
-          </a:p>
-          <a:p>
-            <a:r>
-              <a:rPr lang="en-GB" sz="1400" dirty="0">
-                <a:latin typeface="Courier New" panose="02070309020205020404" pitchFamily="49" charset="0"/>
-                <a:cs typeface="Courier New" panose="02070309020205020404" pitchFamily="49" charset="0"/>
-              </a:rPr>
-              <a:t>	flex: 1; </a:t>
-            </a:r>
-            <a:r>
-              <a:rPr lang="en-GB" sz="1200" dirty="0">
-                <a:latin typeface="Courier New" panose="02070309020205020404" pitchFamily="49" charset="0"/>
-                <a:cs typeface="Courier New" panose="02070309020205020404" pitchFamily="49" charset="0"/>
-              </a:rPr>
-              <a:t>//grow as much as it can</a:t>
-            </a:r>
-          </a:p>
-          <a:p>
-            <a:r>
-              <a:rPr lang="en-GB" sz="1400" dirty="0">
-                <a:latin typeface="Courier New" panose="02070309020205020404" pitchFamily="49" charset="0"/>
-                <a:cs typeface="Courier New" panose="02070309020205020404" pitchFamily="49" charset="0"/>
-              </a:rPr>
-              <a:t>}</a:t>
-            </a:r>
-          </a:p>
-          <a:p>
-            <a:endParaRPr lang="en-US" dirty="0"/>
-          </a:p>
-        </p:txBody>
-      </p:sp>
-      <p:sp>
-        <p:nvSpPr>
-          <p:cNvPr id="7" name="TextBox 6">
-            <a:extLst>
-              <a:ext uri="{FF2B5EF4-FFF2-40B4-BE49-F238E27FC236}">
-                <a16:creationId xmlns:a16="http://schemas.microsoft.com/office/drawing/2014/main" id="{88236E5F-A380-4345-88E2-6E91416DEA1C}"/>
-              </a:ext>
-            </a:extLst>
-          </p:cNvPr>
-          <p:cNvSpPr txBox="1"/>
-          <p:nvPr/>
-        </p:nvSpPr>
-        <p:spPr>
-          <a:xfrm>
-            <a:off x="89452" y="3498406"/>
-            <a:ext cx="4767652" cy="738664"/>
-          </a:xfrm>
-          <a:prstGeom prst="rect">
-            <a:avLst/>
-          </a:prstGeom>
-          <a:noFill/>
-        </p:spPr>
-        <p:txBody>
-          <a:bodyPr wrap="none" rtlCol="0">
-            <a:spAutoFit/>
-          </a:bodyPr>
-          <a:lstStyle/>
-          <a:p>
-            <a:r>
-              <a:rPr lang="en-GB" sz="1400" dirty="0">
-                <a:latin typeface="Courier New" panose="02070309020205020404" pitchFamily="49" charset="0"/>
-                <a:cs typeface="Courier New" panose="02070309020205020404" pitchFamily="49" charset="0"/>
-              </a:rPr>
-              <a:t>.description {</a:t>
-            </a:r>
-          </a:p>
-          <a:p>
-            <a:r>
-              <a:rPr lang="en-GB" sz="1400" dirty="0">
-                <a:latin typeface="Courier New" panose="02070309020205020404" pitchFamily="49" charset="0"/>
-                <a:cs typeface="Courier New" panose="02070309020205020404" pitchFamily="49" charset="0"/>
-              </a:rPr>
-              <a:t>	flex: 0 0 60%; </a:t>
-            </a:r>
-            <a:r>
-              <a:rPr lang="en-GB" sz="1200" dirty="0">
-                <a:latin typeface="Courier New" panose="02070309020205020404" pitchFamily="49" charset="0"/>
-                <a:cs typeface="Courier New" panose="02070309020205020404" pitchFamily="49" charset="0"/>
-              </a:rPr>
-              <a:t>//takes up 60% of the width</a:t>
-            </a:r>
-          </a:p>
-          <a:p>
-            <a:r>
-              <a:rPr lang="en-US" sz="1400" dirty="0">
-                <a:latin typeface="Courier New" panose="02070309020205020404" pitchFamily="49" charset="0"/>
-                <a:cs typeface="Courier New" panose="02070309020205020404" pitchFamily="49" charset="0"/>
-              </a:rPr>
-              <a:t>}</a:t>
-            </a:r>
-          </a:p>
-        </p:txBody>
-      </p:sp>
-      <p:sp>
-        <p:nvSpPr>
-          <p:cNvPr id="8" name="TextBox 7">
-            <a:extLst>
-              <a:ext uri="{FF2B5EF4-FFF2-40B4-BE49-F238E27FC236}">
-                <a16:creationId xmlns:a16="http://schemas.microsoft.com/office/drawing/2014/main" id="{9E78E08D-2B86-D64F-AA6E-D49C82442B22}"/>
-              </a:ext>
-            </a:extLst>
-          </p:cNvPr>
-          <p:cNvSpPr txBox="1"/>
-          <p:nvPr/>
-        </p:nvSpPr>
-        <p:spPr>
-          <a:xfrm>
-            <a:off x="237253" y="4516251"/>
-            <a:ext cx="3116559" cy="2277547"/>
-          </a:xfrm>
-          <a:prstGeom prst="rect">
-            <a:avLst/>
-          </a:prstGeom>
-          <a:noFill/>
-        </p:spPr>
-        <p:txBody>
-          <a:bodyPr wrap="none" rtlCol="0">
-            <a:spAutoFit/>
-          </a:bodyPr>
-          <a:lstStyle/>
-          <a:p>
-            <a:r>
-              <a:rPr lang="en-GB" sz="1400" dirty="0">
-                <a:latin typeface="Courier New" panose="02070309020205020404" pitchFamily="49" charset="0"/>
-                <a:cs typeface="Courier New" panose="02070309020205020404" pitchFamily="49" charset="0"/>
-              </a:rPr>
-              <a:t>.user-reviews {</a:t>
-            </a:r>
-          </a:p>
-          <a:p>
-            <a:r>
-              <a:rPr lang="en-GB" sz="1400" dirty="0">
-                <a:latin typeface="Courier New" panose="02070309020205020404" pitchFamily="49" charset="0"/>
-                <a:cs typeface="Courier New" panose="02070309020205020404" pitchFamily="49" charset="0"/>
-              </a:rPr>
-              <a:t>	flex: 1; </a:t>
-            </a:r>
-          </a:p>
-          <a:p>
-            <a:r>
-              <a:rPr lang="en-GB" sz="1400" dirty="0">
-                <a:latin typeface="Courier New" panose="02070309020205020404" pitchFamily="49" charset="0"/>
-                <a:cs typeface="Courier New" panose="02070309020205020404" pitchFamily="49" charset="0"/>
-              </a:rPr>
-              <a:t>	</a:t>
-            </a:r>
-            <a:r>
-              <a:rPr lang="en-GB" sz="1200" dirty="0">
-                <a:latin typeface="Courier New" panose="02070309020205020404" pitchFamily="49" charset="0"/>
-                <a:cs typeface="Courier New" panose="02070309020205020404" pitchFamily="49" charset="0"/>
-              </a:rPr>
-              <a:t>//grows to occupy the </a:t>
-            </a:r>
-          </a:p>
-          <a:p>
-            <a:r>
-              <a:rPr lang="en-GB" sz="1200" dirty="0">
-                <a:latin typeface="Courier New" panose="02070309020205020404" pitchFamily="49" charset="0"/>
-                <a:cs typeface="Courier New" panose="02070309020205020404" pitchFamily="49" charset="0"/>
-              </a:rPr>
-              <a:t>	remaining space</a:t>
-            </a:r>
-          </a:p>
-          <a:p>
-            <a:br>
-              <a:rPr lang="en-GB" sz="1400" dirty="0">
-                <a:latin typeface="Courier New" panose="02070309020205020404" pitchFamily="49" charset="0"/>
-                <a:cs typeface="Courier New" panose="02070309020205020404" pitchFamily="49" charset="0"/>
-              </a:rPr>
-            </a:br>
-            <a:r>
-              <a:rPr lang="en-GB" sz="1400" dirty="0">
-                <a:latin typeface="Courier New" panose="02070309020205020404" pitchFamily="49" charset="0"/>
-                <a:cs typeface="Courier New" panose="02070309020205020404" pitchFamily="49" charset="0"/>
-              </a:rPr>
-              <a:t>	display: flex;</a:t>
-            </a:r>
-          </a:p>
-          <a:p>
-            <a:r>
-              <a:rPr lang="en-GB" sz="1400" dirty="0">
-                <a:latin typeface="Courier New" panose="02070309020205020404" pitchFamily="49" charset="0"/>
-                <a:cs typeface="Courier New" panose="02070309020205020404" pitchFamily="49" charset="0"/>
-              </a:rPr>
-              <a:t>	flex-direction: column;</a:t>
-            </a:r>
-          </a:p>
-          <a:p>
-            <a:r>
-              <a:rPr lang="en-GB" sz="1400" dirty="0">
-                <a:latin typeface="Courier New" panose="02070309020205020404" pitchFamily="49" charset="0"/>
-                <a:cs typeface="Courier New" panose="02070309020205020404" pitchFamily="49" charset="0"/>
-              </a:rPr>
-              <a:t>	align-items: </a:t>
-            </a:r>
-            <a:r>
-              <a:rPr lang="en-GB" sz="1400" dirty="0" err="1">
-                <a:latin typeface="Courier New" panose="02070309020205020404" pitchFamily="49" charset="0"/>
-                <a:cs typeface="Courier New" panose="02070309020205020404" pitchFamily="49" charset="0"/>
-              </a:rPr>
-              <a:t>center</a:t>
-            </a:r>
-            <a:r>
-              <a:rPr lang="en-GB" sz="1400" dirty="0">
-                <a:latin typeface="Courier New" panose="02070309020205020404" pitchFamily="49" charset="0"/>
-                <a:cs typeface="Courier New" panose="02070309020205020404" pitchFamily="49" charset="0"/>
-              </a:rPr>
-              <a:t>;</a:t>
-            </a:r>
-          </a:p>
-          <a:p>
-            <a:r>
-              <a:rPr lang="en-GB" sz="1400" dirty="0">
-                <a:latin typeface="Courier New" panose="02070309020205020404" pitchFamily="49" charset="0"/>
-                <a:cs typeface="Courier New" panose="02070309020205020404" pitchFamily="49" charset="0"/>
-              </a:rPr>
-              <a:t>}</a:t>
-            </a:r>
-          </a:p>
-          <a:p>
-            <a:endParaRPr lang="en-US" dirty="0"/>
-          </a:p>
-        </p:txBody>
-      </p:sp>
-      <p:sp>
-        <p:nvSpPr>
-          <p:cNvPr id="9" name="TextBox 8">
-            <a:extLst>
-              <a:ext uri="{FF2B5EF4-FFF2-40B4-BE49-F238E27FC236}">
-                <a16:creationId xmlns:a16="http://schemas.microsoft.com/office/drawing/2014/main" id="{576FEA63-1D22-5F41-B6D2-97C2D809F89B}"/>
-              </a:ext>
-            </a:extLst>
-          </p:cNvPr>
-          <p:cNvSpPr txBox="1"/>
-          <p:nvPr/>
-        </p:nvSpPr>
-        <p:spPr>
-          <a:xfrm>
-            <a:off x="8269123" y="2719077"/>
-            <a:ext cx="3685624" cy="4185761"/>
-          </a:xfrm>
-          <a:prstGeom prst="rect">
-            <a:avLst/>
-          </a:prstGeom>
-          <a:noFill/>
-        </p:spPr>
-        <p:txBody>
-          <a:bodyPr wrap="none" rtlCol="0">
-            <a:spAutoFit/>
-          </a:bodyPr>
-          <a:lstStyle/>
-          <a:p>
-            <a:r>
-              <a:rPr lang="en-GB" sz="1400" dirty="0">
-                <a:latin typeface="Courier New" panose="02070309020205020404" pitchFamily="49" charset="0"/>
-                <a:cs typeface="Courier New" panose="02070309020205020404" pitchFamily="49" charset="0"/>
-              </a:rPr>
-              <a:t>.overview {</a:t>
-            </a:r>
-          </a:p>
-          <a:p>
-            <a:r>
-              <a:rPr lang="en-GB" sz="1400" dirty="0">
-                <a:latin typeface="Courier New" panose="02070309020205020404" pitchFamily="49" charset="0"/>
-                <a:cs typeface="Courier New" panose="02070309020205020404" pitchFamily="49" charset="0"/>
-              </a:rPr>
-              <a:t>	display: flex;</a:t>
-            </a:r>
-          </a:p>
-          <a:p>
-            <a:r>
-              <a:rPr lang="en-GB" sz="1400" dirty="0">
-                <a:latin typeface="Courier New" panose="02070309020205020404" pitchFamily="49" charset="0"/>
-                <a:cs typeface="Courier New" panose="02070309020205020404" pitchFamily="49" charset="0"/>
-              </a:rPr>
-              <a:t>	align-items: </a:t>
-            </a:r>
-            <a:r>
-              <a:rPr lang="en-GB" sz="1400" dirty="0" err="1">
-                <a:latin typeface="Courier New" panose="02070309020205020404" pitchFamily="49" charset="0"/>
-                <a:cs typeface="Courier New" panose="02070309020205020404" pitchFamily="49" charset="0"/>
-              </a:rPr>
-              <a:t>center</a:t>
-            </a:r>
-            <a:r>
-              <a:rPr lang="en-GB" sz="1400" dirty="0">
-                <a:latin typeface="Courier New" panose="02070309020205020404" pitchFamily="49" charset="0"/>
-                <a:cs typeface="Courier New" panose="02070309020205020404" pitchFamily="49" charset="0"/>
-              </a:rPr>
-              <a:t>;</a:t>
-            </a:r>
-          </a:p>
-          <a:p>
-            <a:endParaRPr lang="en-GB" sz="1400" dirty="0">
-              <a:latin typeface="Courier New" panose="02070309020205020404" pitchFamily="49" charset="0"/>
-              <a:cs typeface="Courier New" panose="02070309020205020404" pitchFamily="49" charset="0"/>
-            </a:endParaRPr>
-          </a:p>
-          <a:p>
-            <a:pPr lvl="1"/>
-            <a:r>
-              <a:rPr lang="en-GB" sz="1400" dirty="0">
-                <a:latin typeface="Courier New" panose="02070309020205020404" pitchFamily="49" charset="0"/>
-                <a:cs typeface="Courier New" panose="02070309020205020404" pitchFamily="49" charset="0"/>
-              </a:rPr>
-              <a:t>&amp;__location {</a:t>
-            </a:r>
-          </a:p>
-          <a:p>
-            <a:pPr lvl="1"/>
-            <a:r>
-              <a:rPr lang="en-GB" sz="1400" dirty="0">
-                <a:latin typeface="Courier New" panose="02070309020205020404" pitchFamily="49" charset="0"/>
-                <a:cs typeface="Courier New" panose="02070309020205020404" pitchFamily="49" charset="0"/>
-              </a:rPr>
-              <a:t>	display: flex;</a:t>
-            </a:r>
-          </a:p>
-          <a:p>
-            <a:pPr lvl="1"/>
-            <a:r>
-              <a:rPr lang="en-GB" sz="1400" dirty="0">
-                <a:latin typeface="Courier New" panose="02070309020205020404" pitchFamily="49" charset="0"/>
-                <a:cs typeface="Courier New" panose="02070309020205020404" pitchFamily="49" charset="0"/>
-              </a:rPr>
-              <a:t>	align-items: </a:t>
-            </a:r>
-            <a:r>
-              <a:rPr lang="en-GB" sz="1400" dirty="0" err="1">
-                <a:latin typeface="Courier New" panose="02070309020205020404" pitchFamily="49" charset="0"/>
-                <a:cs typeface="Courier New" panose="02070309020205020404" pitchFamily="49" charset="0"/>
-              </a:rPr>
-              <a:t>center</a:t>
-            </a:r>
-            <a:r>
-              <a:rPr lang="en-GB" sz="1400" dirty="0">
-                <a:latin typeface="Courier New" panose="02070309020205020404" pitchFamily="49" charset="0"/>
-                <a:cs typeface="Courier New" panose="02070309020205020404" pitchFamily="49" charset="0"/>
-              </a:rPr>
-              <a:t>;</a:t>
-            </a:r>
-          </a:p>
-          <a:p>
-            <a:pPr lvl="1"/>
-            <a:r>
-              <a:rPr lang="en-GB" sz="1400" dirty="0">
-                <a:latin typeface="Courier New" panose="02070309020205020404" pitchFamily="49" charset="0"/>
-                <a:cs typeface="Courier New" panose="02070309020205020404" pitchFamily="49" charset="0"/>
-              </a:rPr>
-              <a:t>}</a:t>
-            </a:r>
-          </a:p>
-          <a:p>
-            <a:pPr lvl="1"/>
-            <a:endParaRPr lang="en-GB" sz="1400" dirty="0">
-              <a:latin typeface="Courier New" panose="02070309020205020404" pitchFamily="49" charset="0"/>
-              <a:cs typeface="Courier New" panose="02070309020205020404" pitchFamily="49" charset="0"/>
-            </a:endParaRPr>
-          </a:p>
-          <a:p>
-            <a:r>
-              <a:rPr lang="en-GB" sz="1400" dirty="0">
-                <a:latin typeface="Courier New" panose="02070309020205020404" pitchFamily="49" charset="0"/>
-                <a:cs typeface="Courier New" panose="02070309020205020404" pitchFamily="49" charset="0"/>
-              </a:rPr>
-              <a:t>	&amp;__rating {</a:t>
-            </a:r>
-          </a:p>
-          <a:p>
-            <a:r>
-              <a:rPr lang="en-GB" sz="1400" dirty="0">
-                <a:latin typeface="Courier New" panose="02070309020205020404" pitchFamily="49" charset="0"/>
-                <a:cs typeface="Courier New" panose="02070309020205020404" pitchFamily="49" charset="0"/>
-              </a:rPr>
-              <a:t>		align-self: stretch;</a:t>
-            </a:r>
-          </a:p>
-          <a:p>
-            <a:br>
-              <a:rPr lang="en-GB" sz="1400" dirty="0">
-                <a:latin typeface="Courier New" panose="02070309020205020404" pitchFamily="49" charset="0"/>
-                <a:cs typeface="Courier New" panose="02070309020205020404" pitchFamily="49" charset="0"/>
-              </a:rPr>
-            </a:br>
-            <a:r>
-              <a:rPr lang="en-GB" sz="1400" dirty="0">
-                <a:latin typeface="Courier New" panose="02070309020205020404" pitchFamily="49" charset="0"/>
-                <a:cs typeface="Courier New" panose="02070309020205020404" pitchFamily="49" charset="0"/>
-              </a:rPr>
-              <a:t>		display: flex;</a:t>
-            </a:r>
-          </a:p>
-          <a:p>
-            <a:r>
-              <a:rPr lang="en-GB" sz="1400" dirty="0">
-                <a:latin typeface="Courier New" panose="02070309020205020404" pitchFamily="49" charset="0"/>
-                <a:cs typeface="Courier New" panose="02070309020205020404" pitchFamily="49" charset="0"/>
-              </a:rPr>
-              <a:t>		flex-direction: column;</a:t>
-            </a:r>
-          </a:p>
-          <a:p>
-            <a:r>
-              <a:rPr lang="en-GB" sz="1400" dirty="0">
-                <a:latin typeface="Courier New" panose="02070309020205020404" pitchFamily="49" charset="0"/>
-                <a:cs typeface="Courier New" panose="02070309020205020404" pitchFamily="49" charset="0"/>
-              </a:rPr>
-              <a:t>		align-items: </a:t>
-            </a:r>
-            <a:r>
-              <a:rPr lang="en-GB" sz="1400" dirty="0" err="1">
-                <a:latin typeface="Courier New" panose="02070309020205020404" pitchFamily="49" charset="0"/>
-                <a:cs typeface="Courier New" panose="02070309020205020404" pitchFamily="49" charset="0"/>
-              </a:rPr>
-              <a:t>center</a:t>
-            </a:r>
-            <a:r>
-              <a:rPr lang="en-GB" sz="1400" dirty="0">
-                <a:latin typeface="Courier New" panose="02070309020205020404" pitchFamily="49" charset="0"/>
-                <a:cs typeface="Courier New" panose="02070309020205020404" pitchFamily="49" charset="0"/>
-              </a:rPr>
-              <a:t>;</a:t>
-            </a:r>
-          </a:p>
-          <a:p>
-            <a:r>
-              <a:rPr lang="en-GB" sz="1400" dirty="0">
-                <a:latin typeface="Courier New" panose="02070309020205020404" pitchFamily="49" charset="0"/>
-                <a:cs typeface="Courier New" panose="02070309020205020404" pitchFamily="49" charset="0"/>
-              </a:rPr>
-              <a:t>		justify-content: </a:t>
-            </a:r>
-            <a:r>
-              <a:rPr lang="en-GB" sz="1400" dirty="0" err="1">
-                <a:latin typeface="Courier New" panose="02070309020205020404" pitchFamily="49" charset="0"/>
-                <a:cs typeface="Courier New" panose="02070309020205020404" pitchFamily="49" charset="0"/>
-              </a:rPr>
-              <a:t>center</a:t>
-            </a:r>
-            <a:r>
-              <a:rPr lang="en-GB" sz="1400" dirty="0">
-                <a:latin typeface="Courier New" panose="02070309020205020404" pitchFamily="49" charset="0"/>
-                <a:cs typeface="Courier New" panose="02070309020205020404" pitchFamily="49" charset="0"/>
-              </a:rPr>
-              <a:t>;</a:t>
-            </a:r>
-          </a:p>
-          <a:p>
-            <a:r>
-              <a:rPr lang="en-GB" sz="1400" dirty="0">
-                <a:latin typeface="Courier New" panose="02070309020205020404" pitchFamily="49" charset="0"/>
-                <a:cs typeface="Courier New" panose="02070309020205020404" pitchFamily="49" charset="0"/>
-              </a:rPr>
-              <a:t>	}</a:t>
-            </a:r>
-          </a:p>
-          <a:p>
-            <a:endParaRPr lang="en-GB" sz="1400" dirty="0">
-              <a:latin typeface="Courier New" panose="02070309020205020404" pitchFamily="49" charset="0"/>
-              <a:cs typeface="Courier New" panose="02070309020205020404" pitchFamily="49" charset="0"/>
-            </a:endParaRPr>
-          </a:p>
-          <a:p>
-            <a:r>
-              <a:rPr lang="en-US" sz="1400" dirty="0">
-                <a:latin typeface="Courier New" panose="02070309020205020404" pitchFamily="49" charset="0"/>
-                <a:cs typeface="Courier New" panose="02070309020205020404" pitchFamily="49" charset="0"/>
-              </a:rPr>
-              <a:t>}</a:t>
-            </a:r>
-          </a:p>
-        </p:txBody>
-      </p:sp>
-      <p:sp>
-        <p:nvSpPr>
-          <p:cNvPr id="10" name="TextBox 9">
-            <a:extLst>
-              <a:ext uri="{FF2B5EF4-FFF2-40B4-BE49-F238E27FC236}">
-                <a16:creationId xmlns:a16="http://schemas.microsoft.com/office/drawing/2014/main" id="{714BAE38-70AC-4443-B6FE-246CCFADF443}"/>
-              </a:ext>
-            </a:extLst>
-          </p:cNvPr>
-          <p:cNvSpPr txBox="1"/>
-          <p:nvPr/>
-        </p:nvSpPr>
-        <p:spPr>
-          <a:xfrm>
-            <a:off x="6544300" y="678755"/>
-            <a:ext cx="5647700" cy="2554545"/>
-          </a:xfrm>
-          <a:prstGeom prst="rect">
-            <a:avLst/>
-          </a:prstGeom>
-          <a:noFill/>
-        </p:spPr>
-        <p:txBody>
-          <a:bodyPr wrap="none" rtlCol="0">
-            <a:spAutoFit/>
-          </a:bodyPr>
-          <a:lstStyle/>
-          <a:p>
-            <a:r>
-              <a:rPr lang="en-GB" sz="1400" dirty="0">
-                <a:solidFill>
-                  <a:srgbClr val="FFC000"/>
-                </a:solidFill>
-                <a:latin typeface="Courier New" panose="02070309020205020404" pitchFamily="49" charset="0"/>
-                <a:cs typeface="Courier New" panose="02070309020205020404" pitchFamily="49" charset="0"/>
-              </a:rPr>
-              <a:t>.gallery {</a:t>
-            </a:r>
-          </a:p>
-          <a:p>
-            <a:r>
-              <a:rPr lang="en-GB" sz="1400" dirty="0">
-                <a:solidFill>
-                  <a:srgbClr val="FFC000"/>
-                </a:solidFill>
-                <a:latin typeface="Courier New" panose="02070309020205020404" pitchFamily="49" charset="0"/>
-                <a:cs typeface="Courier New" panose="02070309020205020404" pitchFamily="49" charset="0"/>
-              </a:rPr>
-              <a:t>	display: flex;</a:t>
-            </a:r>
-          </a:p>
-          <a:p>
-            <a:br>
-              <a:rPr lang="en-GB" sz="1400" dirty="0">
-                <a:solidFill>
-                  <a:srgbClr val="FFC000"/>
-                </a:solidFill>
-                <a:latin typeface="Courier New" panose="02070309020205020404" pitchFamily="49" charset="0"/>
-                <a:cs typeface="Courier New" panose="02070309020205020404" pitchFamily="49" charset="0"/>
-              </a:rPr>
-            </a:br>
-            <a:r>
-              <a:rPr lang="en-GB" sz="1400" dirty="0">
-                <a:solidFill>
-                  <a:srgbClr val="FFC000"/>
-                </a:solidFill>
-                <a:latin typeface="Courier New" panose="02070309020205020404" pitchFamily="49" charset="0"/>
-                <a:cs typeface="Courier New" panose="02070309020205020404" pitchFamily="49" charset="0"/>
-              </a:rPr>
-              <a:t>	&amp;__photo {</a:t>
-            </a:r>
-          </a:p>
-          <a:p>
-            <a:r>
-              <a:rPr lang="en-GB" sz="1400" dirty="0">
-                <a:solidFill>
-                  <a:srgbClr val="FFC000"/>
-                </a:solidFill>
-                <a:latin typeface="Courier New" panose="02070309020205020404" pitchFamily="49" charset="0"/>
-                <a:cs typeface="Courier New" panose="02070309020205020404" pitchFamily="49" charset="0"/>
-              </a:rPr>
-              <a:t>		width: 100%; </a:t>
-            </a:r>
-          </a:p>
-          <a:p>
-            <a:r>
-              <a:rPr lang="en-GB" sz="1000" dirty="0">
-                <a:latin typeface="Courier New" panose="02070309020205020404" pitchFamily="49" charset="0"/>
-                <a:cs typeface="Courier New" panose="02070309020205020404" pitchFamily="49" charset="0"/>
-              </a:rPr>
-              <a:t>//for responsive images should always set width &amp; height in percentages</a:t>
-            </a:r>
-          </a:p>
-          <a:p>
-            <a:r>
-              <a:rPr lang="en-GB" sz="1400" dirty="0">
-                <a:latin typeface="Courier New" panose="02070309020205020404" pitchFamily="49" charset="0"/>
-                <a:cs typeface="Courier New" panose="02070309020205020404" pitchFamily="49" charset="0"/>
-              </a:rPr>
-              <a:t>		display: block; </a:t>
-            </a:r>
-          </a:p>
-          <a:p>
-            <a:r>
-              <a:rPr lang="en-GB" sz="1000" dirty="0">
-                <a:latin typeface="Courier New" panose="02070309020205020404" pitchFamily="49" charset="0"/>
-                <a:cs typeface="Courier New" panose="02070309020205020404" pitchFamily="49" charset="0"/>
-              </a:rPr>
-              <a:t>//stops it having a space underneath the image which it would get if </a:t>
-            </a:r>
-          </a:p>
-          <a:p>
-            <a:r>
-              <a:rPr lang="en-GB" sz="1000" dirty="0">
-                <a:latin typeface="Courier New" panose="02070309020205020404" pitchFamily="49" charset="0"/>
-                <a:cs typeface="Courier New" panose="02070309020205020404" pitchFamily="49" charset="0"/>
-              </a:rPr>
-              <a:t>it was an inline element</a:t>
-            </a:r>
-          </a:p>
-          <a:p>
-            <a:r>
-              <a:rPr lang="en-GB" sz="1400" dirty="0">
-                <a:latin typeface="Courier New" panose="02070309020205020404" pitchFamily="49" charset="0"/>
-                <a:cs typeface="Courier New" panose="02070309020205020404" pitchFamily="49" charset="0"/>
-              </a:rPr>
-              <a:t>	}</a:t>
-            </a:r>
-          </a:p>
-          <a:p>
-            <a:r>
-              <a:rPr lang="en-GB" sz="1400" dirty="0">
-                <a:latin typeface="Courier New" panose="02070309020205020404" pitchFamily="49" charset="0"/>
-                <a:cs typeface="Courier New" panose="02070309020205020404" pitchFamily="49" charset="0"/>
-              </a:rPr>
-              <a:t>}</a:t>
-            </a:r>
-          </a:p>
-          <a:p>
-            <a:endParaRPr lang="en-US" dirty="0"/>
-          </a:p>
-        </p:txBody>
-      </p:sp>
-      <p:cxnSp>
-        <p:nvCxnSpPr>
-          <p:cNvPr id="12" name="Straight Arrow Connector 11">
-            <a:extLst>
-              <a:ext uri="{FF2B5EF4-FFF2-40B4-BE49-F238E27FC236}">
-                <a16:creationId xmlns:a16="http://schemas.microsoft.com/office/drawing/2014/main" id="{0936FE4B-3995-5D40-9F72-A20FDB2667B2}"/>
-              </a:ext>
-            </a:extLst>
-          </p:cNvPr>
-          <p:cNvCxnSpPr/>
-          <p:nvPr/>
-        </p:nvCxnSpPr>
-        <p:spPr>
-          <a:xfrm>
-            <a:off x="2544417" y="2636632"/>
-            <a:ext cx="1192696" cy="702916"/>
-          </a:xfrm>
-          <a:prstGeom prst="straightConnector1">
-            <a:avLst/>
-          </a:prstGeom>
-          <a:ln>
-            <a:solidFill>
-              <a:srgbClr val="FFC000"/>
-            </a:solidFill>
-            <a:tailEnd type="triangle"/>
-          </a:ln>
-        </p:spPr>
-        <p:style>
-          <a:lnRef idx="1">
-            <a:schemeClr val="accent1"/>
-          </a:lnRef>
-          <a:fillRef idx="0">
-            <a:schemeClr val="accent1"/>
-          </a:fillRef>
-          <a:effectRef idx="0">
-            <a:schemeClr val="accent1"/>
-          </a:effectRef>
-          <a:fontRef idx="minor">
-            <a:schemeClr val="tx1"/>
-          </a:fontRef>
-        </p:style>
-      </p:cxnSp>
-      <p:cxnSp>
-        <p:nvCxnSpPr>
-          <p:cNvPr id="14" name="Straight Arrow Connector 13">
-            <a:extLst>
-              <a:ext uri="{FF2B5EF4-FFF2-40B4-BE49-F238E27FC236}">
-                <a16:creationId xmlns:a16="http://schemas.microsoft.com/office/drawing/2014/main" id="{F9AA0A58-3F41-234F-94F1-9D6E1028BDF3}"/>
-              </a:ext>
-            </a:extLst>
-          </p:cNvPr>
-          <p:cNvCxnSpPr/>
-          <p:nvPr/>
-        </p:nvCxnSpPr>
-        <p:spPr>
-          <a:xfrm>
-            <a:off x="2027860" y="4114800"/>
-            <a:ext cx="2089435" cy="527517"/>
-          </a:xfrm>
-          <a:prstGeom prst="straightConnector1">
-            <a:avLst/>
-          </a:prstGeom>
-          <a:ln>
-            <a:solidFill>
-              <a:srgbClr val="FFC000"/>
-            </a:solidFill>
-            <a:tailEnd type="triangle"/>
-          </a:ln>
-        </p:spPr>
-        <p:style>
-          <a:lnRef idx="1">
-            <a:schemeClr val="accent1"/>
-          </a:lnRef>
-          <a:fillRef idx="0">
-            <a:schemeClr val="accent1"/>
-          </a:fillRef>
-          <a:effectRef idx="0">
-            <a:schemeClr val="accent1"/>
-          </a:effectRef>
-          <a:fontRef idx="minor">
-            <a:schemeClr val="tx1"/>
-          </a:fontRef>
-        </p:style>
-      </p:cxnSp>
-      <p:cxnSp>
-        <p:nvCxnSpPr>
-          <p:cNvPr id="16" name="Elbow Connector 15">
-            <a:extLst>
-              <a:ext uri="{FF2B5EF4-FFF2-40B4-BE49-F238E27FC236}">
-                <a16:creationId xmlns:a16="http://schemas.microsoft.com/office/drawing/2014/main" id="{C1A0097B-ADFB-8942-8E27-555A086EFB60}"/>
-              </a:ext>
-            </a:extLst>
-          </p:cNvPr>
-          <p:cNvCxnSpPr>
-            <a:cxnSpLocks/>
-          </p:cNvCxnSpPr>
-          <p:nvPr/>
-        </p:nvCxnSpPr>
-        <p:spPr>
-          <a:xfrm>
-            <a:off x="2623930" y="5655024"/>
-            <a:ext cx="4082899" cy="341"/>
-          </a:xfrm>
-          <a:prstGeom prst="bentConnector3">
-            <a:avLst/>
-          </a:prstGeom>
-          <a:ln>
-            <a:solidFill>
-              <a:srgbClr val="FFC000"/>
-            </a:solidFill>
-            <a:tailEnd type="triangle"/>
-          </a:ln>
-        </p:spPr>
-        <p:style>
-          <a:lnRef idx="1">
-            <a:schemeClr val="accent1"/>
-          </a:lnRef>
-          <a:fillRef idx="0">
-            <a:schemeClr val="accent1"/>
-          </a:fillRef>
-          <a:effectRef idx="0">
-            <a:schemeClr val="accent1"/>
-          </a:effectRef>
-          <a:fontRef idx="minor">
-            <a:schemeClr val="tx1"/>
-          </a:fontRef>
-        </p:style>
-      </p:cxnSp>
-      <p:cxnSp>
-        <p:nvCxnSpPr>
-          <p:cNvPr id="18" name="Straight Arrow Connector 17">
-            <a:extLst>
-              <a:ext uri="{FF2B5EF4-FFF2-40B4-BE49-F238E27FC236}">
-                <a16:creationId xmlns:a16="http://schemas.microsoft.com/office/drawing/2014/main" id="{26BB2905-6468-DE44-BF6D-E78E98DD9307}"/>
-              </a:ext>
-            </a:extLst>
-          </p:cNvPr>
-          <p:cNvCxnSpPr/>
-          <p:nvPr/>
-        </p:nvCxnSpPr>
-        <p:spPr>
-          <a:xfrm flipV="1">
-            <a:off x="6095999" y="4475751"/>
-            <a:ext cx="607213" cy="1179273"/>
-          </a:xfrm>
-          <a:prstGeom prst="straightConnector1">
-            <a:avLst/>
-          </a:prstGeom>
-          <a:ln>
-            <a:solidFill>
-              <a:srgbClr val="FFC000"/>
-            </a:solidFill>
-            <a:tailEnd type="triangle"/>
-          </a:ln>
-        </p:spPr>
-        <p:style>
-          <a:lnRef idx="1">
-            <a:schemeClr val="accent1"/>
-          </a:lnRef>
-          <a:fillRef idx="0">
-            <a:schemeClr val="accent1"/>
-          </a:fillRef>
-          <a:effectRef idx="0">
-            <a:schemeClr val="accent1"/>
-          </a:effectRef>
-          <a:fontRef idx="minor">
-            <a:schemeClr val="tx1"/>
-          </a:fontRef>
-        </p:style>
-      </p:cxnSp>
-      <p:cxnSp>
-        <p:nvCxnSpPr>
-          <p:cNvPr id="21" name="Straight Arrow Connector 20">
-            <a:extLst>
-              <a:ext uri="{FF2B5EF4-FFF2-40B4-BE49-F238E27FC236}">
-                <a16:creationId xmlns:a16="http://schemas.microsoft.com/office/drawing/2014/main" id="{A82A4079-9EBD-CF4F-A59A-E9378BAD8C3C}"/>
-              </a:ext>
-            </a:extLst>
-          </p:cNvPr>
-          <p:cNvCxnSpPr>
-            <a:stCxn id="10" idx="1"/>
-          </p:cNvCxnSpPr>
-          <p:nvPr/>
-        </p:nvCxnSpPr>
-        <p:spPr>
-          <a:xfrm flipH="1">
-            <a:off x="5883965" y="1956028"/>
-            <a:ext cx="660335" cy="680604"/>
-          </a:xfrm>
-          <a:prstGeom prst="straightConnector1">
-            <a:avLst/>
-          </a:prstGeom>
-          <a:ln>
-            <a:solidFill>
-              <a:srgbClr val="FFC000"/>
-            </a:solidFill>
-            <a:tailEnd type="triangle"/>
-          </a:ln>
-        </p:spPr>
-        <p:style>
-          <a:lnRef idx="1">
-            <a:schemeClr val="accent1"/>
-          </a:lnRef>
-          <a:fillRef idx="0">
-            <a:schemeClr val="accent1"/>
-          </a:fillRef>
-          <a:effectRef idx="0">
-            <a:schemeClr val="accent1"/>
-          </a:effectRef>
-          <a:fontRef idx="minor">
-            <a:schemeClr val="tx1"/>
-          </a:fontRef>
-        </p:style>
-      </p:cxnSp>
-      <p:cxnSp>
-        <p:nvCxnSpPr>
-          <p:cNvPr id="23" name="Straight Arrow Connector 22">
-            <a:extLst>
-              <a:ext uri="{FF2B5EF4-FFF2-40B4-BE49-F238E27FC236}">
-                <a16:creationId xmlns:a16="http://schemas.microsoft.com/office/drawing/2014/main" id="{A13DCB72-B5D9-4744-8DAF-8EE5C7E39F3A}"/>
-              </a:ext>
-            </a:extLst>
-          </p:cNvPr>
-          <p:cNvCxnSpPr/>
-          <p:nvPr/>
-        </p:nvCxnSpPr>
-        <p:spPr>
-          <a:xfrm flipH="1" flipV="1">
-            <a:off x="8189843" y="3786809"/>
-            <a:ext cx="596348" cy="1025148"/>
-          </a:xfrm>
-          <a:prstGeom prst="straightConnector1">
-            <a:avLst/>
-          </a:prstGeom>
-          <a:ln>
-            <a:solidFill>
-              <a:srgbClr val="FFC000"/>
-            </a:solidFill>
-            <a:tailEnd type="triangle"/>
-          </a:ln>
-        </p:spPr>
-        <p:style>
-          <a:lnRef idx="1">
-            <a:schemeClr val="accent1"/>
-          </a:lnRef>
-          <a:fillRef idx="0">
-            <a:schemeClr val="accent1"/>
-          </a:fillRef>
-          <a:effectRef idx="0">
-            <a:schemeClr val="accent1"/>
-          </a:effectRef>
-          <a:fontRef idx="minor">
-            <a:schemeClr val="tx1"/>
-          </a:fontRef>
-        </p:style>
-      </p:cxnSp>
-      <p:cxnSp>
-        <p:nvCxnSpPr>
-          <p:cNvPr id="27" name="Elbow Connector 26">
-            <a:extLst>
-              <a:ext uri="{FF2B5EF4-FFF2-40B4-BE49-F238E27FC236}">
-                <a16:creationId xmlns:a16="http://schemas.microsoft.com/office/drawing/2014/main" id="{0F86A6E4-E6C8-F34C-B0EA-BD64B9DC6EF8}"/>
-              </a:ext>
-            </a:extLst>
-          </p:cNvPr>
-          <p:cNvCxnSpPr>
-            <a:cxnSpLocks/>
-          </p:cNvCxnSpPr>
-          <p:nvPr/>
-        </p:nvCxnSpPr>
-        <p:spPr>
-          <a:xfrm rot="10800000">
-            <a:off x="7809663" y="3624704"/>
-            <a:ext cx="976528" cy="194517"/>
-          </a:xfrm>
-          <a:prstGeom prst="bentConnector3">
-            <a:avLst>
-              <a:gd name="adj1" fmla="val 50000"/>
-            </a:avLst>
-          </a:prstGeom>
-          <a:ln>
-            <a:solidFill>
-              <a:srgbClr val="FFC000"/>
-            </a:solidFill>
-            <a:tailEnd type="triangle"/>
-          </a:ln>
-        </p:spPr>
-        <p:style>
-          <a:lnRef idx="1">
-            <a:schemeClr val="accent1"/>
-          </a:lnRef>
-          <a:fillRef idx="0">
-            <a:schemeClr val="accent1"/>
-          </a:fillRef>
-          <a:effectRef idx="0">
-            <a:schemeClr val="accent1"/>
-          </a:effectRef>
-          <a:fontRef idx="minor">
-            <a:schemeClr val="tx1"/>
-          </a:fontRef>
-        </p:style>
-      </p:cxnSp>
-      <p:cxnSp>
-        <p:nvCxnSpPr>
-          <p:cNvPr id="31" name="Elbow Connector 30">
-            <a:extLst>
-              <a:ext uri="{FF2B5EF4-FFF2-40B4-BE49-F238E27FC236}">
-                <a16:creationId xmlns:a16="http://schemas.microsoft.com/office/drawing/2014/main" id="{C19DDCBE-A1F7-4744-90C3-7225085E2BB9}"/>
-              </a:ext>
-            </a:extLst>
-          </p:cNvPr>
-          <p:cNvCxnSpPr/>
-          <p:nvPr/>
-        </p:nvCxnSpPr>
-        <p:spPr>
-          <a:xfrm rot="10800000" flipV="1">
-            <a:off x="6055703" y="3093159"/>
-            <a:ext cx="2432314" cy="531542"/>
-          </a:xfrm>
-          <a:prstGeom prst="bentConnector3">
-            <a:avLst/>
-          </a:prstGeom>
-          <a:ln>
-            <a:solidFill>
-              <a:srgbClr val="FFC000"/>
-            </a:solidFill>
-            <a:tailEnd type="triangle"/>
-          </a:ln>
-        </p:spPr>
-        <p:style>
-          <a:lnRef idx="1">
-            <a:schemeClr val="accent1"/>
-          </a:lnRef>
-          <a:fillRef idx="0">
-            <a:schemeClr val="accent1"/>
-          </a:fillRef>
-          <a:effectRef idx="0">
-            <a:schemeClr val="accent1"/>
-          </a:effectRef>
-          <a:fontRef idx="minor">
-            <a:schemeClr val="tx1"/>
-          </a:fontRef>
-        </p:style>
-      </p:cxnSp>
-    </p:spTree>
-    <p:extLst>
-      <p:ext uri="{BB962C8B-B14F-4D97-AF65-F5344CB8AC3E}">
-        <p14:creationId xmlns:p14="http://schemas.microsoft.com/office/powerpoint/2010/main" val="765969685"/>
-      </p:ext>
-    </p:extLst>
-  </p:cSld>
-  <p:clrMapOvr>
-    <a:masterClrMapping/>
-  </p:clrMapOvr>
-</p:sld>
-</file>
-
-<file path=ppt/slides/slide16.xml><?xml version="1.0" encoding="utf-8"?>
-<p:sld xmlns:a="http://schemas.openxmlformats.org/drawingml/2006/main" xmlns:r="http://schemas.openxmlformats.org/officeDocument/2006/relationships" xmlns:p="http://schemas.openxmlformats.org/presentationml/2006/main">
-  <p:cSld>
-    <p:spTree>
-      <p:nvGrpSpPr>
-        <p:cNvPr id="1" name=""/>
-        <p:cNvGrpSpPr/>
-        <p:nvPr/>
-      </p:nvGrpSpPr>
-      <p:grpSpPr>
-        <a:xfrm>
-          <a:off x="0" y="0"/>
-          <a:ext cx="0" cy="0"/>
-          <a:chOff x="0" y="0"/>
-          <a:chExt cx="0" cy="0"/>
-        </a:xfrm>
-      </p:grpSpPr>
-      <p:sp>
-        <p:nvSpPr>
-          <p:cNvPr id="2" name="Title 1">
-            <a:extLst>
-              <a:ext uri="{FF2B5EF4-FFF2-40B4-BE49-F238E27FC236}">
-                <a16:creationId xmlns:a16="http://schemas.microsoft.com/office/drawing/2014/main" id="{1A3D8B9C-2BE6-5E4C-A31E-C68497B89FBB}"/>
-              </a:ext>
-            </a:extLst>
-          </p:cNvPr>
-          <p:cNvSpPr>
-            <a:spLocks noGrp="1"/>
-          </p:cNvSpPr>
-          <p:nvPr>
-            <p:ph type="title"/>
-          </p:nvPr>
-        </p:nvSpPr>
-        <p:spPr/>
-        <p:txBody>
-          <a:bodyPr/>
-          <a:lstStyle/>
-          <a:p>
-            <a:r>
-              <a:rPr lang="en-US" dirty="0"/>
-              <a:t>Custom properties / </a:t>
-            </a:r>
-            <a:r>
-              <a:rPr lang="en-US" dirty="0" err="1"/>
-              <a:t>css</a:t>
-            </a:r>
-            <a:r>
-              <a:rPr lang="en-US" dirty="0"/>
-              <a:t> variables</a:t>
-            </a:r>
-          </a:p>
-        </p:txBody>
-      </p:sp>
-      <p:sp>
-        <p:nvSpPr>
-          <p:cNvPr id="3" name="Content Placeholder 2">
-            <a:extLst>
-              <a:ext uri="{FF2B5EF4-FFF2-40B4-BE49-F238E27FC236}">
-                <a16:creationId xmlns:a16="http://schemas.microsoft.com/office/drawing/2014/main" id="{A737F5A0-A157-C045-AF13-50AA191991AE}"/>
-              </a:ext>
-            </a:extLst>
-          </p:cNvPr>
-          <p:cNvSpPr>
-            <a:spLocks noGrp="1"/>
-          </p:cNvSpPr>
-          <p:nvPr>
-            <p:ph idx="1"/>
-          </p:nvPr>
-        </p:nvSpPr>
-        <p:spPr>
-          <a:xfrm>
-            <a:off x="581192" y="2180496"/>
-            <a:ext cx="11385521" cy="3678303"/>
-          </a:xfrm>
-        </p:spPr>
-        <p:txBody>
-          <a:bodyPr>
-            <a:normAutofit lnSpcReduction="10000"/>
-          </a:bodyPr>
-          <a:lstStyle/>
-          <a:p>
-            <a:r>
-              <a:rPr lang="en-US" dirty="0"/>
-              <a:t>Use variables in CSS rather than in SCSS</a:t>
-            </a:r>
-          </a:p>
-          <a:p>
-            <a:r>
-              <a:rPr lang="en-US" dirty="0"/>
-              <a:t>Can manipulate in JavaScript and edit them in dev tools</a:t>
-            </a:r>
-          </a:p>
-          <a:p>
-            <a:r>
-              <a:rPr lang="en-US" dirty="0"/>
-              <a:t>CSS variables cascade and are inherited</a:t>
-            </a:r>
-          </a:p>
-          <a:p>
-            <a:r>
-              <a:rPr lang="en-US" dirty="0"/>
-              <a:t>Have to be defined in a declaration block (best to put in root pseudo class – like html selector but higher specificity):</a:t>
-            </a:r>
-            <a:br>
-              <a:rPr lang="en-US" dirty="0"/>
-            </a:br>
-            <a:endParaRPr lang="en-US" dirty="0"/>
-          </a:p>
-          <a:p>
-            <a:pPr marL="0" indent="0">
-              <a:buNone/>
-            </a:pPr>
-            <a:r>
-              <a:rPr lang="en-US" dirty="0">
-                <a:latin typeface="Courier New" panose="02070309020205020404" pitchFamily="49" charset="0"/>
-                <a:cs typeface="Courier New" panose="02070309020205020404" pitchFamily="49" charset="0"/>
-              </a:rPr>
-              <a:t>:root {</a:t>
-            </a:r>
-          </a:p>
-          <a:p>
-            <a:pPr marL="0" indent="0">
-              <a:buNone/>
-            </a:pPr>
-            <a:r>
-              <a:rPr lang="en-US" dirty="0">
-                <a:latin typeface="Courier New" panose="02070309020205020404" pitchFamily="49" charset="0"/>
-                <a:cs typeface="Courier New" panose="02070309020205020404" pitchFamily="49" charset="0"/>
-              </a:rPr>
-              <a:t>	--color-primary: #eb2f64;</a:t>
-            </a:r>
-          </a:p>
-          <a:p>
-            <a:pPr marL="0" indent="0">
-              <a:buNone/>
-            </a:pPr>
-            <a:r>
-              <a:rPr lang="en-US" dirty="0">
-                <a:latin typeface="Courier New" panose="02070309020205020404" pitchFamily="49" charset="0"/>
-                <a:cs typeface="Courier New" panose="02070309020205020404" pitchFamily="49" charset="0"/>
-              </a:rPr>
-              <a:t>}</a:t>
-            </a:r>
-          </a:p>
-          <a:p>
-            <a:pPr marL="0" indent="0">
-              <a:buNone/>
-            </a:pPr>
-            <a:endParaRPr lang="en-US" dirty="0">
-              <a:latin typeface="Courier New" panose="02070309020205020404" pitchFamily="49" charset="0"/>
-              <a:cs typeface="Courier New" panose="02070309020205020404" pitchFamily="49" charset="0"/>
-            </a:endParaRPr>
-          </a:p>
-          <a:p>
-            <a:pPr marL="0" indent="0">
-              <a:buNone/>
-            </a:pPr>
-            <a:r>
-              <a:rPr lang="en-US" dirty="0">
-                <a:latin typeface="Courier New" panose="02070309020205020404" pitchFamily="49" charset="0"/>
-                <a:cs typeface="Courier New" panose="02070309020205020404" pitchFamily="49" charset="0"/>
-              </a:rPr>
-              <a:t>color: </a:t>
-            </a:r>
-            <a:r>
-              <a:rPr lang="en-US" dirty="0" err="1">
-                <a:latin typeface="Courier New" panose="02070309020205020404" pitchFamily="49" charset="0"/>
-                <a:cs typeface="Courier New" panose="02070309020205020404" pitchFamily="49" charset="0"/>
-              </a:rPr>
-              <a:t>var</a:t>
-            </a:r>
-            <a:r>
-              <a:rPr lang="en-US" dirty="0">
-                <a:latin typeface="Courier New" panose="02070309020205020404" pitchFamily="49" charset="0"/>
-                <a:cs typeface="Courier New" panose="02070309020205020404" pitchFamily="49" charset="0"/>
-              </a:rPr>
-              <a:t>(--color-primary);</a:t>
-            </a:r>
-          </a:p>
-        </p:txBody>
-      </p:sp>
-      <p:sp>
-        <p:nvSpPr>
-          <p:cNvPr id="4" name="TextBox 3">
-            <a:extLst>
-              <a:ext uri="{FF2B5EF4-FFF2-40B4-BE49-F238E27FC236}">
-                <a16:creationId xmlns:a16="http://schemas.microsoft.com/office/drawing/2014/main" id="{CA702C93-9CE9-F342-AE10-0E00FEB2BD65}"/>
-              </a:ext>
-            </a:extLst>
-          </p:cNvPr>
-          <p:cNvSpPr txBox="1"/>
-          <p:nvPr/>
-        </p:nvSpPr>
-        <p:spPr>
-          <a:xfrm>
-            <a:off x="7066721" y="4283765"/>
-            <a:ext cx="2978251" cy="369332"/>
-          </a:xfrm>
-          <a:prstGeom prst="rect">
-            <a:avLst/>
-          </a:prstGeom>
-          <a:noFill/>
-        </p:spPr>
-        <p:txBody>
-          <a:bodyPr wrap="none" rtlCol="0">
-            <a:spAutoFit/>
-          </a:bodyPr>
-          <a:lstStyle/>
-          <a:p>
-            <a:r>
-              <a:rPr lang="en-US" dirty="0">
-                <a:solidFill>
-                  <a:schemeClr val="accent2"/>
-                </a:solidFill>
-              </a:rPr>
-              <a:t>specify variable with ‘--’ prefix</a:t>
-            </a:r>
-          </a:p>
-        </p:txBody>
-      </p:sp>
-      <p:sp>
-        <p:nvSpPr>
-          <p:cNvPr id="5" name="TextBox 4">
-            <a:extLst>
-              <a:ext uri="{FF2B5EF4-FFF2-40B4-BE49-F238E27FC236}">
-                <a16:creationId xmlns:a16="http://schemas.microsoft.com/office/drawing/2014/main" id="{4999E3B8-869C-C841-85A1-7376B7DE885D}"/>
-              </a:ext>
-            </a:extLst>
-          </p:cNvPr>
-          <p:cNvSpPr txBox="1"/>
-          <p:nvPr/>
-        </p:nvSpPr>
-        <p:spPr>
-          <a:xfrm>
-            <a:off x="7066721" y="5489467"/>
-            <a:ext cx="1602683" cy="369332"/>
-          </a:xfrm>
-          <a:prstGeom prst="rect">
-            <a:avLst/>
-          </a:prstGeom>
-          <a:noFill/>
-        </p:spPr>
-        <p:txBody>
-          <a:bodyPr wrap="none" rtlCol="0">
-            <a:spAutoFit/>
-          </a:bodyPr>
-          <a:lstStyle/>
-          <a:p>
-            <a:r>
-              <a:rPr lang="en-US" dirty="0">
-                <a:solidFill>
-                  <a:schemeClr val="accent2"/>
-                </a:solidFill>
-              </a:rPr>
-              <a:t>call using ‘</a:t>
-            </a:r>
-            <a:r>
-              <a:rPr lang="en-US" dirty="0" err="1">
-                <a:solidFill>
-                  <a:schemeClr val="accent2"/>
-                </a:solidFill>
-              </a:rPr>
-              <a:t>var</a:t>
-            </a:r>
-            <a:r>
-              <a:rPr lang="en-US" dirty="0">
-                <a:solidFill>
-                  <a:schemeClr val="accent2"/>
-                </a:solidFill>
-              </a:rPr>
-              <a:t>()’</a:t>
-            </a:r>
-          </a:p>
-        </p:txBody>
-      </p:sp>
-    </p:spTree>
-    <p:extLst>
-      <p:ext uri="{BB962C8B-B14F-4D97-AF65-F5344CB8AC3E}">
-        <p14:creationId xmlns:p14="http://schemas.microsoft.com/office/powerpoint/2010/main" val="3636846905"/>
-      </p:ext>
-    </p:extLst>
-  </p:cSld>
-  <p:clrMapOvr>
-    <a:masterClrMapping/>
-  </p:clrMapOvr>
-</p:sld>
-</file>
-
-<file path=ppt/slides/slide17.xml><?xml version="1.0" encoding="utf-8"?>
-<p:sld xmlns:a="http://schemas.openxmlformats.org/drawingml/2006/main" xmlns:r="http://schemas.openxmlformats.org/officeDocument/2006/relationships" xmlns:p="http://schemas.openxmlformats.org/presentationml/2006/main">
-  <p:cSld>
-    <p:spTree>
-      <p:nvGrpSpPr>
-        <p:cNvPr id="1" name=""/>
-        <p:cNvGrpSpPr/>
-        <p:nvPr/>
-      </p:nvGrpSpPr>
-      <p:grpSpPr>
-        <a:xfrm>
-          <a:off x="0" y="0"/>
-          <a:ext cx="0" cy="0"/>
-          <a:chOff x="0" y="0"/>
-          <a:chExt cx="0" cy="0"/>
-        </a:xfrm>
-      </p:grpSpPr>
-      <p:sp>
-        <p:nvSpPr>
-          <p:cNvPr id="2" name="Title 1">
-            <a:extLst>
-              <a:ext uri="{FF2B5EF4-FFF2-40B4-BE49-F238E27FC236}">
                 <a16:creationId xmlns:a16="http://schemas.microsoft.com/office/drawing/2014/main" id="{B51DF75F-BCC3-2F4D-9446-F1B5FEADD9E8}"/>
               </a:ext>
             </a:extLst>
@@ -7465,7 +5787,7 @@
 </p:sld>
 </file>
 
-<file path=ppt/slides/slide18.xml><?xml version="1.0" encoding="utf-8"?>
+<file path=ppt/slides/slide13.xml><?xml version="1.0" encoding="utf-8"?>
 <p:sld xmlns:a="http://schemas.openxmlformats.org/drawingml/2006/main" xmlns:r="http://schemas.openxmlformats.org/officeDocument/2006/relationships" xmlns:p="http://schemas.openxmlformats.org/presentationml/2006/main">
   <p:cSld>
     <p:spTree>
@@ -10459,16 +8781,13 @@
           <a:p>
             <a:r>
               <a:rPr lang="en-US" dirty="0"/>
-              <a:t>Example code for playing with in </a:t>
+              <a:t>Example code to demonstrate these properties in </a:t>
             </a:r>
             <a:r>
               <a:rPr lang="en-US" dirty="0" err="1"/>
               <a:t>codepen</a:t>
             </a:r>
-            <a:r>
-              <a:rPr lang="en-US" dirty="0"/>
-              <a:t> - html</a:t>
-            </a:r>
+            <a:endParaRPr lang="en-US" dirty="0"/>
           </a:p>
         </p:txBody>
       </p:sp>
@@ -10490,8 +8809,8 @@
         </p:nvSpPr>
         <p:spPr/>
         <p:txBody>
-          <a:bodyPr>
-            <a:normAutofit fontScale="85000" lnSpcReduction="20000"/>
+          <a:bodyPr anchor="t">
+            <a:normAutofit/>
           </a:bodyPr>
           <a:lstStyle/>
           <a:p>
@@ -10503,139 +8822,28 @@
                 <a:latin typeface="Courier New" panose="02070309020205020404" pitchFamily="49" charset="0"/>
                 <a:cs typeface="Courier New" panose="02070309020205020404" pitchFamily="49" charset="0"/>
               </a:rPr>
-              <a:t>&lt;div class="container"&gt;</a:t>
-            </a:r>
-          </a:p>
-          <a:p>
-            <a:pPr marL="0" indent="0">
-              <a:buNone/>
-            </a:pPr>
+              <a:t>https://</a:t>
+            </a:r>
+            <a:r>
+              <a:rPr lang="en-GB" dirty="0" err="1">
+                <a:latin typeface="Courier New" panose="02070309020205020404" pitchFamily="49" charset="0"/>
+                <a:cs typeface="Courier New" panose="02070309020205020404" pitchFamily="49" charset="0"/>
+              </a:rPr>
+              <a:t>codepen.io</a:t>
+            </a:r>
             <a:r>
               <a:rPr lang="en-GB" dirty="0">
                 <a:latin typeface="Courier New" panose="02070309020205020404" pitchFamily="49" charset="0"/>
                 <a:cs typeface="Courier New" panose="02070309020205020404" pitchFamily="49" charset="0"/>
               </a:rPr>
-              <a:t>  &lt;div class="item"&gt;1&lt;/div&gt;</a:t>
-            </a:r>
-          </a:p>
-          <a:p>
-            <a:pPr marL="0" indent="0">
-              <a:buNone/>
-            </a:pPr>
-            <a:r>
-              <a:rPr lang="en-GB" dirty="0">
-                <a:latin typeface="Courier New" panose="02070309020205020404" pitchFamily="49" charset="0"/>
-                <a:cs typeface="Courier New" panose="02070309020205020404" pitchFamily="49" charset="0"/>
-              </a:rPr>
-              <a:t>  &lt;div class="item i2"&gt;2&lt;/div&gt;</a:t>
-            </a:r>
-          </a:p>
-          <a:p>
-            <a:pPr marL="0" indent="0">
-              <a:buNone/>
-            </a:pPr>
-            <a:r>
-              <a:rPr lang="en-GB" dirty="0">
-                <a:latin typeface="Courier New" panose="02070309020205020404" pitchFamily="49" charset="0"/>
-                <a:cs typeface="Courier New" panose="02070309020205020404" pitchFamily="49" charset="0"/>
-              </a:rPr>
-              <a:t>  &lt;div class="item i3"&gt;3&lt;/div&gt;</a:t>
-            </a:r>
-          </a:p>
-          <a:p>
-            <a:pPr marL="0" indent="0">
-              <a:buNone/>
-            </a:pPr>
-            <a:r>
-              <a:rPr lang="en-GB" dirty="0">
-                <a:latin typeface="Courier New" panose="02070309020205020404" pitchFamily="49" charset="0"/>
-                <a:cs typeface="Courier New" panose="02070309020205020404" pitchFamily="49" charset="0"/>
-              </a:rPr>
-              <a:t>  &lt;div class="item i4"&gt;4&lt;/div&gt;</a:t>
-            </a:r>
-          </a:p>
-          <a:p>
-            <a:pPr marL="0" indent="0">
-              <a:buNone/>
-            </a:pPr>
-            <a:r>
-              <a:rPr lang="en-GB" dirty="0">
-                <a:latin typeface="Courier New" panose="02070309020205020404" pitchFamily="49" charset="0"/>
-                <a:cs typeface="Courier New" panose="02070309020205020404" pitchFamily="49" charset="0"/>
-              </a:rPr>
-              <a:t>  &lt;div class="item"&gt;5&lt;/div&gt;</a:t>
-            </a:r>
-          </a:p>
-          <a:p>
-            <a:pPr marL="0" indent="0">
-              <a:buNone/>
-            </a:pPr>
-            <a:r>
-              <a:rPr lang="en-GB" dirty="0">
-                <a:latin typeface="Courier New" panose="02070309020205020404" pitchFamily="49" charset="0"/>
-                <a:cs typeface="Courier New" panose="02070309020205020404" pitchFamily="49" charset="0"/>
-              </a:rPr>
-              <a:t>&lt;!--   &lt;div class="item"&gt;6&lt;/div&gt;</a:t>
-            </a:r>
-          </a:p>
-          <a:p>
-            <a:pPr marL="0" indent="0">
-              <a:buNone/>
-            </a:pPr>
-            <a:r>
-              <a:rPr lang="en-GB" dirty="0">
-                <a:latin typeface="Courier New" panose="02070309020205020404" pitchFamily="49" charset="0"/>
-                <a:cs typeface="Courier New" panose="02070309020205020404" pitchFamily="49" charset="0"/>
-              </a:rPr>
-              <a:t>  &lt;div class="item"&gt;7&lt;/div&gt;</a:t>
-            </a:r>
-          </a:p>
-          <a:p>
-            <a:pPr marL="0" indent="0">
-              <a:buNone/>
-            </a:pPr>
-            <a:r>
-              <a:rPr lang="en-GB" dirty="0">
-                <a:latin typeface="Courier New" panose="02070309020205020404" pitchFamily="49" charset="0"/>
-                <a:cs typeface="Courier New" panose="02070309020205020404" pitchFamily="49" charset="0"/>
-              </a:rPr>
-              <a:t>  &lt;div class="item"&gt;8&lt;/div&gt;</a:t>
-            </a:r>
-          </a:p>
-          <a:p>
-            <a:pPr marL="0" indent="0">
-              <a:buNone/>
-            </a:pPr>
-            <a:r>
-              <a:rPr lang="en-GB" dirty="0">
-                <a:latin typeface="Courier New" panose="02070309020205020404" pitchFamily="49" charset="0"/>
-                <a:cs typeface="Courier New" panose="02070309020205020404" pitchFamily="49" charset="0"/>
-              </a:rPr>
-              <a:t>  &lt;div class="item"&gt;9&lt;/div&gt;</a:t>
-            </a:r>
-          </a:p>
-          <a:p>
-            <a:pPr marL="0" indent="0">
-              <a:buNone/>
-            </a:pPr>
-            <a:r>
-              <a:rPr lang="en-GB" dirty="0">
-                <a:latin typeface="Courier New" panose="02070309020205020404" pitchFamily="49" charset="0"/>
-                <a:cs typeface="Courier New" panose="02070309020205020404" pitchFamily="49" charset="0"/>
-              </a:rPr>
-              <a:t>  &lt;div class="item"&gt;10&lt;/div&gt;  --&gt;</a:t>
-            </a:r>
-          </a:p>
-          <a:p>
-            <a:pPr marL="0" indent="0">
-              <a:buNone/>
-            </a:pPr>
-            <a:r>
-              <a:rPr lang="en-GB" dirty="0">
-                <a:latin typeface="Courier New" panose="02070309020205020404" pitchFamily="49" charset="0"/>
-                <a:cs typeface="Courier New" panose="02070309020205020404" pitchFamily="49" charset="0"/>
-              </a:rPr>
-              <a:t>&lt;/div&gt;</a:t>
+              <a:t>/anon/pen/</a:t>
+            </a:r>
+            <a:r>
+              <a:rPr lang="en-GB" dirty="0" err="1">
+                <a:latin typeface="Courier New" panose="02070309020205020404" pitchFamily="49" charset="0"/>
+                <a:cs typeface="Courier New" panose="02070309020205020404" pitchFamily="49" charset="0"/>
+              </a:rPr>
+              <a:t>ebLMMr</a:t>
             </a:r>
             <a:endParaRPr lang="en-US" dirty="0">
               <a:latin typeface="Courier New" panose="02070309020205020404" pitchFamily="49" charset="0"/>
@@ -10679,7 +8887,7 @@
           <p:cNvPr id="2" name="Title 1">
             <a:extLst>
               <a:ext uri="{FF2B5EF4-FFF2-40B4-BE49-F238E27FC236}">
-                <a16:creationId xmlns:a16="http://schemas.microsoft.com/office/drawing/2014/main" id="{386AA8E3-444F-B144-AC31-9655556A864C}"/>
+                <a16:creationId xmlns:a16="http://schemas.microsoft.com/office/drawing/2014/main" id="{168BA0B5-875A-0943-AC75-EFC188B0DFD1}"/>
               </a:ext>
             </a:extLst>
           </p:cNvPr>
@@ -10696,196 +8904,575 @@
           <a:lstStyle/>
           <a:p>
             <a:r>
+              <a:rPr lang="en-US" dirty="0" err="1"/>
+              <a:t>Trillo</a:t>
+            </a:r>
+            <a:r>
               <a:rPr lang="en-US" dirty="0"/>
-              <a:t>Example code for playing with in </a:t>
-            </a:r>
-            <a:r>
-              <a:rPr lang="en-US" dirty="0" err="1"/>
-              <a:t>codepen</a:t>
-            </a:r>
-            <a:r>
-              <a:rPr lang="en-US" dirty="0"/>
-              <a:t> - </a:t>
-            </a:r>
-            <a:r>
-              <a:rPr lang="en-US" dirty="0" err="1"/>
-              <a:t>css</a:t>
-            </a:r>
-            <a:endParaRPr lang="en-US" dirty="0"/>
-          </a:p>
-        </p:txBody>
-      </p:sp>
-      <p:sp>
-        <p:nvSpPr>
-          <p:cNvPr id="3" name="Content Placeholder 2">
+              <a:t> application - header</a:t>
+            </a:r>
+          </a:p>
+        </p:txBody>
+      </p:sp>
+      <p:sp>
+        <p:nvSpPr>
+          <p:cNvPr id="6" name="TextBox 5">
             <a:extLst>
               <a:ext uri="{FF2B5EF4-FFF2-40B4-BE49-F238E27FC236}">
-                <a16:creationId xmlns:a16="http://schemas.microsoft.com/office/drawing/2014/main" id="{68B408C5-344B-8E4B-AA6D-F77D632B3A1D}"/>
+                <a16:creationId xmlns:a16="http://schemas.microsoft.com/office/drawing/2014/main" id="{1ACBBDA1-6673-EB46-AD0F-FF4C4FAF856A}"/>
               </a:ext>
             </a:extLst>
           </p:cNvPr>
-          <p:cNvSpPr>
-            <a:spLocks noGrp="1"/>
-          </p:cNvSpPr>
+          <p:cNvSpPr txBox="1"/>
+          <p:nvPr/>
+        </p:nvSpPr>
+        <p:spPr>
+          <a:xfrm>
+            <a:off x="581192" y="3429000"/>
+            <a:ext cx="10950270" cy="3139321"/>
+          </a:xfrm>
+          <a:prstGeom prst="rect">
+            <a:avLst/>
+          </a:prstGeom>
+          <a:noFill/>
+        </p:spPr>
+        <p:txBody>
+          <a:bodyPr wrap="square" rtlCol="0">
+            <a:spAutoFit/>
+          </a:bodyPr>
+          <a:lstStyle/>
+          <a:p>
+            <a:r>
+              <a:rPr lang="en-GB" dirty="0">
+                <a:latin typeface="Courier New" panose="02070309020205020404" pitchFamily="49" charset="0"/>
+                <a:cs typeface="Courier New" panose="02070309020205020404" pitchFamily="49" charset="0"/>
+              </a:rPr>
+              <a:t>.header {</a:t>
+            </a:r>
+          </a:p>
+          <a:p>
+            <a:r>
+              <a:rPr lang="en-GB" dirty="0">
+                <a:latin typeface="Courier New" panose="02070309020205020404" pitchFamily="49" charset="0"/>
+                <a:cs typeface="Courier New" panose="02070309020205020404" pitchFamily="49" charset="0"/>
+              </a:rPr>
+              <a:t>	font-size: 1.4rem;</a:t>
+            </a:r>
+          </a:p>
+          <a:p>
+            <a:r>
+              <a:rPr lang="en-GB" dirty="0">
+                <a:latin typeface="Courier New" panose="02070309020205020404" pitchFamily="49" charset="0"/>
+                <a:cs typeface="Courier New" panose="02070309020205020404" pitchFamily="49" charset="0"/>
+              </a:rPr>
+              <a:t>	height: 7rem;</a:t>
+            </a:r>
+          </a:p>
+          <a:p>
+            <a:r>
+              <a:rPr lang="en-GB" dirty="0">
+                <a:latin typeface="Courier New" panose="02070309020205020404" pitchFamily="49" charset="0"/>
+                <a:cs typeface="Courier New" panose="02070309020205020404" pitchFamily="49" charset="0"/>
+              </a:rPr>
+              <a:t>	background-</a:t>
+            </a:r>
+            <a:r>
+              <a:rPr lang="en-GB" dirty="0" err="1">
+                <a:latin typeface="Courier New" panose="02070309020205020404" pitchFamily="49" charset="0"/>
+                <a:cs typeface="Courier New" panose="02070309020205020404" pitchFamily="49" charset="0"/>
+              </a:rPr>
+              <a:t>color</a:t>
+            </a:r>
+            <a:r>
+              <a:rPr lang="en-GB" dirty="0">
+                <a:latin typeface="Courier New" panose="02070309020205020404" pitchFamily="49" charset="0"/>
+                <a:cs typeface="Courier New" panose="02070309020205020404" pitchFamily="49" charset="0"/>
+              </a:rPr>
+              <a:t>: </a:t>
+            </a:r>
+            <a:r>
+              <a:rPr lang="en-GB" dirty="0" err="1">
+                <a:latin typeface="Courier New" panose="02070309020205020404" pitchFamily="49" charset="0"/>
+                <a:cs typeface="Courier New" panose="02070309020205020404" pitchFamily="49" charset="0"/>
+              </a:rPr>
+              <a:t>var</a:t>
+            </a:r>
+            <a:r>
+              <a:rPr lang="en-GB" dirty="0">
+                <a:latin typeface="Courier New" panose="02070309020205020404" pitchFamily="49" charset="0"/>
+                <a:cs typeface="Courier New" panose="02070309020205020404" pitchFamily="49" charset="0"/>
+              </a:rPr>
+              <a:t>(--</a:t>
+            </a:r>
+            <a:r>
+              <a:rPr lang="en-GB" dirty="0" err="1">
+                <a:latin typeface="Courier New" panose="02070309020205020404" pitchFamily="49" charset="0"/>
+                <a:cs typeface="Courier New" panose="02070309020205020404" pitchFamily="49" charset="0"/>
+              </a:rPr>
+              <a:t>color</a:t>
+            </a:r>
+            <a:r>
+              <a:rPr lang="en-GB" dirty="0">
+                <a:latin typeface="Courier New" panose="02070309020205020404" pitchFamily="49" charset="0"/>
+                <a:cs typeface="Courier New" panose="02070309020205020404" pitchFamily="49" charset="0"/>
+              </a:rPr>
+              <a:t>-white);</a:t>
+            </a:r>
+          </a:p>
+          <a:p>
+            <a:r>
+              <a:rPr lang="en-GB" dirty="0">
+                <a:latin typeface="Courier New" panose="02070309020205020404" pitchFamily="49" charset="0"/>
+                <a:cs typeface="Courier New" panose="02070309020205020404" pitchFamily="49" charset="0"/>
+              </a:rPr>
+              <a:t>	border-bottom: </a:t>
+            </a:r>
+            <a:r>
+              <a:rPr lang="en-GB" dirty="0" err="1">
+                <a:latin typeface="Courier New" panose="02070309020205020404" pitchFamily="49" charset="0"/>
+                <a:cs typeface="Courier New" panose="02070309020205020404" pitchFamily="49" charset="0"/>
+              </a:rPr>
+              <a:t>var</a:t>
+            </a:r>
+            <a:r>
+              <a:rPr lang="en-GB" dirty="0">
+                <a:latin typeface="Courier New" panose="02070309020205020404" pitchFamily="49" charset="0"/>
+                <a:cs typeface="Courier New" panose="02070309020205020404" pitchFamily="49" charset="0"/>
+              </a:rPr>
+              <a:t>(--line);</a:t>
+            </a:r>
+          </a:p>
+          <a:p>
+            <a:br>
+              <a:rPr lang="en-GB" dirty="0">
+                <a:latin typeface="Courier New" panose="02070309020205020404" pitchFamily="49" charset="0"/>
+                <a:cs typeface="Courier New" panose="02070309020205020404" pitchFamily="49" charset="0"/>
+              </a:rPr>
+            </a:br>
+            <a:r>
+              <a:rPr lang="en-GB" dirty="0">
+                <a:latin typeface="Courier New" panose="02070309020205020404" pitchFamily="49" charset="0"/>
+                <a:cs typeface="Courier New" panose="02070309020205020404" pitchFamily="49" charset="0"/>
+              </a:rPr>
+              <a:t>	display: flex;</a:t>
+            </a:r>
+          </a:p>
+          <a:p>
+            <a:r>
+              <a:rPr lang="en-GB" dirty="0">
+                <a:latin typeface="Courier New" panose="02070309020205020404" pitchFamily="49" charset="0"/>
+                <a:cs typeface="Courier New" panose="02070309020205020404" pitchFamily="49" charset="0"/>
+              </a:rPr>
+              <a:t>	justify-content: space-between;</a:t>
+            </a:r>
+          </a:p>
+          <a:p>
+            <a:r>
+              <a:rPr lang="en-GB" dirty="0">
+                <a:latin typeface="Courier New" panose="02070309020205020404" pitchFamily="49" charset="0"/>
+                <a:cs typeface="Courier New" panose="02070309020205020404" pitchFamily="49" charset="0"/>
+              </a:rPr>
+              <a:t>	align-items: </a:t>
+            </a:r>
+            <a:r>
+              <a:rPr lang="en-GB" dirty="0" err="1">
+                <a:latin typeface="Courier New" panose="02070309020205020404" pitchFamily="49" charset="0"/>
+                <a:cs typeface="Courier New" panose="02070309020205020404" pitchFamily="49" charset="0"/>
+              </a:rPr>
+              <a:t>center</a:t>
+            </a:r>
+            <a:r>
+              <a:rPr lang="en-GB" dirty="0">
+                <a:latin typeface="Courier New" panose="02070309020205020404" pitchFamily="49" charset="0"/>
+                <a:cs typeface="Courier New" panose="02070309020205020404" pitchFamily="49" charset="0"/>
+              </a:rPr>
+              <a:t>;</a:t>
+            </a:r>
+            <a:br>
+              <a:rPr lang="en-GB" dirty="0">
+                <a:latin typeface="Courier New" panose="02070309020205020404" pitchFamily="49" charset="0"/>
+                <a:cs typeface="Courier New" panose="02070309020205020404" pitchFamily="49" charset="0"/>
+              </a:rPr>
+            </a:br>
+            <a:r>
+              <a:rPr lang="en-GB" dirty="0">
+                <a:latin typeface="Courier New" panose="02070309020205020404" pitchFamily="49" charset="0"/>
+                <a:cs typeface="Courier New" panose="02070309020205020404" pitchFamily="49" charset="0"/>
+              </a:rPr>
+              <a:t>}</a:t>
+            </a:r>
+          </a:p>
+          <a:p>
+            <a:endParaRPr lang="en-US" dirty="0"/>
+          </a:p>
+        </p:txBody>
+      </p:sp>
+      <p:sp>
+        <p:nvSpPr>
+          <p:cNvPr id="7" name="TextBox 6">
+            <a:extLst>
+              <a:ext uri="{FF2B5EF4-FFF2-40B4-BE49-F238E27FC236}">
+                <a16:creationId xmlns:a16="http://schemas.microsoft.com/office/drawing/2014/main" id="{1923C0ED-98BB-5A42-AF13-3E14E43ACBA7}"/>
+              </a:ext>
+            </a:extLst>
+          </p:cNvPr>
+          <p:cNvSpPr txBox="1"/>
+          <p:nvPr/>
+        </p:nvSpPr>
+        <p:spPr>
+          <a:xfrm>
+            <a:off x="7287452" y="3213556"/>
+            <a:ext cx="4669321" cy="3570208"/>
+          </a:xfrm>
+          <a:prstGeom prst="rect">
+            <a:avLst/>
+          </a:prstGeom>
+          <a:noFill/>
+        </p:spPr>
+        <p:txBody>
+          <a:bodyPr wrap="square" rtlCol="0">
+            <a:spAutoFit/>
+          </a:bodyPr>
+          <a:lstStyle/>
+          <a:p>
+            <a:r>
+              <a:rPr lang="en-GB" dirty="0">
+                <a:latin typeface="Courier New" panose="02070309020205020404" pitchFamily="49" charset="0"/>
+                <a:cs typeface="Courier New" panose="02070309020205020404" pitchFamily="49" charset="0"/>
+              </a:rPr>
+              <a:t>.user-</a:t>
+            </a:r>
+            <a:r>
+              <a:rPr lang="en-GB" dirty="0" err="1">
+                <a:latin typeface="Courier New" panose="02070309020205020404" pitchFamily="49" charset="0"/>
+                <a:cs typeface="Courier New" panose="02070309020205020404" pitchFamily="49" charset="0"/>
+              </a:rPr>
+              <a:t>nav</a:t>
+            </a:r>
+            <a:r>
+              <a:rPr lang="en-GB" dirty="0">
+                <a:latin typeface="Courier New" panose="02070309020205020404" pitchFamily="49" charset="0"/>
+                <a:cs typeface="Courier New" panose="02070309020205020404" pitchFamily="49" charset="0"/>
+              </a:rPr>
+              <a:t> {</a:t>
+            </a:r>
+            <a:br>
+              <a:rPr lang="en-GB" dirty="0">
+                <a:latin typeface="Courier New" panose="02070309020205020404" pitchFamily="49" charset="0"/>
+                <a:cs typeface="Courier New" panose="02070309020205020404" pitchFamily="49" charset="0"/>
+              </a:rPr>
+            </a:br>
+            <a:r>
+              <a:rPr lang="en-GB" dirty="0">
+                <a:latin typeface="Courier New" panose="02070309020205020404" pitchFamily="49" charset="0"/>
+                <a:cs typeface="Courier New" panose="02070309020205020404" pitchFamily="49" charset="0"/>
+              </a:rPr>
+              <a:t>	display: flex;</a:t>
+            </a:r>
+          </a:p>
+          <a:p>
+            <a:r>
+              <a:rPr lang="en-GB" dirty="0">
+                <a:latin typeface="Courier New" panose="02070309020205020404" pitchFamily="49" charset="0"/>
+                <a:cs typeface="Courier New" panose="02070309020205020404" pitchFamily="49" charset="0"/>
+              </a:rPr>
+              <a:t>	align-items: </a:t>
+            </a:r>
+            <a:r>
+              <a:rPr lang="en-GB" dirty="0" err="1">
+                <a:latin typeface="Courier New" panose="02070309020205020404" pitchFamily="49" charset="0"/>
+                <a:cs typeface="Courier New" panose="02070309020205020404" pitchFamily="49" charset="0"/>
+              </a:rPr>
+              <a:t>center</a:t>
+            </a:r>
+            <a:r>
+              <a:rPr lang="en-GB" dirty="0">
+                <a:latin typeface="Courier New" panose="02070309020205020404" pitchFamily="49" charset="0"/>
+                <a:cs typeface="Courier New" panose="02070309020205020404" pitchFamily="49" charset="0"/>
+              </a:rPr>
+              <a:t>;</a:t>
+            </a:r>
+          </a:p>
+          <a:p>
+            <a:r>
+              <a:rPr lang="en-GB" dirty="0">
+                <a:latin typeface="Courier New" panose="02070309020205020404" pitchFamily="49" charset="0"/>
+                <a:cs typeface="Courier New" panose="02070309020205020404" pitchFamily="49" charset="0"/>
+              </a:rPr>
+              <a:t>	align-self: stretch;</a:t>
+            </a:r>
+          </a:p>
+          <a:p>
+            <a:r>
+              <a:rPr lang="en-US" dirty="0">
+                <a:latin typeface="Courier New" panose="02070309020205020404" pitchFamily="49" charset="0"/>
+                <a:cs typeface="Courier New" panose="02070309020205020404" pitchFamily="49" charset="0"/>
+              </a:rPr>
+              <a:t>}</a:t>
+            </a:r>
+          </a:p>
+          <a:p>
+            <a:endParaRPr lang="en-US" dirty="0">
+              <a:latin typeface="Courier New" panose="02070309020205020404" pitchFamily="49" charset="0"/>
+              <a:cs typeface="Courier New" panose="02070309020205020404" pitchFamily="49" charset="0"/>
+            </a:endParaRPr>
+          </a:p>
+          <a:p>
+            <a:r>
+              <a:rPr lang="en-GB" dirty="0">
+                <a:latin typeface="Courier New" panose="02070309020205020404" pitchFamily="49" charset="0"/>
+                <a:cs typeface="Courier New" panose="02070309020205020404" pitchFamily="49" charset="0"/>
+              </a:rPr>
+              <a:t>.search {</a:t>
+            </a:r>
+            <a:br>
+              <a:rPr lang="en-GB" dirty="0">
+                <a:latin typeface="Courier New" panose="02070309020205020404" pitchFamily="49" charset="0"/>
+                <a:cs typeface="Courier New" panose="02070309020205020404" pitchFamily="49" charset="0"/>
+              </a:rPr>
+            </a:br>
+            <a:r>
+              <a:rPr lang="en-GB" dirty="0">
+                <a:latin typeface="Courier New" panose="02070309020205020404" pitchFamily="49" charset="0"/>
+                <a:cs typeface="Courier New" panose="02070309020205020404" pitchFamily="49" charset="0"/>
+              </a:rPr>
+              <a:t>	flex: 0 0 40%;</a:t>
+            </a:r>
+          </a:p>
+          <a:p>
+            <a:r>
+              <a:rPr lang="en-GB" dirty="0">
+                <a:latin typeface="Courier New" panose="02070309020205020404" pitchFamily="49" charset="0"/>
+                <a:cs typeface="Courier New" panose="02070309020205020404" pitchFamily="49" charset="0"/>
+              </a:rPr>
+              <a:t>	display: flex; </a:t>
+            </a:r>
+            <a:r>
+              <a:rPr lang="en-GB" sz="1000" dirty="0">
+                <a:latin typeface="Courier New" panose="02070309020205020404" pitchFamily="49" charset="0"/>
+                <a:cs typeface="Courier New" panose="02070309020205020404" pitchFamily="49" charset="0"/>
+              </a:rPr>
+              <a:t>//flex item is becoming a 	flex container for it’s children</a:t>
+            </a:r>
+          </a:p>
+          <a:p>
+            <a:r>
+              <a:rPr lang="en-GB" dirty="0">
+                <a:latin typeface="Courier New" panose="02070309020205020404" pitchFamily="49" charset="0"/>
+                <a:cs typeface="Courier New" panose="02070309020205020404" pitchFamily="49" charset="0"/>
+              </a:rPr>
+              <a:t>	align-items: </a:t>
+            </a:r>
+            <a:r>
+              <a:rPr lang="en-GB" dirty="0" err="1">
+                <a:latin typeface="Courier New" panose="02070309020205020404" pitchFamily="49" charset="0"/>
+                <a:cs typeface="Courier New" panose="02070309020205020404" pitchFamily="49" charset="0"/>
+              </a:rPr>
+              <a:t>center</a:t>
+            </a:r>
+            <a:r>
+              <a:rPr lang="en-GB" dirty="0">
+                <a:latin typeface="Courier New" panose="02070309020205020404" pitchFamily="49" charset="0"/>
+                <a:cs typeface="Courier New" panose="02070309020205020404" pitchFamily="49" charset="0"/>
+              </a:rPr>
+              <a:t>;</a:t>
+            </a:r>
+          </a:p>
+          <a:p>
+            <a:r>
+              <a:rPr lang="en-GB" dirty="0">
+                <a:latin typeface="Courier New" panose="02070309020205020404" pitchFamily="49" charset="0"/>
+                <a:cs typeface="Courier New" panose="02070309020205020404" pitchFamily="49" charset="0"/>
+              </a:rPr>
+              <a:t>	justify-content: </a:t>
+            </a:r>
+            <a:r>
+              <a:rPr lang="en-GB" dirty="0" err="1">
+                <a:latin typeface="Courier New" panose="02070309020205020404" pitchFamily="49" charset="0"/>
+                <a:cs typeface="Courier New" panose="02070309020205020404" pitchFamily="49" charset="0"/>
+              </a:rPr>
+              <a:t>center</a:t>
+            </a:r>
+            <a:r>
+              <a:rPr lang="en-GB" dirty="0">
+                <a:latin typeface="Courier New" panose="02070309020205020404" pitchFamily="49" charset="0"/>
+                <a:cs typeface="Courier New" panose="02070309020205020404" pitchFamily="49" charset="0"/>
+              </a:rPr>
+              <a:t>;</a:t>
+            </a:r>
+          </a:p>
+          <a:p>
+            <a:r>
+              <a:rPr lang="en-US" dirty="0">
+                <a:latin typeface="Courier New" panose="02070309020205020404" pitchFamily="49" charset="0"/>
+                <a:cs typeface="Courier New" panose="02070309020205020404" pitchFamily="49" charset="0"/>
+              </a:rPr>
+              <a:t>}</a:t>
+            </a:r>
+          </a:p>
+        </p:txBody>
+      </p:sp>
+      <p:pic>
+        <p:nvPicPr>
+          <p:cNvPr id="11" name="Content Placeholder 10">
+            <a:extLst>
+              <a:ext uri="{FF2B5EF4-FFF2-40B4-BE49-F238E27FC236}">
+                <a16:creationId xmlns:a16="http://schemas.microsoft.com/office/drawing/2014/main" id="{178C4E8D-1A4F-994B-B4CC-A37446512BAE}"/>
+              </a:ext>
+            </a:extLst>
+          </p:cNvPr>
+          <p:cNvPicPr>
+            <a:picLocks noGrp="1" noChangeAspect="1"/>
+          </p:cNvPicPr>
           <p:nvPr>
             <p:ph idx="1"/>
           </p:nvPr>
-        </p:nvSpPr>
-        <p:spPr/>
-        <p:txBody>
-          <a:bodyPr>
-            <a:normAutofit fontScale="92500" lnSpcReduction="20000"/>
-          </a:bodyPr>
-          <a:lstStyle/>
-          <a:p>
-            <a:pPr marL="0" indent="0">
-              <a:buNone/>
-            </a:pPr>
-            <a:r>
-              <a:rPr lang="en-GB" dirty="0">
-                <a:latin typeface="Courier New" panose="02070309020205020404" pitchFamily="49" charset="0"/>
-                <a:cs typeface="Courier New" panose="02070309020205020404" pitchFamily="49" charset="0"/>
-              </a:rPr>
-              <a:t>* {</a:t>
-            </a:r>
-          </a:p>
-          <a:p>
-            <a:pPr marL="0" indent="0">
-              <a:buNone/>
-            </a:pPr>
-            <a:r>
-              <a:rPr lang="en-GB" dirty="0">
-                <a:latin typeface="Courier New" panose="02070309020205020404" pitchFamily="49" charset="0"/>
-                <a:cs typeface="Courier New" panose="02070309020205020404" pitchFamily="49" charset="0"/>
-              </a:rPr>
-              <a:t>  margin: 0;</a:t>
-            </a:r>
-          </a:p>
-          <a:p>
-            <a:pPr marL="0" indent="0">
-              <a:buNone/>
-            </a:pPr>
-            <a:r>
-              <a:rPr lang="en-GB" dirty="0">
-                <a:latin typeface="Courier New" panose="02070309020205020404" pitchFamily="49" charset="0"/>
-                <a:cs typeface="Courier New" panose="02070309020205020404" pitchFamily="49" charset="0"/>
-              </a:rPr>
-              <a:t>  padding: 0;</a:t>
-            </a:r>
-          </a:p>
-          <a:p>
-            <a:pPr marL="0" indent="0">
-              <a:buNone/>
-            </a:pPr>
-            <a:r>
-              <a:rPr lang="en-GB" dirty="0">
-                <a:latin typeface="Courier New" panose="02070309020205020404" pitchFamily="49" charset="0"/>
-                <a:cs typeface="Courier New" panose="02070309020205020404" pitchFamily="49" charset="0"/>
-              </a:rPr>
-              <a:t>  box-sizing: border-box;</a:t>
-            </a:r>
-          </a:p>
-          <a:p>
-            <a:pPr marL="0" indent="0">
-              <a:buNone/>
-            </a:pPr>
-            <a:r>
-              <a:rPr lang="en-GB" dirty="0">
-                <a:latin typeface="Courier New" panose="02070309020205020404" pitchFamily="49" charset="0"/>
-                <a:cs typeface="Courier New" panose="02070309020205020404" pitchFamily="49" charset="0"/>
-              </a:rPr>
-              <a:t>}</a:t>
-            </a:r>
-          </a:p>
-          <a:p>
-            <a:pPr marL="0" indent="0">
-              <a:buNone/>
-            </a:pPr>
-            <a:endParaRPr lang="en-GB" dirty="0">
-              <a:latin typeface="Courier New" panose="02070309020205020404" pitchFamily="49" charset="0"/>
-              <a:cs typeface="Courier New" panose="02070309020205020404" pitchFamily="49" charset="0"/>
-            </a:endParaRPr>
-          </a:p>
-          <a:p>
-            <a:pPr marL="0" indent="0">
-              <a:buNone/>
-            </a:pPr>
-            <a:r>
-              <a:rPr lang="en-GB" dirty="0">
-                <a:latin typeface="Courier New" panose="02070309020205020404" pitchFamily="49" charset="0"/>
-                <a:cs typeface="Courier New" panose="02070309020205020404" pitchFamily="49" charset="0"/>
-              </a:rPr>
-              <a:t>.container {</a:t>
-            </a:r>
-          </a:p>
-          <a:p>
-            <a:pPr marL="0" indent="0">
-              <a:buNone/>
-            </a:pPr>
-            <a:r>
-              <a:rPr lang="en-GB" dirty="0">
-                <a:latin typeface="Courier New" panose="02070309020205020404" pitchFamily="49" charset="0"/>
-                <a:cs typeface="Courier New" panose="02070309020205020404" pitchFamily="49" charset="0"/>
-              </a:rPr>
-              <a:t>  background-</a:t>
-            </a:r>
-            <a:r>
-              <a:rPr lang="en-GB" dirty="0" err="1">
-                <a:latin typeface="Courier New" panose="02070309020205020404" pitchFamily="49" charset="0"/>
-                <a:cs typeface="Courier New" panose="02070309020205020404" pitchFamily="49" charset="0"/>
-              </a:rPr>
-              <a:t>color</a:t>
-            </a:r>
-            <a:r>
-              <a:rPr lang="en-GB" dirty="0">
-                <a:latin typeface="Courier New" panose="02070309020205020404" pitchFamily="49" charset="0"/>
-                <a:cs typeface="Courier New" panose="02070309020205020404" pitchFamily="49" charset="0"/>
-              </a:rPr>
-              <a:t>: #ccc;</a:t>
-            </a:r>
-          </a:p>
-          <a:p>
-            <a:pPr marL="0" indent="0">
-              <a:buNone/>
-            </a:pPr>
-            <a:r>
-              <a:rPr lang="en-GB" dirty="0">
-                <a:latin typeface="Courier New" panose="02070309020205020404" pitchFamily="49" charset="0"/>
-                <a:cs typeface="Courier New" panose="02070309020205020404" pitchFamily="49" charset="0"/>
-              </a:rPr>
-              <a:t>  padding: 10px;</a:t>
-            </a:r>
-          </a:p>
-          <a:p>
-            <a:pPr marL="0" indent="0">
-              <a:buNone/>
-            </a:pPr>
-            <a:r>
-              <a:rPr lang="en-GB" dirty="0">
-                <a:latin typeface="Courier New" panose="02070309020205020404" pitchFamily="49" charset="0"/>
-                <a:cs typeface="Courier New" panose="02070309020205020404" pitchFamily="49" charset="0"/>
-              </a:rPr>
-              <a:t>  height: 1000px;</a:t>
-            </a:r>
-          </a:p>
-          <a:p>
-            <a:pPr marL="0" indent="0">
-              <a:buNone/>
-            </a:pPr>
-            <a:r>
-              <a:rPr lang="en-GB" dirty="0">
-                <a:latin typeface="Courier New" panose="02070309020205020404" pitchFamily="49" charset="0"/>
-                <a:cs typeface="Courier New" panose="02070309020205020404" pitchFamily="49" charset="0"/>
-              </a:rPr>
-              <a:t>  </a:t>
-            </a:r>
-          </a:p>
-        </p:txBody>
-      </p:sp>
+        </p:nvPicPr>
+        <p:blipFill>
+          <a:blip r:embed="rId2"/>
+          <a:stretch>
+            <a:fillRect/>
+          </a:stretch>
+        </p:blipFill>
+        <p:spPr>
+          <a:xfrm>
+            <a:off x="580858" y="2204680"/>
+            <a:ext cx="11029950" cy="592212"/>
+          </a:xfrm>
+        </p:spPr>
+      </p:pic>
+      <p:cxnSp>
+        <p:nvCxnSpPr>
+          <p:cNvPr id="13" name="Straight Arrow Connector 12">
+            <a:extLst>
+              <a:ext uri="{FF2B5EF4-FFF2-40B4-BE49-F238E27FC236}">
+                <a16:creationId xmlns:a16="http://schemas.microsoft.com/office/drawing/2014/main" id="{8367F99F-AED0-524F-B1DD-0404101FD187}"/>
+              </a:ext>
+            </a:extLst>
+          </p:cNvPr>
+          <p:cNvCxnSpPr/>
+          <p:nvPr/>
+        </p:nvCxnSpPr>
+        <p:spPr>
+          <a:xfrm flipV="1">
+            <a:off x="1480930" y="2663687"/>
+            <a:ext cx="318053" cy="765313"/>
+          </a:xfrm>
+          <a:prstGeom prst="straightConnector1">
+            <a:avLst/>
+          </a:prstGeom>
+          <a:ln>
+            <a:solidFill>
+              <a:srgbClr val="FFC000"/>
+            </a:solidFill>
+            <a:tailEnd type="triangle"/>
+          </a:ln>
+        </p:spPr>
+        <p:style>
+          <a:lnRef idx="1">
+            <a:schemeClr val="accent1"/>
+          </a:lnRef>
+          <a:fillRef idx="0">
+            <a:schemeClr val="accent1"/>
+          </a:fillRef>
+          <a:effectRef idx="0">
+            <a:schemeClr val="accent1"/>
+          </a:effectRef>
+          <a:fontRef idx="minor">
+            <a:schemeClr val="tx1"/>
+          </a:fontRef>
+        </p:style>
+      </p:cxnSp>
+      <p:cxnSp>
+        <p:nvCxnSpPr>
+          <p:cNvPr id="15" name="Straight Arrow Connector 14">
+            <a:extLst>
+              <a:ext uri="{FF2B5EF4-FFF2-40B4-BE49-F238E27FC236}">
+                <a16:creationId xmlns:a16="http://schemas.microsoft.com/office/drawing/2014/main" id="{9AE422A0-9A1D-2046-ABFF-6EEA2AF50DC2}"/>
+              </a:ext>
+            </a:extLst>
+          </p:cNvPr>
+          <p:cNvCxnSpPr/>
+          <p:nvPr/>
+        </p:nvCxnSpPr>
+        <p:spPr>
+          <a:xfrm flipV="1">
+            <a:off x="8388626" y="2796892"/>
+            <a:ext cx="954157" cy="488724"/>
+          </a:xfrm>
+          <a:prstGeom prst="straightConnector1">
+            <a:avLst/>
+          </a:prstGeom>
+          <a:ln>
+            <a:solidFill>
+              <a:srgbClr val="FFC000"/>
+            </a:solidFill>
+            <a:tailEnd type="triangle"/>
+          </a:ln>
+        </p:spPr>
+        <p:style>
+          <a:lnRef idx="1">
+            <a:schemeClr val="accent1"/>
+          </a:lnRef>
+          <a:fillRef idx="0">
+            <a:schemeClr val="accent1"/>
+          </a:fillRef>
+          <a:effectRef idx="0">
+            <a:schemeClr val="accent1"/>
+          </a:effectRef>
+          <a:fontRef idx="minor">
+            <a:schemeClr val="tx1"/>
+          </a:fontRef>
+        </p:style>
+      </p:cxnSp>
+      <p:cxnSp>
+        <p:nvCxnSpPr>
+          <p:cNvPr id="17" name="Straight Arrow Connector 16">
+            <a:extLst>
+              <a:ext uri="{FF2B5EF4-FFF2-40B4-BE49-F238E27FC236}">
+                <a16:creationId xmlns:a16="http://schemas.microsoft.com/office/drawing/2014/main" id="{B4435D43-FDD7-2B44-9697-3709FE6120D3}"/>
+              </a:ext>
+            </a:extLst>
+          </p:cNvPr>
+          <p:cNvCxnSpPr>
+            <a:stCxn id="7" idx="1"/>
+          </p:cNvCxnSpPr>
+          <p:nvPr/>
+        </p:nvCxnSpPr>
+        <p:spPr>
+          <a:xfrm flipH="1" flipV="1">
+            <a:off x="5764696" y="2663687"/>
+            <a:ext cx="1522756" cy="2334973"/>
+          </a:xfrm>
+          <a:prstGeom prst="straightConnector1">
+            <a:avLst/>
+          </a:prstGeom>
+          <a:ln>
+            <a:solidFill>
+              <a:srgbClr val="FFC000"/>
+            </a:solidFill>
+            <a:tailEnd type="triangle"/>
+          </a:ln>
+        </p:spPr>
+        <p:style>
+          <a:lnRef idx="1">
+            <a:schemeClr val="accent1"/>
+          </a:lnRef>
+          <a:fillRef idx="0">
+            <a:schemeClr val="accent1"/>
+          </a:fillRef>
+          <a:effectRef idx="0">
+            <a:schemeClr val="accent1"/>
+          </a:effectRef>
+          <a:fontRef idx="minor">
+            <a:schemeClr val="tx1"/>
+          </a:fontRef>
+        </p:style>
+      </p:cxnSp>
     </p:spTree>
     <p:extLst>
       <p:ext uri="{BB962C8B-B14F-4D97-AF65-F5344CB8AC3E}">
-        <p14:creationId xmlns:p14="http://schemas.microsoft.com/office/powerpoint/2010/main" val="3441596927"/>
+        <p14:creationId xmlns:p14="http://schemas.microsoft.com/office/powerpoint/2010/main" val="3886172744"/>
       </p:ext>
     </p:extLst>
   </p:cSld>
@@ -10917,7 +9504,7 @@
           <p:cNvPr id="2" name="Title 1">
             <a:extLst>
               <a:ext uri="{FF2B5EF4-FFF2-40B4-BE49-F238E27FC236}">
-                <a16:creationId xmlns:a16="http://schemas.microsoft.com/office/drawing/2014/main" id="{386AA8E3-444F-B144-AC31-9655556A864C}"/>
+                <a16:creationId xmlns:a16="http://schemas.microsoft.com/office/drawing/2014/main" id="{9D1D5B2D-42A0-564B-A56B-BEE7BDCCCE16}"/>
               </a:ext>
             </a:extLst>
           </p:cNvPr>
@@ -10934,352 +9521,222 @@
           <a:lstStyle/>
           <a:p>
             <a:r>
+              <a:rPr lang="en-US" dirty="0" err="1"/>
+              <a:t>Trillo</a:t>
+            </a:r>
+            <a:r>
               <a:rPr lang="en-US" dirty="0"/>
-              <a:t>Example code for playing with in </a:t>
-            </a:r>
-            <a:r>
-              <a:rPr lang="en-US" dirty="0" err="1"/>
-              <a:t>codepen</a:t>
-            </a:r>
-            <a:r>
-              <a:rPr lang="en-US" dirty="0"/>
-              <a:t> - </a:t>
-            </a:r>
-            <a:r>
-              <a:rPr lang="en-US" dirty="0" err="1"/>
-              <a:t>css</a:t>
-            </a:r>
-            <a:endParaRPr lang="en-US" dirty="0"/>
-          </a:p>
-        </p:txBody>
-      </p:sp>
-      <p:sp>
-        <p:nvSpPr>
-          <p:cNvPr id="3" name="Content Placeholder 2">
+              <a:t> application – side bar</a:t>
+            </a:r>
+          </a:p>
+        </p:txBody>
+      </p:sp>
+      <p:pic>
+        <p:nvPicPr>
+          <p:cNvPr id="5" name="Content Placeholder 4">
             <a:extLst>
               <a:ext uri="{FF2B5EF4-FFF2-40B4-BE49-F238E27FC236}">
-                <a16:creationId xmlns:a16="http://schemas.microsoft.com/office/drawing/2014/main" id="{68B408C5-344B-8E4B-AA6D-F77D632B3A1D}"/>
+                <a16:creationId xmlns:a16="http://schemas.microsoft.com/office/drawing/2014/main" id="{7541ACC0-2DEC-7845-B9DC-20CEB59886DF}"/>
               </a:ext>
             </a:extLst>
           </p:cNvPr>
-          <p:cNvSpPr>
-            <a:spLocks noGrp="1"/>
-          </p:cNvSpPr>
+          <p:cNvPicPr>
+            <a:picLocks noGrp="1" noChangeAspect="1"/>
+          </p:cNvPicPr>
           <p:nvPr>
             <p:ph idx="1"/>
           </p:nvPr>
-        </p:nvSpPr>
-        <p:spPr>
-          <a:xfrm>
-            <a:off x="581193" y="2477541"/>
-            <a:ext cx="11029615" cy="3678303"/>
-          </a:xfrm>
-        </p:spPr>
-        <p:txBody>
-          <a:bodyPr>
-            <a:noAutofit/>
+        </p:nvPicPr>
+        <p:blipFill>
+          <a:blip r:embed="rId2"/>
+          <a:stretch>
+            <a:fillRect/>
+          </a:stretch>
+        </p:blipFill>
+        <p:spPr>
+          <a:xfrm>
+            <a:off x="761610" y="2298321"/>
+            <a:ext cx="1445266" cy="3678238"/>
+          </a:xfrm>
+        </p:spPr>
+      </p:pic>
+      <p:pic>
+        <p:nvPicPr>
+          <p:cNvPr id="7" name="Picture 6">
+            <a:extLst>
+              <a:ext uri="{FF2B5EF4-FFF2-40B4-BE49-F238E27FC236}">
+                <a16:creationId xmlns:a16="http://schemas.microsoft.com/office/drawing/2014/main" id="{935AA73E-23D8-084B-9B8B-D5EF8206E227}"/>
+              </a:ext>
+            </a:extLst>
+          </p:cNvPr>
+          <p:cNvPicPr>
+            <a:picLocks noChangeAspect="1"/>
+          </p:cNvPicPr>
+          <p:nvPr/>
+        </p:nvPicPr>
+        <p:blipFill>
+          <a:blip r:embed="rId3"/>
+          <a:stretch>
+            <a:fillRect/>
+          </a:stretch>
+        </p:blipFill>
+        <p:spPr>
+          <a:xfrm>
+            <a:off x="761610" y="4137440"/>
+            <a:ext cx="1420187" cy="1766403"/>
+          </a:xfrm>
+          <a:prstGeom prst="rect">
+            <a:avLst/>
+          </a:prstGeom>
+        </p:spPr>
+      </p:pic>
+      <p:sp>
+        <p:nvSpPr>
+          <p:cNvPr id="8" name="TextBox 7">
+            <a:extLst>
+              <a:ext uri="{FF2B5EF4-FFF2-40B4-BE49-F238E27FC236}">
+                <a16:creationId xmlns:a16="http://schemas.microsoft.com/office/drawing/2014/main" id="{32B1456D-EFFF-4F46-A9C8-989E0F0FD1E4}"/>
+              </a:ext>
+            </a:extLst>
+          </p:cNvPr>
+          <p:cNvSpPr txBox="1"/>
+          <p:nvPr/>
+        </p:nvSpPr>
+        <p:spPr>
+          <a:xfrm>
+            <a:off x="2440613" y="2844778"/>
+            <a:ext cx="9751387" cy="2585323"/>
+          </a:xfrm>
+          <a:prstGeom prst="rect">
+            <a:avLst/>
+          </a:prstGeom>
+          <a:noFill/>
+        </p:spPr>
+        <p:txBody>
+          <a:bodyPr wrap="none" rtlCol="0">
+            <a:spAutoFit/>
           </a:bodyPr>
           <a:lstStyle/>
           <a:p>
-            <a:pPr marL="0" indent="0">
-              <a:buNone/>
-            </a:pPr>
-            <a:r>
-              <a:rPr lang="en-GB" sz="800" dirty="0">
-                <a:latin typeface="Courier New" panose="02070309020205020404" pitchFamily="49" charset="0"/>
-                <a:cs typeface="Courier New" panose="02070309020205020404" pitchFamily="49" charset="0"/>
-              </a:rPr>
-              <a:t>display: flex;</a:t>
-            </a:r>
-          </a:p>
-          <a:p>
-            <a:pPr marL="0" indent="0">
-              <a:buNone/>
-            </a:pPr>
-            <a:r>
-              <a:rPr lang="en-GB" sz="800" dirty="0">
-                <a:latin typeface="Courier New" panose="02070309020205020404" pitchFamily="49" charset="0"/>
-                <a:cs typeface="Courier New" panose="02070309020205020404" pitchFamily="49" charset="0"/>
-              </a:rPr>
-              <a:t>/*   flex-direction: row-reverse; */</a:t>
-            </a:r>
-          </a:p>
-          <a:p>
-            <a:pPr marL="0" indent="0">
-              <a:buNone/>
-            </a:pPr>
-            <a:r>
-              <a:rPr lang="en-GB" sz="800" dirty="0">
-                <a:latin typeface="Courier New" panose="02070309020205020404" pitchFamily="49" charset="0"/>
-                <a:cs typeface="Courier New" panose="02070309020205020404" pitchFamily="49" charset="0"/>
-              </a:rPr>
-              <a:t>/*   flex-direction: column; */</a:t>
-            </a:r>
-          </a:p>
-          <a:p>
-            <a:pPr marL="0" indent="0">
-              <a:buNone/>
-            </a:pPr>
-            <a:r>
-              <a:rPr lang="en-GB" sz="800" dirty="0">
-                <a:latin typeface="Courier New" panose="02070309020205020404" pitchFamily="49" charset="0"/>
-                <a:cs typeface="Courier New" panose="02070309020205020404" pitchFamily="49" charset="0"/>
-              </a:rPr>
-              <a:t>/*   flex-direction: column-reverse; */</a:t>
-            </a:r>
-          </a:p>
-          <a:p>
-            <a:pPr marL="0" indent="0">
-              <a:buNone/>
-            </a:pPr>
-            <a:r>
-              <a:rPr lang="en-GB" sz="800" dirty="0">
-                <a:latin typeface="Courier New" panose="02070309020205020404" pitchFamily="49" charset="0"/>
-                <a:cs typeface="Courier New" panose="02070309020205020404" pitchFamily="49" charset="0"/>
-              </a:rPr>
-              <a:t>/*   justify-content: flex-end; */</a:t>
-            </a:r>
-          </a:p>
-          <a:p>
-            <a:pPr marL="0" indent="0">
-              <a:buNone/>
-            </a:pPr>
-            <a:r>
-              <a:rPr lang="en-GB" sz="800" dirty="0">
-                <a:latin typeface="Courier New" panose="02070309020205020404" pitchFamily="49" charset="0"/>
-                <a:cs typeface="Courier New" panose="02070309020205020404" pitchFamily="49" charset="0"/>
-              </a:rPr>
-              <a:t>/*   justify-content: </a:t>
-            </a:r>
-            <a:r>
-              <a:rPr lang="en-GB" sz="800" dirty="0" err="1">
-                <a:latin typeface="Courier New" panose="02070309020205020404" pitchFamily="49" charset="0"/>
-                <a:cs typeface="Courier New" panose="02070309020205020404" pitchFamily="49" charset="0"/>
-              </a:rPr>
-              <a:t>center</a:t>
-            </a:r>
-            <a:r>
-              <a:rPr lang="en-GB" sz="800" dirty="0">
-                <a:latin typeface="Courier New" panose="02070309020205020404" pitchFamily="49" charset="0"/>
-                <a:cs typeface="Courier New" panose="02070309020205020404" pitchFamily="49" charset="0"/>
-              </a:rPr>
-              <a:t>; */</a:t>
-            </a:r>
-          </a:p>
-          <a:p>
-            <a:pPr marL="0" indent="0">
-              <a:buNone/>
-            </a:pPr>
-            <a:r>
-              <a:rPr lang="en-GB" sz="800" dirty="0">
-                <a:latin typeface="Courier New" panose="02070309020205020404" pitchFamily="49" charset="0"/>
-                <a:cs typeface="Courier New" panose="02070309020205020404" pitchFamily="49" charset="0"/>
-              </a:rPr>
-              <a:t>/*   justify-content: space-between; */</a:t>
-            </a:r>
-          </a:p>
-          <a:p>
-            <a:pPr marL="0" indent="0">
-              <a:buNone/>
-            </a:pPr>
-            <a:r>
-              <a:rPr lang="en-GB" sz="800" dirty="0">
-                <a:latin typeface="Courier New" panose="02070309020205020404" pitchFamily="49" charset="0"/>
-                <a:cs typeface="Courier New" panose="02070309020205020404" pitchFamily="49" charset="0"/>
-              </a:rPr>
-              <a:t>/*   justify-content: space-around; */</a:t>
-            </a:r>
-          </a:p>
-          <a:p>
-            <a:pPr marL="0" indent="0">
-              <a:buNone/>
-            </a:pPr>
-            <a:r>
-              <a:rPr lang="en-GB" sz="800" dirty="0">
-                <a:latin typeface="Courier New" panose="02070309020205020404" pitchFamily="49" charset="0"/>
-                <a:cs typeface="Courier New" panose="02070309020205020404" pitchFamily="49" charset="0"/>
-              </a:rPr>
-              <a:t>/*   justify-content: space-evenly;   */</a:t>
-            </a:r>
-          </a:p>
-          <a:p>
-            <a:pPr marL="0" indent="0">
-              <a:buNone/>
-            </a:pPr>
-            <a:r>
-              <a:rPr lang="en-GB" sz="800" dirty="0">
-                <a:latin typeface="Courier New" panose="02070309020205020404" pitchFamily="49" charset="0"/>
-                <a:cs typeface="Courier New" panose="02070309020205020404" pitchFamily="49" charset="0"/>
-              </a:rPr>
-              <a:t>/*   align-items: flex-start; */</a:t>
-            </a:r>
-          </a:p>
-          <a:p>
-            <a:pPr marL="0" indent="0">
-              <a:buNone/>
-            </a:pPr>
-            <a:r>
-              <a:rPr lang="en-GB" sz="800" dirty="0">
-                <a:latin typeface="Courier New" panose="02070309020205020404" pitchFamily="49" charset="0"/>
-                <a:cs typeface="Courier New" panose="02070309020205020404" pitchFamily="49" charset="0"/>
-              </a:rPr>
-              <a:t>/*   align-items: flex-end; */</a:t>
-            </a:r>
-          </a:p>
-          <a:p>
-            <a:pPr marL="0" indent="0">
-              <a:buNone/>
-            </a:pPr>
-            <a:r>
-              <a:rPr lang="en-GB" sz="800" dirty="0">
-                <a:latin typeface="Courier New" panose="02070309020205020404" pitchFamily="49" charset="0"/>
-                <a:cs typeface="Courier New" panose="02070309020205020404" pitchFamily="49" charset="0"/>
-              </a:rPr>
-              <a:t>/*   align-items: </a:t>
-            </a:r>
-            <a:r>
-              <a:rPr lang="en-GB" sz="800" dirty="0" err="1">
-                <a:latin typeface="Courier New" panose="02070309020205020404" pitchFamily="49" charset="0"/>
-                <a:cs typeface="Courier New" panose="02070309020205020404" pitchFamily="49" charset="0"/>
-              </a:rPr>
-              <a:t>center</a:t>
-            </a:r>
-            <a:r>
-              <a:rPr lang="en-GB" sz="800" dirty="0">
-                <a:latin typeface="Courier New" panose="02070309020205020404" pitchFamily="49" charset="0"/>
-                <a:cs typeface="Courier New" panose="02070309020205020404" pitchFamily="49" charset="0"/>
-              </a:rPr>
-              <a:t>; */</a:t>
-            </a:r>
-          </a:p>
-          <a:p>
-            <a:pPr marL="0" indent="0">
-              <a:buNone/>
-            </a:pPr>
-            <a:r>
-              <a:rPr lang="en-GB" sz="800" dirty="0">
-                <a:latin typeface="Courier New" panose="02070309020205020404" pitchFamily="49" charset="0"/>
-                <a:cs typeface="Courier New" panose="02070309020205020404" pitchFamily="49" charset="0"/>
-              </a:rPr>
-              <a:t>/*   align-items: baseline; */</a:t>
-            </a:r>
-          </a:p>
-          <a:p>
-            <a:pPr marL="0" indent="0">
-              <a:buNone/>
-            </a:pPr>
-            <a:r>
-              <a:rPr lang="en-GB" sz="800" dirty="0">
-                <a:latin typeface="Courier New" panose="02070309020205020404" pitchFamily="49" charset="0"/>
-                <a:cs typeface="Courier New" panose="02070309020205020404" pitchFamily="49" charset="0"/>
-              </a:rPr>
-              <a:t>/*   flex-wrap: wrap; */</a:t>
-            </a:r>
-          </a:p>
-          <a:p>
-            <a:pPr marL="0" indent="0">
-              <a:buNone/>
-            </a:pPr>
-            <a:r>
-              <a:rPr lang="en-GB" sz="800" dirty="0">
-                <a:latin typeface="Courier New" panose="02070309020205020404" pitchFamily="49" charset="0"/>
-                <a:cs typeface="Courier New" panose="02070309020205020404" pitchFamily="49" charset="0"/>
-              </a:rPr>
-              <a:t>/*   flex-wrap: wrap-reverse; */</a:t>
-            </a:r>
-          </a:p>
-          <a:p>
-            <a:pPr marL="0" indent="0">
-              <a:buNone/>
-            </a:pPr>
-            <a:r>
-              <a:rPr lang="en-GB" sz="800" dirty="0">
-                <a:latin typeface="Courier New" panose="02070309020205020404" pitchFamily="49" charset="0"/>
-                <a:cs typeface="Courier New" panose="02070309020205020404" pitchFamily="49" charset="0"/>
-              </a:rPr>
-              <a:t>/*   align-content: flex-start; */</a:t>
-            </a:r>
-          </a:p>
-          <a:p>
-            <a:pPr marL="0" indent="0">
-              <a:buNone/>
-            </a:pPr>
-            <a:r>
-              <a:rPr lang="en-GB" sz="800" dirty="0">
-                <a:latin typeface="Courier New" panose="02070309020205020404" pitchFamily="49" charset="0"/>
-                <a:cs typeface="Courier New" panose="02070309020205020404" pitchFamily="49" charset="0"/>
-              </a:rPr>
-              <a:t>/*   align-content: flex-end; */</a:t>
-            </a:r>
-          </a:p>
-          <a:p>
-            <a:pPr marL="0" indent="0">
-              <a:buNone/>
-            </a:pPr>
-            <a:r>
-              <a:rPr lang="en-GB" sz="800" dirty="0">
-                <a:latin typeface="Courier New" panose="02070309020205020404" pitchFamily="49" charset="0"/>
-                <a:cs typeface="Courier New" panose="02070309020205020404" pitchFamily="49" charset="0"/>
-              </a:rPr>
-              <a:t>/*   align-content: </a:t>
-            </a:r>
-            <a:r>
-              <a:rPr lang="en-GB" sz="800" dirty="0" err="1">
-                <a:latin typeface="Courier New" panose="02070309020205020404" pitchFamily="49" charset="0"/>
-                <a:cs typeface="Courier New" panose="02070309020205020404" pitchFamily="49" charset="0"/>
-              </a:rPr>
-              <a:t>center</a:t>
-            </a:r>
-            <a:r>
-              <a:rPr lang="en-GB" sz="800" dirty="0">
-                <a:latin typeface="Courier New" panose="02070309020205020404" pitchFamily="49" charset="0"/>
-                <a:cs typeface="Courier New" panose="02070309020205020404" pitchFamily="49" charset="0"/>
-              </a:rPr>
-              <a:t>; */</a:t>
-            </a:r>
-          </a:p>
-          <a:p>
-            <a:pPr marL="0" indent="0">
-              <a:buNone/>
-            </a:pPr>
-            <a:r>
-              <a:rPr lang="en-GB" sz="800" dirty="0">
-                <a:latin typeface="Courier New" panose="02070309020205020404" pitchFamily="49" charset="0"/>
-                <a:cs typeface="Courier New" panose="02070309020205020404" pitchFamily="49" charset="0"/>
-              </a:rPr>
-              <a:t>/*   align-content: space-around; */</a:t>
-            </a:r>
-          </a:p>
-          <a:p>
-            <a:pPr marL="0" indent="0">
-              <a:buNone/>
-            </a:pPr>
-            <a:r>
-              <a:rPr lang="en-GB" sz="800" dirty="0">
-                <a:latin typeface="Courier New" panose="02070309020205020404" pitchFamily="49" charset="0"/>
-                <a:cs typeface="Courier New" panose="02070309020205020404" pitchFamily="49" charset="0"/>
-              </a:rPr>
-              <a:t>/*   align-content: space-between; */</a:t>
-            </a:r>
-          </a:p>
-          <a:p>
-            <a:pPr marL="0" indent="0">
-              <a:buNone/>
-            </a:pPr>
-            <a:r>
-              <a:rPr lang="en-GB" sz="800" dirty="0">
+            <a:r>
+              <a:rPr lang="en-GB" dirty="0">
+                <a:latin typeface="Courier New" panose="02070309020205020404" pitchFamily="49" charset="0"/>
+                <a:cs typeface="Courier New" panose="02070309020205020404" pitchFamily="49" charset="0"/>
+              </a:rPr>
+              <a:t>.sidebar {</a:t>
+            </a:r>
+          </a:p>
+          <a:p>
+            <a:r>
+              <a:rPr lang="en-GB" dirty="0">
+                <a:latin typeface="Courier New" panose="02070309020205020404" pitchFamily="49" charset="0"/>
+                <a:cs typeface="Courier New" panose="02070309020205020404" pitchFamily="49" charset="0"/>
+              </a:rPr>
+              <a:t>	background-</a:t>
+            </a:r>
+            <a:r>
+              <a:rPr lang="en-GB" dirty="0" err="1">
+                <a:latin typeface="Courier New" panose="02070309020205020404" pitchFamily="49" charset="0"/>
+                <a:cs typeface="Courier New" panose="02070309020205020404" pitchFamily="49" charset="0"/>
+              </a:rPr>
+              <a:t>color</a:t>
+            </a:r>
+            <a:r>
+              <a:rPr lang="en-GB" dirty="0">
+                <a:latin typeface="Courier New" panose="02070309020205020404" pitchFamily="49" charset="0"/>
+                <a:cs typeface="Courier New" panose="02070309020205020404" pitchFamily="49" charset="0"/>
+              </a:rPr>
+              <a:t>: </a:t>
+            </a:r>
+            <a:r>
+              <a:rPr lang="en-GB" dirty="0" err="1">
+                <a:latin typeface="Courier New" panose="02070309020205020404" pitchFamily="49" charset="0"/>
+                <a:cs typeface="Courier New" panose="02070309020205020404" pitchFamily="49" charset="0"/>
+              </a:rPr>
+              <a:t>var</a:t>
+            </a:r>
+            <a:r>
+              <a:rPr lang="en-GB" dirty="0">
+                <a:latin typeface="Courier New" panose="02070309020205020404" pitchFamily="49" charset="0"/>
+                <a:cs typeface="Courier New" panose="02070309020205020404" pitchFamily="49" charset="0"/>
+              </a:rPr>
+              <a:t>(--color-grey-dark-1);</a:t>
+            </a:r>
+          </a:p>
+          <a:p>
+            <a:br>
+              <a:rPr lang="en-GB" dirty="0">
+                <a:latin typeface="Courier New" panose="02070309020205020404" pitchFamily="49" charset="0"/>
+                <a:cs typeface="Courier New" panose="02070309020205020404" pitchFamily="49" charset="0"/>
+              </a:rPr>
+            </a:br>
+            <a:r>
+              <a:rPr lang="en-GB" dirty="0">
+                <a:latin typeface="Courier New" panose="02070309020205020404" pitchFamily="49" charset="0"/>
+                <a:cs typeface="Courier New" panose="02070309020205020404" pitchFamily="49" charset="0"/>
+              </a:rPr>
+              <a:t>	flex: 0 0 18%; </a:t>
+            </a:r>
+            <a:r>
+              <a:rPr lang="en-GB" sz="1000" dirty="0">
+                <a:latin typeface="Courier New" panose="02070309020205020404" pitchFamily="49" charset="0"/>
+                <a:cs typeface="Courier New" panose="02070309020205020404" pitchFamily="49" charset="0"/>
+              </a:rPr>
+              <a:t>//don't grow or shrink and width is 18%</a:t>
+            </a:r>
+          </a:p>
+          <a:p>
+            <a:r>
+              <a:rPr lang="en-GB" dirty="0">
+                <a:latin typeface="Courier New" panose="02070309020205020404" pitchFamily="49" charset="0"/>
+                <a:cs typeface="Courier New" panose="02070309020205020404" pitchFamily="49" charset="0"/>
+              </a:rPr>
+              <a:t>	display: flex;</a:t>
+            </a:r>
+          </a:p>
+          <a:p>
+            <a:r>
+              <a:rPr lang="en-GB" dirty="0">
+                <a:latin typeface="Courier New" panose="02070309020205020404" pitchFamily="49" charset="0"/>
+                <a:cs typeface="Courier New" panose="02070309020205020404" pitchFamily="49" charset="0"/>
+              </a:rPr>
+              <a:t>	flex-direction: column;</a:t>
+            </a:r>
+          </a:p>
+          <a:p>
+            <a:r>
+              <a:rPr lang="en-GB" dirty="0">
+                <a:latin typeface="Courier New" panose="02070309020205020404" pitchFamily="49" charset="0"/>
+                <a:cs typeface="Courier New" panose="02070309020205020404" pitchFamily="49" charset="0"/>
+              </a:rPr>
+              <a:t>	justify-content: space-between; </a:t>
+            </a:r>
+            <a:r>
+              <a:rPr lang="en-GB" sz="1000" dirty="0">
+                <a:latin typeface="Courier New" panose="02070309020205020404" pitchFamily="49" charset="0"/>
+                <a:cs typeface="Courier New" panose="02070309020205020404" pitchFamily="49" charset="0"/>
+              </a:rPr>
+              <a:t>//This has the effect of pushing the legal text to the bottom</a:t>
+            </a:r>
+          </a:p>
+          <a:p>
+            <a:r>
+              <a:rPr lang="en-GB" dirty="0">
                 <a:latin typeface="Courier New" panose="02070309020205020404" pitchFamily="49" charset="0"/>
                 <a:cs typeface="Courier New" panose="02070309020205020404" pitchFamily="49" charset="0"/>
               </a:rPr>
               <a:t>}</a:t>
             </a:r>
+          </a:p>
+          <a:p>
+            <a:endParaRPr lang="en-US" dirty="0"/>
           </a:p>
         </p:txBody>
       </p:sp>
     </p:spTree>
     <p:extLst>
       <p:ext uri="{BB962C8B-B14F-4D97-AF65-F5344CB8AC3E}">
-        <p14:creationId xmlns:p14="http://schemas.microsoft.com/office/powerpoint/2010/main" val="3532820561"/>
+        <p14:creationId xmlns:p14="http://schemas.microsoft.com/office/powerpoint/2010/main" val="623066704"/>
       </p:ext>
     </p:extLst>
   </p:cSld>
